--- a/ConnBlockchains/images/BlockchainImages2.pptx
+++ b/ConnBlockchains/images/BlockchainImages2.pptx
@@ -14,6 +14,9 @@
     <p:sldId id="266" r:id="rId8"/>
     <p:sldId id="268" r:id="rId9"/>
     <p:sldId id="269" r:id="rId10"/>
+    <p:sldId id="270" r:id="rId11"/>
+    <p:sldId id="271" r:id="rId12"/>
+    <p:sldId id="272" r:id="rId13"/>
   </p:sldIdLst>
   <p:sldSz cx="12192000" cy="6858000"/>
   <p:notesSz cx="6858000" cy="9144000"/>
@@ -114,7 +117,7 @@
   </p:defaultTextStyle>
   <p:extLst>
     <p:ext uri="{EFAFB233-063F-42B5-8137-9DF3F51BA10A}">
-      <p15:sldGuideLst xmlns:p15="http://schemas.microsoft.com/office/powerpoint/2012/main" xmlns="">
+      <p15:sldGuideLst xmlns="" xmlns:p15="http://schemas.microsoft.com/office/powerpoint/2012/main">
         <p15:guide id="1" orient="horz" pos="2160">
           <p15:clr>
             <a:srgbClr val="A4A3A4"/>
@@ -261,7 +264,7 @@
             <a:fld id="{C2F463EA-8CAB-49D9-9558-9A4296B1F92C}" type="datetimeFigureOut">
               <a:rPr lang="en-US" smtClean="0"/>
               <a:pPr/>
-              <a:t>1/1/2018</a:t>
+              <a:t>3/4/2018</a:t>
             </a:fld>
             <a:endParaRPr lang="en-US"/>
           </a:p>
@@ -313,7 +316,7 @@
     </p:spTree>
     <p:extLst>
       <p:ext uri="{BB962C8B-B14F-4D97-AF65-F5344CB8AC3E}">
-        <p14:creationId xmlns:p14="http://schemas.microsoft.com/office/powerpoint/2010/main" xmlns="" val="3979571287"/>
+        <p14:creationId xmlns="" xmlns:p14="http://schemas.microsoft.com/office/powerpoint/2010/main" val="3979571287"/>
       </p:ext>
     </p:extLst>
   </p:cSld>
@@ -431,7 +434,7 @@
             <a:fld id="{C2F463EA-8CAB-49D9-9558-9A4296B1F92C}" type="datetimeFigureOut">
               <a:rPr lang="en-US" smtClean="0"/>
               <a:pPr/>
-              <a:t>1/1/2018</a:t>
+              <a:t>3/4/2018</a:t>
             </a:fld>
             <a:endParaRPr lang="en-US"/>
           </a:p>
@@ -483,7 +486,7 @@
     </p:spTree>
     <p:extLst>
       <p:ext uri="{BB962C8B-B14F-4D97-AF65-F5344CB8AC3E}">
-        <p14:creationId xmlns:p14="http://schemas.microsoft.com/office/powerpoint/2010/main" xmlns="" val="2989747269"/>
+        <p14:creationId xmlns="" xmlns:p14="http://schemas.microsoft.com/office/powerpoint/2010/main" val="2989747269"/>
       </p:ext>
     </p:extLst>
   </p:cSld>
@@ -611,7 +614,7 @@
             <a:fld id="{C2F463EA-8CAB-49D9-9558-9A4296B1F92C}" type="datetimeFigureOut">
               <a:rPr lang="en-US" smtClean="0"/>
               <a:pPr/>
-              <a:t>1/1/2018</a:t>
+              <a:t>3/4/2018</a:t>
             </a:fld>
             <a:endParaRPr lang="en-US"/>
           </a:p>
@@ -663,7 +666,7 @@
     </p:spTree>
     <p:extLst>
       <p:ext uri="{BB962C8B-B14F-4D97-AF65-F5344CB8AC3E}">
-        <p14:creationId xmlns:p14="http://schemas.microsoft.com/office/powerpoint/2010/main" xmlns="" val="1201660933"/>
+        <p14:creationId xmlns="" xmlns:p14="http://schemas.microsoft.com/office/powerpoint/2010/main" val="1201660933"/>
       </p:ext>
     </p:extLst>
   </p:cSld>
@@ -781,7 +784,7 @@
             <a:fld id="{C2F463EA-8CAB-49D9-9558-9A4296B1F92C}" type="datetimeFigureOut">
               <a:rPr lang="en-US" smtClean="0"/>
               <a:pPr/>
-              <a:t>1/1/2018</a:t>
+              <a:t>3/4/2018</a:t>
             </a:fld>
             <a:endParaRPr lang="en-US"/>
           </a:p>
@@ -833,7 +836,7 @@
     </p:spTree>
     <p:extLst>
       <p:ext uri="{BB962C8B-B14F-4D97-AF65-F5344CB8AC3E}">
-        <p14:creationId xmlns:p14="http://schemas.microsoft.com/office/powerpoint/2010/main" xmlns="" val="4083079837"/>
+        <p14:creationId xmlns="" xmlns:p14="http://schemas.microsoft.com/office/powerpoint/2010/main" val="4083079837"/>
       </p:ext>
     </p:extLst>
   </p:cSld>
@@ -1028,7 +1031,7 @@
             <a:fld id="{C2F463EA-8CAB-49D9-9558-9A4296B1F92C}" type="datetimeFigureOut">
               <a:rPr lang="en-US" smtClean="0"/>
               <a:pPr/>
-              <a:t>1/1/2018</a:t>
+              <a:t>3/4/2018</a:t>
             </a:fld>
             <a:endParaRPr lang="en-US"/>
           </a:p>
@@ -1080,7 +1083,7 @@
     </p:spTree>
     <p:extLst>
       <p:ext uri="{BB962C8B-B14F-4D97-AF65-F5344CB8AC3E}">
-        <p14:creationId xmlns:p14="http://schemas.microsoft.com/office/powerpoint/2010/main" xmlns="" val="651220028"/>
+        <p14:creationId xmlns="" xmlns:p14="http://schemas.microsoft.com/office/powerpoint/2010/main" val="651220028"/>
       </p:ext>
     </p:extLst>
   </p:cSld>
@@ -1259,7 +1262,7 @@
             <a:fld id="{C2F463EA-8CAB-49D9-9558-9A4296B1F92C}" type="datetimeFigureOut">
               <a:rPr lang="en-US" smtClean="0"/>
               <a:pPr/>
-              <a:t>1/1/2018</a:t>
+              <a:t>3/4/2018</a:t>
             </a:fld>
             <a:endParaRPr lang="en-US"/>
           </a:p>
@@ -1311,7 +1314,7 @@
     </p:spTree>
     <p:extLst>
       <p:ext uri="{BB962C8B-B14F-4D97-AF65-F5344CB8AC3E}">
-        <p14:creationId xmlns:p14="http://schemas.microsoft.com/office/powerpoint/2010/main" xmlns="" val="1027071935"/>
+        <p14:creationId xmlns="" xmlns:p14="http://schemas.microsoft.com/office/powerpoint/2010/main" val="1027071935"/>
       </p:ext>
     </p:extLst>
   </p:cSld>
@@ -1625,7 +1628,7 @@
             <a:fld id="{C2F463EA-8CAB-49D9-9558-9A4296B1F92C}" type="datetimeFigureOut">
               <a:rPr lang="en-US" smtClean="0"/>
               <a:pPr/>
-              <a:t>1/1/2018</a:t>
+              <a:t>3/4/2018</a:t>
             </a:fld>
             <a:endParaRPr lang="en-US"/>
           </a:p>
@@ -1677,7 +1680,7 @@
     </p:spTree>
     <p:extLst>
       <p:ext uri="{BB962C8B-B14F-4D97-AF65-F5344CB8AC3E}">
-        <p14:creationId xmlns:p14="http://schemas.microsoft.com/office/powerpoint/2010/main" xmlns="" val="3380373450"/>
+        <p14:creationId xmlns="" xmlns:p14="http://schemas.microsoft.com/office/powerpoint/2010/main" val="3380373450"/>
       </p:ext>
     </p:extLst>
   </p:cSld>
@@ -1744,7 +1747,7 @@
             <a:fld id="{C2F463EA-8CAB-49D9-9558-9A4296B1F92C}" type="datetimeFigureOut">
               <a:rPr lang="en-US" smtClean="0"/>
               <a:pPr/>
-              <a:t>1/1/2018</a:t>
+              <a:t>3/4/2018</a:t>
             </a:fld>
             <a:endParaRPr lang="en-US"/>
           </a:p>
@@ -1796,7 +1799,7 @@
     </p:spTree>
     <p:extLst>
       <p:ext uri="{BB962C8B-B14F-4D97-AF65-F5344CB8AC3E}">
-        <p14:creationId xmlns:p14="http://schemas.microsoft.com/office/powerpoint/2010/main" xmlns="" val="2966097024"/>
+        <p14:creationId xmlns="" xmlns:p14="http://schemas.microsoft.com/office/powerpoint/2010/main" val="2966097024"/>
       </p:ext>
     </p:extLst>
   </p:cSld>
@@ -1841,7 +1844,7 @@
             <a:fld id="{C2F463EA-8CAB-49D9-9558-9A4296B1F92C}" type="datetimeFigureOut">
               <a:rPr lang="en-US" smtClean="0"/>
               <a:pPr/>
-              <a:t>1/1/2018</a:t>
+              <a:t>3/4/2018</a:t>
             </a:fld>
             <a:endParaRPr lang="en-US"/>
           </a:p>
@@ -1893,7 +1896,7 @@
     </p:spTree>
     <p:extLst>
       <p:ext uri="{BB962C8B-B14F-4D97-AF65-F5344CB8AC3E}">
-        <p14:creationId xmlns:p14="http://schemas.microsoft.com/office/powerpoint/2010/main" xmlns="" val="2175806723"/>
+        <p14:creationId xmlns="" xmlns:p14="http://schemas.microsoft.com/office/powerpoint/2010/main" val="2175806723"/>
       </p:ext>
     </p:extLst>
   </p:cSld>
@@ -2118,7 +2121,7 @@
             <a:fld id="{C2F463EA-8CAB-49D9-9558-9A4296B1F92C}" type="datetimeFigureOut">
               <a:rPr lang="en-US" smtClean="0"/>
               <a:pPr/>
-              <a:t>1/1/2018</a:t>
+              <a:t>3/4/2018</a:t>
             </a:fld>
             <a:endParaRPr lang="en-US"/>
           </a:p>
@@ -2170,7 +2173,7 @@
     </p:spTree>
     <p:extLst>
       <p:ext uri="{BB962C8B-B14F-4D97-AF65-F5344CB8AC3E}">
-        <p14:creationId xmlns:p14="http://schemas.microsoft.com/office/powerpoint/2010/main" xmlns="" val="2109584863"/>
+        <p14:creationId xmlns="" xmlns:p14="http://schemas.microsoft.com/office/powerpoint/2010/main" val="2109584863"/>
       </p:ext>
     </p:extLst>
   </p:cSld>
@@ -2372,7 +2375,7 @@
             <a:fld id="{C2F463EA-8CAB-49D9-9558-9A4296B1F92C}" type="datetimeFigureOut">
               <a:rPr lang="en-US" smtClean="0"/>
               <a:pPr/>
-              <a:t>1/1/2018</a:t>
+              <a:t>3/4/2018</a:t>
             </a:fld>
             <a:endParaRPr lang="en-US"/>
           </a:p>
@@ -2424,7 +2427,7 @@
     </p:spTree>
     <p:extLst>
       <p:ext uri="{BB962C8B-B14F-4D97-AF65-F5344CB8AC3E}">
-        <p14:creationId xmlns:p14="http://schemas.microsoft.com/office/powerpoint/2010/main" xmlns="" val="874225097"/>
+        <p14:creationId xmlns="" xmlns:p14="http://schemas.microsoft.com/office/powerpoint/2010/main" val="874225097"/>
       </p:ext>
     </p:extLst>
   </p:cSld>
@@ -2585,7 +2588,7 @@
             <a:fld id="{C2F463EA-8CAB-49D9-9558-9A4296B1F92C}" type="datetimeFigureOut">
               <a:rPr lang="en-US" smtClean="0"/>
               <a:pPr/>
-              <a:t>1/1/2018</a:t>
+              <a:t>3/4/2018</a:t>
             </a:fld>
             <a:endParaRPr lang="en-US"/>
           </a:p>
@@ -2673,7 +2676,7 @@
     </p:spTree>
     <p:extLst>
       <p:ext uri="{BB962C8B-B14F-4D97-AF65-F5344CB8AC3E}">
-        <p14:creationId xmlns:p14="http://schemas.microsoft.com/office/powerpoint/2010/main" xmlns="" val="1667871935"/>
+        <p14:creationId xmlns="" xmlns:p14="http://schemas.microsoft.com/office/powerpoint/2010/main" val="1667871935"/>
       </p:ext>
     </p:extLst>
   </p:cSld>
@@ -3511,6 +3514,1979 @@
 </p:sld>
 </file>
 
+<file path=ppt/slides/slide10.xml><?xml version="1.0" encoding="utf-8"?>
+<p:sld xmlns:a="http://schemas.openxmlformats.org/drawingml/2006/main" xmlns:r="http://schemas.openxmlformats.org/officeDocument/2006/relationships" xmlns:p="http://schemas.openxmlformats.org/presentationml/2006/main">
+  <p:cSld>
+    <p:spTree>
+      <p:nvGrpSpPr>
+        <p:cNvPr id="1" name=""/>
+        <p:cNvGrpSpPr/>
+        <p:nvPr/>
+      </p:nvGrpSpPr>
+      <p:grpSpPr>
+        <a:xfrm>
+          <a:off x="0" y="0"/>
+          <a:ext cx="0" cy="0"/>
+          <a:chOff x="0" y="0"/>
+          <a:chExt cx="0" cy="0"/>
+        </a:xfrm>
+      </p:grpSpPr>
+      <p:sp>
+        <p:nvSpPr>
+          <p:cNvPr id="3" name="2 Rectángulo redondeado"/>
+          <p:cNvSpPr/>
+          <p:nvPr/>
+        </p:nvSpPr>
+        <p:spPr>
+          <a:xfrm>
+            <a:off x="4515746" y="858129"/>
+            <a:ext cx="1972727" cy="829994"/>
+          </a:xfrm>
+          <a:prstGeom prst="roundRect">
+            <a:avLst/>
+          </a:prstGeom>
+          <a:solidFill>
+            <a:schemeClr val="accent6">
+              <a:lumMod val="60000"/>
+              <a:lumOff val="40000"/>
+            </a:schemeClr>
+          </a:solidFill>
+        </p:spPr>
+        <p:style>
+          <a:lnRef idx="2">
+            <a:schemeClr val="accent1">
+              <a:shade val="50000"/>
+            </a:schemeClr>
+          </a:lnRef>
+          <a:fillRef idx="1">
+            <a:schemeClr val="accent1"/>
+          </a:fillRef>
+          <a:effectRef idx="0">
+            <a:schemeClr val="accent1"/>
+          </a:effectRef>
+          <a:fontRef idx="minor">
+            <a:schemeClr val="lt1"/>
+          </a:fontRef>
+        </p:style>
+        <p:txBody>
+          <a:bodyPr rtlCol="0" anchor="ctr"/>
+          <a:lstStyle/>
+          <a:p>
+            <a:pPr algn="ctr"/>
+            <a:r>
+              <a:rPr lang="en-US" dirty="0" smtClean="0">
+                <a:solidFill>
+                  <a:schemeClr val="tx1"/>
+                </a:solidFill>
+              </a:rPr>
+              <a:t>Blockchain 0</a:t>
+            </a:r>
+            <a:endParaRPr lang="en-US" dirty="0">
+              <a:solidFill>
+                <a:schemeClr val="tx1"/>
+              </a:solidFill>
+            </a:endParaRPr>
+          </a:p>
+        </p:txBody>
+      </p:sp>
+      <p:sp>
+        <p:nvSpPr>
+          <p:cNvPr id="4" name="3 Rectángulo redondeado"/>
+          <p:cNvSpPr/>
+          <p:nvPr/>
+        </p:nvSpPr>
+        <p:spPr>
+          <a:xfrm>
+            <a:off x="1545116" y="2670518"/>
+            <a:ext cx="1141814" cy="829994"/>
+          </a:xfrm>
+          <a:prstGeom prst="roundRect">
+            <a:avLst/>
+          </a:prstGeom>
+          <a:solidFill>
+            <a:schemeClr val="accent6">
+              <a:lumMod val="60000"/>
+              <a:lumOff val="40000"/>
+            </a:schemeClr>
+          </a:solidFill>
+        </p:spPr>
+        <p:style>
+          <a:lnRef idx="2">
+            <a:schemeClr val="accent1">
+              <a:shade val="50000"/>
+            </a:schemeClr>
+          </a:lnRef>
+          <a:fillRef idx="1">
+            <a:schemeClr val="accent1"/>
+          </a:fillRef>
+          <a:effectRef idx="0">
+            <a:schemeClr val="accent1"/>
+          </a:effectRef>
+          <a:fontRef idx="minor">
+            <a:schemeClr val="lt1"/>
+          </a:fontRef>
+        </p:style>
+        <p:txBody>
+          <a:bodyPr rtlCol="0" anchor="ctr"/>
+          <a:lstStyle/>
+          <a:p>
+            <a:pPr algn="ctr"/>
+            <a:r>
+              <a:rPr lang="en-US" dirty="0" smtClean="0">
+                <a:solidFill>
+                  <a:schemeClr val="tx1"/>
+                </a:solidFill>
+              </a:rPr>
+              <a:t>B1</a:t>
+            </a:r>
+            <a:endParaRPr lang="en-US" dirty="0">
+              <a:solidFill>
+                <a:schemeClr val="tx1"/>
+              </a:solidFill>
+            </a:endParaRPr>
+          </a:p>
+        </p:txBody>
+      </p:sp>
+      <p:sp>
+        <p:nvSpPr>
+          <p:cNvPr id="5" name="4 Rectángulo redondeado"/>
+          <p:cNvSpPr/>
+          <p:nvPr/>
+        </p:nvSpPr>
+        <p:spPr>
+          <a:xfrm>
+            <a:off x="2963608" y="2668173"/>
+            <a:ext cx="1141814" cy="829994"/>
+          </a:xfrm>
+          <a:prstGeom prst="roundRect">
+            <a:avLst/>
+          </a:prstGeom>
+          <a:solidFill>
+            <a:schemeClr val="accent6">
+              <a:lumMod val="60000"/>
+              <a:lumOff val="40000"/>
+            </a:schemeClr>
+          </a:solidFill>
+        </p:spPr>
+        <p:style>
+          <a:lnRef idx="2">
+            <a:schemeClr val="accent1">
+              <a:shade val="50000"/>
+            </a:schemeClr>
+          </a:lnRef>
+          <a:fillRef idx="1">
+            <a:schemeClr val="accent1"/>
+          </a:fillRef>
+          <a:effectRef idx="0">
+            <a:schemeClr val="accent1"/>
+          </a:effectRef>
+          <a:fontRef idx="minor">
+            <a:schemeClr val="lt1"/>
+          </a:fontRef>
+        </p:style>
+        <p:txBody>
+          <a:bodyPr rtlCol="0" anchor="ctr"/>
+          <a:lstStyle/>
+          <a:p>
+            <a:pPr algn="ctr"/>
+            <a:r>
+              <a:rPr lang="en-US" dirty="0" smtClean="0">
+                <a:solidFill>
+                  <a:schemeClr val="tx1"/>
+                </a:solidFill>
+              </a:rPr>
+              <a:t>B2</a:t>
+            </a:r>
+            <a:endParaRPr lang="en-US" dirty="0">
+              <a:solidFill>
+                <a:schemeClr val="tx1"/>
+              </a:solidFill>
+            </a:endParaRPr>
+          </a:p>
+        </p:txBody>
+      </p:sp>
+      <p:sp>
+        <p:nvSpPr>
+          <p:cNvPr id="6" name="5 Rectángulo redondeado"/>
+          <p:cNvSpPr/>
+          <p:nvPr/>
+        </p:nvSpPr>
+        <p:spPr>
+          <a:xfrm>
+            <a:off x="4384445" y="2668173"/>
+            <a:ext cx="1141814" cy="829994"/>
+          </a:xfrm>
+          <a:prstGeom prst="roundRect">
+            <a:avLst/>
+          </a:prstGeom>
+          <a:solidFill>
+            <a:schemeClr val="accent6">
+              <a:lumMod val="60000"/>
+              <a:lumOff val="40000"/>
+            </a:schemeClr>
+          </a:solidFill>
+        </p:spPr>
+        <p:style>
+          <a:lnRef idx="2">
+            <a:schemeClr val="accent1">
+              <a:shade val="50000"/>
+            </a:schemeClr>
+          </a:lnRef>
+          <a:fillRef idx="1">
+            <a:schemeClr val="accent1"/>
+          </a:fillRef>
+          <a:effectRef idx="0">
+            <a:schemeClr val="accent1"/>
+          </a:effectRef>
+          <a:fontRef idx="minor">
+            <a:schemeClr val="lt1"/>
+          </a:fontRef>
+        </p:style>
+        <p:txBody>
+          <a:bodyPr rtlCol="0" anchor="ctr"/>
+          <a:lstStyle/>
+          <a:p>
+            <a:pPr algn="ctr"/>
+            <a:r>
+              <a:rPr lang="en-US" dirty="0" smtClean="0">
+                <a:solidFill>
+                  <a:schemeClr val="tx1"/>
+                </a:solidFill>
+              </a:rPr>
+              <a:t>B3</a:t>
+            </a:r>
+            <a:endParaRPr lang="en-US" dirty="0">
+              <a:solidFill>
+                <a:schemeClr val="tx1"/>
+              </a:solidFill>
+            </a:endParaRPr>
+          </a:p>
+        </p:txBody>
+      </p:sp>
+      <p:sp>
+        <p:nvSpPr>
+          <p:cNvPr id="7" name="6 Rectángulo redondeado"/>
+          <p:cNvSpPr/>
+          <p:nvPr/>
+        </p:nvSpPr>
+        <p:spPr>
+          <a:xfrm>
+            <a:off x="7380863" y="2640038"/>
+            <a:ext cx="1141814" cy="829994"/>
+          </a:xfrm>
+          <a:prstGeom prst="roundRect">
+            <a:avLst/>
+          </a:prstGeom>
+          <a:solidFill>
+            <a:schemeClr val="accent6">
+              <a:lumMod val="60000"/>
+              <a:lumOff val="40000"/>
+            </a:schemeClr>
+          </a:solidFill>
+        </p:spPr>
+        <p:style>
+          <a:lnRef idx="2">
+            <a:schemeClr val="accent1">
+              <a:shade val="50000"/>
+            </a:schemeClr>
+          </a:lnRef>
+          <a:fillRef idx="1">
+            <a:schemeClr val="accent1"/>
+          </a:fillRef>
+          <a:effectRef idx="0">
+            <a:schemeClr val="accent1"/>
+          </a:effectRef>
+          <a:fontRef idx="minor">
+            <a:schemeClr val="lt1"/>
+          </a:fontRef>
+        </p:style>
+        <p:txBody>
+          <a:bodyPr rtlCol="0" anchor="ctr"/>
+          <a:lstStyle/>
+          <a:p>
+            <a:pPr algn="ctr"/>
+            <a:r>
+              <a:rPr lang="en-US" dirty="0" smtClean="0">
+                <a:solidFill>
+                  <a:schemeClr val="tx1"/>
+                </a:solidFill>
+              </a:rPr>
+              <a:t>Bn-1</a:t>
+            </a:r>
+            <a:endParaRPr lang="en-US" dirty="0">
+              <a:solidFill>
+                <a:schemeClr val="tx1"/>
+              </a:solidFill>
+            </a:endParaRPr>
+          </a:p>
+        </p:txBody>
+      </p:sp>
+      <p:sp>
+        <p:nvSpPr>
+          <p:cNvPr id="8" name="7 Rectángulo redondeado"/>
+          <p:cNvSpPr/>
+          <p:nvPr/>
+        </p:nvSpPr>
+        <p:spPr>
+          <a:xfrm>
+            <a:off x="8703227" y="2625970"/>
+            <a:ext cx="1141814" cy="829994"/>
+          </a:xfrm>
+          <a:prstGeom prst="roundRect">
+            <a:avLst/>
+          </a:prstGeom>
+          <a:solidFill>
+            <a:schemeClr val="accent6">
+              <a:lumMod val="60000"/>
+              <a:lumOff val="40000"/>
+            </a:schemeClr>
+          </a:solidFill>
+        </p:spPr>
+        <p:style>
+          <a:lnRef idx="2">
+            <a:schemeClr val="accent1">
+              <a:shade val="50000"/>
+            </a:schemeClr>
+          </a:lnRef>
+          <a:fillRef idx="1">
+            <a:schemeClr val="accent1"/>
+          </a:fillRef>
+          <a:effectRef idx="0">
+            <a:schemeClr val="accent1"/>
+          </a:effectRef>
+          <a:fontRef idx="minor">
+            <a:schemeClr val="lt1"/>
+          </a:fontRef>
+        </p:style>
+        <p:txBody>
+          <a:bodyPr rtlCol="0" anchor="ctr"/>
+          <a:lstStyle/>
+          <a:p>
+            <a:pPr algn="ctr"/>
+            <a:r>
+              <a:rPr lang="en-US" dirty="0" smtClean="0">
+                <a:solidFill>
+                  <a:schemeClr val="tx1"/>
+                </a:solidFill>
+              </a:rPr>
+              <a:t>Bn</a:t>
+            </a:r>
+            <a:endParaRPr lang="en-US" dirty="0">
+              <a:solidFill>
+                <a:schemeClr val="tx1"/>
+              </a:solidFill>
+            </a:endParaRPr>
+          </a:p>
+        </p:txBody>
+      </p:sp>
+      <p:sp>
+        <p:nvSpPr>
+          <p:cNvPr id="9" name="8 CuadroTexto"/>
+          <p:cNvSpPr txBox="1"/>
+          <p:nvPr/>
+        </p:nvSpPr>
+        <p:spPr>
+          <a:xfrm>
+            <a:off x="5922498" y="2602522"/>
+            <a:ext cx="1186543" cy="646331"/>
+          </a:xfrm>
+          <a:prstGeom prst="rect">
+            <a:avLst/>
+          </a:prstGeom>
+          <a:noFill/>
+        </p:spPr>
+        <p:txBody>
+          <a:bodyPr wrap="none" rtlCol="0">
+            <a:spAutoFit/>
+          </a:bodyPr>
+          <a:lstStyle/>
+          <a:p>
+            <a:r>
+              <a:rPr lang="en-US" sz="3600" dirty="0" smtClean="0"/>
+              <a:t>. . . . .</a:t>
+            </a:r>
+            <a:endParaRPr lang="en-US" sz="3600" dirty="0"/>
+          </a:p>
+        </p:txBody>
+      </p:sp>
+      <p:cxnSp>
+        <p:nvCxnSpPr>
+          <p:cNvPr id="11" name="10 Conector recto de flecha"/>
+          <p:cNvCxnSpPr>
+            <a:stCxn id="4" idx="0"/>
+            <a:endCxn id="3" idx="2"/>
+          </p:cNvCxnSpPr>
+          <p:nvPr/>
+        </p:nvCxnSpPr>
+        <p:spPr>
+          <a:xfrm flipV="1">
+            <a:off x="2116023" y="1688123"/>
+            <a:ext cx="3386087" cy="982395"/>
+          </a:xfrm>
+          <a:prstGeom prst="straightConnector1">
+            <a:avLst/>
+          </a:prstGeom>
+          <a:ln>
+            <a:tailEnd type="arrow"/>
+          </a:ln>
+        </p:spPr>
+        <p:style>
+          <a:lnRef idx="1">
+            <a:schemeClr val="accent1"/>
+          </a:lnRef>
+          <a:fillRef idx="0">
+            <a:schemeClr val="accent1"/>
+          </a:fillRef>
+          <a:effectRef idx="0">
+            <a:schemeClr val="accent1"/>
+          </a:effectRef>
+          <a:fontRef idx="minor">
+            <a:schemeClr val="tx1"/>
+          </a:fontRef>
+        </p:style>
+      </p:cxnSp>
+      <p:cxnSp>
+        <p:nvCxnSpPr>
+          <p:cNvPr id="13" name="12 Conector recto de flecha"/>
+          <p:cNvCxnSpPr>
+            <a:stCxn id="5" idx="0"/>
+            <a:endCxn id="3" idx="2"/>
+          </p:cNvCxnSpPr>
+          <p:nvPr/>
+        </p:nvCxnSpPr>
+        <p:spPr>
+          <a:xfrm flipV="1">
+            <a:off x="3534515" y="1688123"/>
+            <a:ext cx="1967595" cy="980050"/>
+          </a:xfrm>
+          <a:prstGeom prst="straightConnector1">
+            <a:avLst/>
+          </a:prstGeom>
+          <a:ln>
+            <a:tailEnd type="arrow"/>
+          </a:ln>
+        </p:spPr>
+        <p:style>
+          <a:lnRef idx="1">
+            <a:schemeClr val="accent1"/>
+          </a:lnRef>
+          <a:fillRef idx="0">
+            <a:schemeClr val="accent1"/>
+          </a:fillRef>
+          <a:effectRef idx="0">
+            <a:schemeClr val="accent1"/>
+          </a:effectRef>
+          <a:fontRef idx="minor">
+            <a:schemeClr val="tx1"/>
+          </a:fontRef>
+        </p:style>
+      </p:cxnSp>
+      <p:cxnSp>
+        <p:nvCxnSpPr>
+          <p:cNvPr id="15" name="14 Conector recto de flecha"/>
+          <p:cNvCxnSpPr>
+            <a:stCxn id="6" idx="0"/>
+            <a:endCxn id="3" idx="2"/>
+          </p:cNvCxnSpPr>
+          <p:nvPr/>
+        </p:nvCxnSpPr>
+        <p:spPr>
+          <a:xfrm flipV="1">
+            <a:off x="4955352" y="1688123"/>
+            <a:ext cx="546758" cy="980050"/>
+          </a:xfrm>
+          <a:prstGeom prst="straightConnector1">
+            <a:avLst/>
+          </a:prstGeom>
+          <a:ln>
+            <a:tailEnd type="arrow"/>
+          </a:ln>
+        </p:spPr>
+        <p:style>
+          <a:lnRef idx="1">
+            <a:schemeClr val="accent1"/>
+          </a:lnRef>
+          <a:fillRef idx="0">
+            <a:schemeClr val="accent1"/>
+          </a:fillRef>
+          <a:effectRef idx="0">
+            <a:schemeClr val="accent1"/>
+          </a:effectRef>
+          <a:fontRef idx="minor">
+            <a:schemeClr val="tx1"/>
+          </a:fontRef>
+        </p:style>
+      </p:cxnSp>
+      <p:cxnSp>
+        <p:nvCxnSpPr>
+          <p:cNvPr id="16" name="15 Conector recto de flecha"/>
+          <p:cNvCxnSpPr>
+            <a:stCxn id="7" idx="0"/>
+            <a:endCxn id="3" idx="2"/>
+          </p:cNvCxnSpPr>
+          <p:nvPr/>
+        </p:nvCxnSpPr>
+        <p:spPr>
+          <a:xfrm flipH="1" flipV="1">
+            <a:off x="5502110" y="1688123"/>
+            <a:ext cx="2449660" cy="951915"/>
+          </a:xfrm>
+          <a:prstGeom prst="straightConnector1">
+            <a:avLst/>
+          </a:prstGeom>
+          <a:ln>
+            <a:tailEnd type="arrow"/>
+          </a:ln>
+        </p:spPr>
+        <p:style>
+          <a:lnRef idx="1">
+            <a:schemeClr val="accent1"/>
+          </a:lnRef>
+          <a:fillRef idx="0">
+            <a:schemeClr val="accent1"/>
+          </a:fillRef>
+          <a:effectRef idx="0">
+            <a:schemeClr val="accent1"/>
+          </a:effectRef>
+          <a:fontRef idx="minor">
+            <a:schemeClr val="tx1"/>
+          </a:fontRef>
+        </p:style>
+      </p:cxnSp>
+      <p:cxnSp>
+        <p:nvCxnSpPr>
+          <p:cNvPr id="19" name="18 Conector recto de flecha"/>
+          <p:cNvCxnSpPr>
+            <a:stCxn id="8" idx="0"/>
+            <a:endCxn id="3" idx="2"/>
+          </p:cNvCxnSpPr>
+          <p:nvPr/>
+        </p:nvCxnSpPr>
+        <p:spPr>
+          <a:xfrm flipH="1" flipV="1">
+            <a:off x="5502110" y="1688123"/>
+            <a:ext cx="3772024" cy="937847"/>
+          </a:xfrm>
+          <a:prstGeom prst="straightConnector1">
+            <a:avLst/>
+          </a:prstGeom>
+          <a:ln>
+            <a:tailEnd type="arrow"/>
+          </a:ln>
+        </p:spPr>
+        <p:style>
+          <a:lnRef idx="1">
+            <a:schemeClr val="accent1"/>
+          </a:lnRef>
+          <a:fillRef idx="0">
+            <a:schemeClr val="accent1"/>
+          </a:fillRef>
+          <a:effectRef idx="0">
+            <a:schemeClr val="accent1"/>
+          </a:effectRef>
+          <a:fontRef idx="minor">
+            <a:schemeClr val="tx1"/>
+          </a:fontRef>
+        </p:style>
+      </p:cxnSp>
+    </p:spTree>
+  </p:cSld>
+  <p:clrMapOvr>
+    <a:masterClrMapping/>
+  </p:clrMapOvr>
+  <p:timing>
+    <p:tnLst>
+      <p:par>
+        <p:cTn id="1" dur="indefinite" restart="never" nodeType="tmRoot"/>
+      </p:par>
+    </p:tnLst>
+  </p:timing>
+</p:sld>
+</file>
+
+<file path=ppt/slides/slide11.xml><?xml version="1.0" encoding="utf-8"?>
+<p:sld xmlns:a="http://schemas.openxmlformats.org/drawingml/2006/main" xmlns:r="http://schemas.openxmlformats.org/officeDocument/2006/relationships" xmlns:p="http://schemas.openxmlformats.org/presentationml/2006/main">
+  <p:cSld>
+    <p:spTree>
+      <p:nvGrpSpPr>
+        <p:cNvPr id="1" name=""/>
+        <p:cNvGrpSpPr/>
+        <p:nvPr/>
+      </p:nvGrpSpPr>
+      <p:grpSpPr>
+        <a:xfrm>
+          <a:off x="0" y="0"/>
+          <a:ext cx="0" cy="0"/>
+          <a:chOff x="0" y="0"/>
+          <a:chExt cx="0" cy="0"/>
+        </a:xfrm>
+      </p:grpSpPr>
+      <p:sp>
+        <p:nvSpPr>
+          <p:cNvPr id="3" name="2 Rectángulo redondeado"/>
+          <p:cNvSpPr/>
+          <p:nvPr/>
+        </p:nvSpPr>
+        <p:spPr>
+          <a:xfrm>
+            <a:off x="3770158" y="1491176"/>
+            <a:ext cx="3845144" cy="1617784"/>
+          </a:xfrm>
+          <a:prstGeom prst="roundRect">
+            <a:avLst/>
+          </a:prstGeom>
+          <a:solidFill>
+            <a:schemeClr val="accent6">
+              <a:lumMod val="60000"/>
+              <a:lumOff val="40000"/>
+            </a:schemeClr>
+          </a:solidFill>
+        </p:spPr>
+        <p:style>
+          <a:lnRef idx="2">
+            <a:schemeClr val="accent1">
+              <a:shade val="50000"/>
+            </a:schemeClr>
+          </a:lnRef>
+          <a:fillRef idx="1">
+            <a:schemeClr val="accent1"/>
+          </a:fillRef>
+          <a:effectRef idx="0">
+            <a:schemeClr val="accent1"/>
+          </a:effectRef>
+          <a:fontRef idx="minor">
+            <a:schemeClr val="lt1"/>
+          </a:fontRef>
+        </p:style>
+        <p:txBody>
+          <a:bodyPr rtlCol="0" anchor="ctr"/>
+          <a:lstStyle/>
+          <a:p>
+            <a:pPr algn="ctr"/>
+            <a:endParaRPr lang="en-US" dirty="0">
+              <a:solidFill>
+                <a:schemeClr val="tx1"/>
+              </a:solidFill>
+            </a:endParaRPr>
+          </a:p>
+        </p:txBody>
+      </p:sp>
+      <p:sp>
+        <p:nvSpPr>
+          <p:cNvPr id="14" name="13 Rectángulo"/>
+          <p:cNvSpPr/>
+          <p:nvPr/>
+        </p:nvSpPr>
+        <p:spPr>
+          <a:xfrm>
+            <a:off x="4093698" y="1786597"/>
+            <a:ext cx="1223890" cy="271975"/>
+          </a:xfrm>
+          <a:prstGeom prst="rect">
+            <a:avLst/>
+          </a:prstGeom>
+          <a:solidFill>
+            <a:schemeClr val="accent4">
+              <a:lumMod val="40000"/>
+              <a:lumOff val="60000"/>
+            </a:schemeClr>
+          </a:solidFill>
+        </p:spPr>
+        <p:style>
+          <a:lnRef idx="2">
+            <a:schemeClr val="accent1">
+              <a:shade val="50000"/>
+            </a:schemeClr>
+          </a:lnRef>
+          <a:fillRef idx="1">
+            <a:schemeClr val="accent1"/>
+          </a:fillRef>
+          <a:effectRef idx="0">
+            <a:schemeClr val="accent1"/>
+          </a:effectRef>
+          <a:fontRef idx="minor">
+            <a:schemeClr val="lt1"/>
+          </a:fontRef>
+        </p:style>
+        <p:txBody>
+          <a:bodyPr rtlCol="0" anchor="ctr"/>
+          <a:lstStyle/>
+          <a:p>
+            <a:pPr algn="ctr"/>
+            <a:endParaRPr lang="en-US"/>
+          </a:p>
+        </p:txBody>
+      </p:sp>
+      <p:sp>
+        <p:nvSpPr>
+          <p:cNvPr id="17" name="16 Rectángulo"/>
+          <p:cNvSpPr/>
+          <p:nvPr/>
+        </p:nvSpPr>
+        <p:spPr>
+          <a:xfrm>
+            <a:off x="5047957" y="2557974"/>
+            <a:ext cx="1380978" cy="227429"/>
+          </a:xfrm>
+          <a:prstGeom prst="rect">
+            <a:avLst/>
+          </a:prstGeom>
+          <a:solidFill>
+            <a:srgbClr val="FFC000"/>
+          </a:solidFill>
+        </p:spPr>
+        <p:style>
+          <a:lnRef idx="2">
+            <a:schemeClr val="accent1">
+              <a:shade val="50000"/>
+            </a:schemeClr>
+          </a:lnRef>
+          <a:fillRef idx="1">
+            <a:schemeClr val="accent1"/>
+          </a:fillRef>
+          <a:effectRef idx="0">
+            <a:schemeClr val="accent1"/>
+          </a:effectRef>
+          <a:fontRef idx="minor">
+            <a:schemeClr val="lt1"/>
+          </a:fontRef>
+        </p:style>
+        <p:txBody>
+          <a:bodyPr rtlCol="0" anchor="ctr"/>
+          <a:lstStyle/>
+          <a:p>
+            <a:pPr algn="ctr"/>
+            <a:endParaRPr lang="en-US"/>
+          </a:p>
+        </p:txBody>
+      </p:sp>
+      <p:cxnSp>
+        <p:nvCxnSpPr>
+          <p:cNvPr id="20" name="19 Conector recto de flecha"/>
+          <p:cNvCxnSpPr>
+            <a:stCxn id="14" idx="2"/>
+            <a:endCxn id="17" idx="0"/>
+          </p:cNvCxnSpPr>
+          <p:nvPr/>
+        </p:nvCxnSpPr>
+        <p:spPr>
+          <a:xfrm>
+            <a:off x="4705643" y="2058572"/>
+            <a:ext cx="1032803" cy="499402"/>
+          </a:xfrm>
+          <a:prstGeom prst="straightConnector1">
+            <a:avLst/>
+          </a:prstGeom>
+          <a:ln w="25400">
+            <a:tailEnd type="arrow"/>
+          </a:ln>
+        </p:spPr>
+        <p:style>
+          <a:lnRef idx="1">
+            <a:schemeClr val="accent1"/>
+          </a:lnRef>
+          <a:fillRef idx="0">
+            <a:schemeClr val="accent1"/>
+          </a:fillRef>
+          <a:effectRef idx="0">
+            <a:schemeClr val="accent1"/>
+          </a:effectRef>
+          <a:fontRef idx="minor">
+            <a:schemeClr val="tx1"/>
+          </a:fontRef>
+        </p:style>
+      </p:cxnSp>
+      <p:sp>
+        <p:nvSpPr>
+          <p:cNvPr id="21" name="20 CuadroTexto"/>
+          <p:cNvSpPr txBox="1"/>
+          <p:nvPr/>
+        </p:nvSpPr>
+        <p:spPr>
+          <a:xfrm>
+            <a:off x="3938954" y="1111348"/>
+            <a:ext cx="1355884" cy="369332"/>
+          </a:xfrm>
+          <a:prstGeom prst="rect">
+            <a:avLst/>
+          </a:prstGeom>
+          <a:noFill/>
+        </p:spPr>
+        <p:txBody>
+          <a:bodyPr wrap="none" rtlCol="0">
+            <a:spAutoFit/>
+          </a:bodyPr>
+          <a:lstStyle/>
+          <a:p>
+            <a:r>
+              <a:rPr lang="en-US" dirty="0" smtClean="0"/>
+              <a:t>Blockchain 0</a:t>
+            </a:r>
+            <a:endParaRPr lang="en-US" dirty="0"/>
+          </a:p>
+        </p:txBody>
+      </p:sp>
+      <p:sp>
+        <p:nvSpPr>
+          <p:cNvPr id="22" name="21 Rectángulo redondeado"/>
+          <p:cNvSpPr/>
+          <p:nvPr/>
+        </p:nvSpPr>
+        <p:spPr>
+          <a:xfrm>
+            <a:off x="3810016" y="4049151"/>
+            <a:ext cx="3845144" cy="1617784"/>
+          </a:xfrm>
+          <a:prstGeom prst="roundRect">
+            <a:avLst/>
+          </a:prstGeom>
+          <a:solidFill>
+            <a:schemeClr val="accent6">
+              <a:lumMod val="60000"/>
+              <a:lumOff val="40000"/>
+            </a:schemeClr>
+          </a:solidFill>
+        </p:spPr>
+        <p:style>
+          <a:lnRef idx="2">
+            <a:schemeClr val="accent1">
+              <a:shade val="50000"/>
+            </a:schemeClr>
+          </a:lnRef>
+          <a:fillRef idx="1">
+            <a:schemeClr val="accent1"/>
+          </a:fillRef>
+          <a:effectRef idx="0">
+            <a:schemeClr val="accent1"/>
+          </a:effectRef>
+          <a:fontRef idx="minor">
+            <a:schemeClr val="lt1"/>
+          </a:fontRef>
+        </p:style>
+        <p:txBody>
+          <a:bodyPr rtlCol="0" anchor="ctr"/>
+          <a:lstStyle/>
+          <a:p>
+            <a:pPr algn="ctr"/>
+            <a:endParaRPr lang="en-US" dirty="0">
+              <a:solidFill>
+                <a:schemeClr val="tx1"/>
+              </a:solidFill>
+            </a:endParaRPr>
+          </a:p>
+        </p:txBody>
+      </p:sp>
+      <p:sp>
+        <p:nvSpPr>
+          <p:cNvPr id="26" name="25 CuadroTexto"/>
+          <p:cNvSpPr txBox="1"/>
+          <p:nvPr/>
+        </p:nvSpPr>
+        <p:spPr>
+          <a:xfrm>
+            <a:off x="3978812" y="3669323"/>
+            <a:ext cx="1293367" cy="369332"/>
+          </a:xfrm>
+          <a:prstGeom prst="rect">
+            <a:avLst/>
+          </a:prstGeom>
+          <a:noFill/>
+        </p:spPr>
+        <p:txBody>
+          <a:bodyPr wrap="none" rtlCol="0">
+            <a:spAutoFit/>
+          </a:bodyPr>
+          <a:lstStyle/>
+          <a:p>
+            <a:r>
+              <a:rPr lang="en-US" dirty="0" smtClean="0"/>
+              <a:t>Blockchain j</a:t>
+            </a:r>
+            <a:endParaRPr lang="en-US" dirty="0"/>
+          </a:p>
+        </p:txBody>
+      </p:sp>
+      <p:sp>
+        <p:nvSpPr>
+          <p:cNvPr id="27" name="26 CuadroTexto"/>
+          <p:cNvSpPr txBox="1"/>
+          <p:nvPr/>
+        </p:nvSpPr>
+        <p:spPr>
+          <a:xfrm>
+            <a:off x="4023359" y="1505243"/>
+            <a:ext cx="1437381" cy="369332"/>
+          </a:xfrm>
+          <a:prstGeom prst="rect">
+            <a:avLst/>
+          </a:prstGeom>
+          <a:noFill/>
+        </p:spPr>
+        <p:txBody>
+          <a:bodyPr wrap="none" rtlCol="0">
+            <a:spAutoFit/>
+          </a:bodyPr>
+          <a:lstStyle/>
+          <a:p>
+            <a:r>
+              <a:rPr lang="en-US" dirty="0" smtClean="0"/>
+              <a:t>User Account</a:t>
+            </a:r>
+            <a:endParaRPr lang="en-US" dirty="0"/>
+          </a:p>
+        </p:txBody>
+      </p:sp>
+      <p:sp>
+        <p:nvSpPr>
+          <p:cNvPr id="29" name="28 CuadroTexto"/>
+          <p:cNvSpPr txBox="1"/>
+          <p:nvPr/>
+        </p:nvSpPr>
+        <p:spPr>
+          <a:xfrm>
+            <a:off x="4951830" y="2729129"/>
+            <a:ext cx="1606978" cy="369332"/>
+          </a:xfrm>
+          <a:prstGeom prst="rect">
+            <a:avLst/>
+          </a:prstGeom>
+          <a:noFill/>
+        </p:spPr>
+        <p:txBody>
+          <a:bodyPr wrap="none" rtlCol="0">
+            <a:spAutoFit/>
+          </a:bodyPr>
+          <a:lstStyle/>
+          <a:p>
+            <a:r>
+              <a:rPr lang="en-US" dirty="0" smtClean="0"/>
+              <a:t>Bridge Account</a:t>
+            </a:r>
+            <a:endParaRPr lang="en-US" dirty="0"/>
+          </a:p>
+        </p:txBody>
+      </p:sp>
+      <p:sp>
+        <p:nvSpPr>
+          <p:cNvPr id="37" name="36 Rectángulo"/>
+          <p:cNvSpPr/>
+          <p:nvPr/>
+        </p:nvSpPr>
+        <p:spPr>
+          <a:xfrm>
+            <a:off x="5017475" y="4300023"/>
+            <a:ext cx="1380978" cy="227429"/>
+          </a:xfrm>
+          <a:prstGeom prst="rect">
+            <a:avLst/>
+          </a:prstGeom>
+          <a:solidFill>
+            <a:srgbClr val="FFC000"/>
+          </a:solidFill>
+        </p:spPr>
+        <p:style>
+          <a:lnRef idx="2">
+            <a:schemeClr val="accent1">
+              <a:shade val="50000"/>
+            </a:schemeClr>
+          </a:lnRef>
+          <a:fillRef idx="1">
+            <a:schemeClr val="accent1"/>
+          </a:fillRef>
+          <a:effectRef idx="0">
+            <a:schemeClr val="accent1"/>
+          </a:effectRef>
+          <a:fontRef idx="minor">
+            <a:schemeClr val="lt1"/>
+          </a:fontRef>
+        </p:style>
+        <p:txBody>
+          <a:bodyPr rtlCol="0" anchor="ctr"/>
+          <a:lstStyle/>
+          <a:p>
+            <a:pPr algn="ctr"/>
+            <a:endParaRPr lang="en-US"/>
+          </a:p>
+        </p:txBody>
+      </p:sp>
+      <p:sp>
+        <p:nvSpPr>
+          <p:cNvPr id="38" name="37 CuadroTexto"/>
+          <p:cNvSpPr txBox="1"/>
+          <p:nvPr/>
+        </p:nvSpPr>
+        <p:spPr>
+          <a:xfrm>
+            <a:off x="4949482" y="3992890"/>
+            <a:ext cx="1606978" cy="369332"/>
+          </a:xfrm>
+          <a:prstGeom prst="rect">
+            <a:avLst/>
+          </a:prstGeom>
+          <a:noFill/>
+        </p:spPr>
+        <p:txBody>
+          <a:bodyPr wrap="none" rtlCol="0">
+            <a:spAutoFit/>
+          </a:bodyPr>
+          <a:lstStyle/>
+          <a:p>
+            <a:r>
+              <a:rPr lang="en-US" dirty="0" smtClean="0"/>
+              <a:t>Bridge Account</a:t>
+            </a:r>
+            <a:endParaRPr lang="en-US" dirty="0"/>
+          </a:p>
+        </p:txBody>
+      </p:sp>
+      <p:sp>
+        <p:nvSpPr>
+          <p:cNvPr id="39" name="38 Rectángulo"/>
+          <p:cNvSpPr/>
+          <p:nvPr/>
+        </p:nvSpPr>
+        <p:spPr>
+          <a:xfrm>
+            <a:off x="6018627" y="5104228"/>
+            <a:ext cx="1223890" cy="271975"/>
+          </a:xfrm>
+          <a:prstGeom prst="rect">
+            <a:avLst/>
+          </a:prstGeom>
+          <a:solidFill>
+            <a:schemeClr val="accent4">
+              <a:lumMod val="40000"/>
+              <a:lumOff val="60000"/>
+            </a:schemeClr>
+          </a:solidFill>
+        </p:spPr>
+        <p:style>
+          <a:lnRef idx="2">
+            <a:schemeClr val="accent1">
+              <a:shade val="50000"/>
+            </a:schemeClr>
+          </a:lnRef>
+          <a:fillRef idx="1">
+            <a:schemeClr val="accent1"/>
+          </a:fillRef>
+          <a:effectRef idx="0">
+            <a:schemeClr val="accent1"/>
+          </a:effectRef>
+          <a:fontRef idx="minor">
+            <a:schemeClr val="lt1"/>
+          </a:fontRef>
+        </p:style>
+        <p:txBody>
+          <a:bodyPr rtlCol="0" anchor="ctr"/>
+          <a:lstStyle/>
+          <a:p>
+            <a:pPr algn="ctr"/>
+            <a:endParaRPr lang="en-US"/>
+          </a:p>
+        </p:txBody>
+      </p:sp>
+      <p:sp>
+        <p:nvSpPr>
+          <p:cNvPr id="40" name="39 CuadroTexto"/>
+          <p:cNvSpPr txBox="1"/>
+          <p:nvPr/>
+        </p:nvSpPr>
+        <p:spPr>
+          <a:xfrm>
+            <a:off x="5962356" y="5315242"/>
+            <a:ext cx="1437381" cy="369332"/>
+          </a:xfrm>
+          <a:prstGeom prst="rect">
+            <a:avLst/>
+          </a:prstGeom>
+          <a:noFill/>
+        </p:spPr>
+        <p:txBody>
+          <a:bodyPr wrap="none" rtlCol="0">
+            <a:spAutoFit/>
+          </a:bodyPr>
+          <a:lstStyle/>
+          <a:p>
+            <a:r>
+              <a:rPr lang="en-US" dirty="0" smtClean="0"/>
+              <a:t>User Account</a:t>
+            </a:r>
+            <a:endParaRPr lang="en-US" dirty="0"/>
+          </a:p>
+        </p:txBody>
+      </p:sp>
+      <p:cxnSp>
+        <p:nvCxnSpPr>
+          <p:cNvPr id="41" name="40 Conector recto de flecha"/>
+          <p:cNvCxnSpPr>
+            <a:stCxn id="37" idx="2"/>
+            <a:endCxn id="39" idx="0"/>
+          </p:cNvCxnSpPr>
+          <p:nvPr/>
+        </p:nvCxnSpPr>
+        <p:spPr>
+          <a:xfrm>
+            <a:off x="5707964" y="4527452"/>
+            <a:ext cx="922608" cy="576776"/>
+          </a:xfrm>
+          <a:prstGeom prst="straightConnector1">
+            <a:avLst/>
+          </a:prstGeom>
+          <a:ln w="25400">
+            <a:tailEnd type="arrow"/>
+          </a:ln>
+        </p:spPr>
+        <p:style>
+          <a:lnRef idx="1">
+            <a:schemeClr val="accent1"/>
+          </a:lnRef>
+          <a:fillRef idx="0">
+            <a:schemeClr val="accent1"/>
+          </a:fillRef>
+          <a:effectRef idx="0">
+            <a:schemeClr val="accent1"/>
+          </a:effectRef>
+          <a:fontRef idx="minor">
+            <a:schemeClr val="tx1"/>
+          </a:fontRef>
+        </p:style>
+      </p:cxnSp>
+      <p:cxnSp>
+        <p:nvCxnSpPr>
+          <p:cNvPr id="45" name="44 Conector recto"/>
+          <p:cNvCxnSpPr>
+            <a:stCxn id="17" idx="2"/>
+            <a:endCxn id="37" idx="0"/>
+          </p:cNvCxnSpPr>
+          <p:nvPr/>
+        </p:nvCxnSpPr>
+        <p:spPr>
+          <a:xfrm flipH="1">
+            <a:off x="5707964" y="2785403"/>
+            <a:ext cx="30482" cy="1514620"/>
+          </a:xfrm>
+          <a:prstGeom prst="line">
+            <a:avLst/>
+          </a:prstGeom>
+          <a:ln w="25400">
+            <a:prstDash val="dash"/>
+          </a:ln>
+        </p:spPr>
+        <p:style>
+          <a:lnRef idx="1">
+            <a:schemeClr val="accent1"/>
+          </a:lnRef>
+          <a:fillRef idx="0">
+            <a:schemeClr val="accent1"/>
+          </a:fillRef>
+          <a:effectRef idx="0">
+            <a:schemeClr val="accent1"/>
+          </a:effectRef>
+          <a:fontRef idx="minor">
+            <a:schemeClr val="tx1"/>
+          </a:fontRef>
+        </p:style>
+      </p:cxnSp>
+      <p:sp>
+        <p:nvSpPr>
+          <p:cNvPr id="51" name="50 Elipse"/>
+          <p:cNvSpPr/>
+          <p:nvPr/>
+        </p:nvSpPr>
+        <p:spPr>
+          <a:xfrm>
+            <a:off x="1856935" y="1983544"/>
+            <a:ext cx="647114" cy="647114"/>
+          </a:xfrm>
+          <a:prstGeom prst="ellipse">
+            <a:avLst/>
+          </a:prstGeom>
+          <a:solidFill>
+            <a:schemeClr val="accent1">
+              <a:lumMod val="60000"/>
+              <a:lumOff val="40000"/>
+            </a:schemeClr>
+          </a:solidFill>
+        </p:spPr>
+        <p:style>
+          <a:lnRef idx="2">
+            <a:schemeClr val="accent1">
+              <a:shade val="50000"/>
+            </a:schemeClr>
+          </a:lnRef>
+          <a:fillRef idx="1">
+            <a:schemeClr val="accent1"/>
+          </a:fillRef>
+          <a:effectRef idx="0">
+            <a:schemeClr val="accent1"/>
+          </a:effectRef>
+          <a:fontRef idx="minor">
+            <a:schemeClr val="lt1"/>
+          </a:fontRef>
+        </p:style>
+        <p:txBody>
+          <a:bodyPr rtlCol="0" anchor="ctr"/>
+          <a:lstStyle/>
+          <a:p>
+            <a:pPr algn="ctr"/>
+            <a:r>
+              <a:rPr lang="en-US" dirty="0" smtClean="0">
+                <a:solidFill>
+                  <a:sysClr val="windowText" lastClr="000000"/>
+                </a:solidFill>
+              </a:rPr>
+              <a:t>Tx</a:t>
+            </a:r>
+            <a:endParaRPr lang="en-US" dirty="0">
+              <a:solidFill>
+                <a:sysClr val="windowText" lastClr="000000"/>
+              </a:solidFill>
+            </a:endParaRPr>
+          </a:p>
+        </p:txBody>
+      </p:sp>
+      <p:cxnSp>
+        <p:nvCxnSpPr>
+          <p:cNvPr id="53" name="52 Conector recto de flecha"/>
+          <p:cNvCxnSpPr>
+            <a:stCxn id="51" idx="6"/>
+            <a:endCxn id="3" idx="1"/>
+          </p:cNvCxnSpPr>
+          <p:nvPr/>
+        </p:nvCxnSpPr>
+        <p:spPr>
+          <a:xfrm flipV="1">
+            <a:off x="2504049" y="2300068"/>
+            <a:ext cx="1266109" cy="7033"/>
+          </a:xfrm>
+          <a:prstGeom prst="straightConnector1">
+            <a:avLst/>
+          </a:prstGeom>
+          <a:ln>
+            <a:tailEnd type="arrow"/>
+          </a:ln>
+        </p:spPr>
+        <p:style>
+          <a:lnRef idx="1">
+            <a:schemeClr val="accent1"/>
+          </a:lnRef>
+          <a:fillRef idx="0">
+            <a:schemeClr val="accent1"/>
+          </a:fillRef>
+          <a:effectRef idx="0">
+            <a:schemeClr val="accent1"/>
+          </a:effectRef>
+          <a:fontRef idx="minor">
+            <a:schemeClr val="tx1"/>
+          </a:fontRef>
+        </p:style>
+      </p:cxnSp>
+    </p:spTree>
+  </p:cSld>
+  <p:clrMapOvr>
+    <a:masterClrMapping/>
+  </p:clrMapOvr>
+  <p:timing>
+    <p:tnLst>
+      <p:par>
+        <p:cTn id="1" dur="indefinite" restart="never" nodeType="tmRoot"/>
+      </p:par>
+    </p:tnLst>
+  </p:timing>
+</p:sld>
+</file>
+
+<file path=ppt/slides/slide12.xml><?xml version="1.0" encoding="utf-8"?>
+<p:sld xmlns:a="http://schemas.openxmlformats.org/drawingml/2006/main" xmlns:r="http://schemas.openxmlformats.org/officeDocument/2006/relationships" xmlns:p="http://schemas.openxmlformats.org/presentationml/2006/main">
+  <p:cSld>
+    <p:spTree>
+      <p:nvGrpSpPr>
+        <p:cNvPr id="1" name=""/>
+        <p:cNvGrpSpPr/>
+        <p:nvPr/>
+      </p:nvGrpSpPr>
+      <p:grpSpPr>
+        <a:xfrm>
+          <a:off x="0" y="0"/>
+          <a:ext cx="0" cy="0"/>
+          <a:chOff x="0" y="0"/>
+          <a:chExt cx="0" cy="0"/>
+        </a:xfrm>
+      </p:grpSpPr>
+      <p:sp>
+        <p:nvSpPr>
+          <p:cNvPr id="3" name="2 Rectángulo redondeado"/>
+          <p:cNvSpPr/>
+          <p:nvPr/>
+        </p:nvSpPr>
+        <p:spPr>
+          <a:xfrm>
+            <a:off x="3770158" y="1491176"/>
+            <a:ext cx="3845144" cy="1617784"/>
+          </a:xfrm>
+          <a:prstGeom prst="roundRect">
+            <a:avLst/>
+          </a:prstGeom>
+          <a:solidFill>
+            <a:schemeClr val="accent6">
+              <a:lumMod val="60000"/>
+              <a:lumOff val="40000"/>
+            </a:schemeClr>
+          </a:solidFill>
+        </p:spPr>
+        <p:style>
+          <a:lnRef idx="2">
+            <a:schemeClr val="accent1">
+              <a:shade val="50000"/>
+            </a:schemeClr>
+          </a:lnRef>
+          <a:fillRef idx="1">
+            <a:schemeClr val="accent1"/>
+          </a:fillRef>
+          <a:effectRef idx="0">
+            <a:schemeClr val="accent1"/>
+          </a:effectRef>
+          <a:fontRef idx="minor">
+            <a:schemeClr val="lt1"/>
+          </a:fontRef>
+        </p:style>
+        <p:txBody>
+          <a:bodyPr rtlCol="0" anchor="ctr"/>
+          <a:lstStyle/>
+          <a:p>
+            <a:pPr algn="ctr"/>
+            <a:endParaRPr lang="en-US" dirty="0">
+              <a:solidFill>
+                <a:schemeClr val="tx1"/>
+              </a:solidFill>
+            </a:endParaRPr>
+          </a:p>
+        </p:txBody>
+      </p:sp>
+      <p:sp>
+        <p:nvSpPr>
+          <p:cNvPr id="14" name="13 Rectángulo"/>
+          <p:cNvSpPr/>
+          <p:nvPr/>
+        </p:nvSpPr>
+        <p:spPr>
+          <a:xfrm>
+            <a:off x="4093698" y="1786597"/>
+            <a:ext cx="1223890" cy="271975"/>
+          </a:xfrm>
+          <a:prstGeom prst="rect">
+            <a:avLst/>
+          </a:prstGeom>
+          <a:solidFill>
+            <a:schemeClr val="accent4">
+              <a:lumMod val="40000"/>
+              <a:lumOff val="60000"/>
+            </a:schemeClr>
+          </a:solidFill>
+        </p:spPr>
+        <p:style>
+          <a:lnRef idx="2">
+            <a:schemeClr val="accent1">
+              <a:shade val="50000"/>
+            </a:schemeClr>
+          </a:lnRef>
+          <a:fillRef idx="1">
+            <a:schemeClr val="accent1"/>
+          </a:fillRef>
+          <a:effectRef idx="0">
+            <a:schemeClr val="accent1"/>
+          </a:effectRef>
+          <a:fontRef idx="minor">
+            <a:schemeClr val="lt1"/>
+          </a:fontRef>
+        </p:style>
+        <p:txBody>
+          <a:bodyPr rtlCol="0" anchor="ctr"/>
+          <a:lstStyle/>
+          <a:p>
+            <a:pPr algn="ctr"/>
+            <a:endParaRPr lang="en-US"/>
+          </a:p>
+        </p:txBody>
+      </p:sp>
+      <p:sp>
+        <p:nvSpPr>
+          <p:cNvPr id="17" name="16 Rectángulo"/>
+          <p:cNvSpPr/>
+          <p:nvPr/>
+        </p:nvSpPr>
+        <p:spPr>
+          <a:xfrm>
+            <a:off x="5047957" y="2557974"/>
+            <a:ext cx="1380978" cy="227429"/>
+          </a:xfrm>
+          <a:prstGeom prst="rect">
+            <a:avLst/>
+          </a:prstGeom>
+          <a:solidFill>
+            <a:srgbClr val="FFC000"/>
+          </a:solidFill>
+        </p:spPr>
+        <p:style>
+          <a:lnRef idx="2">
+            <a:schemeClr val="accent1">
+              <a:shade val="50000"/>
+            </a:schemeClr>
+          </a:lnRef>
+          <a:fillRef idx="1">
+            <a:schemeClr val="accent1"/>
+          </a:fillRef>
+          <a:effectRef idx="0">
+            <a:schemeClr val="accent1"/>
+          </a:effectRef>
+          <a:fontRef idx="minor">
+            <a:schemeClr val="lt1"/>
+          </a:fontRef>
+        </p:style>
+        <p:txBody>
+          <a:bodyPr rtlCol="0" anchor="ctr"/>
+          <a:lstStyle/>
+          <a:p>
+            <a:pPr algn="ctr"/>
+            <a:endParaRPr lang="en-US"/>
+          </a:p>
+        </p:txBody>
+      </p:sp>
+      <p:cxnSp>
+        <p:nvCxnSpPr>
+          <p:cNvPr id="20" name="19 Conector recto de flecha"/>
+          <p:cNvCxnSpPr>
+            <a:stCxn id="17" idx="0"/>
+            <a:endCxn id="14" idx="2"/>
+          </p:cNvCxnSpPr>
+          <p:nvPr/>
+        </p:nvCxnSpPr>
+        <p:spPr>
+          <a:xfrm flipH="1" flipV="1">
+            <a:off x="4705643" y="2058572"/>
+            <a:ext cx="1032803" cy="499402"/>
+          </a:xfrm>
+          <a:prstGeom prst="straightConnector1">
+            <a:avLst/>
+          </a:prstGeom>
+          <a:ln w="25400">
+            <a:tailEnd type="arrow"/>
+          </a:ln>
+        </p:spPr>
+        <p:style>
+          <a:lnRef idx="1">
+            <a:schemeClr val="accent1"/>
+          </a:lnRef>
+          <a:fillRef idx="0">
+            <a:schemeClr val="accent1"/>
+          </a:fillRef>
+          <a:effectRef idx="0">
+            <a:schemeClr val="accent1"/>
+          </a:effectRef>
+          <a:fontRef idx="minor">
+            <a:schemeClr val="tx1"/>
+          </a:fontRef>
+        </p:style>
+      </p:cxnSp>
+      <p:sp>
+        <p:nvSpPr>
+          <p:cNvPr id="21" name="20 CuadroTexto"/>
+          <p:cNvSpPr txBox="1"/>
+          <p:nvPr/>
+        </p:nvSpPr>
+        <p:spPr>
+          <a:xfrm>
+            <a:off x="3938954" y="1111348"/>
+            <a:ext cx="1355884" cy="369332"/>
+          </a:xfrm>
+          <a:prstGeom prst="rect">
+            <a:avLst/>
+          </a:prstGeom>
+          <a:noFill/>
+        </p:spPr>
+        <p:txBody>
+          <a:bodyPr wrap="none" rtlCol="0">
+            <a:spAutoFit/>
+          </a:bodyPr>
+          <a:lstStyle/>
+          <a:p>
+            <a:r>
+              <a:rPr lang="en-US" dirty="0" smtClean="0"/>
+              <a:t>Blockchain 0</a:t>
+            </a:r>
+            <a:endParaRPr lang="en-US" dirty="0"/>
+          </a:p>
+        </p:txBody>
+      </p:sp>
+      <p:sp>
+        <p:nvSpPr>
+          <p:cNvPr id="22" name="21 Rectángulo redondeado"/>
+          <p:cNvSpPr/>
+          <p:nvPr/>
+        </p:nvSpPr>
+        <p:spPr>
+          <a:xfrm>
+            <a:off x="3810016" y="4049151"/>
+            <a:ext cx="3845144" cy="1617784"/>
+          </a:xfrm>
+          <a:prstGeom prst="roundRect">
+            <a:avLst/>
+          </a:prstGeom>
+          <a:solidFill>
+            <a:schemeClr val="accent6">
+              <a:lumMod val="60000"/>
+              <a:lumOff val="40000"/>
+            </a:schemeClr>
+          </a:solidFill>
+        </p:spPr>
+        <p:style>
+          <a:lnRef idx="2">
+            <a:schemeClr val="accent1">
+              <a:shade val="50000"/>
+            </a:schemeClr>
+          </a:lnRef>
+          <a:fillRef idx="1">
+            <a:schemeClr val="accent1"/>
+          </a:fillRef>
+          <a:effectRef idx="0">
+            <a:schemeClr val="accent1"/>
+          </a:effectRef>
+          <a:fontRef idx="minor">
+            <a:schemeClr val="lt1"/>
+          </a:fontRef>
+        </p:style>
+        <p:txBody>
+          <a:bodyPr rtlCol="0" anchor="ctr"/>
+          <a:lstStyle/>
+          <a:p>
+            <a:pPr algn="ctr"/>
+            <a:endParaRPr lang="en-US" dirty="0">
+              <a:solidFill>
+                <a:schemeClr val="tx1"/>
+              </a:solidFill>
+            </a:endParaRPr>
+          </a:p>
+        </p:txBody>
+      </p:sp>
+      <p:sp>
+        <p:nvSpPr>
+          <p:cNvPr id="26" name="25 CuadroTexto"/>
+          <p:cNvSpPr txBox="1"/>
+          <p:nvPr/>
+        </p:nvSpPr>
+        <p:spPr>
+          <a:xfrm>
+            <a:off x="3978812" y="3669323"/>
+            <a:ext cx="1293367" cy="369332"/>
+          </a:xfrm>
+          <a:prstGeom prst="rect">
+            <a:avLst/>
+          </a:prstGeom>
+          <a:noFill/>
+        </p:spPr>
+        <p:txBody>
+          <a:bodyPr wrap="none" rtlCol="0">
+            <a:spAutoFit/>
+          </a:bodyPr>
+          <a:lstStyle/>
+          <a:p>
+            <a:r>
+              <a:rPr lang="en-US" dirty="0" smtClean="0"/>
+              <a:t>Blockchain j</a:t>
+            </a:r>
+            <a:endParaRPr lang="en-US" dirty="0"/>
+          </a:p>
+        </p:txBody>
+      </p:sp>
+      <p:sp>
+        <p:nvSpPr>
+          <p:cNvPr id="27" name="26 CuadroTexto"/>
+          <p:cNvSpPr txBox="1"/>
+          <p:nvPr/>
+        </p:nvSpPr>
+        <p:spPr>
+          <a:xfrm>
+            <a:off x="4023359" y="1505243"/>
+            <a:ext cx="1437381" cy="369332"/>
+          </a:xfrm>
+          <a:prstGeom prst="rect">
+            <a:avLst/>
+          </a:prstGeom>
+          <a:noFill/>
+        </p:spPr>
+        <p:txBody>
+          <a:bodyPr wrap="none" rtlCol="0">
+            <a:spAutoFit/>
+          </a:bodyPr>
+          <a:lstStyle/>
+          <a:p>
+            <a:r>
+              <a:rPr lang="en-US" dirty="0" smtClean="0"/>
+              <a:t>User Account</a:t>
+            </a:r>
+            <a:endParaRPr lang="en-US" dirty="0"/>
+          </a:p>
+        </p:txBody>
+      </p:sp>
+      <p:sp>
+        <p:nvSpPr>
+          <p:cNvPr id="29" name="28 CuadroTexto"/>
+          <p:cNvSpPr txBox="1"/>
+          <p:nvPr/>
+        </p:nvSpPr>
+        <p:spPr>
+          <a:xfrm>
+            <a:off x="4951830" y="2729129"/>
+            <a:ext cx="1606978" cy="369332"/>
+          </a:xfrm>
+          <a:prstGeom prst="rect">
+            <a:avLst/>
+          </a:prstGeom>
+          <a:noFill/>
+        </p:spPr>
+        <p:txBody>
+          <a:bodyPr wrap="none" rtlCol="0">
+            <a:spAutoFit/>
+          </a:bodyPr>
+          <a:lstStyle/>
+          <a:p>
+            <a:r>
+              <a:rPr lang="en-US" dirty="0" smtClean="0"/>
+              <a:t>Bridge Account</a:t>
+            </a:r>
+            <a:endParaRPr lang="en-US" dirty="0"/>
+          </a:p>
+        </p:txBody>
+      </p:sp>
+      <p:sp>
+        <p:nvSpPr>
+          <p:cNvPr id="37" name="36 Rectángulo"/>
+          <p:cNvSpPr/>
+          <p:nvPr/>
+        </p:nvSpPr>
+        <p:spPr>
+          <a:xfrm>
+            <a:off x="5017475" y="4300023"/>
+            <a:ext cx="1380978" cy="227429"/>
+          </a:xfrm>
+          <a:prstGeom prst="rect">
+            <a:avLst/>
+          </a:prstGeom>
+          <a:solidFill>
+            <a:srgbClr val="FFC000"/>
+          </a:solidFill>
+        </p:spPr>
+        <p:style>
+          <a:lnRef idx="2">
+            <a:schemeClr val="accent1">
+              <a:shade val="50000"/>
+            </a:schemeClr>
+          </a:lnRef>
+          <a:fillRef idx="1">
+            <a:schemeClr val="accent1"/>
+          </a:fillRef>
+          <a:effectRef idx="0">
+            <a:schemeClr val="accent1"/>
+          </a:effectRef>
+          <a:fontRef idx="minor">
+            <a:schemeClr val="lt1"/>
+          </a:fontRef>
+        </p:style>
+        <p:txBody>
+          <a:bodyPr rtlCol="0" anchor="ctr"/>
+          <a:lstStyle/>
+          <a:p>
+            <a:pPr algn="ctr"/>
+            <a:endParaRPr lang="en-US"/>
+          </a:p>
+        </p:txBody>
+      </p:sp>
+      <p:sp>
+        <p:nvSpPr>
+          <p:cNvPr id="38" name="37 CuadroTexto"/>
+          <p:cNvSpPr txBox="1"/>
+          <p:nvPr/>
+        </p:nvSpPr>
+        <p:spPr>
+          <a:xfrm>
+            <a:off x="4949482" y="3992890"/>
+            <a:ext cx="1606978" cy="369332"/>
+          </a:xfrm>
+          <a:prstGeom prst="rect">
+            <a:avLst/>
+          </a:prstGeom>
+          <a:noFill/>
+        </p:spPr>
+        <p:txBody>
+          <a:bodyPr wrap="none" rtlCol="0">
+            <a:spAutoFit/>
+          </a:bodyPr>
+          <a:lstStyle/>
+          <a:p>
+            <a:r>
+              <a:rPr lang="en-US" dirty="0" smtClean="0"/>
+              <a:t>Bridge Account</a:t>
+            </a:r>
+            <a:endParaRPr lang="en-US" dirty="0"/>
+          </a:p>
+        </p:txBody>
+      </p:sp>
+      <p:sp>
+        <p:nvSpPr>
+          <p:cNvPr id="39" name="38 Rectángulo"/>
+          <p:cNvSpPr/>
+          <p:nvPr/>
+        </p:nvSpPr>
+        <p:spPr>
+          <a:xfrm>
+            <a:off x="6018627" y="5104228"/>
+            <a:ext cx="1223890" cy="271975"/>
+          </a:xfrm>
+          <a:prstGeom prst="rect">
+            <a:avLst/>
+          </a:prstGeom>
+          <a:solidFill>
+            <a:schemeClr val="accent4">
+              <a:lumMod val="40000"/>
+              <a:lumOff val="60000"/>
+            </a:schemeClr>
+          </a:solidFill>
+        </p:spPr>
+        <p:style>
+          <a:lnRef idx="2">
+            <a:schemeClr val="accent1">
+              <a:shade val="50000"/>
+            </a:schemeClr>
+          </a:lnRef>
+          <a:fillRef idx="1">
+            <a:schemeClr val="accent1"/>
+          </a:fillRef>
+          <a:effectRef idx="0">
+            <a:schemeClr val="accent1"/>
+          </a:effectRef>
+          <a:fontRef idx="minor">
+            <a:schemeClr val="lt1"/>
+          </a:fontRef>
+        </p:style>
+        <p:txBody>
+          <a:bodyPr rtlCol="0" anchor="ctr"/>
+          <a:lstStyle/>
+          <a:p>
+            <a:pPr algn="ctr"/>
+            <a:endParaRPr lang="en-US"/>
+          </a:p>
+        </p:txBody>
+      </p:sp>
+      <p:sp>
+        <p:nvSpPr>
+          <p:cNvPr id="40" name="39 CuadroTexto"/>
+          <p:cNvSpPr txBox="1"/>
+          <p:nvPr/>
+        </p:nvSpPr>
+        <p:spPr>
+          <a:xfrm>
+            <a:off x="5962356" y="5315242"/>
+            <a:ext cx="1437381" cy="369332"/>
+          </a:xfrm>
+          <a:prstGeom prst="rect">
+            <a:avLst/>
+          </a:prstGeom>
+          <a:noFill/>
+        </p:spPr>
+        <p:txBody>
+          <a:bodyPr wrap="none" rtlCol="0">
+            <a:spAutoFit/>
+          </a:bodyPr>
+          <a:lstStyle/>
+          <a:p>
+            <a:r>
+              <a:rPr lang="en-US" dirty="0" smtClean="0"/>
+              <a:t>User Account</a:t>
+            </a:r>
+            <a:endParaRPr lang="en-US" dirty="0"/>
+          </a:p>
+        </p:txBody>
+      </p:sp>
+      <p:cxnSp>
+        <p:nvCxnSpPr>
+          <p:cNvPr id="41" name="40 Conector recto de flecha"/>
+          <p:cNvCxnSpPr>
+            <a:stCxn id="39" idx="0"/>
+            <a:endCxn id="37" idx="2"/>
+          </p:cNvCxnSpPr>
+          <p:nvPr/>
+        </p:nvCxnSpPr>
+        <p:spPr>
+          <a:xfrm flipH="1" flipV="1">
+            <a:off x="5707964" y="4527452"/>
+            <a:ext cx="922608" cy="576776"/>
+          </a:xfrm>
+          <a:prstGeom prst="straightConnector1">
+            <a:avLst/>
+          </a:prstGeom>
+          <a:ln w="25400">
+            <a:tailEnd type="arrow"/>
+          </a:ln>
+        </p:spPr>
+        <p:style>
+          <a:lnRef idx="1">
+            <a:schemeClr val="accent1"/>
+          </a:lnRef>
+          <a:fillRef idx="0">
+            <a:schemeClr val="accent1"/>
+          </a:fillRef>
+          <a:effectRef idx="0">
+            <a:schemeClr val="accent1"/>
+          </a:effectRef>
+          <a:fontRef idx="minor">
+            <a:schemeClr val="tx1"/>
+          </a:fontRef>
+        </p:style>
+      </p:cxnSp>
+      <p:cxnSp>
+        <p:nvCxnSpPr>
+          <p:cNvPr id="45" name="44 Conector recto"/>
+          <p:cNvCxnSpPr>
+            <a:stCxn id="17" idx="2"/>
+            <a:endCxn id="37" idx="0"/>
+          </p:cNvCxnSpPr>
+          <p:nvPr/>
+        </p:nvCxnSpPr>
+        <p:spPr>
+          <a:xfrm flipH="1">
+            <a:off x="5707964" y="2785403"/>
+            <a:ext cx="30482" cy="1514620"/>
+          </a:xfrm>
+          <a:prstGeom prst="line">
+            <a:avLst/>
+          </a:prstGeom>
+          <a:ln w="25400">
+            <a:prstDash val="dash"/>
+          </a:ln>
+        </p:spPr>
+        <p:style>
+          <a:lnRef idx="1">
+            <a:schemeClr val="accent1"/>
+          </a:lnRef>
+          <a:fillRef idx="0">
+            <a:schemeClr val="accent1"/>
+          </a:fillRef>
+          <a:effectRef idx="0">
+            <a:schemeClr val="accent1"/>
+          </a:effectRef>
+          <a:fontRef idx="minor">
+            <a:schemeClr val="tx1"/>
+          </a:fontRef>
+        </p:style>
+      </p:cxnSp>
+      <p:sp>
+        <p:nvSpPr>
+          <p:cNvPr id="19" name="18 Elipse"/>
+          <p:cNvSpPr/>
+          <p:nvPr/>
+        </p:nvSpPr>
+        <p:spPr>
+          <a:xfrm>
+            <a:off x="1871003" y="4543864"/>
+            <a:ext cx="647114" cy="647114"/>
+          </a:xfrm>
+          <a:prstGeom prst="ellipse">
+            <a:avLst/>
+          </a:prstGeom>
+          <a:solidFill>
+            <a:schemeClr val="accent1">
+              <a:lumMod val="60000"/>
+              <a:lumOff val="40000"/>
+            </a:schemeClr>
+          </a:solidFill>
+        </p:spPr>
+        <p:style>
+          <a:lnRef idx="2">
+            <a:schemeClr val="accent1">
+              <a:shade val="50000"/>
+            </a:schemeClr>
+          </a:lnRef>
+          <a:fillRef idx="1">
+            <a:schemeClr val="accent1"/>
+          </a:fillRef>
+          <a:effectRef idx="0">
+            <a:schemeClr val="accent1"/>
+          </a:effectRef>
+          <a:fontRef idx="minor">
+            <a:schemeClr val="lt1"/>
+          </a:fontRef>
+        </p:style>
+        <p:txBody>
+          <a:bodyPr rtlCol="0" anchor="ctr"/>
+          <a:lstStyle/>
+          <a:p>
+            <a:pPr algn="ctr"/>
+            <a:r>
+              <a:rPr lang="en-US" dirty="0" smtClean="0">
+                <a:solidFill>
+                  <a:sysClr val="windowText" lastClr="000000"/>
+                </a:solidFill>
+              </a:rPr>
+              <a:t>Tx</a:t>
+            </a:r>
+            <a:endParaRPr lang="en-US" dirty="0">
+              <a:solidFill>
+                <a:sysClr val="windowText" lastClr="000000"/>
+              </a:solidFill>
+            </a:endParaRPr>
+          </a:p>
+        </p:txBody>
+      </p:sp>
+      <p:cxnSp>
+        <p:nvCxnSpPr>
+          <p:cNvPr id="23" name="22 Conector recto de flecha"/>
+          <p:cNvCxnSpPr>
+            <a:stCxn id="19" idx="6"/>
+          </p:cNvCxnSpPr>
+          <p:nvPr/>
+        </p:nvCxnSpPr>
+        <p:spPr>
+          <a:xfrm flipV="1">
+            <a:off x="2518117" y="4860388"/>
+            <a:ext cx="1266109" cy="7033"/>
+          </a:xfrm>
+          <a:prstGeom prst="straightConnector1">
+            <a:avLst/>
+          </a:prstGeom>
+          <a:ln>
+            <a:tailEnd type="arrow"/>
+          </a:ln>
+        </p:spPr>
+        <p:style>
+          <a:lnRef idx="1">
+            <a:schemeClr val="accent1"/>
+          </a:lnRef>
+          <a:fillRef idx="0">
+            <a:schemeClr val="accent1"/>
+          </a:fillRef>
+          <a:effectRef idx="0">
+            <a:schemeClr val="accent1"/>
+          </a:effectRef>
+          <a:fontRef idx="minor">
+            <a:schemeClr val="tx1"/>
+          </a:fontRef>
+        </p:style>
+      </p:cxnSp>
+    </p:spTree>
+  </p:cSld>
+  <p:clrMapOvr>
+    <a:masterClrMapping/>
+  </p:clrMapOvr>
+  <p:timing>
+    <p:tnLst>
+      <p:par>
+        <p:cTn id="1" dur="indefinite" restart="never" nodeType="tmRoot"/>
+      </p:par>
+    </p:tnLst>
+  </p:timing>
+</p:sld>
+</file>
+
 <file path=ppt/slides/slide2.xml><?xml version="1.0" encoding="utf-8"?>
 <p:sld xmlns:a="http://schemas.openxmlformats.org/drawingml/2006/main" xmlns:r="http://schemas.openxmlformats.org/officeDocument/2006/relationships" xmlns:p="http://schemas.openxmlformats.org/presentationml/2006/main">
   <p:cSld>
@@ -4299,7 +6275,7 @@
     </p:spTree>
     <p:extLst>
       <p:ext uri="{BB962C8B-B14F-4D97-AF65-F5344CB8AC3E}">
-        <p14:creationId xmlns:p14="http://schemas.microsoft.com/office/powerpoint/2010/main" xmlns="" val="2899344581"/>
+        <p14:creationId xmlns="" xmlns:p14="http://schemas.microsoft.com/office/powerpoint/2010/main" val="2899344581"/>
       </p:ext>
     </p:extLst>
   </p:cSld>
@@ -5108,7 +7084,7 @@
     </p:spTree>
     <p:extLst>
       <p:ext uri="{BB962C8B-B14F-4D97-AF65-F5344CB8AC3E}">
-        <p14:creationId xmlns:p14="http://schemas.microsoft.com/office/powerpoint/2010/main" xmlns="" val="518410028"/>
+        <p14:creationId xmlns="" xmlns:p14="http://schemas.microsoft.com/office/powerpoint/2010/main" val="518410028"/>
       </p:ext>
     </p:extLst>
   </p:cSld>
@@ -5685,7 +7661,7 @@
     </p:spTree>
     <p:extLst>
       <p:ext uri="{BB962C8B-B14F-4D97-AF65-F5344CB8AC3E}">
-        <p14:creationId xmlns:p14="http://schemas.microsoft.com/office/powerpoint/2010/main" xmlns="" val="547407720"/>
+        <p14:creationId xmlns="" xmlns:p14="http://schemas.microsoft.com/office/powerpoint/2010/main" val="547407720"/>
       </p:ext>
     </p:extLst>
   </p:cSld>
@@ -6053,7 +8029,7 @@
     </p:spTree>
     <p:extLst>
       <p:ext uri="{BB962C8B-B14F-4D97-AF65-F5344CB8AC3E}">
-        <p14:creationId xmlns:p14="http://schemas.microsoft.com/office/powerpoint/2010/main" xmlns="" val="3355114092"/>
+        <p14:creationId xmlns="" xmlns:p14="http://schemas.microsoft.com/office/powerpoint/2010/main" val="3355114092"/>
       </p:ext>
     </p:extLst>
   </p:cSld>
@@ -7187,7 +9163,7 @@
     </p:spTree>
     <p:extLst>
       <p:ext uri="{BB962C8B-B14F-4D97-AF65-F5344CB8AC3E}">
-        <p14:creationId xmlns:p14="http://schemas.microsoft.com/office/powerpoint/2010/main" xmlns="" val="1577733768"/>
+        <p14:creationId xmlns="" xmlns:p14="http://schemas.microsoft.com/office/powerpoint/2010/main" val="1577733768"/>
       </p:ext>
     </p:extLst>
   </p:cSld>
@@ -8056,7 +10032,7 @@
     </p:spTree>
     <p:extLst>
       <p:ext uri="{BB962C8B-B14F-4D97-AF65-F5344CB8AC3E}">
-        <p14:creationId xmlns:p14="http://schemas.microsoft.com/office/powerpoint/2010/main" xmlns="" val="3931722828"/>
+        <p14:creationId xmlns="" xmlns:p14="http://schemas.microsoft.com/office/powerpoint/2010/main" val="3931722828"/>
       </p:ext>
     </p:extLst>
   </p:cSld>
@@ -10999,11 +12975,7 @@
             </a:r>
             <a:r>
               <a:rPr lang="en-US" sz="2400" dirty="0" smtClean="0"/>
-              <a:t> </a:t>
-            </a:r>
-            <a:r>
-              <a:rPr lang="en-US" sz="2400" dirty="0" err="1" smtClean="0"/>
-              <a:t>Blockchain</a:t>
+              <a:t> Blockchain</a:t>
             </a:r>
             <a:endParaRPr lang="en-US" sz="2400" dirty="0"/>
           </a:p>
@@ -11033,11 +13005,7 @@
           <a:p>
             <a:r>
               <a:rPr lang="en-US" sz="2400" dirty="0" smtClean="0"/>
-              <a:t>Ethereum/RSK </a:t>
-            </a:r>
-            <a:r>
-              <a:rPr lang="en-US" sz="2400" dirty="0" err="1" smtClean="0"/>
-              <a:t>Blockchain</a:t>
+              <a:t>Ethereum/RSK Blockchain</a:t>
             </a:r>
             <a:endParaRPr lang="en-US" sz="2400" dirty="0"/>
           </a:p>
@@ -13148,7 +15116,7 @@
   <a:extraClrSchemeLst/>
   <a:extLst>
     <a:ext uri="{05A4C25C-085E-4340-85A3-A5531E510DB2}">
-      <thm15:themeFamily xmlns:thm15="http://schemas.microsoft.com/office/thememl/2012/main" xmlns="" name="Office Theme" id="{62F939B6-93AF-4DB8-9C6B-D6C7DFDC589F}" vid="{4A3C46E8-61CC-4603-A589-7422A47A8E4A}"/>
+      <thm15:themeFamily xmlns="" xmlns:thm15="http://schemas.microsoft.com/office/thememl/2012/main" name="Office Theme" id="{62F939B6-93AF-4DB8-9C6B-D6C7DFDC589F}" vid="{4A3C46E8-61CC-4603-A589-7422A47A8E4A}"/>
     </a:ext>
   </a:extLst>
 </a:theme>

--- a/ConnBlockchains/images/BlockchainImages2.pptx
+++ b/ConnBlockchains/images/BlockchainImages2.pptx
@@ -17,6 +17,10 @@
     <p:sldId id="270" r:id="rId11"/>
     <p:sldId id="271" r:id="rId12"/>
     <p:sldId id="272" r:id="rId13"/>
+    <p:sldId id="273" r:id="rId14"/>
+    <p:sldId id="275" r:id="rId15"/>
+    <p:sldId id="274" r:id="rId16"/>
+    <p:sldId id="276" r:id="rId17"/>
   </p:sldIdLst>
   <p:sldSz cx="12192000" cy="6858000"/>
   <p:notesSz cx="6858000" cy="9144000"/>
@@ -117,7 +121,7 @@
   </p:defaultTextStyle>
   <p:extLst>
     <p:ext uri="{EFAFB233-063F-42B5-8137-9DF3F51BA10A}">
-      <p15:sldGuideLst xmlns="" xmlns:p15="http://schemas.microsoft.com/office/powerpoint/2012/main">
+      <p15:sldGuideLst xmlns:p15="http://schemas.microsoft.com/office/powerpoint/2012/main" xmlns="">
         <p15:guide id="1" orient="horz" pos="2160">
           <p15:clr>
             <a:srgbClr val="A4A3A4"/>
@@ -264,7 +268,7 @@
             <a:fld id="{C2F463EA-8CAB-49D9-9558-9A4296B1F92C}" type="datetimeFigureOut">
               <a:rPr lang="en-US" smtClean="0"/>
               <a:pPr/>
-              <a:t>3/4/2018</a:t>
+              <a:t>4/2/2018</a:t>
             </a:fld>
             <a:endParaRPr lang="en-US"/>
           </a:p>
@@ -316,7 +320,7 @@
     </p:spTree>
     <p:extLst>
       <p:ext uri="{BB962C8B-B14F-4D97-AF65-F5344CB8AC3E}">
-        <p14:creationId xmlns="" xmlns:p14="http://schemas.microsoft.com/office/powerpoint/2010/main" val="3979571287"/>
+        <p14:creationId xmlns:p14="http://schemas.microsoft.com/office/powerpoint/2010/main" xmlns="" val="3979571287"/>
       </p:ext>
     </p:extLst>
   </p:cSld>
@@ -434,7 +438,7 @@
             <a:fld id="{C2F463EA-8CAB-49D9-9558-9A4296B1F92C}" type="datetimeFigureOut">
               <a:rPr lang="en-US" smtClean="0"/>
               <a:pPr/>
-              <a:t>3/4/2018</a:t>
+              <a:t>4/2/2018</a:t>
             </a:fld>
             <a:endParaRPr lang="en-US"/>
           </a:p>
@@ -486,7 +490,7 @@
     </p:spTree>
     <p:extLst>
       <p:ext uri="{BB962C8B-B14F-4D97-AF65-F5344CB8AC3E}">
-        <p14:creationId xmlns="" xmlns:p14="http://schemas.microsoft.com/office/powerpoint/2010/main" val="2989747269"/>
+        <p14:creationId xmlns:p14="http://schemas.microsoft.com/office/powerpoint/2010/main" xmlns="" val="2989747269"/>
       </p:ext>
     </p:extLst>
   </p:cSld>
@@ -614,7 +618,7 @@
             <a:fld id="{C2F463EA-8CAB-49D9-9558-9A4296B1F92C}" type="datetimeFigureOut">
               <a:rPr lang="en-US" smtClean="0"/>
               <a:pPr/>
-              <a:t>3/4/2018</a:t>
+              <a:t>4/2/2018</a:t>
             </a:fld>
             <a:endParaRPr lang="en-US"/>
           </a:p>
@@ -666,7 +670,7 @@
     </p:spTree>
     <p:extLst>
       <p:ext uri="{BB962C8B-B14F-4D97-AF65-F5344CB8AC3E}">
-        <p14:creationId xmlns="" xmlns:p14="http://schemas.microsoft.com/office/powerpoint/2010/main" val="1201660933"/>
+        <p14:creationId xmlns:p14="http://schemas.microsoft.com/office/powerpoint/2010/main" xmlns="" val="1201660933"/>
       </p:ext>
     </p:extLst>
   </p:cSld>
@@ -784,7 +788,7 @@
             <a:fld id="{C2F463EA-8CAB-49D9-9558-9A4296B1F92C}" type="datetimeFigureOut">
               <a:rPr lang="en-US" smtClean="0"/>
               <a:pPr/>
-              <a:t>3/4/2018</a:t>
+              <a:t>4/2/2018</a:t>
             </a:fld>
             <a:endParaRPr lang="en-US"/>
           </a:p>
@@ -836,7 +840,7 @@
     </p:spTree>
     <p:extLst>
       <p:ext uri="{BB962C8B-B14F-4D97-AF65-F5344CB8AC3E}">
-        <p14:creationId xmlns="" xmlns:p14="http://schemas.microsoft.com/office/powerpoint/2010/main" val="4083079837"/>
+        <p14:creationId xmlns:p14="http://schemas.microsoft.com/office/powerpoint/2010/main" xmlns="" val="4083079837"/>
       </p:ext>
     </p:extLst>
   </p:cSld>
@@ -1031,7 +1035,7 @@
             <a:fld id="{C2F463EA-8CAB-49D9-9558-9A4296B1F92C}" type="datetimeFigureOut">
               <a:rPr lang="en-US" smtClean="0"/>
               <a:pPr/>
-              <a:t>3/4/2018</a:t>
+              <a:t>4/2/2018</a:t>
             </a:fld>
             <a:endParaRPr lang="en-US"/>
           </a:p>
@@ -1083,7 +1087,7 @@
     </p:spTree>
     <p:extLst>
       <p:ext uri="{BB962C8B-B14F-4D97-AF65-F5344CB8AC3E}">
-        <p14:creationId xmlns="" xmlns:p14="http://schemas.microsoft.com/office/powerpoint/2010/main" val="651220028"/>
+        <p14:creationId xmlns:p14="http://schemas.microsoft.com/office/powerpoint/2010/main" xmlns="" val="651220028"/>
       </p:ext>
     </p:extLst>
   </p:cSld>
@@ -1262,7 +1266,7 @@
             <a:fld id="{C2F463EA-8CAB-49D9-9558-9A4296B1F92C}" type="datetimeFigureOut">
               <a:rPr lang="en-US" smtClean="0"/>
               <a:pPr/>
-              <a:t>3/4/2018</a:t>
+              <a:t>4/2/2018</a:t>
             </a:fld>
             <a:endParaRPr lang="en-US"/>
           </a:p>
@@ -1314,7 +1318,7 @@
     </p:spTree>
     <p:extLst>
       <p:ext uri="{BB962C8B-B14F-4D97-AF65-F5344CB8AC3E}">
-        <p14:creationId xmlns="" xmlns:p14="http://schemas.microsoft.com/office/powerpoint/2010/main" val="1027071935"/>
+        <p14:creationId xmlns:p14="http://schemas.microsoft.com/office/powerpoint/2010/main" xmlns="" val="1027071935"/>
       </p:ext>
     </p:extLst>
   </p:cSld>
@@ -1628,7 +1632,7 @@
             <a:fld id="{C2F463EA-8CAB-49D9-9558-9A4296B1F92C}" type="datetimeFigureOut">
               <a:rPr lang="en-US" smtClean="0"/>
               <a:pPr/>
-              <a:t>3/4/2018</a:t>
+              <a:t>4/2/2018</a:t>
             </a:fld>
             <a:endParaRPr lang="en-US"/>
           </a:p>
@@ -1680,7 +1684,7 @@
     </p:spTree>
     <p:extLst>
       <p:ext uri="{BB962C8B-B14F-4D97-AF65-F5344CB8AC3E}">
-        <p14:creationId xmlns="" xmlns:p14="http://schemas.microsoft.com/office/powerpoint/2010/main" val="3380373450"/>
+        <p14:creationId xmlns:p14="http://schemas.microsoft.com/office/powerpoint/2010/main" xmlns="" val="3380373450"/>
       </p:ext>
     </p:extLst>
   </p:cSld>
@@ -1747,7 +1751,7 @@
             <a:fld id="{C2F463EA-8CAB-49D9-9558-9A4296B1F92C}" type="datetimeFigureOut">
               <a:rPr lang="en-US" smtClean="0"/>
               <a:pPr/>
-              <a:t>3/4/2018</a:t>
+              <a:t>4/2/2018</a:t>
             </a:fld>
             <a:endParaRPr lang="en-US"/>
           </a:p>
@@ -1799,7 +1803,7 @@
     </p:spTree>
     <p:extLst>
       <p:ext uri="{BB962C8B-B14F-4D97-AF65-F5344CB8AC3E}">
-        <p14:creationId xmlns="" xmlns:p14="http://schemas.microsoft.com/office/powerpoint/2010/main" val="2966097024"/>
+        <p14:creationId xmlns:p14="http://schemas.microsoft.com/office/powerpoint/2010/main" xmlns="" val="2966097024"/>
       </p:ext>
     </p:extLst>
   </p:cSld>
@@ -1844,7 +1848,7 @@
             <a:fld id="{C2F463EA-8CAB-49D9-9558-9A4296B1F92C}" type="datetimeFigureOut">
               <a:rPr lang="en-US" smtClean="0"/>
               <a:pPr/>
-              <a:t>3/4/2018</a:t>
+              <a:t>4/2/2018</a:t>
             </a:fld>
             <a:endParaRPr lang="en-US"/>
           </a:p>
@@ -1896,7 +1900,7 @@
     </p:spTree>
     <p:extLst>
       <p:ext uri="{BB962C8B-B14F-4D97-AF65-F5344CB8AC3E}">
-        <p14:creationId xmlns="" xmlns:p14="http://schemas.microsoft.com/office/powerpoint/2010/main" val="2175806723"/>
+        <p14:creationId xmlns:p14="http://schemas.microsoft.com/office/powerpoint/2010/main" xmlns="" val="2175806723"/>
       </p:ext>
     </p:extLst>
   </p:cSld>
@@ -2121,7 +2125,7 @@
             <a:fld id="{C2F463EA-8CAB-49D9-9558-9A4296B1F92C}" type="datetimeFigureOut">
               <a:rPr lang="en-US" smtClean="0"/>
               <a:pPr/>
-              <a:t>3/4/2018</a:t>
+              <a:t>4/2/2018</a:t>
             </a:fld>
             <a:endParaRPr lang="en-US"/>
           </a:p>
@@ -2173,7 +2177,7 @@
     </p:spTree>
     <p:extLst>
       <p:ext uri="{BB962C8B-B14F-4D97-AF65-F5344CB8AC3E}">
-        <p14:creationId xmlns="" xmlns:p14="http://schemas.microsoft.com/office/powerpoint/2010/main" val="2109584863"/>
+        <p14:creationId xmlns:p14="http://schemas.microsoft.com/office/powerpoint/2010/main" xmlns="" val="2109584863"/>
       </p:ext>
     </p:extLst>
   </p:cSld>
@@ -2375,7 +2379,7 @@
             <a:fld id="{C2F463EA-8CAB-49D9-9558-9A4296B1F92C}" type="datetimeFigureOut">
               <a:rPr lang="en-US" smtClean="0"/>
               <a:pPr/>
-              <a:t>3/4/2018</a:t>
+              <a:t>4/2/2018</a:t>
             </a:fld>
             <a:endParaRPr lang="en-US"/>
           </a:p>
@@ -2427,7 +2431,7 @@
     </p:spTree>
     <p:extLst>
       <p:ext uri="{BB962C8B-B14F-4D97-AF65-F5344CB8AC3E}">
-        <p14:creationId xmlns="" xmlns:p14="http://schemas.microsoft.com/office/powerpoint/2010/main" val="874225097"/>
+        <p14:creationId xmlns:p14="http://schemas.microsoft.com/office/powerpoint/2010/main" xmlns="" val="874225097"/>
       </p:ext>
     </p:extLst>
   </p:cSld>
@@ -2588,7 +2592,7 @@
             <a:fld id="{C2F463EA-8CAB-49D9-9558-9A4296B1F92C}" type="datetimeFigureOut">
               <a:rPr lang="en-US" smtClean="0"/>
               <a:pPr/>
-              <a:t>3/4/2018</a:t>
+              <a:t>4/2/2018</a:t>
             </a:fld>
             <a:endParaRPr lang="en-US"/>
           </a:p>
@@ -2676,7 +2680,7 @@
     </p:spTree>
     <p:extLst>
       <p:ext uri="{BB962C8B-B14F-4D97-AF65-F5344CB8AC3E}">
-        <p14:creationId xmlns="" xmlns:p14="http://schemas.microsoft.com/office/powerpoint/2010/main" val="1667871935"/>
+        <p14:creationId xmlns:p14="http://schemas.microsoft.com/office/powerpoint/2010/main" xmlns="" val="1667871935"/>
       </p:ext>
     </p:extLst>
   </p:cSld>
@@ -5487,6 +5491,9263 @@
 </p:sld>
 </file>
 
+<file path=ppt/slides/slide13.xml><?xml version="1.0" encoding="utf-8"?>
+<p:sld xmlns:a="http://schemas.openxmlformats.org/drawingml/2006/main" xmlns:r="http://schemas.openxmlformats.org/officeDocument/2006/relationships" xmlns:p="http://schemas.openxmlformats.org/presentationml/2006/main">
+  <p:cSld>
+    <p:spTree>
+      <p:nvGrpSpPr>
+        <p:cNvPr id="1" name=""/>
+        <p:cNvGrpSpPr/>
+        <p:nvPr/>
+      </p:nvGrpSpPr>
+      <p:grpSpPr>
+        <a:xfrm>
+          <a:off x="0" y="0"/>
+          <a:ext cx="0" cy="0"/>
+          <a:chOff x="0" y="0"/>
+          <a:chExt cx="0" cy="0"/>
+        </a:xfrm>
+      </p:grpSpPr>
+      <p:sp>
+        <p:nvSpPr>
+          <p:cNvPr id="2" name="1 Rectángulo"/>
+          <p:cNvSpPr/>
+          <p:nvPr/>
+        </p:nvSpPr>
+        <p:spPr>
+          <a:xfrm>
+            <a:off x="2124245" y="2194560"/>
+            <a:ext cx="1055077" cy="534572"/>
+          </a:xfrm>
+          <a:prstGeom prst="rect">
+            <a:avLst/>
+          </a:prstGeom>
+          <a:solidFill>
+            <a:schemeClr val="accent1">
+              <a:lumMod val="60000"/>
+              <a:lumOff val="40000"/>
+            </a:schemeClr>
+          </a:solidFill>
+        </p:spPr>
+        <p:style>
+          <a:lnRef idx="2">
+            <a:schemeClr val="accent1">
+              <a:shade val="50000"/>
+            </a:schemeClr>
+          </a:lnRef>
+          <a:fillRef idx="1">
+            <a:schemeClr val="accent1"/>
+          </a:fillRef>
+          <a:effectRef idx="0">
+            <a:schemeClr val="accent1"/>
+          </a:effectRef>
+          <a:fontRef idx="minor">
+            <a:schemeClr val="lt1"/>
+          </a:fontRef>
+        </p:style>
+        <p:txBody>
+          <a:bodyPr rtlCol="0" anchor="ctr"/>
+          <a:lstStyle/>
+          <a:p>
+            <a:pPr algn="ctr"/>
+            <a:endParaRPr lang="en-US"/>
+          </a:p>
+        </p:txBody>
+      </p:sp>
+      <p:sp>
+        <p:nvSpPr>
+          <p:cNvPr id="3" name="2 Rectángulo"/>
+          <p:cNvSpPr/>
+          <p:nvPr/>
+        </p:nvSpPr>
+        <p:spPr>
+          <a:xfrm>
+            <a:off x="3655279" y="2192216"/>
+            <a:ext cx="1055077" cy="534572"/>
+          </a:xfrm>
+          <a:prstGeom prst="rect">
+            <a:avLst/>
+          </a:prstGeom>
+          <a:solidFill>
+            <a:schemeClr val="accent1">
+              <a:lumMod val="60000"/>
+              <a:lumOff val="40000"/>
+            </a:schemeClr>
+          </a:solidFill>
+        </p:spPr>
+        <p:style>
+          <a:lnRef idx="2">
+            <a:schemeClr val="accent1">
+              <a:shade val="50000"/>
+            </a:schemeClr>
+          </a:lnRef>
+          <a:fillRef idx="1">
+            <a:schemeClr val="accent1"/>
+          </a:fillRef>
+          <a:effectRef idx="0">
+            <a:schemeClr val="accent1"/>
+          </a:effectRef>
+          <a:fontRef idx="minor">
+            <a:schemeClr val="lt1"/>
+          </a:fontRef>
+        </p:style>
+        <p:txBody>
+          <a:bodyPr rtlCol="0" anchor="ctr"/>
+          <a:lstStyle/>
+          <a:p>
+            <a:pPr algn="ctr"/>
+            <a:endParaRPr lang="en-US"/>
+          </a:p>
+        </p:txBody>
+      </p:sp>
+      <p:cxnSp>
+        <p:nvCxnSpPr>
+          <p:cNvPr id="5" name="4 Conector recto de flecha"/>
+          <p:cNvCxnSpPr>
+            <a:stCxn id="3" idx="1"/>
+            <a:endCxn id="2" idx="3"/>
+          </p:cNvCxnSpPr>
+          <p:nvPr/>
+        </p:nvCxnSpPr>
+        <p:spPr>
+          <a:xfrm flipH="1">
+            <a:off x="3179322" y="2459502"/>
+            <a:ext cx="475957" cy="2344"/>
+          </a:xfrm>
+          <a:prstGeom prst="straightConnector1">
+            <a:avLst/>
+          </a:prstGeom>
+          <a:ln>
+            <a:tailEnd type="arrow"/>
+          </a:ln>
+        </p:spPr>
+        <p:style>
+          <a:lnRef idx="1">
+            <a:schemeClr val="accent1"/>
+          </a:lnRef>
+          <a:fillRef idx="0">
+            <a:schemeClr val="accent1"/>
+          </a:fillRef>
+          <a:effectRef idx="0">
+            <a:schemeClr val="accent1"/>
+          </a:effectRef>
+          <a:fontRef idx="minor">
+            <a:schemeClr val="tx1"/>
+          </a:fontRef>
+        </p:style>
+      </p:cxnSp>
+      <p:sp>
+        <p:nvSpPr>
+          <p:cNvPr id="6" name="5 Rectángulo"/>
+          <p:cNvSpPr/>
+          <p:nvPr/>
+        </p:nvSpPr>
+        <p:spPr>
+          <a:xfrm>
+            <a:off x="5186312" y="2203939"/>
+            <a:ext cx="1055077" cy="534572"/>
+          </a:xfrm>
+          <a:prstGeom prst="rect">
+            <a:avLst/>
+          </a:prstGeom>
+          <a:solidFill>
+            <a:srgbClr val="56A4AE"/>
+          </a:solidFill>
+        </p:spPr>
+        <p:style>
+          <a:lnRef idx="2">
+            <a:schemeClr val="accent1">
+              <a:shade val="50000"/>
+            </a:schemeClr>
+          </a:lnRef>
+          <a:fillRef idx="1">
+            <a:schemeClr val="accent1"/>
+          </a:fillRef>
+          <a:effectRef idx="0">
+            <a:schemeClr val="accent1"/>
+          </a:effectRef>
+          <a:fontRef idx="minor">
+            <a:schemeClr val="lt1"/>
+          </a:fontRef>
+        </p:style>
+        <p:txBody>
+          <a:bodyPr rtlCol="0" anchor="ctr"/>
+          <a:lstStyle/>
+          <a:p>
+            <a:pPr algn="ctr"/>
+            <a:endParaRPr lang="en-US"/>
+          </a:p>
+        </p:txBody>
+      </p:sp>
+      <p:cxnSp>
+        <p:nvCxnSpPr>
+          <p:cNvPr id="7" name="6 Conector recto de flecha"/>
+          <p:cNvCxnSpPr>
+            <a:stCxn id="6" idx="1"/>
+          </p:cNvCxnSpPr>
+          <p:nvPr/>
+        </p:nvCxnSpPr>
+        <p:spPr>
+          <a:xfrm flipH="1">
+            <a:off x="4710355" y="2471225"/>
+            <a:ext cx="475957" cy="2344"/>
+          </a:xfrm>
+          <a:prstGeom prst="straightConnector1">
+            <a:avLst/>
+          </a:prstGeom>
+          <a:ln>
+            <a:tailEnd type="arrow"/>
+          </a:ln>
+        </p:spPr>
+        <p:style>
+          <a:lnRef idx="1">
+            <a:schemeClr val="accent1"/>
+          </a:lnRef>
+          <a:fillRef idx="0">
+            <a:schemeClr val="accent1"/>
+          </a:fillRef>
+          <a:effectRef idx="0">
+            <a:schemeClr val="accent1"/>
+          </a:effectRef>
+          <a:fontRef idx="minor">
+            <a:schemeClr val="tx1"/>
+          </a:fontRef>
+        </p:style>
+      </p:cxnSp>
+      <p:sp>
+        <p:nvSpPr>
+          <p:cNvPr id="8" name="7 Rectángulo"/>
+          <p:cNvSpPr/>
+          <p:nvPr/>
+        </p:nvSpPr>
+        <p:spPr>
+          <a:xfrm>
+            <a:off x="6747825" y="2189872"/>
+            <a:ext cx="1055077" cy="534572"/>
+          </a:xfrm>
+          <a:prstGeom prst="rect">
+            <a:avLst/>
+          </a:prstGeom>
+          <a:solidFill>
+            <a:schemeClr val="accent1">
+              <a:lumMod val="60000"/>
+              <a:lumOff val="40000"/>
+            </a:schemeClr>
+          </a:solidFill>
+        </p:spPr>
+        <p:style>
+          <a:lnRef idx="2">
+            <a:schemeClr val="accent1">
+              <a:shade val="50000"/>
+            </a:schemeClr>
+          </a:lnRef>
+          <a:fillRef idx="1">
+            <a:schemeClr val="accent1"/>
+          </a:fillRef>
+          <a:effectRef idx="0">
+            <a:schemeClr val="accent1"/>
+          </a:effectRef>
+          <a:fontRef idx="minor">
+            <a:schemeClr val="lt1"/>
+          </a:fontRef>
+        </p:style>
+        <p:txBody>
+          <a:bodyPr rtlCol="0" anchor="ctr"/>
+          <a:lstStyle/>
+          <a:p>
+            <a:pPr algn="ctr"/>
+            <a:endParaRPr lang="en-US"/>
+          </a:p>
+        </p:txBody>
+      </p:sp>
+      <p:cxnSp>
+        <p:nvCxnSpPr>
+          <p:cNvPr id="9" name="8 Conector recto de flecha"/>
+          <p:cNvCxnSpPr>
+            <a:stCxn id="8" idx="1"/>
+          </p:cNvCxnSpPr>
+          <p:nvPr/>
+        </p:nvCxnSpPr>
+        <p:spPr>
+          <a:xfrm flipH="1">
+            <a:off x="6271868" y="2457158"/>
+            <a:ext cx="475957" cy="2344"/>
+          </a:xfrm>
+          <a:prstGeom prst="straightConnector1">
+            <a:avLst/>
+          </a:prstGeom>
+          <a:ln>
+            <a:tailEnd type="arrow"/>
+          </a:ln>
+        </p:spPr>
+        <p:style>
+          <a:lnRef idx="1">
+            <a:schemeClr val="accent1"/>
+          </a:lnRef>
+          <a:fillRef idx="0">
+            <a:schemeClr val="accent1"/>
+          </a:fillRef>
+          <a:effectRef idx="0">
+            <a:schemeClr val="accent1"/>
+          </a:effectRef>
+          <a:fontRef idx="minor">
+            <a:schemeClr val="tx1"/>
+          </a:fontRef>
+        </p:style>
+      </p:cxnSp>
+      <p:sp>
+        <p:nvSpPr>
+          <p:cNvPr id="12" name="11 Rectángulo"/>
+          <p:cNvSpPr/>
+          <p:nvPr/>
+        </p:nvSpPr>
+        <p:spPr>
+          <a:xfrm>
+            <a:off x="8278826" y="2187527"/>
+            <a:ext cx="1055077" cy="534572"/>
+          </a:xfrm>
+          <a:prstGeom prst="rect">
+            <a:avLst/>
+          </a:prstGeom>
+          <a:solidFill>
+            <a:srgbClr val="C58467"/>
+          </a:solidFill>
+        </p:spPr>
+        <p:style>
+          <a:lnRef idx="2">
+            <a:schemeClr val="accent1">
+              <a:shade val="50000"/>
+            </a:schemeClr>
+          </a:lnRef>
+          <a:fillRef idx="1">
+            <a:schemeClr val="accent1"/>
+          </a:fillRef>
+          <a:effectRef idx="0">
+            <a:schemeClr val="accent1"/>
+          </a:effectRef>
+          <a:fontRef idx="minor">
+            <a:schemeClr val="lt1"/>
+          </a:fontRef>
+        </p:style>
+        <p:txBody>
+          <a:bodyPr rtlCol="0" anchor="ctr"/>
+          <a:lstStyle/>
+          <a:p>
+            <a:pPr algn="ctr"/>
+            <a:endParaRPr lang="en-US"/>
+          </a:p>
+        </p:txBody>
+      </p:sp>
+      <p:cxnSp>
+        <p:nvCxnSpPr>
+          <p:cNvPr id="13" name="12 Conector recto de flecha"/>
+          <p:cNvCxnSpPr>
+            <a:stCxn id="12" idx="1"/>
+          </p:cNvCxnSpPr>
+          <p:nvPr/>
+        </p:nvCxnSpPr>
+        <p:spPr>
+          <a:xfrm flipH="1">
+            <a:off x="7802869" y="2454813"/>
+            <a:ext cx="475957" cy="2344"/>
+          </a:xfrm>
+          <a:prstGeom prst="straightConnector1">
+            <a:avLst/>
+          </a:prstGeom>
+          <a:ln>
+            <a:tailEnd type="arrow"/>
+          </a:ln>
+        </p:spPr>
+        <p:style>
+          <a:lnRef idx="1">
+            <a:schemeClr val="accent1"/>
+          </a:lnRef>
+          <a:fillRef idx="0">
+            <a:schemeClr val="accent1"/>
+          </a:fillRef>
+          <a:effectRef idx="0">
+            <a:schemeClr val="accent1"/>
+          </a:effectRef>
+          <a:fontRef idx="minor">
+            <a:schemeClr val="tx1"/>
+          </a:fontRef>
+        </p:style>
+      </p:cxnSp>
+      <p:sp>
+        <p:nvSpPr>
+          <p:cNvPr id="14" name="13 Rectángulo"/>
+          <p:cNvSpPr/>
+          <p:nvPr/>
+        </p:nvSpPr>
+        <p:spPr>
+          <a:xfrm>
+            <a:off x="9809859" y="2199250"/>
+            <a:ext cx="1055077" cy="534572"/>
+          </a:xfrm>
+          <a:prstGeom prst="rect">
+            <a:avLst/>
+          </a:prstGeom>
+          <a:solidFill>
+            <a:schemeClr val="accent1">
+              <a:lumMod val="60000"/>
+              <a:lumOff val="40000"/>
+            </a:schemeClr>
+          </a:solidFill>
+        </p:spPr>
+        <p:style>
+          <a:lnRef idx="2">
+            <a:schemeClr val="accent1">
+              <a:shade val="50000"/>
+            </a:schemeClr>
+          </a:lnRef>
+          <a:fillRef idx="1">
+            <a:schemeClr val="accent1"/>
+          </a:fillRef>
+          <a:effectRef idx="0">
+            <a:schemeClr val="accent1"/>
+          </a:effectRef>
+          <a:fontRef idx="minor">
+            <a:schemeClr val="lt1"/>
+          </a:fontRef>
+        </p:style>
+        <p:txBody>
+          <a:bodyPr rtlCol="0" anchor="ctr"/>
+          <a:lstStyle/>
+          <a:p>
+            <a:pPr algn="ctr"/>
+            <a:endParaRPr lang="en-US"/>
+          </a:p>
+        </p:txBody>
+      </p:sp>
+      <p:cxnSp>
+        <p:nvCxnSpPr>
+          <p:cNvPr id="15" name="14 Conector recto de flecha"/>
+          <p:cNvCxnSpPr>
+            <a:stCxn id="14" idx="1"/>
+          </p:cNvCxnSpPr>
+          <p:nvPr/>
+        </p:nvCxnSpPr>
+        <p:spPr>
+          <a:xfrm flipH="1">
+            <a:off x="9333902" y="2466536"/>
+            <a:ext cx="475957" cy="2344"/>
+          </a:xfrm>
+          <a:prstGeom prst="straightConnector1">
+            <a:avLst/>
+          </a:prstGeom>
+          <a:ln>
+            <a:tailEnd type="arrow"/>
+          </a:ln>
+        </p:spPr>
+        <p:style>
+          <a:lnRef idx="1">
+            <a:schemeClr val="accent1"/>
+          </a:lnRef>
+          <a:fillRef idx="0">
+            <a:schemeClr val="accent1"/>
+          </a:fillRef>
+          <a:effectRef idx="0">
+            <a:schemeClr val="accent1"/>
+          </a:effectRef>
+          <a:fontRef idx="minor">
+            <a:schemeClr val="tx1"/>
+          </a:fontRef>
+        </p:style>
+      </p:cxnSp>
+      <p:cxnSp>
+        <p:nvCxnSpPr>
+          <p:cNvPr id="16" name="15 Conector recto de flecha"/>
+          <p:cNvCxnSpPr/>
+          <p:nvPr/>
+        </p:nvCxnSpPr>
+        <p:spPr>
+          <a:xfrm flipH="1">
+            <a:off x="1643599" y="2443090"/>
+            <a:ext cx="475957" cy="2344"/>
+          </a:xfrm>
+          <a:prstGeom prst="straightConnector1">
+            <a:avLst/>
+          </a:prstGeom>
+          <a:ln>
+            <a:tailEnd type="arrow"/>
+          </a:ln>
+        </p:spPr>
+        <p:style>
+          <a:lnRef idx="1">
+            <a:schemeClr val="accent1"/>
+          </a:lnRef>
+          <a:fillRef idx="0">
+            <a:schemeClr val="accent1"/>
+          </a:fillRef>
+          <a:effectRef idx="0">
+            <a:schemeClr val="accent1"/>
+          </a:effectRef>
+          <a:fontRef idx="minor">
+            <a:schemeClr val="tx1"/>
+          </a:fontRef>
+        </p:style>
+      </p:cxnSp>
+      <p:sp>
+        <p:nvSpPr>
+          <p:cNvPr id="17" name="16 Rectángulo"/>
+          <p:cNvSpPr/>
+          <p:nvPr/>
+        </p:nvSpPr>
+        <p:spPr>
+          <a:xfrm>
+            <a:off x="2107832" y="1109003"/>
+            <a:ext cx="1055077" cy="534572"/>
+          </a:xfrm>
+          <a:prstGeom prst="rect">
+            <a:avLst/>
+          </a:prstGeom>
+          <a:solidFill>
+            <a:schemeClr val="accent4">
+              <a:lumMod val="60000"/>
+              <a:lumOff val="40000"/>
+            </a:schemeClr>
+          </a:solidFill>
+        </p:spPr>
+        <p:style>
+          <a:lnRef idx="2">
+            <a:schemeClr val="accent1">
+              <a:shade val="50000"/>
+            </a:schemeClr>
+          </a:lnRef>
+          <a:fillRef idx="1">
+            <a:schemeClr val="accent1"/>
+          </a:fillRef>
+          <a:effectRef idx="0">
+            <a:schemeClr val="accent1"/>
+          </a:effectRef>
+          <a:fontRef idx="minor">
+            <a:schemeClr val="lt1"/>
+          </a:fontRef>
+        </p:style>
+        <p:txBody>
+          <a:bodyPr rtlCol="0" anchor="ctr"/>
+          <a:lstStyle/>
+          <a:p>
+            <a:pPr algn="ctr"/>
+            <a:endParaRPr lang="en-US"/>
+          </a:p>
+        </p:txBody>
+      </p:sp>
+      <p:sp>
+        <p:nvSpPr>
+          <p:cNvPr id="18" name="17 Rectángulo"/>
+          <p:cNvSpPr/>
+          <p:nvPr/>
+        </p:nvSpPr>
+        <p:spPr>
+          <a:xfrm>
+            <a:off x="3638866" y="1106659"/>
+            <a:ext cx="1055077" cy="534572"/>
+          </a:xfrm>
+          <a:prstGeom prst="rect">
+            <a:avLst/>
+          </a:prstGeom>
+          <a:solidFill>
+            <a:schemeClr val="accent4">
+              <a:lumMod val="60000"/>
+              <a:lumOff val="40000"/>
+            </a:schemeClr>
+          </a:solidFill>
+        </p:spPr>
+        <p:style>
+          <a:lnRef idx="2">
+            <a:schemeClr val="accent1">
+              <a:shade val="50000"/>
+            </a:schemeClr>
+          </a:lnRef>
+          <a:fillRef idx="1">
+            <a:schemeClr val="accent1"/>
+          </a:fillRef>
+          <a:effectRef idx="0">
+            <a:schemeClr val="accent1"/>
+          </a:effectRef>
+          <a:fontRef idx="minor">
+            <a:schemeClr val="lt1"/>
+          </a:fontRef>
+        </p:style>
+        <p:txBody>
+          <a:bodyPr rtlCol="0" anchor="ctr"/>
+          <a:lstStyle/>
+          <a:p>
+            <a:pPr algn="ctr"/>
+            <a:endParaRPr lang="en-US"/>
+          </a:p>
+        </p:txBody>
+      </p:sp>
+      <p:cxnSp>
+        <p:nvCxnSpPr>
+          <p:cNvPr id="19" name="18 Conector recto de flecha"/>
+          <p:cNvCxnSpPr>
+            <a:stCxn id="18" idx="1"/>
+            <a:endCxn id="17" idx="3"/>
+          </p:cNvCxnSpPr>
+          <p:nvPr/>
+        </p:nvCxnSpPr>
+        <p:spPr>
+          <a:xfrm flipH="1">
+            <a:off x="3162909" y="1373945"/>
+            <a:ext cx="475957" cy="2344"/>
+          </a:xfrm>
+          <a:prstGeom prst="straightConnector1">
+            <a:avLst/>
+          </a:prstGeom>
+          <a:ln>
+            <a:tailEnd type="arrow"/>
+          </a:ln>
+        </p:spPr>
+        <p:style>
+          <a:lnRef idx="1">
+            <a:schemeClr val="accent1"/>
+          </a:lnRef>
+          <a:fillRef idx="0">
+            <a:schemeClr val="accent1"/>
+          </a:fillRef>
+          <a:effectRef idx="0">
+            <a:schemeClr val="accent1"/>
+          </a:effectRef>
+          <a:fontRef idx="minor">
+            <a:schemeClr val="tx1"/>
+          </a:fontRef>
+        </p:style>
+      </p:cxnSp>
+      <p:sp>
+        <p:nvSpPr>
+          <p:cNvPr id="20" name="19 Rectángulo"/>
+          <p:cNvSpPr/>
+          <p:nvPr/>
+        </p:nvSpPr>
+        <p:spPr>
+          <a:xfrm>
+            <a:off x="5169899" y="1118382"/>
+            <a:ext cx="1055077" cy="534572"/>
+          </a:xfrm>
+          <a:prstGeom prst="rect">
+            <a:avLst/>
+          </a:prstGeom>
+          <a:solidFill>
+            <a:schemeClr val="accent4">
+              <a:lumMod val="60000"/>
+              <a:lumOff val="40000"/>
+            </a:schemeClr>
+          </a:solidFill>
+        </p:spPr>
+        <p:style>
+          <a:lnRef idx="2">
+            <a:schemeClr val="accent1">
+              <a:shade val="50000"/>
+            </a:schemeClr>
+          </a:lnRef>
+          <a:fillRef idx="1">
+            <a:schemeClr val="accent1"/>
+          </a:fillRef>
+          <a:effectRef idx="0">
+            <a:schemeClr val="accent1"/>
+          </a:effectRef>
+          <a:fontRef idx="minor">
+            <a:schemeClr val="lt1"/>
+          </a:fontRef>
+        </p:style>
+        <p:txBody>
+          <a:bodyPr rtlCol="0" anchor="ctr"/>
+          <a:lstStyle/>
+          <a:p>
+            <a:pPr algn="ctr"/>
+            <a:endParaRPr lang="en-US"/>
+          </a:p>
+        </p:txBody>
+      </p:sp>
+      <p:cxnSp>
+        <p:nvCxnSpPr>
+          <p:cNvPr id="21" name="20 Conector recto de flecha"/>
+          <p:cNvCxnSpPr>
+            <a:stCxn id="20" idx="1"/>
+          </p:cNvCxnSpPr>
+          <p:nvPr/>
+        </p:nvCxnSpPr>
+        <p:spPr>
+          <a:xfrm flipH="1">
+            <a:off x="4693942" y="1385668"/>
+            <a:ext cx="475957" cy="2344"/>
+          </a:xfrm>
+          <a:prstGeom prst="straightConnector1">
+            <a:avLst/>
+          </a:prstGeom>
+          <a:ln>
+            <a:tailEnd type="arrow"/>
+          </a:ln>
+        </p:spPr>
+        <p:style>
+          <a:lnRef idx="1">
+            <a:schemeClr val="accent1"/>
+          </a:lnRef>
+          <a:fillRef idx="0">
+            <a:schemeClr val="accent1"/>
+          </a:fillRef>
+          <a:effectRef idx="0">
+            <a:schemeClr val="accent1"/>
+          </a:effectRef>
+          <a:fontRef idx="minor">
+            <a:schemeClr val="tx1"/>
+          </a:fontRef>
+        </p:style>
+      </p:cxnSp>
+      <p:sp>
+        <p:nvSpPr>
+          <p:cNvPr id="22" name="21 Rectángulo"/>
+          <p:cNvSpPr/>
+          <p:nvPr/>
+        </p:nvSpPr>
+        <p:spPr>
+          <a:xfrm>
+            <a:off x="6731412" y="1104315"/>
+            <a:ext cx="1055077" cy="534572"/>
+          </a:xfrm>
+          <a:prstGeom prst="rect">
+            <a:avLst/>
+          </a:prstGeom>
+          <a:solidFill>
+            <a:schemeClr val="accent4">
+              <a:lumMod val="60000"/>
+              <a:lumOff val="40000"/>
+            </a:schemeClr>
+          </a:solidFill>
+        </p:spPr>
+        <p:style>
+          <a:lnRef idx="2">
+            <a:schemeClr val="accent1">
+              <a:shade val="50000"/>
+            </a:schemeClr>
+          </a:lnRef>
+          <a:fillRef idx="1">
+            <a:schemeClr val="accent1"/>
+          </a:fillRef>
+          <a:effectRef idx="0">
+            <a:schemeClr val="accent1"/>
+          </a:effectRef>
+          <a:fontRef idx="minor">
+            <a:schemeClr val="lt1"/>
+          </a:fontRef>
+        </p:style>
+        <p:txBody>
+          <a:bodyPr rtlCol="0" anchor="ctr"/>
+          <a:lstStyle/>
+          <a:p>
+            <a:pPr algn="ctr"/>
+            <a:endParaRPr lang="en-US"/>
+          </a:p>
+        </p:txBody>
+      </p:sp>
+      <p:cxnSp>
+        <p:nvCxnSpPr>
+          <p:cNvPr id="23" name="22 Conector recto de flecha"/>
+          <p:cNvCxnSpPr>
+            <a:stCxn id="22" idx="1"/>
+          </p:cNvCxnSpPr>
+          <p:nvPr/>
+        </p:nvCxnSpPr>
+        <p:spPr>
+          <a:xfrm flipH="1">
+            <a:off x="6255455" y="1371601"/>
+            <a:ext cx="475957" cy="2344"/>
+          </a:xfrm>
+          <a:prstGeom prst="straightConnector1">
+            <a:avLst/>
+          </a:prstGeom>
+          <a:ln>
+            <a:tailEnd type="arrow"/>
+          </a:ln>
+        </p:spPr>
+        <p:style>
+          <a:lnRef idx="1">
+            <a:schemeClr val="accent1"/>
+          </a:lnRef>
+          <a:fillRef idx="0">
+            <a:schemeClr val="accent1"/>
+          </a:fillRef>
+          <a:effectRef idx="0">
+            <a:schemeClr val="accent1"/>
+          </a:effectRef>
+          <a:fontRef idx="minor">
+            <a:schemeClr val="tx1"/>
+          </a:fontRef>
+        </p:style>
+      </p:cxnSp>
+      <p:cxnSp>
+        <p:nvCxnSpPr>
+          <p:cNvPr id="27" name="26 Conector recto de flecha"/>
+          <p:cNvCxnSpPr>
+            <a:stCxn id="12" idx="1"/>
+          </p:cNvCxnSpPr>
+          <p:nvPr/>
+        </p:nvCxnSpPr>
+        <p:spPr>
+          <a:xfrm flipH="1" flipV="1">
+            <a:off x="7786457" y="1371600"/>
+            <a:ext cx="492369" cy="1083213"/>
+          </a:xfrm>
+          <a:prstGeom prst="straightConnector1">
+            <a:avLst/>
+          </a:prstGeom>
+          <a:ln>
+            <a:tailEnd type="arrow"/>
+          </a:ln>
+        </p:spPr>
+        <p:style>
+          <a:lnRef idx="1">
+            <a:schemeClr val="accent1"/>
+          </a:lnRef>
+          <a:fillRef idx="0">
+            <a:schemeClr val="accent1"/>
+          </a:fillRef>
+          <a:effectRef idx="0">
+            <a:schemeClr val="accent1"/>
+          </a:effectRef>
+          <a:fontRef idx="minor">
+            <a:schemeClr val="tx1"/>
+          </a:fontRef>
+        </p:style>
+      </p:cxnSp>
+      <p:sp>
+        <p:nvSpPr>
+          <p:cNvPr id="28" name="27 Rectángulo"/>
+          <p:cNvSpPr/>
+          <p:nvPr/>
+        </p:nvSpPr>
+        <p:spPr>
+          <a:xfrm>
+            <a:off x="9793446" y="1113693"/>
+            <a:ext cx="1055077" cy="534572"/>
+          </a:xfrm>
+          <a:prstGeom prst="rect">
+            <a:avLst/>
+          </a:prstGeom>
+          <a:solidFill>
+            <a:schemeClr val="accent4">
+              <a:lumMod val="60000"/>
+              <a:lumOff val="40000"/>
+            </a:schemeClr>
+          </a:solidFill>
+        </p:spPr>
+        <p:style>
+          <a:lnRef idx="2">
+            <a:schemeClr val="accent1">
+              <a:shade val="50000"/>
+            </a:schemeClr>
+          </a:lnRef>
+          <a:fillRef idx="1">
+            <a:schemeClr val="accent1"/>
+          </a:fillRef>
+          <a:effectRef idx="0">
+            <a:schemeClr val="accent1"/>
+          </a:effectRef>
+          <a:fontRef idx="minor">
+            <a:schemeClr val="lt1"/>
+          </a:fontRef>
+        </p:style>
+        <p:txBody>
+          <a:bodyPr rtlCol="0" anchor="ctr"/>
+          <a:lstStyle/>
+          <a:p>
+            <a:pPr algn="ctr"/>
+            <a:endParaRPr lang="en-US"/>
+          </a:p>
+        </p:txBody>
+      </p:sp>
+      <p:cxnSp>
+        <p:nvCxnSpPr>
+          <p:cNvPr id="29" name="28 Conector recto de flecha"/>
+          <p:cNvCxnSpPr>
+            <a:stCxn id="28" idx="1"/>
+            <a:endCxn id="12" idx="3"/>
+          </p:cNvCxnSpPr>
+          <p:nvPr/>
+        </p:nvCxnSpPr>
+        <p:spPr>
+          <a:xfrm flipH="1">
+            <a:off x="9333903" y="1380979"/>
+            <a:ext cx="459543" cy="1073834"/>
+          </a:xfrm>
+          <a:prstGeom prst="straightConnector1">
+            <a:avLst/>
+          </a:prstGeom>
+          <a:ln>
+            <a:tailEnd type="arrow"/>
+          </a:ln>
+        </p:spPr>
+        <p:style>
+          <a:lnRef idx="1">
+            <a:schemeClr val="accent1"/>
+          </a:lnRef>
+          <a:fillRef idx="0">
+            <a:schemeClr val="accent1"/>
+          </a:fillRef>
+          <a:effectRef idx="0">
+            <a:schemeClr val="accent1"/>
+          </a:effectRef>
+          <a:fontRef idx="minor">
+            <a:schemeClr val="tx1"/>
+          </a:fontRef>
+        </p:style>
+      </p:cxnSp>
+      <p:cxnSp>
+        <p:nvCxnSpPr>
+          <p:cNvPr id="30" name="29 Conector recto de flecha"/>
+          <p:cNvCxnSpPr/>
+          <p:nvPr/>
+        </p:nvCxnSpPr>
+        <p:spPr>
+          <a:xfrm flipH="1">
+            <a:off x="1627186" y="1357533"/>
+            <a:ext cx="475957" cy="2344"/>
+          </a:xfrm>
+          <a:prstGeom prst="straightConnector1">
+            <a:avLst/>
+          </a:prstGeom>
+          <a:ln>
+            <a:tailEnd type="arrow"/>
+          </a:ln>
+        </p:spPr>
+        <p:style>
+          <a:lnRef idx="1">
+            <a:schemeClr val="accent1"/>
+          </a:lnRef>
+          <a:fillRef idx="0">
+            <a:schemeClr val="accent1"/>
+          </a:fillRef>
+          <a:effectRef idx="0">
+            <a:schemeClr val="accent1"/>
+          </a:effectRef>
+          <a:fontRef idx="minor">
+            <a:schemeClr val="tx1"/>
+          </a:fontRef>
+        </p:style>
+      </p:cxnSp>
+      <p:sp>
+        <p:nvSpPr>
+          <p:cNvPr id="32" name="31 Rectángulo"/>
+          <p:cNvSpPr/>
+          <p:nvPr/>
+        </p:nvSpPr>
+        <p:spPr>
+          <a:xfrm>
+            <a:off x="2107833" y="3247292"/>
+            <a:ext cx="1055077" cy="534572"/>
+          </a:xfrm>
+          <a:prstGeom prst="rect">
+            <a:avLst/>
+          </a:prstGeom>
+          <a:solidFill>
+            <a:schemeClr val="accent6">
+              <a:lumMod val="40000"/>
+              <a:lumOff val="60000"/>
+            </a:schemeClr>
+          </a:solidFill>
+        </p:spPr>
+        <p:style>
+          <a:lnRef idx="2">
+            <a:schemeClr val="accent1">
+              <a:shade val="50000"/>
+            </a:schemeClr>
+          </a:lnRef>
+          <a:fillRef idx="1">
+            <a:schemeClr val="accent1"/>
+          </a:fillRef>
+          <a:effectRef idx="0">
+            <a:schemeClr val="accent1"/>
+          </a:effectRef>
+          <a:fontRef idx="minor">
+            <a:schemeClr val="lt1"/>
+          </a:fontRef>
+        </p:style>
+        <p:txBody>
+          <a:bodyPr rtlCol="0" anchor="ctr"/>
+          <a:lstStyle/>
+          <a:p>
+            <a:pPr algn="ctr"/>
+            <a:endParaRPr lang="en-US"/>
+          </a:p>
+        </p:txBody>
+      </p:sp>
+      <p:sp>
+        <p:nvSpPr>
+          <p:cNvPr id="33" name="32 Rectángulo"/>
+          <p:cNvSpPr/>
+          <p:nvPr/>
+        </p:nvSpPr>
+        <p:spPr>
+          <a:xfrm>
+            <a:off x="3638867" y="3244948"/>
+            <a:ext cx="1055077" cy="534572"/>
+          </a:xfrm>
+          <a:prstGeom prst="rect">
+            <a:avLst/>
+          </a:prstGeom>
+          <a:solidFill>
+            <a:schemeClr val="accent6">
+              <a:lumMod val="40000"/>
+              <a:lumOff val="60000"/>
+            </a:schemeClr>
+          </a:solidFill>
+        </p:spPr>
+        <p:style>
+          <a:lnRef idx="2">
+            <a:schemeClr val="accent1">
+              <a:shade val="50000"/>
+            </a:schemeClr>
+          </a:lnRef>
+          <a:fillRef idx="1">
+            <a:schemeClr val="accent1"/>
+          </a:fillRef>
+          <a:effectRef idx="0">
+            <a:schemeClr val="accent1"/>
+          </a:effectRef>
+          <a:fontRef idx="minor">
+            <a:schemeClr val="lt1"/>
+          </a:fontRef>
+        </p:style>
+        <p:txBody>
+          <a:bodyPr rtlCol="0" anchor="ctr"/>
+          <a:lstStyle/>
+          <a:p>
+            <a:pPr algn="ctr"/>
+            <a:endParaRPr lang="en-US"/>
+          </a:p>
+        </p:txBody>
+      </p:sp>
+      <p:cxnSp>
+        <p:nvCxnSpPr>
+          <p:cNvPr id="34" name="33 Conector recto de flecha"/>
+          <p:cNvCxnSpPr>
+            <a:stCxn id="33" idx="1"/>
+            <a:endCxn id="32" idx="3"/>
+          </p:cNvCxnSpPr>
+          <p:nvPr/>
+        </p:nvCxnSpPr>
+        <p:spPr>
+          <a:xfrm flipH="1">
+            <a:off x="3162910" y="3512234"/>
+            <a:ext cx="475957" cy="2344"/>
+          </a:xfrm>
+          <a:prstGeom prst="straightConnector1">
+            <a:avLst/>
+          </a:prstGeom>
+          <a:ln>
+            <a:tailEnd type="arrow"/>
+          </a:ln>
+        </p:spPr>
+        <p:style>
+          <a:lnRef idx="1">
+            <a:schemeClr val="accent1"/>
+          </a:lnRef>
+          <a:fillRef idx="0">
+            <a:schemeClr val="accent1"/>
+          </a:fillRef>
+          <a:effectRef idx="0">
+            <a:schemeClr val="accent1"/>
+          </a:effectRef>
+          <a:fontRef idx="minor">
+            <a:schemeClr val="tx1"/>
+          </a:fontRef>
+        </p:style>
+      </p:cxnSp>
+      <p:cxnSp>
+        <p:nvCxnSpPr>
+          <p:cNvPr id="36" name="35 Conector recto de flecha"/>
+          <p:cNvCxnSpPr>
+            <a:stCxn id="6" idx="1"/>
+          </p:cNvCxnSpPr>
+          <p:nvPr/>
+        </p:nvCxnSpPr>
+        <p:spPr>
+          <a:xfrm flipH="1">
+            <a:off x="4693944" y="2471225"/>
+            <a:ext cx="492368" cy="1055076"/>
+          </a:xfrm>
+          <a:prstGeom prst="straightConnector1">
+            <a:avLst/>
+          </a:prstGeom>
+          <a:ln>
+            <a:tailEnd type="arrow"/>
+          </a:ln>
+        </p:spPr>
+        <p:style>
+          <a:lnRef idx="1">
+            <a:schemeClr val="accent1"/>
+          </a:lnRef>
+          <a:fillRef idx="0">
+            <a:schemeClr val="accent1"/>
+          </a:fillRef>
+          <a:effectRef idx="0">
+            <a:schemeClr val="accent1"/>
+          </a:effectRef>
+          <a:fontRef idx="minor">
+            <a:schemeClr val="tx1"/>
+          </a:fontRef>
+        </p:style>
+      </p:cxnSp>
+      <p:sp>
+        <p:nvSpPr>
+          <p:cNvPr id="37" name="36 Rectángulo"/>
+          <p:cNvSpPr/>
+          <p:nvPr/>
+        </p:nvSpPr>
+        <p:spPr>
+          <a:xfrm>
+            <a:off x="6731413" y="3242604"/>
+            <a:ext cx="1055077" cy="534572"/>
+          </a:xfrm>
+          <a:prstGeom prst="rect">
+            <a:avLst/>
+          </a:prstGeom>
+          <a:solidFill>
+            <a:schemeClr val="accent6">
+              <a:lumMod val="40000"/>
+              <a:lumOff val="60000"/>
+            </a:schemeClr>
+          </a:solidFill>
+        </p:spPr>
+        <p:style>
+          <a:lnRef idx="2">
+            <a:schemeClr val="accent1">
+              <a:shade val="50000"/>
+            </a:schemeClr>
+          </a:lnRef>
+          <a:fillRef idx="1">
+            <a:schemeClr val="accent1"/>
+          </a:fillRef>
+          <a:effectRef idx="0">
+            <a:schemeClr val="accent1"/>
+          </a:effectRef>
+          <a:fontRef idx="minor">
+            <a:schemeClr val="lt1"/>
+          </a:fontRef>
+        </p:style>
+        <p:txBody>
+          <a:bodyPr rtlCol="0" anchor="ctr"/>
+          <a:lstStyle/>
+          <a:p>
+            <a:pPr algn="ctr"/>
+            <a:endParaRPr lang="en-US"/>
+          </a:p>
+        </p:txBody>
+      </p:sp>
+      <p:cxnSp>
+        <p:nvCxnSpPr>
+          <p:cNvPr id="38" name="37 Conector recto de flecha"/>
+          <p:cNvCxnSpPr>
+            <a:stCxn id="37" idx="1"/>
+            <a:endCxn id="6" idx="3"/>
+          </p:cNvCxnSpPr>
+          <p:nvPr/>
+        </p:nvCxnSpPr>
+        <p:spPr>
+          <a:xfrm flipH="1" flipV="1">
+            <a:off x="6241389" y="2471225"/>
+            <a:ext cx="490024" cy="1038665"/>
+          </a:xfrm>
+          <a:prstGeom prst="straightConnector1">
+            <a:avLst/>
+          </a:prstGeom>
+          <a:ln>
+            <a:tailEnd type="arrow"/>
+          </a:ln>
+        </p:spPr>
+        <p:style>
+          <a:lnRef idx="1">
+            <a:schemeClr val="accent1"/>
+          </a:lnRef>
+          <a:fillRef idx="0">
+            <a:schemeClr val="accent1"/>
+          </a:fillRef>
+          <a:effectRef idx="0">
+            <a:schemeClr val="accent1"/>
+          </a:effectRef>
+          <a:fontRef idx="minor">
+            <a:schemeClr val="tx1"/>
+          </a:fontRef>
+        </p:style>
+      </p:cxnSp>
+      <p:sp>
+        <p:nvSpPr>
+          <p:cNvPr id="41" name="40 Rectángulo"/>
+          <p:cNvSpPr/>
+          <p:nvPr/>
+        </p:nvSpPr>
+        <p:spPr>
+          <a:xfrm>
+            <a:off x="8262414" y="3240259"/>
+            <a:ext cx="1055077" cy="534572"/>
+          </a:xfrm>
+          <a:prstGeom prst="rect">
+            <a:avLst/>
+          </a:prstGeom>
+          <a:solidFill>
+            <a:schemeClr val="accent6">
+              <a:lumMod val="40000"/>
+              <a:lumOff val="60000"/>
+            </a:schemeClr>
+          </a:solidFill>
+        </p:spPr>
+        <p:style>
+          <a:lnRef idx="2">
+            <a:schemeClr val="accent1">
+              <a:shade val="50000"/>
+            </a:schemeClr>
+          </a:lnRef>
+          <a:fillRef idx="1">
+            <a:schemeClr val="accent1"/>
+          </a:fillRef>
+          <a:effectRef idx="0">
+            <a:schemeClr val="accent1"/>
+          </a:effectRef>
+          <a:fontRef idx="minor">
+            <a:schemeClr val="lt1"/>
+          </a:fontRef>
+        </p:style>
+        <p:txBody>
+          <a:bodyPr rtlCol="0" anchor="ctr"/>
+          <a:lstStyle/>
+          <a:p>
+            <a:pPr algn="ctr"/>
+            <a:endParaRPr lang="en-US"/>
+          </a:p>
+        </p:txBody>
+      </p:sp>
+      <p:cxnSp>
+        <p:nvCxnSpPr>
+          <p:cNvPr id="42" name="41 Conector recto de flecha"/>
+          <p:cNvCxnSpPr>
+            <a:stCxn id="41" idx="1"/>
+          </p:cNvCxnSpPr>
+          <p:nvPr/>
+        </p:nvCxnSpPr>
+        <p:spPr>
+          <a:xfrm flipH="1">
+            <a:off x="7786457" y="3507545"/>
+            <a:ext cx="475957" cy="2344"/>
+          </a:xfrm>
+          <a:prstGeom prst="straightConnector1">
+            <a:avLst/>
+          </a:prstGeom>
+          <a:ln>
+            <a:tailEnd type="arrow"/>
+          </a:ln>
+        </p:spPr>
+        <p:style>
+          <a:lnRef idx="1">
+            <a:schemeClr val="accent1"/>
+          </a:lnRef>
+          <a:fillRef idx="0">
+            <a:schemeClr val="accent1"/>
+          </a:fillRef>
+          <a:effectRef idx="0">
+            <a:schemeClr val="accent1"/>
+          </a:effectRef>
+          <a:fontRef idx="minor">
+            <a:schemeClr val="tx1"/>
+          </a:fontRef>
+        </p:style>
+      </p:cxnSp>
+      <p:sp>
+        <p:nvSpPr>
+          <p:cNvPr id="43" name="42 Rectángulo"/>
+          <p:cNvSpPr/>
+          <p:nvPr/>
+        </p:nvSpPr>
+        <p:spPr>
+          <a:xfrm>
+            <a:off x="9793447" y="3251982"/>
+            <a:ext cx="1055077" cy="534572"/>
+          </a:xfrm>
+          <a:prstGeom prst="rect">
+            <a:avLst/>
+          </a:prstGeom>
+          <a:solidFill>
+            <a:schemeClr val="accent6">
+              <a:lumMod val="40000"/>
+              <a:lumOff val="60000"/>
+            </a:schemeClr>
+          </a:solidFill>
+        </p:spPr>
+        <p:style>
+          <a:lnRef idx="2">
+            <a:schemeClr val="accent1">
+              <a:shade val="50000"/>
+            </a:schemeClr>
+          </a:lnRef>
+          <a:fillRef idx="1">
+            <a:schemeClr val="accent1"/>
+          </a:fillRef>
+          <a:effectRef idx="0">
+            <a:schemeClr val="accent1"/>
+          </a:effectRef>
+          <a:fontRef idx="minor">
+            <a:schemeClr val="lt1"/>
+          </a:fontRef>
+        </p:style>
+        <p:txBody>
+          <a:bodyPr rtlCol="0" anchor="ctr"/>
+          <a:lstStyle/>
+          <a:p>
+            <a:pPr algn="ctr"/>
+            <a:endParaRPr lang="en-US"/>
+          </a:p>
+        </p:txBody>
+      </p:sp>
+      <p:cxnSp>
+        <p:nvCxnSpPr>
+          <p:cNvPr id="44" name="43 Conector recto de flecha"/>
+          <p:cNvCxnSpPr>
+            <a:stCxn id="43" idx="1"/>
+          </p:cNvCxnSpPr>
+          <p:nvPr/>
+        </p:nvCxnSpPr>
+        <p:spPr>
+          <a:xfrm flipH="1">
+            <a:off x="9317490" y="3519268"/>
+            <a:ext cx="475957" cy="2344"/>
+          </a:xfrm>
+          <a:prstGeom prst="straightConnector1">
+            <a:avLst/>
+          </a:prstGeom>
+          <a:ln>
+            <a:tailEnd type="arrow"/>
+          </a:ln>
+        </p:spPr>
+        <p:style>
+          <a:lnRef idx="1">
+            <a:schemeClr val="accent1"/>
+          </a:lnRef>
+          <a:fillRef idx="0">
+            <a:schemeClr val="accent1"/>
+          </a:fillRef>
+          <a:effectRef idx="0">
+            <a:schemeClr val="accent1"/>
+          </a:effectRef>
+          <a:fontRef idx="minor">
+            <a:schemeClr val="tx1"/>
+          </a:fontRef>
+        </p:style>
+      </p:cxnSp>
+      <p:cxnSp>
+        <p:nvCxnSpPr>
+          <p:cNvPr id="45" name="44 Conector recto de flecha"/>
+          <p:cNvCxnSpPr/>
+          <p:nvPr/>
+        </p:nvCxnSpPr>
+        <p:spPr>
+          <a:xfrm flipH="1">
+            <a:off x="1627187" y="3495822"/>
+            <a:ext cx="475957" cy="2344"/>
+          </a:xfrm>
+          <a:prstGeom prst="straightConnector1">
+            <a:avLst/>
+          </a:prstGeom>
+          <a:ln>
+            <a:tailEnd type="arrow"/>
+          </a:ln>
+        </p:spPr>
+        <p:style>
+          <a:lnRef idx="1">
+            <a:schemeClr val="accent1"/>
+          </a:lnRef>
+          <a:fillRef idx="0">
+            <a:schemeClr val="accent1"/>
+          </a:fillRef>
+          <a:effectRef idx="0">
+            <a:schemeClr val="accent1"/>
+          </a:effectRef>
+          <a:fontRef idx="minor">
+            <a:schemeClr val="tx1"/>
+          </a:fontRef>
+        </p:style>
+      </p:cxnSp>
+      <p:sp>
+        <p:nvSpPr>
+          <p:cNvPr id="51" name="50 CuadroTexto"/>
+          <p:cNvSpPr txBox="1"/>
+          <p:nvPr/>
+        </p:nvSpPr>
+        <p:spPr>
+          <a:xfrm>
+            <a:off x="647128" y="2152357"/>
+            <a:ext cx="969689" cy="646331"/>
+          </a:xfrm>
+          <a:prstGeom prst="rect">
+            <a:avLst/>
+          </a:prstGeom>
+          <a:noFill/>
+        </p:spPr>
+        <p:txBody>
+          <a:bodyPr wrap="none" rtlCol="0">
+            <a:spAutoFit/>
+          </a:bodyPr>
+          <a:lstStyle/>
+          <a:p>
+            <a:pPr algn="ctr"/>
+            <a:r>
+              <a:rPr lang="en-US" dirty="0" smtClean="0"/>
+              <a:t>Primary </a:t>
+            </a:r>
+            <a:br>
+              <a:rPr lang="en-US" dirty="0" smtClean="0"/>
+            </a:br>
+            <a:r>
+              <a:rPr lang="en-US" dirty="0" smtClean="0"/>
+              <a:t>Chain</a:t>
+            </a:r>
+            <a:endParaRPr lang="en-US" dirty="0"/>
+          </a:p>
+        </p:txBody>
+      </p:sp>
+      <p:sp>
+        <p:nvSpPr>
+          <p:cNvPr id="52" name="51 CuadroTexto"/>
+          <p:cNvSpPr txBox="1"/>
+          <p:nvPr/>
+        </p:nvSpPr>
+        <p:spPr>
+          <a:xfrm>
+            <a:off x="647128" y="1066800"/>
+            <a:ext cx="1163332" cy="646331"/>
+          </a:xfrm>
+          <a:prstGeom prst="rect">
+            <a:avLst/>
+          </a:prstGeom>
+          <a:noFill/>
+        </p:spPr>
+        <p:txBody>
+          <a:bodyPr wrap="none" rtlCol="0">
+            <a:spAutoFit/>
+          </a:bodyPr>
+          <a:lstStyle/>
+          <a:p>
+            <a:pPr algn="ctr"/>
+            <a:r>
+              <a:rPr lang="en-US" dirty="0" smtClean="0"/>
+              <a:t>Secondary</a:t>
+            </a:r>
+            <a:br>
+              <a:rPr lang="en-US" dirty="0" smtClean="0"/>
+            </a:br>
+            <a:r>
+              <a:rPr lang="en-US" dirty="0" smtClean="0"/>
+              <a:t>Chain</a:t>
+            </a:r>
+            <a:endParaRPr lang="en-US" dirty="0"/>
+          </a:p>
+        </p:txBody>
+      </p:sp>
+      <p:sp>
+        <p:nvSpPr>
+          <p:cNvPr id="53" name="52 CuadroTexto"/>
+          <p:cNvSpPr txBox="1"/>
+          <p:nvPr/>
+        </p:nvSpPr>
+        <p:spPr>
+          <a:xfrm>
+            <a:off x="658848" y="3146516"/>
+            <a:ext cx="1163332" cy="646331"/>
+          </a:xfrm>
+          <a:prstGeom prst="rect">
+            <a:avLst/>
+          </a:prstGeom>
+          <a:noFill/>
+        </p:spPr>
+        <p:txBody>
+          <a:bodyPr wrap="none" rtlCol="0">
+            <a:spAutoFit/>
+          </a:bodyPr>
+          <a:lstStyle/>
+          <a:p>
+            <a:pPr algn="ctr"/>
+            <a:r>
+              <a:rPr lang="en-US" dirty="0" smtClean="0"/>
+              <a:t>Secondary</a:t>
+            </a:r>
+            <a:br>
+              <a:rPr lang="en-US" dirty="0" smtClean="0"/>
+            </a:br>
+            <a:r>
+              <a:rPr lang="en-US" dirty="0" smtClean="0"/>
+              <a:t>Chain</a:t>
+            </a:r>
+            <a:endParaRPr lang="en-US" dirty="0"/>
+          </a:p>
+        </p:txBody>
+      </p:sp>
+    </p:spTree>
+  </p:cSld>
+  <p:clrMapOvr>
+    <a:masterClrMapping/>
+  </p:clrMapOvr>
+  <p:timing>
+    <p:tnLst>
+      <p:par>
+        <p:cTn id="1" dur="indefinite" restart="never" nodeType="tmRoot"/>
+      </p:par>
+    </p:tnLst>
+  </p:timing>
+</p:sld>
+</file>
+
+<file path=ppt/slides/slide14.xml><?xml version="1.0" encoding="utf-8"?>
+<p:sld xmlns:a="http://schemas.openxmlformats.org/drawingml/2006/main" xmlns:r="http://schemas.openxmlformats.org/officeDocument/2006/relationships" xmlns:p="http://schemas.openxmlformats.org/presentationml/2006/main">
+  <p:cSld>
+    <p:spTree>
+      <p:nvGrpSpPr>
+        <p:cNvPr id="1" name=""/>
+        <p:cNvGrpSpPr/>
+        <p:nvPr/>
+      </p:nvGrpSpPr>
+      <p:grpSpPr>
+        <a:xfrm>
+          <a:off x="0" y="0"/>
+          <a:ext cx="0" cy="0"/>
+          <a:chOff x="0" y="0"/>
+          <a:chExt cx="0" cy="0"/>
+        </a:xfrm>
+      </p:grpSpPr>
+      <p:sp>
+        <p:nvSpPr>
+          <p:cNvPr id="4" name="3 Rectángulo"/>
+          <p:cNvSpPr/>
+          <p:nvPr/>
+        </p:nvSpPr>
+        <p:spPr>
+          <a:xfrm>
+            <a:off x="2438400" y="1828800"/>
+            <a:ext cx="4165600" cy="1371600"/>
+          </a:xfrm>
+          <a:prstGeom prst="rect">
+            <a:avLst/>
+          </a:prstGeom>
+          <a:solidFill>
+            <a:schemeClr val="bg1">
+              <a:lumMod val="85000"/>
+            </a:schemeClr>
+          </a:solidFill>
+          <a:ln>
+            <a:solidFill>
+              <a:schemeClr val="tx2"/>
+            </a:solidFill>
+          </a:ln>
+        </p:spPr>
+        <p:style>
+          <a:lnRef idx="2">
+            <a:schemeClr val="accent6"/>
+          </a:lnRef>
+          <a:fillRef idx="1">
+            <a:schemeClr val="lt1"/>
+          </a:fillRef>
+          <a:effectRef idx="0">
+            <a:schemeClr val="accent6"/>
+          </a:effectRef>
+          <a:fontRef idx="minor">
+            <a:schemeClr val="dk1"/>
+          </a:fontRef>
+        </p:style>
+        <p:txBody>
+          <a:bodyPr rtlCol="0" anchor="ctr"/>
+          <a:lstStyle/>
+          <a:p>
+            <a:pPr algn="ctr"/>
+            <a:endParaRPr lang="en-US"/>
+          </a:p>
+        </p:txBody>
+      </p:sp>
+      <p:sp>
+        <p:nvSpPr>
+          <p:cNvPr id="8" name="7 Rectángulo"/>
+          <p:cNvSpPr/>
+          <p:nvPr/>
+        </p:nvSpPr>
+        <p:spPr>
+          <a:xfrm>
+            <a:off x="2438400" y="2133600"/>
+            <a:ext cx="304800" cy="762000"/>
+          </a:xfrm>
+          <a:prstGeom prst="rect">
+            <a:avLst/>
+          </a:prstGeom>
+          <a:solidFill>
+            <a:schemeClr val="accent1">
+              <a:lumMod val="60000"/>
+              <a:lumOff val="40000"/>
+            </a:schemeClr>
+          </a:solidFill>
+        </p:spPr>
+        <p:style>
+          <a:lnRef idx="2">
+            <a:schemeClr val="accent1">
+              <a:shade val="50000"/>
+            </a:schemeClr>
+          </a:lnRef>
+          <a:fillRef idx="1">
+            <a:schemeClr val="accent1"/>
+          </a:fillRef>
+          <a:effectRef idx="0">
+            <a:schemeClr val="accent1"/>
+          </a:effectRef>
+          <a:fontRef idx="minor">
+            <a:schemeClr val="lt1"/>
+          </a:fontRef>
+        </p:style>
+        <p:txBody>
+          <a:bodyPr rtlCol="0" anchor="ctr"/>
+          <a:lstStyle/>
+          <a:p>
+            <a:pPr algn="ctr"/>
+            <a:endParaRPr lang="en-US" dirty="0">
+              <a:solidFill>
+                <a:srgbClr val="94C5CC"/>
+              </a:solidFill>
+            </a:endParaRPr>
+          </a:p>
+        </p:txBody>
+      </p:sp>
+      <p:sp>
+        <p:nvSpPr>
+          <p:cNvPr id="9" name="8 Rectángulo"/>
+          <p:cNvSpPr/>
+          <p:nvPr/>
+        </p:nvSpPr>
+        <p:spPr>
+          <a:xfrm>
+            <a:off x="3556000" y="1905000"/>
+            <a:ext cx="304800" cy="1219200"/>
+          </a:xfrm>
+          <a:prstGeom prst="rect">
+            <a:avLst/>
+          </a:prstGeom>
+          <a:solidFill>
+            <a:schemeClr val="accent1">
+              <a:lumMod val="60000"/>
+              <a:lumOff val="40000"/>
+            </a:schemeClr>
+          </a:solidFill>
+        </p:spPr>
+        <p:style>
+          <a:lnRef idx="2">
+            <a:schemeClr val="accent1">
+              <a:shade val="50000"/>
+            </a:schemeClr>
+          </a:lnRef>
+          <a:fillRef idx="1">
+            <a:schemeClr val="accent1"/>
+          </a:fillRef>
+          <a:effectRef idx="0">
+            <a:schemeClr val="accent1"/>
+          </a:effectRef>
+          <a:fontRef idx="minor">
+            <a:schemeClr val="lt1"/>
+          </a:fontRef>
+        </p:style>
+        <p:txBody>
+          <a:bodyPr rtlCol="0" anchor="ctr"/>
+          <a:lstStyle/>
+          <a:p>
+            <a:pPr algn="ctr"/>
+            <a:endParaRPr lang="en-US"/>
+          </a:p>
+        </p:txBody>
+      </p:sp>
+      <p:sp>
+        <p:nvSpPr>
+          <p:cNvPr id="10" name="9 Rectángulo"/>
+          <p:cNvSpPr/>
+          <p:nvPr/>
+        </p:nvSpPr>
+        <p:spPr>
+          <a:xfrm>
+            <a:off x="3860800" y="1905000"/>
+            <a:ext cx="304800" cy="1219200"/>
+          </a:xfrm>
+          <a:prstGeom prst="rect">
+            <a:avLst/>
+          </a:prstGeom>
+          <a:solidFill>
+            <a:schemeClr val="accent1">
+              <a:lumMod val="60000"/>
+              <a:lumOff val="40000"/>
+            </a:schemeClr>
+          </a:solidFill>
+        </p:spPr>
+        <p:style>
+          <a:lnRef idx="2">
+            <a:schemeClr val="accent1">
+              <a:shade val="50000"/>
+            </a:schemeClr>
+          </a:lnRef>
+          <a:fillRef idx="1">
+            <a:schemeClr val="accent1"/>
+          </a:fillRef>
+          <a:effectRef idx="0">
+            <a:schemeClr val="accent1"/>
+          </a:effectRef>
+          <a:fontRef idx="minor">
+            <a:schemeClr val="lt1"/>
+          </a:fontRef>
+        </p:style>
+        <p:txBody>
+          <a:bodyPr rtlCol="0" anchor="ctr"/>
+          <a:lstStyle/>
+          <a:p>
+            <a:pPr algn="ctr"/>
+            <a:endParaRPr lang="en-US"/>
+          </a:p>
+        </p:txBody>
+      </p:sp>
+      <p:sp>
+        <p:nvSpPr>
+          <p:cNvPr id="11" name="10 Rectángulo"/>
+          <p:cNvSpPr/>
+          <p:nvPr/>
+        </p:nvSpPr>
+        <p:spPr>
+          <a:xfrm>
+            <a:off x="4165600" y="1905000"/>
+            <a:ext cx="304800" cy="1219200"/>
+          </a:xfrm>
+          <a:prstGeom prst="rect">
+            <a:avLst/>
+          </a:prstGeom>
+          <a:solidFill>
+            <a:schemeClr val="accent1">
+              <a:lumMod val="60000"/>
+              <a:lumOff val="40000"/>
+            </a:schemeClr>
+          </a:solidFill>
+        </p:spPr>
+        <p:style>
+          <a:lnRef idx="2">
+            <a:schemeClr val="accent1">
+              <a:shade val="50000"/>
+            </a:schemeClr>
+          </a:lnRef>
+          <a:fillRef idx="1">
+            <a:schemeClr val="accent1"/>
+          </a:fillRef>
+          <a:effectRef idx="0">
+            <a:schemeClr val="accent1"/>
+          </a:effectRef>
+          <a:fontRef idx="minor">
+            <a:schemeClr val="lt1"/>
+          </a:fontRef>
+        </p:style>
+        <p:txBody>
+          <a:bodyPr rtlCol="0" anchor="ctr"/>
+          <a:lstStyle/>
+          <a:p>
+            <a:pPr algn="ctr"/>
+            <a:endParaRPr lang="en-US"/>
+          </a:p>
+        </p:txBody>
+      </p:sp>
+      <p:sp>
+        <p:nvSpPr>
+          <p:cNvPr id="12" name="11 Rectángulo"/>
+          <p:cNvSpPr/>
+          <p:nvPr/>
+        </p:nvSpPr>
+        <p:spPr>
+          <a:xfrm>
+            <a:off x="4470400" y="1905000"/>
+            <a:ext cx="304800" cy="1219200"/>
+          </a:xfrm>
+          <a:prstGeom prst="rect">
+            <a:avLst/>
+          </a:prstGeom>
+          <a:solidFill>
+            <a:schemeClr val="accent1">
+              <a:lumMod val="60000"/>
+              <a:lumOff val="40000"/>
+            </a:schemeClr>
+          </a:solidFill>
+        </p:spPr>
+        <p:style>
+          <a:lnRef idx="2">
+            <a:schemeClr val="accent1">
+              <a:shade val="50000"/>
+            </a:schemeClr>
+          </a:lnRef>
+          <a:fillRef idx="1">
+            <a:schemeClr val="accent1"/>
+          </a:fillRef>
+          <a:effectRef idx="0">
+            <a:schemeClr val="accent1"/>
+          </a:effectRef>
+          <a:fontRef idx="minor">
+            <a:schemeClr val="lt1"/>
+          </a:fontRef>
+        </p:style>
+        <p:txBody>
+          <a:bodyPr rtlCol="0" anchor="ctr"/>
+          <a:lstStyle/>
+          <a:p>
+            <a:pPr algn="ctr"/>
+            <a:endParaRPr lang="en-US"/>
+          </a:p>
+        </p:txBody>
+      </p:sp>
+      <p:sp>
+        <p:nvSpPr>
+          <p:cNvPr id="13" name="12 Rectángulo"/>
+          <p:cNvSpPr/>
+          <p:nvPr/>
+        </p:nvSpPr>
+        <p:spPr>
+          <a:xfrm>
+            <a:off x="4775200" y="1905000"/>
+            <a:ext cx="304800" cy="1219200"/>
+          </a:xfrm>
+          <a:prstGeom prst="rect">
+            <a:avLst/>
+          </a:prstGeom>
+          <a:solidFill>
+            <a:schemeClr val="accent1">
+              <a:lumMod val="60000"/>
+              <a:lumOff val="40000"/>
+            </a:schemeClr>
+          </a:solidFill>
+        </p:spPr>
+        <p:style>
+          <a:lnRef idx="2">
+            <a:schemeClr val="accent1">
+              <a:shade val="50000"/>
+            </a:schemeClr>
+          </a:lnRef>
+          <a:fillRef idx="1">
+            <a:schemeClr val="accent1"/>
+          </a:fillRef>
+          <a:effectRef idx="0">
+            <a:schemeClr val="accent1"/>
+          </a:effectRef>
+          <a:fontRef idx="minor">
+            <a:schemeClr val="lt1"/>
+          </a:fontRef>
+        </p:style>
+        <p:txBody>
+          <a:bodyPr rtlCol="0" anchor="ctr"/>
+          <a:lstStyle/>
+          <a:p>
+            <a:pPr algn="ctr"/>
+            <a:endParaRPr lang="en-US"/>
+          </a:p>
+        </p:txBody>
+      </p:sp>
+      <p:sp>
+        <p:nvSpPr>
+          <p:cNvPr id="14" name="13 Rectángulo"/>
+          <p:cNvSpPr/>
+          <p:nvPr/>
+        </p:nvSpPr>
+        <p:spPr>
+          <a:xfrm>
+            <a:off x="5080000" y="1905000"/>
+            <a:ext cx="304800" cy="1219200"/>
+          </a:xfrm>
+          <a:prstGeom prst="rect">
+            <a:avLst/>
+          </a:prstGeom>
+          <a:solidFill>
+            <a:schemeClr val="accent1">
+              <a:lumMod val="60000"/>
+              <a:lumOff val="40000"/>
+            </a:schemeClr>
+          </a:solidFill>
+        </p:spPr>
+        <p:style>
+          <a:lnRef idx="2">
+            <a:schemeClr val="accent1">
+              <a:shade val="50000"/>
+            </a:schemeClr>
+          </a:lnRef>
+          <a:fillRef idx="1">
+            <a:schemeClr val="accent1"/>
+          </a:fillRef>
+          <a:effectRef idx="0">
+            <a:schemeClr val="accent1"/>
+          </a:effectRef>
+          <a:fontRef idx="minor">
+            <a:schemeClr val="lt1"/>
+          </a:fontRef>
+        </p:style>
+        <p:txBody>
+          <a:bodyPr rtlCol="0" anchor="ctr"/>
+          <a:lstStyle/>
+          <a:p>
+            <a:pPr algn="ctr"/>
+            <a:endParaRPr lang="en-US"/>
+          </a:p>
+        </p:txBody>
+      </p:sp>
+      <p:sp>
+        <p:nvSpPr>
+          <p:cNvPr id="15" name="14 Rectángulo"/>
+          <p:cNvSpPr/>
+          <p:nvPr/>
+        </p:nvSpPr>
+        <p:spPr>
+          <a:xfrm>
+            <a:off x="5384800" y="1905000"/>
+            <a:ext cx="304800" cy="1219200"/>
+          </a:xfrm>
+          <a:prstGeom prst="rect">
+            <a:avLst/>
+          </a:prstGeom>
+          <a:solidFill>
+            <a:schemeClr val="accent1">
+              <a:lumMod val="60000"/>
+              <a:lumOff val="40000"/>
+            </a:schemeClr>
+          </a:solidFill>
+        </p:spPr>
+        <p:style>
+          <a:lnRef idx="2">
+            <a:schemeClr val="accent1">
+              <a:shade val="50000"/>
+            </a:schemeClr>
+          </a:lnRef>
+          <a:fillRef idx="1">
+            <a:schemeClr val="accent1"/>
+          </a:fillRef>
+          <a:effectRef idx="0">
+            <a:schemeClr val="accent1"/>
+          </a:effectRef>
+          <a:fontRef idx="minor">
+            <a:schemeClr val="lt1"/>
+          </a:fontRef>
+        </p:style>
+        <p:txBody>
+          <a:bodyPr rtlCol="0" anchor="ctr"/>
+          <a:lstStyle/>
+          <a:p>
+            <a:pPr algn="ctr"/>
+            <a:endParaRPr lang="en-US"/>
+          </a:p>
+        </p:txBody>
+      </p:sp>
+      <p:sp>
+        <p:nvSpPr>
+          <p:cNvPr id="16" name="15 Rectángulo"/>
+          <p:cNvSpPr/>
+          <p:nvPr/>
+        </p:nvSpPr>
+        <p:spPr>
+          <a:xfrm>
+            <a:off x="5689600" y="1905000"/>
+            <a:ext cx="304800" cy="1219200"/>
+          </a:xfrm>
+          <a:prstGeom prst="rect">
+            <a:avLst/>
+          </a:prstGeom>
+          <a:solidFill>
+            <a:schemeClr val="accent1">
+              <a:lumMod val="60000"/>
+              <a:lumOff val="40000"/>
+            </a:schemeClr>
+          </a:solidFill>
+        </p:spPr>
+        <p:style>
+          <a:lnRef idx="2">
+            <a:schemeClr val="accent1">
+              <a:shade val="50000"/>
+            </a:schemeClr>
+          </a:lnRef>
+          <a:fillRef idx="1">
+            <a:schemeClr val="accent1"/>
+          </a:fillRef>
+          <a:effectRef idx="0">
+            <a:schemeClr val="accent1"/>
+          </a:effectRef>
+          <a:fontRef idx="minor">
+            <a:schemeClr val="lt1"/>
+          </a:fontRef>
+        </p:style>
+        <p:txBody>
+          <a:bodyPr rtlCol="0" anchor="ctr"/>
+          <a:lstStyle/>
+          <a:p>
+            <a:pPr algn="ctr"/>
+            <a:endParaRPr lang="en-US" dirty="0">
+              <a:solidFill>
+                <a:srgbClr val="94C5CC"/>
+              </a:solidFill>
+            </a:endParaRPr>
+          </a:p>
+        </p:txBody>
+      </p:sp>
+      <p:cxnSp>
+        <p:nvCxnSpPr>
+          <p:cNvPr id="18" name="17 Conector recto de flecha"/>
+          <p:cNvCxnSpPr/>
+          <p:nvPr/>
+        </p:nvCxnSpPr>
+        <p:spPr>
+          <a:xfrm flipH="1">
+            <a:off x="1117600" y="2514600"/>
+            <a:ext cx="1422400" cy="0"/>
+          </a:xfrm>
+          <a:prstGeom prst="straightConnector1">
+            <a:avLst/>
+          </a:prstGeom>
+          <a:ln w="19050">
+            <a:tailEnd type="arrow"/>
+          </a:ln>
+        </p:spPr>
+        <p:style>
+          <a:lnRef idx="1">
+            <a:schemeClr val="accent1"/>
+          </a:lnRef>
+          <a:fillRef idx="0">
+            <a:schemeClr val="accent1"/>
+          </a:fillRef>
+          <a:effectRef idx="0">
+            <a:schemeClr val="accent1"/>
+          </a:effectRef>
+          <a:fontRef idx="minor">
+            <a:schemeClr val="tx1"/>
+          </a:fontRef>
+        </p:style>
+      </p:cxnSp>
+      <p:sp>
+        <p:nvSpPr>
+          <p:cNvPr id="21" name="20 CuadroTexto"/>
+          <p:cNvSpPr txBox="1"/>
+          <p:nvPr/>
+        </p:nvSpPr>
+        <p:spPr>
+          <a:xfrm>
+            <a:off x="2438400" y="1371600"/>
+            <a:ext cx="686406" cy="369332"/>
+          </a:xfrm>
+          <a:prstGeom prst="rect">
+            <a:avLst/>
+          </a:prstGeom>
+          <a:noFill/>
+        </p:spPr>
+        <p:txBody>
+          <a:bodyPr wrap="none" rtlCol="0">
+            <a:spAutoFit/>
+          </a:bodyPr>
+          <a:lstStyle/>
+          <a:p>
+            <a:r>
+              <a:rPr lang="en-US" dirty="0" smtClean="0"/>
+              <a:t>Block</a:t>
+            </a:r>
+            <a:endParaRPr lang="en-US" dirty="0"/>
+          </a:p>
+        </p:txBody>
+      </p:sp>
+      <p:sp>
+        <p:nvSpPr>
+          <p:cNvPr id="22" name="21 CuadroTexto"/>
+          <p:cNvSpPr txBox="1"/>
+          <p:nvPr/>
+        </p:nvSpPr>
+        <p:spPr>
+          <a:xfrm>
+            <a:off x="3860801" y="2286000"/>
+            <a:ext cx="1351845" cy="369332"/>
+          </a:xfrm>
+          <a:prstGeom prst="rect">
+            <a:avLst/>
+          </a:prstGeom>
+          <a:noFill/>
+        </p:spPr>
+        <p:txBody>
+          <a:bodyPr wrap="none" rtlCol="0">
+            <a:spAutoFit/>
+          </a:bodyPr>
+          <a:lstStyle/>
+          <a:p>
+            <a:r>
+              <a:rPr lang="en-US" dirty="0" smtClean="0"/>
+              <a:t>Transactions</a:t>
+            </a:r>
+            <a:endParaRPr lang="en-US" dirty="0"/>
+          </a:p>
+        </p:txBody>
+      </p:sp>
+      <p:sp>
+        <p:nvSpPr>
+          <p:cNvPr id="23" name="22 CuadroTexto"/>
+          <p:cNvSpPr txBox="1"/>
+          <p:nvPr/>
+        </p:nvSpPr>
+        <p:spPr>
+          <a:xfrm>
+            <a:off x="1219201" y="2133600"/>
+            <a:ext cx="798167" cy="369332"/>
+          </a:xfrm>
+          <a:prstGeom prst="rect">
+            <a:avLst/>
+          </a:prstGeom>
+          <a:noFill/>
+        </p:spPr>
+        <p:txBody>
+          <a:bodyPr wrap="none" rtlCol="0">
+            <a:spAutoFit/>
+          </a:bodyPr>
+          <a:lstStyle/>
+          <a:p>
+            <a:r>
+              <a:rPr lang="en-US" dirty="0" smtClean="0"/>
+              <a:t>Parent</a:t>
+            </a:r>
+            <a:endParaRPr lang="en-US" dirty="0"/>
+          </a:p>
+        </p:txBody>
+      </p:sp>
+    </p:spTree>
+  </p:cSld>
+  <p:clrMapOvr>
+    <a:masterClrMapping/>
+  </p:clrMapOvr>
+  <p:timing>
+    <p:tnLst>
+      <p:par>
+        <p:cTn id="1" dur="indefinite" restart="never" nodeType="tmRoot"/>
+      </p:par>
+    </p:tnLst>
+  </p:timing>
+</p:sld>
+</file>
+
+<file path=ppt/slides/slide15.xml><?xml version="1.0" encoding="utf-8"?>
+<p:sld xmlns:a="http://schemas.openxmlformats.org/drawingml/2006/main" xmlns:r="http://schemas.openxmlformats.org/officeDocument/2006/relationships" xmlns:p="http://schemas.openxmlformats.org/presentationml/2006/main">
+  <p:cSld>
+    <p:spTree>
+      <p:nvGrpSpPr>
+        <p:cNvPr id="1" name=""/>
+        <p:cNvGrpSpPr/>
+        <p:nvPr/>
+      </p:nvGrpSpPr>
+      <p:grpSpPr>
+        <a:xfrm>
+          <a:off x="0" y="0"/>
+          <a:ext cx="0" cy="0"/>
+          <a:chOff x="0" y="0"/>
+          <a:chExt cx="0" cy="0"/>
+        </a:xfrm>
+      </p:grpSpPr>
+      <p:sp>
+        <p:nvSpPr>
+          <p:cNvPr id="4" name="3 Rectángulo"/>
+          <p:cNvSpPr/>
+          <p:nvPr/>
+        </p:nvSpPr>
+        <p:spPr>
+          <a:xfrm>
+            <a:off x="2438400" y="1828800"/>
+            <a:ext cx="4165600" cy="1371600"/>
+          </a:xfrm>
+          <a:prstGeom prst="rect">
+            <a:avLst/>
+          </a:prstGeom>
+          <a:solidFill>
+            <a:schemeClr val="bg1">
+              <a:lumMod val="85000"/>
+            </a:schemeClr>
+          </a:solidFill>
+          <a:ln>
+            <a:solidFill>
+              <a:schemeClr val="tx2"/>
+            </a:solidFill>
+          </a:ln>
+        </p:spPr>
+        <p:style>
+          <a:lnRef idx="2">
+            <a:schemeClr val="accent6"/>
+          </a:lnRef>
+          <a:fillRef idx="1">
+            <a:schemeClr val="lt1"/>
+          </a:fillRef>
+          <a:effectRef idx="0">
+            <a:schemeClr val="accent6"/>
+          </a:effectRef>
+          <a:fontRef idx="minor">
+            <a:schemeClr val="dk1"/>
+          </a:fontRef>
+        </p:style>
+        <p:txBody>
+          <a:bodyPr rtlCol="0" anchor="ctr"/>
+          <a:lstStyle/>
+          <a:p>
+            <a:pPr algn="ctr"/>
+            <a:endParaRPr lang="en-US"/>
+          </a:p>
+        </p:txBody>
+      </p:sp>
+      <p:sp>
+        <p:nvSpPr>
+          <p:cNvPr id="8" name="7 Rectángulo"/>
+          <p:cNvSpPr/>
+          <p:nvPr/>
+        </p:nvSpPr>
+        <p:spPr>
+          <a:xfrm>
+            <a:off x="2438400" y="2133600"/>
+            <a:ext cx="304800" cy="381000"/>
+          </a:xfrm>
+          <a:prstGeom prst="rect">
+            <a:avLst/>
+          </a:prstGeom>
+          <a:solidFill>
+            <a:schemeClr val="accent6">
+              <a:lumMod val="60000"/>
+              <a:lumOff val="40000"/>
+            </a:schemeClr>
+          </a:solidFill>
+        </p:spPr>
+        <p:style>
+          <a:lnRef idx="2">
+            <a:schemeClr val="accent1">
+              <a:shade val="50000"/>
+            </a:schemeClr>
+          </a:lnRef>
+          <a:fillRef idx="1">
+            <a:schemeClr val="accent1"/>
+          </a:fillRef>
+          <a:effectRef idx="0">
+            <a:schemeClr val="accent1"/>
+          </a:effectRef>
+          <a:fontRef idx="minor">
+            <a:schemeClr val="lt1"/>
+          </a:fontRef>
+        </p:style>
+        <p:txBody>
+          <a:bodyPr rtlCol="0" anchor="ctr"/>
+          <a:lstStyle/>
+          <a:p>
+            <a:pPr algn="ctr"/>
+            <a:endParaRPr lang="en-US"/>
+          </a:p>
+        </p:txBody>
+      </p:sp>
+      <p:sp>
+        <p:nvSpPr>
+          <p:cNvPr id="9" name="8 Rectángulo"/>
+          <p:cNvSpPr/>
+          <p:nvPr/>
+        </p:nvSpPr>
+        <p:spPr>
+          <a:xfrm>
+            <a:off x="3556000" y="1905000"/>
+            <a:ext cx="304800" cy="609600"/>
+          </a:xfrm>
+          <a:prstGeom prst="rect">
+            <a:avLst/>
+          </a:prstGeom>
+          <a:solidFill>
+            <a:schemeClr val="accent1">
+              <a:lumMod val="60000"/>
+              <a:lumOff val="40000"/>
+            </a:schemeClr>
+          </a:solidFill>
+        </p:spPr>
+        <p:style>
+          <a:lnRef idx="2">
+            <a:schemeClr val="accent1">
+              <a:shade val="50000"/>
+            </a:schemeClr>
+          </a:lnRef>
+          <a:fillRef idx="1">
+            <a:schemeClr val="accent1"/>
+          </a:fillRef>
+          <a:effectRef idx="0">
+            <a:schemeClr val="accent1"/>
+          </a:effectRef>
+          <a:fontRef idx="minor">
+            <a:schemeClr val="lt1"/>
+          </a:fontRef>
+        </p:style>
+        <p:txBody>
+          <a:bodyPr rtlCol="0" anchor="ctr"/>
+          <a:lstStyle/>
+          <a:p>
+            <a:pPr algn="ctr"/>
+            <a:endParaRPr lang="en-US"/>
+          </a:p>
+        </p:txBody>
+      </p:sp>
+      <p:sp>
+        <p:nvSpPr>
+          <p:cNvPr id="10" name="9 Rectángulo"/>
+          <p:cNvSpPr/>
+          <p:nvPr/>
+        </p:nvSpPr>
+        <p:spPr>
+          <a:xfrm>
+            <a:off x="3860800" y="1905000"/>
+            <a:ext cx="304800" cy="1219200"/>
+          </a:xfrm>
+          <a:prstGeom prst="rect">
+            <a:avLst/>
+          </a:prstGeom>
+          <a:solidFill>
+            <a:schemeClr val="accent1">
+              <a:lumMod val="60000"/>
+              <a:lumOff val="40000"/>
+            </a:schemeClr>
+          </a:solidFill>
+        </p:spPr>
+        <p:style>
+          <a:lnRef idx="2">
+            <a:schemeClr val="accent1">
+              <a:shade val="50000"/>
+            </a:schemeClr>
+          </a:lnRef>
+          <a:fillRef idx="1">
+            <a:schemeClr val="accent1"/>
+          </a:fillRef>
+          <a:effectRef idx="0">
+            <a:schemeClr val="accent1"/>
+          </a:effectRef>
+          <a:fontRef idx="minor">
+            <a:schemeClr val="lt1"/>
+          </a:fontRef>
+        </p:style>
+        <p:txBody>
+          <a:bodyPr rtlCol="0" anchor="ctr"/>
+          <a:lstStyle/>
+          <a:p>
+            <a:pPr algn="ctr"/>
+            <a:endParaRPr lang="en-US"/>
+          </a:p>
+        </p:txBody>
+      </p:sp>
+      <p:sp>
+        <p:nvSpPr>
+          <p:cNvPr id="11" name="10 Rectángulo"/>
+          <p:cNvSpPr/>
+          <p:nvPr/>
+        </p:nvSpPr>
+        <p:spPr>
+          <a:xfrm>
+            <a:off x="4165600" y="1905000"/>
+            <a:ext cx="304800" cy="1219200"/>
+          </a:xfrm>
+          <a:prstGeom prst="rect">
+            <a:avLst/>
+          </a:prstGeom>
+          <a:solidFill>
+            <a:schemeClr val="accent6">
+              <a:lumMod val="60000"/>
+              <a:lumOff val="40000"/>
+            </a:schemeClr>
+          </a:solidFill>
+        </p:spPr>
+        <p:style>
+          <a:lnRef idx="2">
+            <a:schemeClr val="accent1">
+              <a:shade val="50000"/>
+            </a:schemeClr>
+          </a:lnRef>
+          <a:fillRef idx="1">
+            <a:schemeClr val="accent1"/>
+          </a:fillRef>
+          <a:effectRef idx="0">
+            <a:schemeClr val="accent1"/>
+          </a:effectRef>
+          <a:fontRef idx="minor">
+            <a:schemeClr val="lt1"/>
+          </a:fontRef>
+        </p:style>
+        <p:txBody>
+          <a:bodyPr rtlCol="0" anchor="ctr"/>
+          <a:lstStyle/>
+          <a:p>
+            <a:pPr algn="ctr"/>
+            <a:endParaRPr lang="en-US"/>
+          </a:p>
+        </p:txBody>
+      </p:sp>
+      <p:sp>
+        <p:nvSpPr>
+          <p:cNvPr id="12" name="11 Rectángulo"/>
+          <p:cNvSpPr/>
+          <p:nvPr/>
+        </p:nvSpPr>
+        <p:spPr>
+          <a:xfrm>
+            <a:off x="4470400" y="1905000"/>
+            <a:ext cx="304800" cy="609600"/>
+          </a:xfrm>
+          <a:prstGeom prst="rect">
+            <a:avLst/>
+          </a:prstGeom>
+          <a:solidFill>
+            <a:schemeClr val="accent6">
+              <a:lumMod val="60000"/>
+              <a:lumOff val="40000"/>
+            </a:schemeClr>
+          </a:solidFill>
+        </p:spPr>
+        <p:style>
+          <a:lnRef idx="2">
+            <a:schemeClr val="accent1">
+              <a:shade val="50000"/>
+            </a:schemeClr>
+          </a:lnRef>
+          <a:fillRef idx="1">
+            <a:schemeClr val="accent1"/>
+          </a:fillRef>
+          <a:effectRef idx="0">
+            <a:schemeClr val="accent1"/>
+          </a:effectRef>
+          <a:fontRef idx="minor">
+            <a:schemeClr val="lt1"/>
+          </a:fontRef>
+        </p:style>
+        <p:txBody>
+          <a:bodyPr rtlCol="0" anchor="ctr"/>
+          <a:lstStyle/>
+          <a:p>
+            <a:pPr algn="ctr"/>
+            <a:endParaRPr lang="en-US"/>
+          </a:p>
+        </p:txBody>
+      </p:sp>
+      <p:sp>
+        <p:nvSpPr>
+          <p:cNvPr id="13" name="12 Rectángulo"/>
+          <p:cNvSpPr/>
+          <p:nvPr/>
+        </p:nvSpPr>
+        <p:spPr>
+          <a:xfrm>
+            <a:off x="4775200" y="1905000"/>
+            <a:ext cx="304800" cy="1219200"/>
+          </a:xfrm>
+          <a:prstGeom prst="rect">
+            <a:avLst/>
+          </a:prstGeom>
+          <a:solidFill>
+            <a:schemeClr val="accent6">
+              <a:lumMod val="60000"/>
+              <a:lumOff val="40000"/>
+            </a:schemeClr>
+          </a:solidFill>
+        </p:spPr>
+        <p:style>
+          <a:lnRef idx="2">
+            <a:schemeClr val="accent1">
+              <a:shade val="50000"/>
+            </a:schemeClr>
+          </a:lnRef>
+          <a:fillRef idx="1">
+            <a:schemeClr val="accent1"/>
+          </a:fillRef>
+          <a:effectRef idx="0">
+            <a:schemeClr val="accent1"/>
+          </a:effectRef>
+          <a:fontRef idx="minor">
+            <a:schemeClr val="lt1"/>
+          </a:fontRef>
+        </p:style>
+        <p:txBody>
+          <a:bodyPr rtlCol="0" anchor="ctr"/>
+          <a:lstStyle/>
+          <a:p>
+            <a:pPr algn="ctr"/>
+            <a:endParaRPr lang="en-US"/>
+          </a:p>
+        </p:txBody>
+      </p:sp>
+      <p:sp>
+        <p:nvSpPr>
+          <p:cNvPr id="14" name="13 Rectángulo"/>
+          <p:cNvSpPr/>
+          <p:nvPr/>
+        </p:nvSpPr>
+        <p:spPr>
+          <a:xfrm>
+            <a:off x="5080000" y="1905000"/>
+            <a:ext cx="304800" cy="609600"/>
+          </a:xfrm>
+          <a:prstGeom prst="rect">
+            <a:avLst/>
+          </a:prstGeom>
+          <a:solidFill>
+            <a:schemeClr val="accent6">
+              <a:lumMod val="60000"/>
+              <a:lumOff val="40000"/>
+            </a:schemeClr>
+          </a:solidFill>
+        </p:spPr>
+        <p:style>
+          <a:lnRef idx="2">
+            <a:schemeClr val="accent1">
+              <a:shade val="50000"/>
+            </a:schemeClr>
+          </a:lnRef>
+          <a:fillRef idx="1">
+            <a:schemeClr val="accent1"/>
+          </a:fillRef>
+          <a:effectRef idx="0">
+            <a:schemeClr val="accent1"/>
+          </a:effectRef>
+          <a:fontRef idx="minor">
+            <a:schemeClr val="lt1"/>
+          </a:fontRef>
+        </p:style>
+        <p:txBody>
+          <a:bodyPr rtlCol="0" anchor="ctr"/>
+          <a:lstStyle/>
+          <a:p>
+            <a:pPr algn="ctr"/>
+            <a:endParaRPr lang="en-US"/>
+          </a:p>
+        </p:txBody>
+      </p:sp>
+      <p:sp>
+        <p:nvSpPr>
+          <p:cNvPr id="15" name="14 Rectángulo"/>
+          <p:cNvSpPr/>
+          <p:nvPr/>
+        </p:nvSpPr>
+        <p:spPr>
+          <a:xfrm>
+            <a:off x="5384800" y="1905000"/>
+            <a:ext cx="304800" cy="1219200"/>
+          </a:xfrm>
+          <a:prstGeom prst="rect">
+            <a:avLst/>
+          </a:prstGeom>
+          <a:solidFill>
+            <a:schemeClr val="accent1">
+              <a:lumMod val="60000"/>
+              <a:lumOff val="40000"/>
+            </a:schemeClr>
+          </a:solidFill>
+        </p:spPr>
+        <p:style>
+          <a:lnRef idx="2">
+            <a:schemeClr val="accent1">
+              <a:shade val="50000"/>
+            </a:schemeClr>
+          </a:lnRef>
+          <a:fillRef idx="1">
+            <a:schemeClr val="accent1"/>
+          </a:fillRef>
+          <a:effectRef idx="0">
+            <a:schemeClr val="accent1"/>
+          </a:effectRef>
+          <a:fontRef idx="minor">
+            <a:schemeClr val="lt1"/>
+          </a:fontRef>
+        </p:style>
+        <p:txBody>
+          <a:bodyPr rtlCol="0" anchor="ctr"/>
+          <a:lstStyle/>
+          <a:p>
+            <a:pPr algn="ctr"/>
+            <a:endParaRPr lang="en-US"/>
+          </a:p>
+        </p:txBody>
+      </p:sp>
+      <p:sp>
+        <p:nvSpPr>
+          <p:cNvPr id="16" name="15 Rectángulo"/>
+          <p:cNvSpPr/>
+          <p:nvPr/>
+        </p:nvSpPr>
+        <p:spPr>
+          <a:xfrm>
+            <a:off x="5689600" y="1905000"/>
+            <a:ext cx="304800" cy="1219200"/>
+          </a:xfrm>
+          <a:prstGeom prst="rect">
+            <a:avLst/>
+          </a:prstGeom>
+          <a:solidFill>
+            <a:schemeClr val="accent6">
+              <a:lumMod val="60000"/>
+              <a:lumOff val="40000"/>
+            </a:schemeClr>
+          </a:solidFill>
+        </p:spPr>
+        <p:style>
+          <a:lnRef idx="2">
+            <a:schemeClr val="accent1">
+              <a:shade val="50000"/>
+            </a:schemeClr>
+          </a:lnRef>
+          <a:fillRef idx="1">
+            <a:schemeClr val="accent1"/>
+          </a:fillRef>
+          <a:effectRef idx="0">
+            <a:schemeClr val="accent1"/>
+          </a:effectRef>
+          <a:fontRef idx="minor">
+            <a:schemeClr val="lt1"/>
+          </a:fontRef>
+        </p:style>
+        <p:txBody>
+          <a:bodyPr rtlCol="0" anchor="ctr"/>
+          <a:lstStyle/>
+          <a:p>
+            <a:pPr algn="ctr"/>
+            <a:endParaRPr lang="en-US"/>
+          </a:p>
+        </p:txBody>
+      </p:sp>
+      <p:cxnSp>
+        <p:nvCxnSpPr>
+          <p:cNvPr id="18" name="17 Conector recto de flecha"/>
+          <p:cNvCxnSpPr/>
+          <p:nvPr/>
+        </p:nvCxnSpPr>
+        <p:spPr>
+          <a:xfrm flipH="1">
+            <a:off x="1016000" y="2286000"/>
+            <a:ext cx="1422400" cy="0"/>
+          </a:xfrm>
+          <a:prstGeom prst="straightConnector1">
+            <a:avLst/>
+          </a:prstGeom>
+          <a:ln w="19050">
+            <a:tailEnd type="arrow"/>
+          </a:ln>
+        </p:spPr>
+        <p:style>
+          <a:lnRef idx="1">
+            <a:schemeClr val="accent1"/>
+          </a:lnRef>
+          <a:fillRef idx="0">
+            <a:schemeClr val="accent1"/>
+          </a:fillRef>
+          <a:effectRef idx="0">
+            <a:schemeClr val="accent1"/>
+          </a:effectRef>
+          <a:fontRef idx="minor">
+            <a:schemeClr val="tx1"/>
+          </a:fontRef>
+        </p:style>
+      </p:cxnSp>
+      <p:sp>
+        <p:nvSpPr>
+          <p:cNvPr id="21" name="20 CuadroTexto"/>
+          <p:cNvSpPr txBox="1"/>
+          <p:nvPr/>
+        </p:nvSpPr>
+        <p:spPr>
+          <a:xfrm>
+            <a:off x="2438400" y="1371600"/>
+            <a:ext cx="686406" cy="369332"/>
+          </a:xfrm>
+          <a:prstGeom prst="rect">
+            <a:avLst/>
+          </a:prstGeom>
+          <a:noFill/>
+        </p:spPr>
+        <p:txBody>
+          <a:bodyPr wrap="none" rtlCol="0">
+            <a:spAutoFit/>
+          </a:bodyPr>
+          <a:lstStyle/>
+          <a:p>
+            <a:r>
+              <a:rPr lang="en-US" dirty="0" smtClean="0"/>
+              <a:t>Block</a:t>
+            </a:r>
+            <a:endParaRPr lang="en-US" dirty="0"/>
+          </a:p>
+        </p:txBody>
+      </p:sp>
+      <p:sp>
+        <p:nvSpPr>
+          <p:cNvPr id="23" name="22 CuadroTexto"/>
+          <p:cNvSpPr txBox="1"/>
+          <p:nvPr/>
+        </p:nvSpPr>
+        <p:spPr>
+          <a:xfrm>
+            <a:off x="1117601" y="1828800"/>
+            <a:ext cx="887935" cy="369332"/>
+          </a:xfrm>
+          <a:prstGeom prst="rect">
+            <a:avLst/>
+          </a:prstGeom>
+          <a:noFill/>
+        </p:spPr>
+        <p:txBody>
+          <a:bodyPr wrap="none" rtlCol="0">
+            <a:spAutoFit/>
+          </a:bodyPr>
+          <a:lstStyle/>
+          <a:p>
+            <a:r>
+              <a:rPr lang="en-US" dirty="0" smtClean="0"/>
+              <a:t>Parents</a:t>
+            </a:r>
+            <a:endParaRPr lang="en-US" dirty="0"/>
+          </a:p>
+        </p:txBody>
+      </p:sp>
+      <p:sp>
+        <p:nvSpPr>
+          <p:cNvPr id="17" name="16 Rectángulo"/>
+          <p:cNvSpPr/>
+          <p:nvPr/>
+        </p:nvSpPr>
+        <p:spPr>
+          <a:xfrm>
+            <a:off x="3556000" y="2514600"/>
+            <a:ext cx="304800" cy="609600"/>
+          </a:xfrm>
+          <a:prstGeom prst="rect">
+            <a:avLst/>
+          </a:prstGeom>
+          <a:solidFill>
+            <a:schemeClr val="accent6">
+              <a:lumMod val="60000"/>
+              <a:lumOff val="40000"/>
+            </a:schemeClr>
+          </a:solidFill>
+        </p:spPr>
+        <p:style>
+          <a:lnRef idx="2">
+            <a:schemeClr val="accent1">
+              <a:shade val="50000"/>
+            </a:schemeClr>
+          </a:lnRef>
+          <a:fillRef idx="1">
+            <a:schemeClr val="accent1"/>
+          </a:fillRef>
+          <a:effectRef idx="0">
+            <a:schemeClr val="accent1"/>
+          </a:effectRef>
+          <a:fontRef idx="minor">
+            <a:schemeClr val="lt1"/>
+          </a:fontRef>
+        </p:style>
+        <p:txBody>
+          <a:bodyPr rtlCol="0" anchor="ctr"/>
+          <a:lstStyle/>
+          <a:p>
+            <a:pPr algn="ctr"/>
+            <a:endParaRPr lang="en-US"/>
+          </a:p>
+        </p:txBody>
+      </p:sp>
+      <p:sp>
+        <p:nvSpPr>
+          <p:cNvPr id="19" name="18 Rectángulo"/>
+          <p:cNvSpPr/>
+          <p:nvPr/>
+        </p:nvSpPr>
+        <p:spPr>
+          <a:xfrm>
+            <a:off x="4470400" y="2514600"/>
+            <a:ext cx="304800" cy="609600"/>
+          </a:xfrm>
+          <a:prstGeom prst="rect">
+            <a:avLst/>
+          </a:prstGeom>
+          <a:solidFill>
+            <a:schemeClr val="accent1">
+              <a:lumMod val="60000"/>
+              <a:lumOff val="40000"/>
+            </a:schemeClr>
+          </a:solidFill>
+        </p:spPr>
+        <p:style>
+          <a:lnRef idx="2">
+            <a:schemeClr val="accent1">
+              <a:shade val="50000"/>
+            </a:schemeClr>
+          </a:lnRef>
+          <a:fillRef idx="1">
+            <a:schemeClr val="accent1"/>
+          </a:fillRef>
+          <a:effectRef idx="0">
+            <a:schemeClr val="accent1"/>
+          </a:effectRef>
+          <a:fontRef idx="minor">
+            <a:schemeClr val="lt1"/>
+          </a:fontRef>
+        </p:style>
+        <p:txBody>
+          <a:bodyPr rtlCol="0" anchor="ctr"/>
+          <a:lstStyle/>
+          <a:p>
+            <a:pPr algn="ctr"/>
+            <a:endParaRPr lang="en-US"/>
+          </a:p>
+        </p:txBody>
+      </p:sp>
+      <p:sp>
+        <p:nvSpPr>
+          <p:cNvPr id="20" name="19 Rectángulo"/>
+          <p:cNvSpPr/>
+          <p:nvPr/>
+        </p:nvSpPr>
+        <p:spPr>
+          <a:xfrm>
+            <a:off x="5080000" y="2514600"/>
+            <a:ext cx="304800" cy="609600"/>
+          </a:xfrm>
+          <a:prstGeom prst="rect">
+            <a:avLst/>
+          </a:prstGeom>
+          <a:solidFill>
+            <a:schemeClr val="accent1">
+              <a:lumMod val="60000"/>
+              <a:lumOff val="40000"/>
+            </a:schemeClr>
+          </a:solidFill>
+        </p:spPr>
+        <p:style>
+          <a:lnRef idx="2">
+            <a:schemeClr val="accent1">
+              <a:shade val="50000"/>
+            </a:schemeClr>
+          </a:lnRef>
+          <a:fillRef idx="1">
+            <a:schemeClr val="accent1"/>
+          </a:fillRef>
+          <a:effectRef idx="0">
+            <a:schemeClr val="accent1"/>
+          </a:effectRef>
+          <a:fontRef idx="minor">
+            <a:schemeClr val="lt1"/>
+          </a:fontRef>
+        </p:style>
+        <p:txBody>
+          <a:bodyPr rtlCol="0" anchor="ctr"/>
+          <a:lstStyle/>
+          <a:p>
+            <a:pPr algn="ctr"/>
+            <a:endParaRPr lang="en-US"/>
+          </a:p>
+        </p:txBody>
+      </p:sp>
+      <p:sp>
+        <p:nvSpPr>
+          <p:cNvPr id="22" name="21 CuadroTexto"/>
+          <p:cNvSpPr txBox="1"/>
+          <p:nvPr/>
+        </p:nvSpPr>
+        <p:spPr>
+          <a:xfrm>
+            <a:off x="3860801" y="2133600"/>
+            <a:ext cx="1351845" cy="369332"/>
+          </a:xfrm>
+          <a:prstGeom prst="rect">
+            <a:avLst/>
+          </a:prstGeom>
+          <a:noFill/>
+        </p:spPr>
+        <p:txBody>
+          <a:bodyPr wrap="none" rtlCol="0">
+            <a:spAutoFit/>
+          </a:bodyPr>
+          <a:lstStyle/>
+          <a:p>
+            <a:r>
+              <a:rPr lang="en-US" dirty="0" smtClean="0"/>
+              <a:t>Transactions</a:t>
+            </a:r>
+            <a:endParaRPr lang="en-US" dirty="0"/>
+          </a:p>
+        </p:txBody>
+      </p:sp>
+      <p:sp>
+        <p:nvSpPr>
+          <p:cNvPr id="24" name="23 Rectángulo"/>
+          <p:cNvSpPr/>
+          <p:nvPr/>
+        </p:nvSpPr>
+        <p:spPr>
+          <a:xfrm>
+            <a:off x="2438400" y="2514600"/>
+            <a:ext cx="304800" cy="381000"/>
+          </a:xfrm>
+          <a:prstGeom prst="rect">
+            <a:avLst/>
+          </a:prstGeom>
+          <a:solidFill>
+            <a:schemeClr val="accent1">
+              <a:lumMod val="60000"/>
+              <a:lumOff val="40000"/>
+            </a:schemeClr>
+          </a:solidFill>
+        </p:spPr>
+        <p:style>
+          <a:lnRef idx="2">
+            <a:schemeClr val="accent1">
+              <a:shade val="50000"/>
+            </a:schemeClr>
+          </a:lnRef>
+          <a:fillRef idx="1">
+            <a:schemeClr val="accent1"/>
+          </a:fillRef>
+          <a:effectRef idx="0">
+            <a:schemeClr val="accent1"/>
+          </a:effectRef>
+          <a:fontRef idx="minor">
+            <a:schemeClr val="lt1"/>
+          </a:fontRef>
+        </p:style>
+        <p:txBody>
+          <a:bodyPr rtlCol="0" anchor="ctr"/>
+          <a:lstStyle/>
+          <a:p>
+            <a:pPr algn="ctr"/>
+            <a:endParaRPr lang="en-US"/>
+          </a:p>
+        </p:txBody>
+      </p:sp>
+      <p:cxnSp>
+        <p:nvCxnSpPr>
+          <p:cNvPr id="25" name="24 Conector recto de flecha"/>
+          <p:cNvCxnSpPr/>
+          <p:nvPr/>
+        </p:nvCxnSpPr>
+        <p:spPr>
+          <a:xfrm flipH="1">
+            <a:off x="1016000" y="2667000"/>
+            <a:ext cx="1422400" cy="0"/>
+          </a:xfrm>
+          <a:prstGeom prst="straightConnector1">
+            <a:avLst/>
+          </a:prstGeom>
+          <a:ln w="19050">
+            <a:tailEnd type="arrow"/>
+          </a:ln>
+        </p:spPr>
+        <p:style>
+          <a:lnRef idx="1">
+            <a:schemeClr val="accent1"/>
+          </a:lnRef>
+          <a:fillRef idx="0">
+            <a:schemeClr val="accent1"/>
+          </a:fillRef>
+          <a:effectRef idx="0">
+            <a:schemeClr val="accent1"/>
+          </a:effectRef>
+          <a:fontRef idx="minor">
+            <a:schemeClr val="tx1"/>
+          </a:fontRef>
+        </p:style>
+      </p:cxnSp>
+    </p:spTree>
+  </p:cSld>
+  <p:clrMapOvr>
+    <a:masterClrMapping/>
+  </p:clrMapOvr>
+  <p:timing>
+    <p:tnLst>
+      <p:par>
+        <p:cTn id="1" dur="indefinite" restart="never" nodeType="tmRoot"/>
+      </p:par>
+    </p:tnLst>
+  </p:timing>
+</p:sld>
+</file>
+
+<file path=ppt/slides/slide16.xml><?xml version="1.0" encoding="utf-8"?>
+<p:sld xmlns:a="http://schemas.openxmlformats.org/drawingml/2006/main" xmlns:r="http://schemas.openxmlformats.org/officeDocument/2006/relationships" xmlns:p="http://schemas.openxmlformats.org/presentationml/2006/main">
+  <p:cSld>
+    <p:spTree>
+      <p:nvGrpSpPr>
+        <p:cNvPr id="1" name=""/>
+        <p:cNvGrpSpPr/>
+        <p:nvPr/>
+      </p:nvGrpSpPr>
+      <p:grpSpPr>
+        <a:xfrm>
+          <a:off x="0" y="0"/>
+          <a:ext cx="0" cy="0"/>
+          <a:chOff x="0" y="0"/>
+          <a:chExt cx="0" cy="0"/>
+        </a:xfrm>
+      </p:grpSpPr>
+      <p:grpSp>
+        <p:nvGrpSpPr>
+          <p:cNvPr id="2" name="46 Grupo"/>
+          <p:cNvGrpSpPr/>
+          <p:nvPr/>
+        </p:nvGrpSpPr>
+        <p:grpSpPr>
+          <a:xfrm>
+            <a:off x="2409589" y="1001977"/>
+            <a:ext cx="1524000" cy="501805"/>
+            <a:chOff x="1807192" y="1001976"/>
+            <a:chExt cx="1143000" cy="501805"/>
+          </a:xfrm>
+        </p:grpSpPr>
+        <p:sp>
+          <p:nvSpPr>
+            <p:cNvPr id="3" name="2 Rectángulo"/>
+            <p:cNvSpPr/>
+            <p:nvPr/>
+          </p:nvSpPr>
+          <p:spPr>
+            <a:xfrm flipH="1">
+              <a:off x="1807192" y="1001976"/>
+              <a:ext cx="1143000" cy="501805"/>
+            </a:xfrm>
+            <a:prstGeom prst="rect">
+              <a:avLst/>
+            </a:prstGeom>
+            <a:solidFill>
+              <a:schemeClr val="accent1">
+                <a:lumMod val="40000"/>
+                <a:lumOff val="60000"/>
+              </a:schemeClr>
+            </a:solidFill>
+            <a:ln>
+              <a:solidFill>
+                <a:schemeClr val="tx2"/>
+              </a:solidFill>
+            </a:ln>
+          </p:spPr>
+          <p:style>
+            <a:lnRef idx="2">
+              <a:schemeClr val="accent6"/>
+            </a:lnRef>
+            <a:fillRef idx="1">
+              <a:schemeClr val="lt1"/>
+            </a:fillRef>
+            <a:effectRef idx="0">
+              <a:schemeClr val="accent6"/>
+            </a:effectRef>
+            <a:fontRef idx="minor">
+              <a:schemeClr val="dk1"/>
+            </a:fontRef>
+          </p:style>
+          <p:txBody>
+            <a:bodyPr rtlCol="0" anchor="ctr"/>
+            <a:lstStyle/>
+            <a:p>
+              <a:pPr algn="ctr"/>
+              <a:endParaRPr lang="en-US"/>
+            </a:p>
+          </p:txBody>
+        </p:sp>
+        <p:sp>
+          <p:nvSpPr>
+            <p:cNvPr id="4" name="3 Rectángulo"/>
+            <p:cNvSpPr/>
+            <p:nvPr/>
+          </p:nvSpPr>
+          <p:spPr>
+            <a:xfrm flipH="1">
+              <a:off x="1807192" y="1140728"/>
+              <a:ext cx="68580" cy="228600"/>
+            </a:xfrm>
+            <a:prstGeom prst="rect">
+              <a:avLst/>
+            </a:prstGeom>
+            <a:solidFill>
+              <a:schemeClr val="tx2">
+                <a:lumMod val="60000"/>
+                <a:lumOff val="40000"/>
+              </a:schemeClr>
+            </a:solidFill>
+          </p:spPr>
+          <p:style>
+            <a:lnRef idx="2">
+              <a:schemeClr val="accent1">
+                <a:shade val="50000"/>
+              </a:schemeClr>
+            </a:lnRef>
+            <a:fillRef idx="1">
+              <a:schemeClr val="accent1"/>
+            </a:fillRef>
+            <a:effectRef idx="0">
+              <a:schemeClr val="accent1"/>
+            </a:effectRef>
+            <a:fontRef idx="minor">
+              <a:schemeClr val="lt1"/>
+            </a:fontRef>
+          </p:style>
+          <p:txBody>
+            <a:bodyPr rtlCol="0" anchor="ctr"/>
+            <a:lstStyle/>
+            <a:p>
+              <a:pPr algn="ctr"/>
+              <a:endParaRPr lang="en-US"/>
+            </a:p>
+          </p:txBody>
+        </p:sp>
+        <p:sp>
+          <p:nvSpPr>
+            <p:cNvPr id="5" name="4 Rectángulo"/>
+            <p:cNvSpPr/>
+            <p:nvPr/>
+          </p:nvSpPr>
+          <p:spPr>
+            <a:xfrm flipH="1">
+              <a:off x="2092656" y="1056568"/>
+              <a:ext cx="71438" cy="381000"/>
+            </a:xfrm>
+            <a:prstGeom prst="rect">
+              <a:avLst/>
+            </a:prstGeom>
+            <a:solidFill>
+              <a:schemeClr val="tx2">
+                <a:lumMod val="60000"/>
+                <a:lumOff val="40000"/>
+              </a:schemeClr>
+            </a:solidFill>
+          </p:spPr>
+          <p:style>
+            <a:lnRef idx="2">
+              <a:schemeClr val="accent1">
+                <a:shade val="50000"/>
+              </a:schemeClr>
+            </a:lnRef>
+            <a:fillRef idx="1">
+              <a:schemeClr val="accent1"/>
+            </a:fillRef>
+            <a:effectRef idx="0">
+              <a:schemeClr val="accent1"/>
+            </a:effectRef>
+            <a:fontRef idx="minor">
+              <a:schemeClr val="lt1"/>
+            </a:fontRef>
+          </p:style>
+          <p:txBody>
+            <a:bodyPr rtlCol="0" anchor="ctr"/>
+            <a:lstStyle/>
+            <a:p>
+              <a:pPr algn="ctr"/>
+              <a:endParaRPr lang="en-US"/>
+            </a:p>
+          </p:txBody>
+        </p:sp>
+        <p:sp>
+          <p:nvSpPr>
+            <p:cNvPr id="6" name="5 Rectángulo"/>
+            <p:cNvSpPr/>
+            <p:nvPr/>
+          </p:nvSpPr>
+          <p:spPr>
+            <a:xfrm flipH="1">
+              <a:off x="2196152" y="1056568"/>
+              <a:ext cx="71438" cy="381000"/>
+            </a:xfrm>
+            <a:prstGeom prst="rect">
+              <a:avLst/>
+            </a:prstGeom>
+            <a:solidFill>
+              <a:schemeClr val="tx2">
+                <a:lumMod val="60000"/>
+                <a:lumOff val="40000"/>
+              </a:schemeClr>
+            </a:solidFill>
+          </p:spPr>
+          <p:style>
+            <a:lnRef idx="2">
+              <a:schemeClr val="accent1">
+                <a:shade val="50000"/>
+              </a:schemeClr>
+            </a:lnRef>
+            <a:fillRef idx="1">
+              <a:schemeClr val="accent1"/>
+            </a:fillRef>
+            <a:effectRef idx="0">
+              <a:schemeClr val="accent1"/>
+            </a:effectRef>
+            <a:fontRef idx="minor">
+              <a:schemeClr val="lt1"/>
+            </a:fontRef>
+          </p:style>
+          <p:txBody>
+            <a:bodyPr rtlCol="0" anchor="ctr"/>
+            <a:lstStyle/>
+            <a:p>
+              <a:pPr algn="ctr"/>
+              <a:endParaRPr lang="en-US"/>
+            </a:p>
+          </p:txBody>
+        </p:sp>
+        <p:sp>
+          <p:nvSpPr>
+            <p:cNvPr id="7" name="6 Rectángulo"/>
+            <p:cNvSpPr/>
+            <p:nvPr/>
+          </p:nvSpPr>
+          <p:spPr>
+            <a:xfrm flipH="1">
+              <a:off x="2293960" y="1050880"/>
+              <a:ext cx="71438" cy="381000"/>
+            </a:xfrm>
+            <a:prstGeom prst="rect">
+              <a:avLst/>
+            </a:prstGeom>
+            <a:solidFill>
+              <a:schemeClr val="tx2">
+                <a:lumMod val="60000"/>
+                <a:lumOff val="40000"/>
+              </a:schemeClr>
+            </a:solidFill>
+          </p:spPr>
+          <p:style>
+            <a:lnRef idx="2">
+              <a:schemeClr val="accent1">
+                <a:shade val="50000"/>
+              </a:schemeClr>
+            </a:lnRef>
+            <a:fillRef idx="1">
+              <a:schemeClr val="accent1"/>
+            </a:fillRef>
+            <a:effectRef idx="0">
+              <a:schemeClr val="accent1"/>
+            </a:effectRef>
+            <a:fontRef idx="minor">
+              <a:schemeClr val="lt1"/>
+            </a:fontRef>
+          </p:style>
+          <p:txBody>
+            <a:bodyPr rtlCol="0" anchor="ctr"/>
+            <a:lstStyle/>
+            <a:p>
+              <a:pPr algn="ctr"/>
+              <a:endParaRPr lang="en-US"/>
+            </a:p>
+          </p:txBody>
+        </p:sp>
+        <p:sp>
+          <p:nvSpPr>
+            <p:cNvPr id="8" name="7 Rectángulo"/>
+            <p:cNvSpPr/>
+            <p:nvPr/>
+          </p:nvSpPr>
+          <p:spPr>
+            <a:xfrm flipH="1">
+              <a:off x="2383808" y="1050880"/>
+              <a:ext cx="71438" cy="381000"/>
+            </a:xfrm>
+            <a:prstGeom prst="rect">
+              <a:avLst/>
+            </a:prstGeom>
+            <a:solidFill>
+              <a:schemeClr val="tx2">
+                <a:lumMod val="60000"/>
+                <a:lumOff val="40000"/>
+              </a:schemeClr>
+            </a:solidFill>
+          </p:spPr>
+          <p:style>
+            <a:lnRef idx="2">
+              <a:schemeClr val="accent1">
+                <a:shade val="50000"/>
+              </a:schemeClr>
+            </a:lnRef>
+            <a:fillRef idx="1">
+              <a:schemeClr val="accent1"/>
+            </a:fillRef>
+            <a:effectRef idx="0">
+              <a:schemeClr val="accent1"/>
+            </a:effectRef>
+            <a:fontRef idx="minor">
+              <a:schemeClr val="lt1"/>
+            </a:fontRef>
+          </p:style>
+          <p:txBody>
+            <a:bodyPr rtlCol="0" anchor="ctr"/>
+            <a:lstStyle/>
+            <a:p>
+              <a:pPr algn="ctr"/>
+              <a:endParaRPr lang="en-US"/>
+            </a:p>
+          </p:txBody>
+        </p:sp>
+        <p:sp>
+          <p:nvSpPr>
+            <p:cNvPr id="9" name="8 Rectángulo"/>
+            <p:cNvSpPr/>
+            <p:nvPr/>
+          </p:nvSpPr>
+          <p:spPr>
+            <a:xfrm flipH="1">
+              <a:off x="2473656" y="1050880"/>
+              <a:ext cx="71438" cy="381000"/>
+            </a:xfrm>
+            <a:prstGeom prst="rect">
+              <a:avLst/>
+            </a:prstGeom>
+            <a:solidFill>
+              <a:schemeClr val="tx2">
+                <a:lumMod val="60000"/>
+                <a:lumOff val="40000"/>
+              </a:schemeClr>
+            </a:solidFill>
+          </p:spPr>
+          <p:style>
+            <a:lnRef idx="2">
+              <a:schemeClr val="accent1">
+                <a:shade val="50000"/>
+              </a:schemeClr>
+            </a:lnRef>
+            <a:fillRef idx="1">
+              <a:schemeClr val="accent1"/>
+            </a:fillRef>
+            <a:effectRef idx="0">
+              <a:schemeClr val="accent1"/>
+            </a:effectRef>
+            <a:fontRef idx="minor">
+              <a:schemeClr val="lt1"/>
+            </a:fontRef>
+          </p:style>
+          <p:txBody>
+            <a:bodyPr rtlCol="0" anchor="ctr"/>
+            <a:lstStyle/>
+            <a:p>
+              <a:pPr algn="ctr"/>
+              <a:endParaRPr lang="en-US"/>
+            </a:p>
+          </p:txBody>
+        </p:sp>
+        <p:sp>
+          <p:nvSpPr>
+            <p:cNvPr id="10" name="9 Rectángulo"/>
+            <p:cNvSpPr/>
+            <p:nvPr/>
+          </p:nvSpPr>
+          <p:spPr>
+            <a:xfrm flipH="1">
+              <a:off x="2571464" y="1050880"/>
+              <a:ext cx="71438" cy="381000"/>
+            </a:xfrm>
+            <a:prstGeom prst="rect">
+              <a:avLst/>
+            </a:prstGeom>
+            <a:solidFill>
+              <a:schemeClr val="tx2">
+                <a:lumMod val="60000"/>
+                <a:lumOff val="40000"/>
+              </a:schemeClr>
+            </a:solidFill>
+          </p:spPr>
+          <p:style>
+            <a:lnRef idx="2">
+              <a:schemeClr val="accent1">
+                <a:shade val="50000"/>
+              </a:schemeClr>
+            </a:lnRef>
+            <a:fillRef idx="1">
+              <a:schemeClr val="accent1"/>
+            </a:fillRef>
+            <a:effectRef idx="0">
+              <a:schemeClr val="accent1"/>
+            </a:effectRef>
+            <a:fontRef idx="minor">
+              <a:schemeClr val="lt1"/>
+            </a:fontRef>
+          </p:style>
+          <p:txBody>
+            <a:bodyPr rtlCol="0" anchor="ctr"/>
+            <a:lstStyle/>
+            <a:p>
+              <a:pPr algn="ctr"/>
+              <a:endParaRPr lang="en-US"/>
+            </a:p>
+          </p:txBody>
+        </p:sp>
+        <p:sp>
+          <p:nvSpPr>
+            <p:cNvPr id="11" name="10 Rectángulo"/>
+            <p:cNvSpPr/>
+            <p:nvPr/>
+          </p:nvSpPr>
+          <p:spPr>
+            <a:xfrm flipH="1">
+              <a:off x="2674960" y="1050880"/>
+              <a:ext cx="71438" cy="381000"/>
+            </a:xfrm>
+            <a:prstGeom prst="rect">
+              <a:avLst/>
+            </a:prstGeom>
+            <a:solidFill>
+              <a:schemeClr val="tx2">
+                <a:lumMod val="60000"/>
+                <a:lumOff val="40000"/>
+              </a:schemeClr>
+            </a:solidFill>
+          </p:spPr>
+          <p:style>
+            <a:lnRef idx="2">
+              <a:schemeClr val="accent1">
+                <a:shade val="50000"/>
+              </a:schemeClr>
+            </a:lnRef>
+            <a:fillRef idx="1">
+              <a:schemeClr val="accent1"/>
+            </a:fillRef>
+            <a:effectRef idx="0">
+              <a:schemeClr val="accent1"/>
+            </a:effectRef>
+            <a:fontRef idx="minor">
+              <a:schemeClr val="lt1"/>
+            </a:fontRef>
+          </p:style>
+          <p:txBody>
+            <a:bodyPr rtlCol="0" anchor="ctr"/>
+            <a:lstStyle/>
+            <a:p>
+              <a:pPr algn="ctr"/>
+              <a:endParaRPr lang="en-US"/>
+            </a:p>
+          </p:txBody>
+        </p:sp>
+      </p:grpSp>
+      <p:cxnSp>
+        <p:nvCxnSpPr>
+          <p:cNvPr id="32" name="31 Conector recto de flecha"/>
+          <p:cNvCxnSpPr>
+            <a:stCxn id="4" idx="3"/>
+          </p:cNvCxnSpPr>
+          <p:nvPr/>
+        </p:nvCxnSpPr>
+        <p:spPr>
+          <a:xfrm flipH="1" flipV="1">
+            <a:off x="2032000" y="1230576"/>
+            <a:ext cx="377589" cy="24452"/>
+          </a:xfrm>
+          <a:prstGeom prst="straightConnector1">
+            <a:avLst/>
+          </a:prstGeom>
+          <a:ln>
+            <a:tailEnd type="arrow"/>
+          </a:ln>
+        </p:spPr>
+        <p:style>
+          <a:lnRef idx="1">
+            <a:schemeClr val="accent1"/>
+          </a:lnRef>
+          <a:fillRef idx="0">
+            <a:schemeClr val="accent1"/>
+          </a:fillRef>
+          <a:effectRef idx="0">
+            <a:schemeClr val="accent1"/>
+          </a:effectRef>
+          <a:fontRef idx="minor">
+            <a:schemeClr val="tx1"/>
+          </a:fontRef>
+        </p:style>
+      </p:cxnSp>
+      <p:cxnSp>
+        <p:nvCxnSpPr>
+          <p:cNvPr id="33" name="32 Conector recto de flecha"/>
+          <p:cNvCxnSpPr>
+            <a:stCxn id="14" idx="3"/>
+            <a:endCxn id="3" idx="1"/>
+          </p:cNvCxnSpPr>
+          <p:nvPr/>
+        </p:nvCxnSpPr>
+        <p:spPr>
+          <a:xfrm flipH="1" flipV="1">
+            <a:off x="3933589" y="1252880"/>
+            <a:ext cx="638411" cy="2149"/>
+          </a:xfrm>
+          <a:prstGeom prst="straightConnector1">
+            <a:avLst/>
+          </a:prstGeom>
+          <a:ln>
+            <a:tailEnd type="arrow"/>
+          </a:ln>
+        </p:spPr>
+        <p:style>
+          <a:lnRef idx="1">
+            <a:schemeClr val="accent1"/>
+          </a:lnRef>
+          <a:fillRef idx="0">
+            <a:schemeClr val="accent1"/>
+          </a:fillRef>
+          <a:effectRef idx="0">
+            <a:schemeClr val="accent1"/>
+          </a:effectRef>
+          <a:fontRef idx="minor">
+            <a:schemeClr val="tx1"/>
+          </a:fontRef>
+        </p:style>
+      </p:cxnSp>
+      <p:cxnSp>
+        <p:nvCxnSpPr>
+          <p:cNvPr id="34" name="33 Conector recto de flecha"/>
+          <p:cNvCxnSpPr>
+            <a:endCxn id="13" idx="1"/>
+          </p:cNvCxnSpPr>
+          <p:nvPr/>
+        </p:nvCxnSpPr>
+        <p:spPr>
+          <a:xfrm flipH="1">
+            <a:off x="6096000" y="1241381"/>
+            <a:ext cx="609600" cy="11499"/>
+          </a:xfrm>
+          <a:prstGeom prst="straightConnector1">
+            <a:avLst/>
+          </a:prstGeom>
+          <a:ln>
+            <a:tailEnd type="arrow"/>
+          </a:ln>
+        </p:spPr>
+        <p:style>
+          <a:lnRef idx="1">
+            <a:schemeClr val="accent1"/>
+          </a:lnRef>
+          <a:fillRef idx="0">
+            <a:schemeClr val="accent1"/>
+          </a:fillRef>
+          <a:effectRef idx="0">
+            <a:schemeClr val="accent1"/>
+          </a:effectRef>
+          <a:fontRef idx="minor">
+            <a:schemeClr val="tx1"/>
+          </a:fontRef>
+        </p:style>
+      </p:cxnSp>
+      <p:grpSp>
+        <p:nvGrpSpPr>
+          <p:cNvPr id="12" name="70 Grupo"/>
+          <p:cNvGrpSpPr/>
+          <p:nvPr/>
+        </p:nvGrpSpPr>
+        <p:grpSpPr>
+          <a:xfrm>
+            <a:off x="2336800" y="1905001"/>
+            <a:ext cx="1524000" cy="501805"/>
+            <a:chOff x="1752600" y="1905000"/>
+            <a:chExt cx="1143000" cy="501805"/>
+          </a:xfrm>
+        </p:grpSpPr>
+        <p:sp>
+          <p:nvSpPr>
+            <p:cNvPr id="37" name="36 Rectángulo"/>
+            <p:cNvSpPr/>
+            <p:nvPr/>
+          </p:nvSpPr>
+          <p:spPr>
+            <a:xfrm flipH="1">
+              <a:off x="1752600" y="1905000"/>
+              <a:ext cx="1143000" cy="501805"/>
+            </a:xfrm>
+            <a:prstGeom prst="rect">
+              <a:avLst/>
+            </a:prstGeom>
+            <a:solidFill>
+              <a:schemeClr val="accent3">
+                <a:lumMod val="40000"/>
+                <a:lumOff val="60000"/>
+              </a:schemeClr>
+            </a:solidFill>
+            <a:ln>
+              <a:solidFill>
+                <a:schemeClr val="tx2"/>
+              </a:solidFill>
+            </a:ln>
+          </p:spPr>
+          <p:style>
+            <a:lnRef idx="2">
+              <a:schemeClr val="accent6"/>
+            </a:lnRef>
+            <a:fillRef idx="1">
+              <a:schemeClr val="lt1"/>
+            </a:fillRef>
+            <a:effectRef idx="0">
+              <a:schemeClr val="accent6"/>
+            </a:effectRef>
+            <a:fontRef idx="minor">
+              <a:schemeClr val="dk1"/>
+            </a:fontRef>
+          </p:style>
+          <p:txBody>
+            <a:bodyPr rtlCol="0" anchor="ctr"/>
+            <a:lstStyle/>
+            <a:p>
+              <a:pPr algn="ctr"/>
+              <a:endParaRPr lang="en-US"/>
+            </a:p>
+          </p:txBody>
+        </p:sp>
+        <p:sp>
+          <p:nvSpPr>
+            <p:cNvPr id="38" name="37 Rectángulo"/>
+            <p:cNvSpPr/>
+            <p:nvPr/>
+          </p:nvSpPr>
+          <p:spPr>
+            <a:xfrm flipH="1">
+              <a:off x="1752600" y="2043752"/>
+              <a:ext cx="68580" cy="228600"/>
+            </a:xfrm>
+            <a:prstGeom prst="rect">
+              <a:avLst/>
+            </a:prstGeom>
+            <a:solidFill>
+              <a:schemeClr val="accent3">
+                <a:lumMod val="60000"/>
+                <a:lumOff val="40000"/>
+              </a:schemeClr>
+            </a:solidFill>
+          </p:spPr>
+          <p:style>
+            <a:lnRef idx="2">
+              <a:schemeClr val="accent1">
+                <a:shade val="50000"/>
+              </a:schemeClr>
+            </a:lnRef>
+            <a:fillRef idx="1">
+              <a:schemeClr val="accent1"/>
+            </a:fillRef>
+            <a:effectRef idx="0">
+              <a:schemeClr val="accent1"/>
+            </a:effectRef>
+            <a:fontRef idx="minor">
+              <a:schemeClr val="lt1"/>
+            </a:fontRef>
+          </p:style>
+          <p:txBody>
+            <a:bodyPr rtlCol="0" anchor="ctr"/>
+            <a:lstStyle/>
+            <a:p>
+              <a:pPr algn="ctr"/>
+              <a:endParaRPr lang="en-US"/>
+            </a:p>
+          </p:txBody>
+        </p:sp>
+        <p:sp>
+          <p:nvSpPr>
+            <p:cNvPr id="39" name="38 Rectángulo"/>
+            <p:cNvSpPr/>
+            <p:nvPr/>
+          </p:nvSpPr>
+          <p:spPr>
+            <a:xfrm flipH="1">
+              <a:off x="2038064" y="1959592"/>
+              <a:ext cx="71438" cy="381000"/>
+            </a:xfrm>
+            <a:prstGeom prst="rect">
+              <a:avLst/>
+            </a:prstGeom>
+            <a:solidFill>
+              <a:schemeClr val="accent3">
+                <a:lumMod val="60000"/>
+                <a:lumOff val="40000"/>
+              </a:schemeClr>
+            </a:solidFill>
+          </p:spPr>
+          <p:style>
+            <a:lnRef idx="2">
+              <a:schemeClr val="accent1">
+                <a:shade val="50000"/>
+              </a:schemeClr>
+            </a:lnRef>
+            <a:fillRef idx="1">
+              <a:schemeClr val="accent1"/>
+            </a:fillRef>
+            <a:effectRef idx="0">
+              <a:schemeClr val="accent1"/>
+            </a:effectRef>
+            <a:fontRef idx="minor">
+              <a:schemeClr val="lt1"/>
+            </a:fontRef>
+          </p:style>
+          <p:txBody>
+            <a:bodyPr rtlCol="0" anchor="ctr"/>
+            <a:lstStyle/>
+            <a:p>
+              <a:pPr algn="ctr"/>
+              <a:endParaRPr lang="en-US"/>
+            </a:p>
+          </p:txBody>
+        </p:sp>
+        <p:sp>
+          <p:nvSpPr>
+            <p:cNvPr id="40" name="39 Rectángulo"/>
+            <p:cNvSpPr/>
+            <p:nvPr/>
+          </p:nvSpPr>
+          <p:spPr>
+            <a:xfrm flipH="1">
+              <a:off x="2141560" y="1959592"/>
+              <a:ext cx="71438" cy="381000"/>
+            </a:xfrm>
+            <a:prstGeom prst="rect">
+              <a:avLst/>
+            </a:prstGeom>
+            <a:solidFill>
+              <a:schemeClr val="accent3">
+                <a:lumMod val="60000"/>
+                <a:lumOff val="40000"/>
+              </a:schemeClr>
+            </a:solidFill>
+          </p:spPr>
+          <p:style>
+            <a:lnRef idx="2">
+              <a:schemeClr val="accent1">
+                <a:shade val="50000"/>
+              </a:schemeClr>
+            </a:lnRef>
+            <a:fillRef idx="1">
+              <a:schemeClr val="accent1"/>
+            </a:fillRef>
+            <a:effectRef idx="0">
+              <a:schemeClr val="accent1"/>
+            </a:effectRef>
+            <a:fontRef idx="minor">
+              <a:schemeClr val="lt1"/>
+            </a:fontRef>
+          </p:style>
+          <p:txBody>
+            <a:bodyPr rtlCol="0" anchor="ctr"/>
+            <a:lstStyle/>
+            <a:p>
+              <a:pPr algn="ctr"/>
+              <a:endParaRPr lang="en-US"/>
+            </a:p>
+          </p:txBody>
+        </p:sp>
+        <p:sp>
+          <p:nvSpPr>
+            <p:cNvPr id="41" name="40 Rectángulo"/>
+            <p:cNvSpPr/>
+            <p:nvPr/>
+          </p:nvSpPr>
+          <p:spPr>
+            <a:xfrm flipH="1">
+              <a:off x="2239368" y="1967552"/>
+              <a:ext cx="71438" cy="381000"/>
+            </a:xfrm>
+            <a:prstGeom prst="rect">
+              <a:avLst/>
+            </a:prstGeom>
+            <a:solidFill>
+              <a:schemeClr val="accent3">
+                <a:lumMod val="60000"/>
+                <a:lumOff val="40000"/>
+              </a:schemeClr>
+            </a:solidFill>
+          </p:spPr>
+          <p:style>
+            <a:lnRef idx="2">
+              <a:schemeClr val="accent1">
+                <a:shade val="50000"/>
+              </a:schemeClr>
+            </a:lnRef>
+            <a:fillRef idx="1">
+              <a:schemeClr val="accent1"/>
+            </a:fillRef>
+            <a:effectRef idx="0">
+              <a:schemeClr val="accent1"/>
+            </a:effectRef>
+            <a:fontRef idx="minor">
+              <a:schemeClr val="lt1"/>
+            </a:fontRef>
+          </p:style>
+          <p:txBody>
+            <a:bodyPr rtlCol="0" anchor="ctr"/>
+            <a:lstStyle/>
+            <a:p>
+              <a:pPr algn="ctr"/>
+              <a:endParaRPr lang="en-US"/>
+            </a:p>
+          </p:txBody>
+        </p:sp>
+        <p:sp>
+          <p:nvSpPr>
+            <p:cNvPr id="42" name="41 Rectángulo"/>
+            <p:cNvSpPr/>
+            <p:nvPr/>
+          </p:nvSpPr>
+          <p:spPr>
+            <a:xfrm flipH="1">
+              <a:off x="2329216" y="1967552"/>
+              <a:ext cx="71438" cy="381000"/>
+            </a:xfrm>
+            <a:prstGeom prst="rect">
+              <a:avLst/>
+            </a:prstGeom>
+            <a:solidFill>
+              <a:schemeClr val="accent3">
+                <a:lumMod val="60000"/>
+                <a:lumOff val="40000"/>
+              </a:schemeClr>
+            </a:solidFill>
+          </p:spPr>
+          <p:style>
+            <a:lnRef idx="2">
+              <a:schemeClr val="accent1">
+                <a:shade val="50000"/>
+              </a:schemeClr>
+            </a:lnRef>
+            <a:fillRef idx="1">
+              <a:schemeClr val="accent1"/>
+            </a:fillRef>
+            <a:effectRef idx="0">
+              <a:schemeClr val="accent1"/>
+            </a:effectRef>
+            <a:fontRef idx="minor">
+              <a:schemeClr val="lt1"/>
+            </a:fontRef>
+          </p:style>
+          <p:txBody>
+            <a:bodyPr rtlCol="0" anchor="ctr"/>
+            <a:lstStyle/>
+            <a:p>
+              <a:pPr algn="ctr"/>
+              <a:endParaRPr lang="en-US"/>
+            </a:p>
+          </p:txBody>
+        </p:sp>
+        <p:sp>
+          <p:nvSpPr>
+            <p:cNvPr id="43" name="42 Rectángulo"/>
+            <p:cNvSpPr/>
+            <p:nvPr/>
+          </p:nvSpPr>
+          <p:spPr>
+            <a:xfrm flipH="1">
+              <a:off x="2419064" y="1967552"/>
+              <a:ext cx="71438" cy="381000"/>
+            </a:xfrm>
+            <a:prstGeom prst="rect">
+              <a:avLst/>
+            </a:prstGeom>
+            <a:solidFill>
+              <a:schemeClr val="accent3">
+                <a:lumMod val="60000"/>
+                <a:lumOff val="40000"/>
+              </a:schemeClr>
+            </a:solidFill>
+          </p:spPr>
+          <p:style>
+            <a:lnRef idx="2">
+              <a:schemeClr val="accent1">
+                <a:shade val="50000"/>
+              </a:schemeClr>
+            </a:lnRef>
+            <a:fillRef idx="1">
+              <a:schemeClr val="accent1"/>
+            </a:fillRef>
+            <a:effectRef idx="0">
+              <a:schemeClr val="accent1"/>
+            </a:effectRef>
+            <a:fontRef idx="minor">
+              <a:schemeClr val="lt1"/>
+            </a:fontRef>
+          </p:style>
+          <p:txBody>
+            <a:bodyPr rtlCol="0" anchor="ctr"/>
+            <a:lstStyle/>
+            <a:p>
+              <a:pPr algn="ctr"/>
+              <a:endParaRPr lang="en-US"/>
+            </a:p>
+          </p:txBody>
+        </p:sp>
+        <p:sp>
+          <p:nvSpPr>
+            <p:cNvPr id="44" name="43 Rectángulo"/>
+            <p:cNvSpPr/>
+            <p:nvPr/>
+          </p:nvSpPr>
+          <p:spPr>
+            <a:xfrm flipH="1">
+              <a:off x="2516872" y="1967552"/>
+              <a:ext cx="71438" cy="381000"/>
+            </a:xfrm>
+            <a:prstGeom prst="rect">
+              <a:avLst/>
+            </a:prstGeom>
+            <a:solidFill>
+              <a:schemeClr val="accent3">
+                <a:lumMod val="60000"/>
+                <a:lumOff val="40000"/>
+              </a:schemeClr>
+            </a:solidFill>
+          </p:spPr>
+          <p:style>
+            <a:lnRef idx="2">
+              <a:schemeClr val="accent1">
+                <a:shade val="50000"/>
+              </a:schemeClr>
+            </a:lnRef>
+            <a:fillRef idx="1">
+              <a:schemeClr val="accent1"/>
+            </a:fillRef>
+            <a:effectRef idx="0">
+              <a:schemeClr val="accent1"/>
+            </a:effectRef>
+            <a:fontRef idx="minor">
+              <a:schemeClr val="lt1"/>
+            </a:fontRef>
+          </p:style>
+          <p:txBody>
+            <a:bodyPr rtlCol="0" anchor="ctr"/>
+            <a:lstStyle/>
+            <a:p>
+              <a:pPr algn="ctr"/>
+              <a:endParaRPr lang="en-US"/>
+            </a:p>
+          </p:txBody>
+        </p:sp>
+        <p:sp>
+          <p:nvSpPr>
+            <p:cNvPr id="45" name="44 Rectángulo"/>
+            <p:cNvSpPr/>
+            <p:nvPr/>
+          </p:nvSpPr>
+          <p:spPr>
+            <a:xfrm flipH="1">
+              <a:off x="2620368" y="1967552"/>
+              <a:ext cx="71438" cy="381000"/>
+            </a:xfrm>
+            <a:prstGeom prst="rect">
+              <a:avLst/>
+            </a:prstGeom>
+            <a:solidFill>
+              <a:schemeClr val="accent3">
+                <a:lumMod val="60000"/>
+                <a:lumOff val="40000"/>
+              </a:schemeClr>
+            </a:solidFill>
+          </p:spPr>
+          <p:style>
+            <a:lnRef idx="2">
+              <a:schemeClr val="accent1">
+                <a:shade val="50000"/>
+              </a:schemeClr>
+            </a:lnRef>
+            <a:fillRef idx="1">
+              <a:schemeClr val="accent1"/>
+            </a:fillRef>
+            <a:effectRef idx="0">
+              <a:schemeClr val="accent1"/>
+            </a:effectRef>
+            <a:fontRef idx="minor">
+              <a:schemeClr val="lt1"/>
+            </a:fontRef>
+          </p:style>
+          <p:txBody>
+            <a:bodyPr rtlCol="0" anchor="ctr"/>
+            <a:lstStyle/>
+            <a:p>
+              <a:pPr algn="ctr"/>
+              <a:endParaRPr lang="en-US"/>
+            </a:p>
+          </p:txBody>
+        </p:sp>
+      </p:grpSp>
+      <p:cxnSp>
+        <p:nvCxnSpPr>
+          <p:cNvPr id="46" name="45 Conector recto de flecha"/>
+          <p:cNvCxnSpPr>
+            <a:stCxn id="38" idx="3"/>
+          </p:cNvCxnSpPr>
+          <p:nvPr/>
+        </p:nvCxnSpPr>
+        <p:spPr>
+          <a:xfrm flipH="1" flipV="1">
+            <a:off x="1959211" y="2133600"/>
+            <a:ext cx="377589" cy="24452"/>
+          </a:xfrm>
+          <a:prstGeom prst="straightConnector1">
+            <a:avLst/>
+          </a:prstGeom>
+          <a:ln>
+            <a:tailEnd type="arrow"/>
+          </a:ln>
+        </p:spPr>
+        <p:style>
+          <a:lnRef idx="1">
+            <a:schemeClr val="accent1"/>
+          </a:lnRef>
+          <a:fillRef idx="0">
+            <a:schemeClr val="accent1"/>
+          </a:fillRef>
+          <a:effectRef idx="0">
+            <a:schemeClr val="accent1"/>
+          </a:effectRef>
+          <a:fontRef idx="minor">
+            <a:schemeClr val="tx1"/>
+          </a:fontRef>
+        </p:style>
+      </p:cxnSp>
+      <p:grpSp>
+        <p:nvGrpSpPr>
+          <p:cNvPr id="13" name="57 Grupo"/>
+          <p:cNvGrpSpPr/>
+          <p:nvPr/>
+        </p:nvGrpSpPr>
+        <p:grpSpPr>
+          <a:xfrm>
+            <a:off x="4572000" y="990601"/>
+            <a:ext cx="1524000" cy="501805"/>
+            <a:chOff x="3429000" y="990600"/>
+            <a:chExt cx="1143000" cy="501805"/>
+          </a:xfrm>
+        </p:grpSpPr>
+        <p:sp>
+          <p:nvSpPr>
+            <p:cNvPr id="49" name="48 Rectángulo"/>
+            <p:cNvSpPr/>
+            <p:nvPr/>
+          </p:nvSpPr>
+          <p:spPr>
+            <a:xfrm flipH="1">
+              <a:off x="3429000" y="990600"/>
+              <a:ext cx="1143000" cy="501805"/>
+            </a:xfrm>
+            <a:prstGeom prst="rect">
+              <a:avLst/>
+            </a:prstGeom>
+            <a:solidFill>
+              <a:schemeClr val="accent1">
+                <a:lumMod val="40000"/>
+                <a:lumOff val="60000"/>
+              </a:schemeClr>
+            </a:solidFill>
+            <a:ln>
+              <a:solidFill>
+                <a:schemeClr val="tx2"/>
+              </a:solidFill>
+            </a:ln>
+          </p:spPr>
+          <p:style>
+            <a:lnRef idx="2">
+              <a:schemeClr val="accent6"/>
+            </a:lnRef>
+            <a:fillRef idx="1">
+              <a:schemeClr val="lt1"/>
+            </a:fillRef>
+            <a:effectRef idx="0">
+              <a:schemeClr val="accent6"/>
+            </a:effectRef>
+            <a:fontRef idx="minor">
+              <a:schemeClr val="dk1"/>
+            </a:fontRef>
+          </p:style>
+          <p:txBody>
+            <a:bodyPr rtlCol="0" anchor="ctr"/>
+            <a:lstStyle/>
+            <a:p>
+              <a:pPr algn="ctr"/>
+              <a:endParaRPr lang="en-US"/>
+            </a:p>
+          </p:txBody>
+        </p:sp>
+        <p:sp>
+          <p:nvSpPr>
+            <p:cNvPr id="50" name="49 Rectángulo"/>
+            <p:cNvSpPr/>
+            <p:nvPr/>
+          </p:nvSpPr>
+          <p:spPr>
+            <a:xfrm flipH="1">
+              <a:off x="3429000" y="1129352"/>
+              <a:ext cx="68580" cy="228600"/>
+            </a:xfrm>
+            <a:prstGeom prst="rect">
+              <a:avLst/>
+            </a:prstGeom>
+            <a:solidFill>
+              <a:schemeClr val="tx2">
+                <a:lumMod val="60000"/>
+                <a:lumOff val="40000"/>
+              </a:schemeClr>
+            </a:solidFill>
+          </p:spPr>
+          <p:style>
+            <a:lnRef idx="2">
+              <a:schemeClr val="accent1">
+                <a:shade val="50000"/>
+              </a:schemeClr>
+            </a:lnRef>
+            <a:fillRef idx="1">
+              <a:schemeClr val="accent1"/>
+            </a:fillRef>
+            <a:effectRef idx="0">
+              <a:schemeClr val="accent1"/>
+            </a:effectRef>
+            <a:fontRef idx="minor">
+              <a:schemeClr val="lt1"/>
+            </a:fontRef>
+          </p:style>
+          <p:txBody>
+            <a:bodyPr rtlCol="0" anchor="ctr"/>
+            <a:lstStyle/>
+            <a:p>
+              <a:pPr algn="ctr"/>
+              <a:endParaRPr lang="en-US"/>
+            </a:p>
+          </p:txBody>
+        </p:sp>
+        <p:sp>
+          <p:nvSpPr>
+            <p:cNvPr id="51" name="50 Rectángulo"/>
+            <p:cNvSpPr/>
+            <p:nvPr/>
+          </p:nvSpPr>
+          <p:spPr>
+            <a:xfrm flipH="1">
+              <a:off x="3714464" y="1045192"/>
+              <a:ext cx="71438" cy="381000"/>
+            </a:xfrm>
+            <a:prstGeom prst="rect">
+              <a:avLst/>
+            </a:prstGeom>
+            <a:solidFill>
+              <a:schemeClr val="tx2">
+                <a:lumMod val="60000"/>
+                <a:lumOff val="40000"/>
+              </a:schemeClr>
+            </a:solidFill>
+          </p:spPr>
+          <p:style>
+            <a:lnRef idx="2">
+              <a:schemeClr val="accent1">
+                <a:shade val="50000"/>
+              </a:schemeClr>
+            </a:lnRef>
+            <a:fillRef idx="1">
+              <a:schemeClr val="accent1"/>
+            </a:fillRef>
+            <a:effectRef idx="0">
+              <a:schemeClr val="accent1"/>
+            </a:effectRef>
+            <a:fontRef idx="minor">
+              <a:schemeClr val="lt1"/>
+            </a:fontRef>
+          </p:style>
+          <p:txBody>
+            <a:bodyPr rtlCol="0" anchor="ctr"/>
+            <a:lstStyle/>
+            <a:p>
+              <a:pPr algn="ctr"/>
+              <a:endParaRPr lang="en-US"/>
+            </a:p>
+          </p:txBody>
+        </p:sp>
+        <p:sp>
+          <p:nvSpPr>
+            <p:cNvPr id="52" name="51 Rectángulo"/>
+            <p:cNvSpPr/>
+            <p:nvPr/>
+          </p:nvSpPr>
+          <p:spPr>
+            <a:xfrm flipH="1">
+              <a:off x="3804312" y="1045192"/>
+              <a:ext cx="71438" cy="381000"/>
+            </a:xfrm>
+            <a:prstGeom prst="rect">
+              <a:avLst/>
+            </a:prstGeom>
+            <a:solidFill>
+              <a:schemeClr val="tx2">
+                <a:lumMod val="60000"/>
+                <a:lumOff val="40000"/>
+              </a:schemeClr>
+            </a:solidFill>
+          </p:spPr>
+          <p:style>
+            <a:lnRef idx="2">
+              <a:schemeClr val="accent1">
+                <a:shade val="50000"/>
+              </a:schemeClr>
+            </a:lnRef>
+            <a:fillRef idx="1">
+              <a:schemeClr val="accent1"/>
+            </a:fillRef>
+            <a:effectRef idx="0">
+              <a:schemeClr val="accent1"/>
+            </a:effectRef>
+            <a:fontRef idx="minor">
+              <a:schemeClr val="lt1"/>
+            </a:fontRef>
+          </p:style>
+          <p:txBody>
+            <a:bodyPr rtlCol="0" anchor="ctr"/>
+            <a:lstStyle/>
+            <a:p>
+              <a:pPr algn="ctr"/>
+              <a:endParaRPr lang="en-US"/>
+            </a:p>
+          </p:txBody>
+        </p:sp>
+        <p:sp>
+          <p:nvSpPr>
+            <p:cNvPr id="53" name="52 Rectángulo"/>
+            <p:cNvSpPr/>
+            <p:nvPr/>
+          </p:nvSpPr>
+          <p:spPr>
+            <a:xfrm flipH="1">
+              <a:off x="3902120" y="1053152"/>
+              <a:ext cx="71438" cy="381000"/>
+            </a:xfrm>
+            <a:prstGeom prst="rect">
+              <a:avLst/>
+            </a:prstGeom>
+            <a:solidFill>
+              <a:schemeClr val="tx2">
+                <a:lumMod val="60000"/>
+                <a:lumOff val="40000"/>
+              </a:schemeClr>
+            </a:solidFill>
+          </p:spPr>
+          <p:style>
+            <a:lnRef idx="2">
+              <a:schemeClr val="accent1">
+                <a:shade val="50000"/>
+              </a:schemeClr>
+            </a:lnRef>
+            <a:fillRef idx="1">
+              <a:schemeClr val="accent1"/>
+            </a:fillRef>
+            <a:effectRef idx="0">
+              <a:schemeClr val="accent1"/>
+            </a:effectRef>
+            <a:fontRef idx="minor">
+              <a:schemeClr val="lt1"/>
+            </a:fontRef>
+          </p:style>
+          <p:txBody>
+            <a:bodyPr rtlCol="0" anchor="ctr"/>
+            <a:lstStyle/>
+            <a:p>
+              <a:pPr algn="ctr"/>
+              <a:endParaRPr lang="en-US"/>
+            </a:p>
+          </p:txBody>
+        </p:sp>
+        <p:sp>
+          <p:nvSpPr>
+            <p:cNvPr id="54" name="53 Rectángulo"/>
+            <p:cNvSpPr/>
+            <p:nvPr/>
+          </p:nvSpPr>
+          <p:spPr>
+            <a:xfrm flipH="1">
+              <a:off x="4005616" y="1053152"/>
+              <a:ext cx="71438" cy="381000"/>
+            </a:xfrm>
+            <a:prstGeom prst="rect">
+              <a:avLst/>
+            </a:prstGeom>
+            <a:solidFill>
+              <a:schemeClr val="tx2">
+                <a:lumMod val="60000"/>
+                <a:lumOff val="40000"/>
+              </a:schemeClr>
+            </a:solidFill>
+          </p:spPr>
+          <p:style>
+            <a:lnRef idx="2">
+              <a:schemeClr val="accent1">
+                <a:shade val="50000"/>
+              </a:schemeClr>
+            </a:lnRef>
+            <a:fillRef idx="1">
+              <a:schemeClr val="accent1"/>
+            </a:fillRef>
+            <a:effectRef idx="0">
+              <a:schemeClr val="accent1"/>
+            </a:effectRef>
+            <a:fontRef idx="minor">
+              <a:schemeClr val="lt1"/>
+            </a:fontRef>
+          </p:style>
+          <p:txBody>
+            <a:bodyPr rtlCol="0" anchor="ctr"/>
+            <a:lstStyle/>
+            <a:p>
+              <a:pPr algn="ctr"/>
+              <a:endParaRPr lang="en-US"/>
+            </a:p>
+          </p:txBody>
+        </p:sp>
+        <p:sp>
+          <p:nvSpPr>
+            <p:cNvPr id="55" name="54 Rectángulo"/>
+            <p:cNvSpPr/>
+            <p:nvPr/>
+          </p:nvSpPr>
+          <p:spPr>
+            <a:xfrm flipH="1">
+              <a:off x="4095464" y="1053152"/>
+              <a:ext cx="71438" cy="381000"/>
+            </a:xfrm>
+            <a:prstGeom prst="rect">
+              <a:avLst/>
+            </a:prstGeom>
+            <a:solidFill>
+              <a:schemeClr val="tx2">
+                <a:lumMod val="60000"/>
+                <a:lumOff val="40000"/>
+              </a:schemeClr>
+            </a:solidFill>
+          </p:spPr>
+          <p:style>
+            <a:lnRef idx="2">
+              <a:schemeClr val="accent1">
+                <a:shade val="50000"/>
+              </a:schemeClr>
+            </a:lnRef>
+            <a:fillRef idx="1">
+              <a:schemeClr val="accent1"/>
+            </a:fillRef>
+            <a:effectRef idx="0">
+              <a:schemeClr val="accent1"/>
+            </a:effectRef>
+            <a:fontRef idx="minor">
+              <a:schemeClr val="lt1"/>
+            </a:fontRef>
+          </p:style>
+          <p:txBody>
+            <a:bodyPr rtlCol="0" anchor="ctr"/>
+            <a:lstStyle/>
+            <a:p>
+              <a:pPr algn="ctr"/>
+              <a:endParaRPr lang="en-US"/>
+            </a:p>
+          </p:txBody>
+        </p:sp>
+        <p:sp>
+          <p:nvSpPr>
+            <p:cNvPr id="56" name="55 Rectángulo"/>
+            <p:cNvSpPr/>
+            <p:nvPr/>
+          </p:nvSpPr>
+          <p:spPr>
+            <a:xfrm flipH="1">
+              <a:off x="4193272" y="1053152"/>
+              <a:ext cx="71438" cy="381000"/>
+            </a:xfrm>
+            <a:prstGeom prst="rect">
+              <a:avLst/>
+            </a:prstGeom>
+            <a:solidFill>
+              <a:schemeClr val="tx2">
+                <a:lumMod val="60000"/>
+                <a:lumOff val="40000"/>
+              </a:schemeClr>
+            </a:solidFill>
+          </p:spPr>
+          <p:style>
+            <a:lnRef idx="2">
+              <a:schemeClr val="accent1">
+                <a:shade val="50000"/>
+              </a:schemeClr>
+            </a:lnRef>
+            <a:fillRef idx="1">
+              <a:schemeClr val="accent1"/>
+            </a:fillRef>
+            <a:effectRef idx="0">
+              <a:schemeClr val="accent1"/>
+            </a:effectRef>
+            <a:fontRef idx="minor">
+              <a:schemeClr val="lt1"/>
+            </a:fontRef>
+          </p:style>
+          <p:txBody>
+            <a:bodyPr rtlCol="0" anchor="ctr"/>
+            <a:lstStyle/>
+            <a:p>
+              <a:pPr algn="ctr"/>
+              <a:endParaRPr lang="en-US"/>
+            </a:p>
+          </p:txBody>
+        </p:sp>
+        <p:sp>
+          <p:nvSpPr>
+            <p:cNvPr id="57" name="56 Rectángulo"/>
+            <p:cNvSpPr/>
+            <p:nvPr/>
+          </p:nvSpPr>
+          <p:spPr>
+            <a:xfrm flipH="1">
+              <a:off x="4283120" y="1053152"/>
+              <a:ext cx="71438" cy="381000"/>
+            </a:xfrm>
+            <a:prstGeom prst="rect">
+              <a:avLst/>
+            </a:prstGeom>
+            <a:solidFill>
+              <a:schemeClr val="tx2">
+                <a:lumMod val="60000"/>
+                <a:lumOff val="40000"/>
+              </a:schemeClr>
+            </a:solidFill>
+          </p:spPr>
+          <p:style>
+            <a:lnRef idx="2">
+              <a:schemeClr val="accent1">
+                <a:shade val="50000"/>
+              </a:schemeClr>
+            </a:lnRef>
+            <a:fillRef idx="1">
+              <a:schemeClr val="accent1"/>
+            </a:fillRef>
+            <a:effectRef idx="0">
+              <a:schemeClr val="accent1"/>
+            </a:effectRef>
+            <a:fontRef idx="minor">
+              <a:schemeClr val="lt1"/>
+            </a:fontRef>
+          </p:style>
+          <p:txBody>
+            <a:bodyPr rtlCol="0" anchor="ctr"/>
+            <a:lstStyle/>
+            <a:p>
+              <a:pPr algn="ctr"/>
+              <a:endParaRPr lang="en-US"/>
+            </a:p>
+          </p:txBody>
+        </p:sp>
+      </p:grpSp>
+      <p:grpSp>
+        <p:nvGrpSpPr>
+          <p:cNvPr id="14" name="68 Grupo"/>
+          <p:cNvGrpSpPr/>
+          <p:nvPr/>
+        </p:nvGrpSpPr>
+        <p:grpSpPr>
+          <a:xfrm>
+            <a:off x="6705600" y="990601"/>
+            <a:ext cx="1524000" cy="501805"/>
+            <a:chOff x="5029200" y="990600"/>
+            <a:chExt cx="1143000" cy="501805"/>
+          </a:xfrm>
+        </p:grpSpPr>
+        <p:sp>
+          <p:nvSpPr>
+            <p:cNvPr id="60" name="59 Rectángulo"/>
+            <p:cNvSpPr/>
+            <p:nvPr/>
+          </p:nvSpPr>
+          <p:spPr>
+            <a:xfrm flipH="1">
+              <a:off x="5029200" y="990600"/>
+              <a:ext cx="1143000" cy="501805"/>
+            </a:xfrm>
+            <a:prstGeom prst="rect">
+              <a:avLst/>
+            </a:prstGeom>
+            <a:solidFill>
+              <a:schemeClr val="accent1">
+                <a:lumMod val="40000"/>
+                <a:lumOff val="60000"/>
+              </a:schemeClr>
+            </a:solidFill>
+            <a:ln>
+              <a:solidFill>
+                <a:schemeClr val="tx2"/>
+              </a:solidFill>
+            </a:ln>
+          </p:spPr>
+          <p:style>
+            <a:lnRef idx="2">
+              <a:schemeClr val="accent6"/>
+            </a:lnRef>
+            <a:fillRef idx="1">
+              <a:schemeClr val="lt1"/>
+            </a:fillRef>
+            <a:effectRef idx="0">
+              <a:schemeClr val="accent6"/>
+            </a:effectRef>
+            <a:fontRef idx="minor">
+              <a:schemeClr val="dk1"/>
+            </a:fontRef>
+          </p:style>
+          <p:txBody>
+            <a:bodyPr rtlCol="0" anchor="ctr"/>
+            <a:lstStyle/>
+            <a:p>
+              <a:pPr algn="ctr"/>
+              <a:endParaRPr lang="en-US"/>
+            </a:p>
+          </p:txBody>
+        </p:sp>
+        <p:sp>
+          <p:nvSpPr>
+            <p:cNvPr id="61" name="60 Rectángulo"/>
+            <p:cNvSpPr/>
+            <p:nvPr/>
+          </p:nvSpPr>
+          <p:spPr>
+            <a:xfrm flipH="1">
+              <a:off x="5029200" y="1129352"/>
+              <a:ext cx="68580" cy="228600"/>
+            </a:xfrm>
+            <a:prstGeom prst="rect">
+              <a:avLst/>
+            </a:prstGeom>
+            <a:solidFill>
+              <a:schemeClr val="tx2">
+                <a:lumMod val="60000"/>
+                <a:lumOff val="40000"/>
+              </a:schemeClr>
+            </a:solidFill>
+          </p:spPr>
+          <p:style>
+            <a:lnRef idx="2">
+              <a:schemeClr val="accent1">
+                <a:shade val="50000"/>
+              </a:schemeClr>
+            </a:lnRef>
+            <a:fillRef idx="1">
+              <a:schemeClr val="accent1"/>
+            </a:fillRef>
+            <a:effectRef idx="0">
+              <a:schemeClr val="accent1"/>
+            </a:effectRef>
+            <a:fontRef idx="minor">
+              <a:schemeClr val="lt1"/>
+            </a:fontRef>
+          </p:style>
+          <p:txBody>
+            <a:bodyPr rtlCol="0" anchor="ctr"/>
+            <a:lstStyle/>
+            <a:p>
+              <a:pPr algn="ctr"/>
+              <a:endParaRPr lang="en-US"/>
+            </a:p>
+          </p:txBody>
+        </p:sp>
+        <p:sp>
+          <p:nvSpPr>
+            <p:cNvPr id="62" name="61 Rectángulo"/>
+            <p:cNvSpPr/>
+            <p:nvPr/>
+          </p:nvSpPr>
+          <p:spPr>
+            <a:xfrm flipH="1">
+              <a:off x="5314664" y="1045192"/>
+              <a:ext cx="71438" cy="381000"/>
+            </a:xfrm>
+            <a:prstGeom prst="rect">
+              <a:avLst/>
+            </a:prstGeom>
+            <a:solidFill>
+              <a:schemeClr val="tx2">
+                <a:lumMod val="60000"/>
+                <a:lumOff val="40000"/>
+              </a:schemeClr>
+            </a:solidFill>
+          </p:spPr>
+          <p:style>
+            <a:lnRef idx="2">
+              <a:schemeClr val="accent1">
+                <a:shade val="50000"/>
+              </a:schemeClr>
+            </a:lnRef>
+            <a:fillRef idx="1">
+              <a:schemeClr val="accent1"/>
+            </a:fillRef>
+            <a:effectRef idx="0">
+              <a:schemeClr val="accent1"/>
+            </a:effectRef>
+            <a:fontRef idx="minor">
+              <a:schemeClr val="lt1"/>
+            </a:fontRef>
+          </p:style>
+          <p:txBody>
+            <a:bodyPr rtlCol="0" anchor="ctr"/>
+            <a:lstStyle/>
+            <a:p>
+              <a:pPr algn="ctr"/>
+              <a:endParaRPr lang="en-US"/>
+            </a:p>
+          </p:txBody>
+        </p:sp>
+        <p:sp>
+          <p:nvSpPr>
+            <p:cNvPr id="63" name="62 Rectángulo"/>
+            <p:cNvSpPr/>
+            <p:nvPr/>
+          </p:nvSpPr>
+          <p:spPr>
+            <a:xfrm flipH="1">
+              <a:off x="5404512" y="1045192"/>
+              <a:ext cx="71438" cy="381000"/>
+            </a:xfrm>
+            <a:prstGeom prst="rect">
+              <a:avLst/>
+            </a:prstGeom>
+            <a:solidFill>
+              <a:schemeClr val="tx2">
+                <a:lumMod val="60000"/>
+                <a:lumOff val="40000"/>
+              </a:schemeClr>
+            </a:solidFill>
+          </p:spPr>
+          <p:style>
+            <a:lnRef idx="2">
+              <a:schemeClr val="accent1">
+                <a:shade val="50000"/>
+              </a:schemeClr>
+            </a:lnRef>
+            <a:fillRef idx="1">
+              <a:schemeClr val="accent1"/>
+            </a:fillRef>
+            <a:effectRef idx="0">
+              <a:schemeClr val="accent1"/>
+            </a:effectRef>
+            <a:fontRef idx="minor">
+              <a:schemeClr val="lt1"/>
+            </a:fontRef>
+          </p:style>
+          <p:txBody>
+            <a:bodyPr rtlCol="0" anchor="ctr"/>
+            <a:lstStyle/>
+            <a:p>
+              <a:pPr algn="ctr"/>
+              <a:endParaRPr lang="en-US"/>
+            </a:p>
+          </p:txBody>
+        </p:sp>
+        <p:sp>
+          <p:nvSpPr>
+            <p:cNvPr id="64" name="63 Rectángulo"/>
+            <p:cNvSpPr/>
+            <p:nvPr/>
+          </p:nvSpPr>
+          <p:spPr>
+            <a:xfrm flipH="1">
+              <a:off x="5502320" y="1053152"/>
+              <a:ext cx="71438" cy="381000"/>
+            </a:xfrm>
+            <a:prstGeom prst="rect">
+              <a:avLst/>
+            </a:prstGeom>
+            <a:solidFill>
+              <a:schemeClr val="tx2">
+                <a:lumMod val="60000"/>
+                <a:lumOff val="40000"/>
+              </a:schemeClr>
+            </a:solidFill>
+          </p:spPr>
+          <p:style>
+            <a:lnRef idx="2">
+              <a:schemeClr val="accent1">
+                <a:shade val="50000"/>
+              </a:schemeClr>
+            </a:lnRef>
+            <a:fillRef idx="1">
+              <a:schemeClr val="accent1"/>
+            </a:fillRef>
+            <a:effectRef idx="0">
+              <a:schemeClr val="accent1"/>
+            </a:effectRef>
+            <a:fontRef idx="minor">
+              <a:schemeClr val="lt1"/>
+            </a:fontRef>
+          </p:style>
+          <p:txBody>
+            <a:bodyPr rtlCol="0" anchor="ctr"/>
+            <a:lstStyle/>
+            <a:p>
+              <a:pPr algn="ctr"/>
+              <a:endParaRPr lang="en-US"/>
+            </a:p>
+          </p:txBody>
+        </p:sp>
+        <p:sp>
+          <p:nvSpPr>
+            <p:cNvPr id="65" name="64 Rectángulo"/>
+            <p:cNvSpPr/>
+            <p:nvPr/>
+          </p:nvSpPr>
+          <p:spPr>
+            <a:xfrm flipH="1">
+              <a:off x="5592168" y="1053152"/>
+              <a:ext cx="71438" cy="381000"/>
+            </a:xfrm>
+            <a:prstGeom prst="rect">
+              <a:avLst/>
+            </a:prstGeom>
+            <a:solidFill>
+              <a:schemeClr val="tx2">
+                <a:lumMod val="60000"/>
+                <a:lumOff val="40000"/>
+              </a:schemeClr>
+            </a:solidFill>
+          </p:spPr>
+          <p:style>
+            <a:lnRef idx="2">
+              <a:schemeClr val="accent1">
+                <a:shade val="50000"/>
+              </a:schemeClr>
+            </a:lnRef>
+            <a:fillRef idx="1">
+              <a:schemeClr val="accent1"/>
+            </a:fillRef>
+            <a:effectRef idx="0">
+              <a:schemeClr val="accent1"/>
+            </a:effectRef>
+            <a:fontRef idx="minor">
+              <a:schemeClr val="lt1"/>
+            </a:fontRef>
+          </p:style>
+          <p:txBody>
+            <a:bodyPr rtlCol="0" anchor="ctr"/>
+            <a:lstStyle/>
+            <a:p>
+              <a:pPr algn="ctr"/>
+              <a:endParaRPr lang="en-US"/>
+            </a:p>
+          </p:txBody>
+        </p:sp>
+        <p:sp>
+          <p:nvSpPr>
+            <p:cNvPr id="66" name="65 Rectángulo"/>
+            <p:cNvSpPr/>
+            <p:nvPr/>
+          </p:nvSpPr>
+          <p:spPr>
+            <a:xfrm flipH="1">
+              <a:off x="5695664" y="1053152"/>
+              <a:ext cx="71438" cy="381000"/>
+            </a:xfrm>
+            <a:prstGeom prst="rect">
+              <a:avLst/>
+            </a:prstGeom>
+            <a:solidFill>
+              <a:schemeClr val="tx2">
+                <a:lumMod val="60000"/>
+                <a:lumOff val="40000"/>
+              </a:schemeClr>
+            </a:solidFill>
+          </p:spPr>
+          <p:style>
+            <a:lnRef idx="2">
+              <a:schemeClr val="accent1">
+                <a:shade val="50000"/>
+              </a:schemeClr>
+            </a:lnRef>
+            <a:fillRef idx="1">
+              <a:schemeClr val="accent1"/>
+            </a:fillRef>
+            <a:effectRef idx="0">
+              <a:schemeClr val="accent1"/>
+            </a:effectRef>
+            <a:fontRef idx="minor">
+              <a:schemeClr val="lt1"/>
+            </a:fontRef>
+          </p:style>
+          <p:txBody>
+            <a:bodyPr rtlCol="0" anchor="ctr"/>
+            <a:lstStyle/>
+            <a:p>
+              <a:pPr algn="ctr"/>
+              <a:endParaRPr lang="en-US"/>
+            </a:p>
+          </p:txBody>
+        </p:sp>
+        <p:sp>
+          <p:nvSpPr>
+            <p:cNvPr id="67" name="66 Rectángulo"/>
+            <p:cNvSpPr/>
+            <p:nvPr/>
+          </p:nvSpPr>
+          <p:spPr>
+            <a:xfrm flipH="1">
+              <a:off x="5793472" y="1053152"/>
+              <a:ext cx="71438" cy="381000"/>
+            </a:xfrm>
+            <a:prstGeom prst="rect">
+              <a:avLst/>
+            </a:prstGeom>
+            <a:solidFill>
+              <a:schemeClr val="tx2">
+                <a:lumMod val="60000"/>
+                <a:lumOff val="40000"/>
+              </a:schemeClr>
+            </a:solidFill>
+          </p:spPr>
+          <p:style>
+            <a:lnRef idx="2">
+              <a:schemeClr val="accent1">
+                <a:shade val="50000"/>
+              </a:schemeClr>
+            </a:lnRef>
+            <a:fillRef idx="1">
+              <a:schemeClr val="accent1"/>
+            </a:fillRef>
+            <a:effectRef idx="0">
+              <a:schemeClr val="accent1"/>
+            </a:effectRef>
+            <a:fontRef idx="minor">
+              <a:schemeClr val="lt1"/>
+            </a:fontRef>
+          </p:style>
+          <p:txBody>
+            <a:bodyPr rtlCol="0" anchor="ctr"/>
+            <a:lstStyle/>
+            <a:p>
+              <a:pPr algn="ctr"/>
+              <a:endParaRPr lang="en-US"/>
+            </a:p>
+          </p:txBody>
+        </p:sp>
+        <p:sp>
+          <p:nvSpPr>
+            <p:cNvPr id="68" name="67 Rectángulo"/>
+            <p:cNvSpPr/>
+            <p:nvPr/>
+          </p:nvSpPr>
+          <p:spPr>
+            <a:xfrm flipH="1">
+              <a:off x="5883320" y="1053152"/>
+              <a:ext cx="71438" cy="381000"/>
+            </a:xfrm>
+            <a:prstGeom prst="rect">
+              <a:avLst/>
+            </a:prstGeom>
+            <a:solidFill>
+              <a:schemeClr val="tx2">
+                <a:lumMod val="60000"/>
+                <a:lumOff val="40000"/>
+              </a:schemeClr>
+            </a:solidFill>
+          </p:spPr>
+          <p:style>
+            <a:lnRef idx="2">
+              <a:schemeClr val="accent1">
+                <a:shade val="50000"/>
+              </a:schemeClr>
+            </a:lnRef>
+            <a:fillRef idx="1">
+              <a:schemeClr val="accent1"/>
+            </a:fillRef>
+            <a:effectRef idx="0">
+              <a:schemeClr val="accent1"/>
+            </a:effectRef>
+            <a:fontRef idx="minor">
+              <a:schemeClr val="lt1"/>
+            </a:fontRef>
+          </p:style>
+          <p:txBody>
+            <a:bodyPr rtlCol="0" anchor="ctr"/>
+            <a:lstStyle/>
+            <a:p>
+              <a:pPr algn="ctr"/>
+              <a:endParaRPr lang="en-US"/>
+            </a:p>
+          </p:txBody>
+        </p:sp>
+      </p:grpSp>
+      <p:grpSp>
+        <p:nvGrpSpPr>
+          <p:cNvPr id="15" name="71 Grupo"/>
+          <p:cNvGrpSpPr/>
+          <p:nvPr/>
+        </p:nvGrpSpPr>
+        <p:grpSpPr>
+          <a:xfrm>
+            <a:off x="4572000" y="1905001"/>
+            <a:ext cx="1524000" cy="501805"/>
+            <a:chOff x="1752600" y="1905000"/>
+            <a:chExt cx="1143000" cy="501805"/>
+          </a:xfrm>
+        </p:grpSpPr>
+        <p:sp>
+          <p:nvSpPr>
+            <p:cNvPr id="73" name="72 Rectángulo"/>
+            <p:cNvSpPr/>
+            <p:nvPr/>
+          </p:nvSpPr>
+          <p:spPr>
+            <a:xfrm flipH="1">
+              <a:off x="1752600" y="1905000"/>
+              <a:ext cx="1143000" cy="501805"/>
+            </a:xfrm>
+            <a:prstGeom prst="rect">
+              <a:avLst/>
+            </a:prstGeom>
+            <a:solidFill>
+              <a:schemeClr val="accent3">
+                <a:lumMod val="40000"/>
+                <a:lumOff val="60000"/>
+              </a:schemeClr>
+            </a:solidFill>
+            <a:ln>
+              <a:solidFill>
+                <a:schemeClr val="tx2"/>
+              </a:solidFill>
+            </a:ln>
+          </p:spPr>
+          <p:style>
+            <a:lnRef idx="2">
+              <a:schemeClr val="accent6"/>
+            </a:lnRef>
+            <a:fillRef idx="1">
+              <a:schemeClr val="lt1"/>
+            </a:fillRef>
+            <a:effectRef idx="0">
+              <a:schemeClr val="accent6"/>
+            </a:effectRef>
+            <a:fontRef idx="minor">
+              <a:schemeClr val="dk1"/>
+            </a:fontRef>
+          </p:style>
+          <p:txBody>
+            <a:bodyPr rtlCol="0" anchor="ctr"/>
+            <a:lstStyle/>
+            <a:p>
+              <a:pPr algn="ctr"/>
+              <a:endParaRPr lang="en-US"/>
+            </a:p>
+          </p:txBody>
+        </p:sp>
+        <p:sp>
+          <p:nvSpPr>
+            <p:cNvPr id="74" name="73 Rectángulo"/>
+            <p:cNvSpPr/>
+            <p:nvPr/>
+          </p:nvSpPr>
+          <p:spPr>
+            <a:xfrm flipH="1">
+              <a:off x="1752600" y="2043752"/>
+              <a:ext cx="68580" cy="228600"/>
+            </a:xfrm>
+            <a:prstGeom prst="rect">
+              <a:avLst/>
+            </a:prstGeom>
+            <a:solidFill>
+              <a:schemeClr val="accent3">
+                <a:lumMod val="60000"/>
+                <a:lumOff val="40000"/>
+              </a:schemeClr>
+            </a:solidFill>
+          </p:spPr>
+          <p:style>
+            <a:lnRef idx="2">
+              <a:schemeClr val="accent1">
+                <a:shade val="50000"/>
+              </a:schemeClr>
+            </a:lnRef>
+            <a:fillRef idx="1">
+              <a:schemeClr val="accent1"/>
+            </a:fillRef>
+            <a:effectRef idx="0">
+              <a:schemeClr val="accent1"/>
+            </a:effectRef>
+            <a:fontRef idx="minor">
+              <a:schemeClr val="lt1"/>
+            </a:fontRef>
+          </p:style>
+          <p:txBody>
+            <a:bodyPr rtlCol="0" anchor="ctr"/>
+            <a:lstStyle/>
+            <a:p>
+              <a:pPr algn="ctr"/>
+              <a:endParaRPr lang="en-US"/>
+            </a:p>
+          </p:txBody>
+        </p:sp>
+        <p:sp>
+          <p:nvSpPr>
+            <p:cNvPr id="75" name="74 Rectángulo"/>
+            <p:cNvSpPr/>
+            <p:nvPr/>
+          </p:nvSpPr>
+          <p:spPr>
+            <a:xfrm flipH="1">
+              <a:off x="2038064" y="1959592"/>
+              <a:ext cx="71438" cy="381000"/>
+            </a:xfrm>
+            <a:prstGeom prst="rect">
+              <a:avLst/>
+            </a:prstGeom>
+            <a:solidFill>
+              <a:schemeClr val="accent3">
+                <a:lumMod val="60000"/>
+                <a:lumOff val="40000"/>
+              </a:schemeClr>
+            </a:solidFill>
+          </p:spPr>
+          <p:style>
+            <a:lnRef idx="2">
+              <a:schemeClr val="accent1">
+                <a:shade val="50000"/>
+              </a:schemeClr>
+            </a:lnRef>
+            <a:fillRef idx="1">
+              <a:schemeClr val="accent1"/>
+            </a:fillRef>
+            <a:effectRef idx="0">
+              <a:schemeClr val="accent1"/>
+            </a:effectRef>
+            <a:fontRef idx="minor">
+              <a:schemeClr val="lt1"/>
+            </a:fontRef>
+          </p:style>
+          <p:txBody>
+            <a:bodyPr rtlCol="0" anchor="ctr"/>
+            <a:lstStyle/>
+            <a:p>
+              <a:pPr algn="ctr"/>
+              <a:endParaRPr lang="en-US"/>
+            </a:p>
+          </p:txBody>
+        </p:sp>
+        <p:sp>
+          <p:nvSpPr>
+            <p:cNvPr id="76" name="75 Rectángulo"/>
+            <p:cNvSpPr/>
+            <p:nvPr/>
+          </p:nvSpPr>
+          <p:spPr>
+            <a:xfrm flipH="1">
+              <a:off x="2141560" y="1959592"/>
+              <a:ext cx="71438" cy="381000"/>
+            </a:xfrm>
+            <a:prstGeom prst="rect">
+              <a:avLst/>
+            </a:prstGeom>
+            <a:solidFill>
+              <a:schemeClr val="accent3">
+                <a:lumMod val="60000"/>
+                <a:lumOff val="40000"/>
+              </a:schemeClr>
+            </a:solidFill>
+          </p:spPr>
+          <p:style>
+            <a:lnRef idx="2">
+              <a:schemeClr val="accent1">
+                <a:shade val="50000"/>
+              </a:schemeClr>
+            </a:lnRef>
+            <a:fillRef idx="1">
+              <a:schemeClr val="accent1"/>
+            </a:fillRef>
+            <a:effectRef idx="0">
+              <a:schemeClr val="accent1"/>
+            </a:effectRef>
+            <a:fontRef idx="minor">
+              <a:schemeClr val="lt1"/>
+            </a:fontRef>
+          </p:style>
+          <p:txBody>
+            <a:bodyPr rtlCol="0" anchor="ctr"/>
+            <a:lstStyle/>
+            <a:p>
+              <a:pPr algn="ctr"/>
+              <a:endParaRPr lang="en-US"/>
+            </a:p>
+          </p:txBody>
+        </p:sp>
+        <p:sp>
+          <p:nvSpPr>
+            <p:cNvPr id="77" name="76 Rectángulo"/>
+            <p:cNvSpPr/>
+            <p:nvPr/>
+          </p:nvSpPr>
+          <p:spPr>
+            <a:xfrm flipH="1">
+              <a:off x="2239368" y="1967552"/>
+              <a:ext cx="71438" cy="381000"/>
+            </a:xfrm>
+            <a:prstGeom prst="rect">
+              <a:avLst/>
+            </a:prstGeom>
+            <a:solidFill>
+              <a:schemeClr val="accent3">
+                <a:lumMod val="60000"/>
+                <a:lumOff val="40000"/>
+              </a:schemeClr>
+            </a:solidFill>
+          </p:spPr>
+          <p:style>
+            <a:lnRef idx="2">
+              <a:schemeClr val="accent1">
+                <a:shade val="50000"/>
+              </a:schemeClr>
+            </a:lnRef>
+            <a:fillRef idx="1">
+              <a:schemeClr val="accent1"/>
+            </a:fillRef>
+            <a:effectRef idx="0">
+              <a:schemeClr val="accent1"/>
+            </a:effectRef>
+            <a:fontRef idx="minor">
+              <a:schemeClr val="lt1"/>
+            </a:fontRef>
+          </p:style>
+          <p:txBody>
+            <a:bodyPr rtlCol="0" anchor="ctr"/>
+            <a:lstStyle/>
+            <a:p>
+              <a:pPr algn="ctr"/>
+              <a:endParaRPr lang="en-US"/>
+            </a:p>
+          </p:txBody>
+        </p:sp>
+        <p:sp>
+          <p:nvSpPr>
+            <p:cNvPr id="78" name="77 Rectángulo"/>
+            <p:cNvSpPr/>
+            <p:nvPr/>
+          </p:nvSpPr>
+          <p:spPr>
+            <a:xfrm flipH="1">
+              <a:off x="2329216" y="1967552"/>
+              <a:ext cx="71438" cy="381000"/>
+            </a:xfrm>
+            <a:prstGeom prst="rect">
+              <a:avLst/>
+            </a:prstGeom>
+            <a:solidFill>
+              <a:schemeClr val="accent3">
+                <a:lumMod val="60000"/>
+                <a:lumOff val="40000"/>
+              </a:schemeClr>
+            </a:solidFill>
+          </p:spPr>
+          <p:style>
+            <a:lnRef idx="2">
+              <a:schemeClr val="accent1">
+                <a:shade val="50000"/>
+              </a:schemeClr>
+            </a:lnRef>
+            <a:fillRef idx="1">
+              <a:schemeClr val="accent1"/>
+            </a:fillRef>
+            <a:effectRef idx="0">
+              <a:schemeClr val="accent1"/>
+            </a:effectRef>
+            <a:fontRef idx="minor">
+              <a:schemeClr val="lt1"/>
+            </a:fontRef>
+          </p:style>
+          <p:txBody>
+            <a:bodyPr rtlCol="0" anchor="ctr"/>
+            <a:lstStyle/>
+            <a:p>
+              <a:pPr algn="ctr"/>
+              <a:endParaRPr lang="en-US"/>
+            </a:p>
+          </p:txBody>
+        </p:sp>
+        <p:sp>
+          <p:nvSpPr>
+            <p:cNvPr id="79" name="78 Rectángulo"/>
+            <p:cNvSpPr/>
+            <p:nvPr/>
+          </p:nvSpPr>
+          <p:spPr>
+            <a:xfrm flipH="1">
+              <a:off x="2419064" y="1967552"/>
+              <a:ext cx="71438" cy="381000"/>
+            </a:xfrm>
+            <a:prstGeom prst="rect">
+              <a:avLst/>
+            </a:prstGeom>
+            <a:solidFill>
+              <a:schemeClr val="accent3">
+                <a:lumMod val="60000"/>
+                <a:lumOff val="40000"/>
+              </a:schemeClr>
+            </a:solidFill>
+          </p:spPr>
+          <p:style>
+            <a:lnRef idx="2">
+              <a:schemeClr val="accent1">
+                <a:shade val="50000"/>
+              </a:schemeClr>
+            </a:lnRef>
+            <a:fillRef idx="1">
+              <a:schemeClr val="accent1"/>
+            </a:fillRef>
+            <a:effectRef idx="0">
+              <a:schemeClr val="accent1"/>
+            </a:effectRef>
+            <a:fontRef idx="minor">
+              <a:schemeClr val="lt1"/>
+            </a:fontRef>
+          </p:style>
+          <p:txBody>
+            <a:bodyPr rtlCol="0" anchor="ctr"/>
+            <a:lstStyle/>
+            <a:p>
+              <a:pPr algn="ctr"/>
+              <a:endParaRPr lang="en-US"/>
+            </a:p>
+          </p:txBody>
+        </p:sp>
+        <p:sp>
+          <p:nvSpPr>
+            <p:cNvPr id="80" name="79 Rectángulo"/>
+            <p:cNvSpPr/>
+            <p:nvPr/>
+          </p:nvSpPr>
+          <p:spPr>
+            <a:xfrm flipH="1">
+              <a:off x="2516872" y="1967552"/>
+              <a:ext cx="71438" cy="381000"/>
+            </a:xfrm>
+            <a:prstGeom prst="rect">
+              <a:avLst/>
+            </a:prstGeom>
+            <a:solidFill>
+              <a:schemeClr val="accent3">
+                <a:lumMod val="60000"/>
+                <a:lumOff val="40000"/>
+              </a:schemeClr>
+            </a:solidFill>
+          </p:spPr>
+          <p:style>
+            <a:lnRef idx="2">
+              <a:schemeClr val="accent1">
+                <a:shade val="50000"/>
+              </a:schemeClr>
+            </a:lnRef>
+            <a:fillRef idx="1">
+              <a:schemeClr val="accent1"/>
+            </a:fillRef>
+            <a:effectRef idx="0">
+              <a:schemeClr val="accent1"/>
+            </a:effectRef>
+            <a:fontRef idx="minor">
+              <a:schemeClr val="lt1"/>
+            </a:fontRef>
+          </p:style>
+          <p:txBody>
+            <a:bodyPr rtlCol="0" anchor="ctr"/>
+            <a:lstStyle/>
+            <a:p>
+              <a:pPr algn="ctr"/>
+              <a:endParaRPr lang="en-US"/>
+            </a:p>
+          </p:txBody>
+        </p:sp>
+        <p:sp>
+          <p:nvSpPr>
+            <p:cNvPr id="81" name="80 Rectángulo"/>
+            <p:cNvSpPr/>
+            <p:nvPr/>
+          </p:nvSpPr>
+          <p:spPr>
+            <a:xfrm flipH="1">
+              <a:off x="2620368" y="1967552"/>
+              <a:ext cx="71438" cy="381000"/>
+            </a:xfrm>
+            <a:prstGeom prst="rect">
+              <a:avLst/>
+            </a:prstGeom>
+            <a:solidFill>
+              <a:schemeClr val="accent3">
+                <a:lumMod val="60000"/>
+                <a:lumOff val="40000"/>
+              </a:schemeClr>
+            </a:solidFill>
+          </p:spPr>
+          <p:style>
+            <a:lnRef idx="2">
+              <a:schemeClr val="accent1">
+                <a:shade val="50000"/>
+              </a:schemeClr>
+            </a:lnRef>
+            <a:fillRef idx="1">
+              <a:schemeClr val="accent1"/>
+            </a:fillRef>
+            <a:effectRef idx="0">
+              <a:schemeClr val="accent1"/>
+            </a:effectRef>
+            <a:fontRef idx="minor">
+              <a:schemeClr val="lt1"/>
+            </a:fontRef>
+          </p:style>
+          <p:txBody>
+            <a:bodyPr rtlCol="0" anchor="ctr"/>
+            <a:lstStyle/>
+            <a:p>
+              <a:pPr algn="ctr"/>
+              <a:endParaRPr lang="en-US"/>
+            </a:p>
+          </p:txBody>
+        </p:sp>
+      </p:grpSp>
+      <p:grpSp>
+        <p:nvGrpSpPr>
+          <p:cNvPr id="16" name="81 Grupo"/>
+          <p:cNvGrpSpPr/>
+          <p:nvPr/>
+        </p:nvGrpSpPr>
+        <p:grpSpPr>
+          <a:xfrm>
+            <a:off x="6705600" y="1905001"/>
+            <a:ext cx="1524000" cy="501805"/>
+            <a:chOff x="1752600" y="1905000"/>
+            <a:chExt cx="1143000" cy="501805"/>
+          </a:xfrm>
+        </p:grpSpPr>
+        <p:sp>
+          <p:nvSpPr>
+            <p:cNvPr id="83" name="82 Rectángulo"/>
+            <p:cNvSpPr/>
+            <p:nvPr/>
+          </p:nvSpPr>
+          <p:spPr>
+            <a:xfrm flipH="1">
+              <a:off x="1752600" y="1905000"/>
+              <a:ext cx="1143000" cy="501805"/>
+            </a:xfrm>
+            <a:prstGeom prst="rect">
+              <a:avLst/>
+            </a:prstGeom>
+            <a:solidFill>
+              <a:schemeClr val="accent3">
+                <a:lumMod val="40000"/>
+                <a:lumOff val="60000"/>
+              </a:schemeClr>
+            </a:solidFill>
+            <a:ln>
+              <a:solidFill>
+                <a:schemeClr val="tx2"/>
+              </a:solidFill>
+            </a:ln>
+          </p:spPr>
+          <p:style>
+            <a:lnRef idx="2">
+              <a:schemeClr val="accent6"/>
+            </a:lnRef>
+            <a:fillRef idx="1">
+              <a:schemeClr val="lt1"/>
+            </a:fillRef>
+            <a:effectRef idx="0">
+              <a:schemeClr val="accent6"/>
+            </a:effectRef>
+            <a:fontRef idx="minor">
+              <a:schemeClr val="dk1"/>
+            </a:fontRef>
+          </p:style>
+          <p:txBody>
+            <a:bodyPr rtlCol="0" anchor="ctr"/>
+            <a:lstStyle/>
+            <a:p>
+              <a:pPr algn="ctr"/>
+              <a:endParaRPr lang="en-US"/>
+            </a:p>
+          </p:txBody>
+        </p:sp>
+        <p:sp>
+          <p:nvSpPr>
+            <p:cNvPr id="84" name="83 Rectángulo"/>
+            <p:cNvSpPr/>
+            <p:nvPr/>
+          </p:nvSpPr>
+          <p:spPr>
+            <a:xfrm flipH="1">
+              <a:off x="1752600" y="2043752"/>
+              <a:ext cx="68580" cy="228600"/>
+            </a:xfrm>
+            <a:prstGeom prst="rect">
+              <a:avLst/>
+            </a:prstGeom>
+            <a:solidFill>
+              <a:schemeClr val="accent3">
+                <a:lumMod val="60000"/>
+                <a:lumOff val="40000"/>
+              </a:schemeClr>
+            </a:solidFill>
+          </p:spPr>
+          <p:style>
+            <a:lnRef idx="2">
+              <a:schemeClr val="accent1">
+                <a:shade val="50000"/>
+              </a:schemeClr>
+            </a:lnRef>
+            <a:fillRef idx="1">
+              <a:schemeClr val="accent1"/>
+            </a:fillRef>
+            <a:effectRef idx="0">
+              <a:schemeClr val="accent1"/>
+            </a:effectRef>
+            <a:fontRef idx="minor">
+              <a:schemeClr val="lt1"/>
+            </a:fontRef>
+          </p:style>
+          <p:txBody>
+            <a:bodyPr rtlCol="0" anchor="ctr"/>
+            <a:lstStyle/>
+            <a:p>
+              <a:pPr algn="ctr"/>
+              <a:endParaRPr lang="en-US"/>
+            </a:p>
+          </p:txBody>
+        </p:sp>
+        <p:sp>
+          <p:nvSpPr>
+            <p:cNvPr id="85" name="84 Rectángulo"/>
+            <p:cNvSpPr/>
+            <p:nvPr/>
+          </p:nvSpPr>
+          <p:spPr>
+            <a:xfrm flipH="1">
+              <a:off x="2038064" y="1959592"/>
+              <a:ext cx="71438" cy="381000"/>
+            </a:xfrm>
+            <a:prstGeom prst="rect">
+              <a:avLst/>
+            </a:prstGeom>
+            <a:solidFill>
+              <a:schemeClr val="accent3">
+                <a:lumMod val="60000"/>
+                <a:lumOff val="40000"/>
+              </a:schemeClr>
+            </a:solidFill>
+          </p:spPr>
+          <p:style>
+            <a:lnRef idx="2">
+              <a:schemeClr val="accent1">
+                <a:shade val="50000"/>
+              </a:schemeClr>
+            </a:lnRef>
+            <a:fillRef idx="1">
+              <a:schemeClr val="accent1"/>
+            </a:fillRef>
+            <a:effectRef idx="0">
+              <a:schemeClr val="accent1"/>
+            </a:effectRef>
+            <a:fontRef idx="minor">
+              <a:schemeClr val="lt1"/>
+            </a:fontRef>
+          </p:style>
+          <p:txBody>
+            <a:bodyPr rtlCol="0" anchor="ctr"/>
+            <a:lstStyle/>
+            <a:p>
+              <a:pPr algn="ctr"/>
+              <a:endParaRPr lang="en-US"/>
+            </a:p>
+          </p:txBody>
+        </p:sp>
+        <p:sp>
+          <p:nvSpPr>
+            <p:cNvPr id="86" name="85 Rectángulo"/>
+            <p:cNvSpPr/>
+            <p:nvPr/>
+          </p:nvSpPr>
+          <p:spPr>
+            <a:xfrm flipH="1">
+              <a:off x="2141560" y="1959592"/>
+              <a:ext cx="71438" cy="381000"/>
+            </a:xfrm>
+            <a:prstGeom prst="rect">
+              <a:avLst/>
+            </a:prstGeom>
+            <a:solidFill>
+              <a:schemeClr val="accent3">
+                <a:lumMod val="60000"/>
+                <a:lumOff val="40000"/>
+              </a:schemeClr>
+            </a:solidFill>
+          </p:spPr>
+          <p:style>
+            <a:lnRef idx="2">
+              <a:schemeClr val="accent1">
+                <a:shade val="50000"/>
+              </a:schemeClr>
+            </a:lnRef>
+            <a:fillRef idx="1">
+              <a:schemeClr val="accent1"/>
+            </a:fillRef>
+            <a:effectRef idx="0">
+              <a:schemeClr val="accent1"/>
+            </a:effectRef>
+            <a:fontRef idx="minor">
+              <a:schemeClr val="lt1"/>
+            </a:fontRef>
+          </p:style>
+          <p:txBody>
+            <a:bodyPr rtlCol="0" anchor="ctr"/>
+            <a:lstStyle/>
+            <a:p>
+              <a:pPr algn="ctr"/>
+              <a:endParaRPr lang="en-US"/>
+            </a:p>
+          </p:txBody>
+        </p:sp>
+        <p:sp>
+          <p:nvSpPr>
+            <p:cNvPr id="87" name="86 Rectángulo"/>
+            <p:cNvSpPr/>
+            <p:nvPr/>
+          </p:nvSpPr>
+          <p:spPr>
+            <a:xfrm flipH="1">
+              <a:off x="2239368" y="1967552"/>
+              <a:ext cx="71438" cy="381000"/>
+            </a:xfrm>
+            <a:prstGeom prst="rect">
+              <a:avLst/>
+            </a:prstGeom>
+            <a:solidFill>
+              <a:schemeClr val="accent3">
+                <a:lumMod val="60000"/>
+                <a:lumOff val="40000"/>
+              </a:schemeClr>
+            </a:solidFill>
+          </p:spPr>
+          <p:style>
+            <a:lnRef idx="2">
+              <a:schemeClr val="accent1">
+                <a:shade val="50000"/>
+              </a:schemeClr>
+            </a:lnRef>
+            <a:fillRef idx="1">
+              <a:schemeClr val="accent1"/>
+            </a:fillRef>
+            <a:effectRef idx="0">
+              <a:schemeClr val="accent1"/>
+            </a:effectRef>
+            <a:fontRef idx="minor">
+              <a:schemeClr val="lt1"/>
+            </a:fontRef>
+          </p:style>
+          <p:txBody>
+            <a:bodyPr rtlCol="0" anchor="ctr"/>
+            <a:lstStyle/>
+            <a:p>
+              <a:pPr algn="ctr"/>
+              <a:endParaRPr lang="en-US"/>
+            </a:p>
+          </p:txBody>
+        </p:sp>
+        <p:sp>
+          <p:nvSpPr>
+            <p:cNvPr id="88" name="87 Rectángulo"/>
+            <p:cNvSpPr/>
+            <p:nvPr/>
+          </p:nvSpPr>
+          <p:spPr>
+            <a:xfrm flipH="1">
+              <a:off x="2329216" y="1967552"/>
+              <a:ext cx="71438" cy="381000"/>
+            </a:xfrm>
+            <a:prstGeom prst="rect">
+              <a:avLst/>
+            </a:prstGeom>
+            <a:solidFill>
+              <a:schemeClr val="accent3">
+                <a:lumMod val="60000"/>
+                <a:lumOff val="40000"/>
+              </a:schemeClr>
+            </a:solidFill>
+          </p:spPr>
+          <p:style>
+            <a:lnRef idx="2">
+              <a:schemeClr val="accent1">
+                <a:shade val="50000"/>
+              </a:schemeClr>
+            </a:lnRef>
+            <a:fillRef idx="1">
+              <a:schemeClr val="accent1"/>
+            </a:fillRef>
+            <a:effectRef idx="0">
+              <a:schemeClr val="accent1"/>
+            </a:effectRef>
+            <a:fontRef idx="minor">
+              <a:schemeClr val="lt1"/>
+            </a:fontRef>
+          </p:style>
+          <p:txBody>
+            <a:bodyPr rtlCol="0" anchor="ctr"/>
+            <a:lstStyle/>
+            <a:p>
+              <a:pPr algn="ctr"/>
+              <a:endParaRPr lang="en-US"/>
+            </a:p>
+          </p:txBody>
+        </p:sp>
+        <p:sp>
+          <p:nvSpPr>
+            <p:cNvPr id="89" name="88 Rectángulo"/>
+            <p:cNvSpPr/>
+            <p:nvPr/>
+          </p:nvSpPr>
+          <p:spPr>
+            <a:xfrm flipH="1">
+              <a:off x="2419064" y="1967552"/>
+              <a:ext cx="71438" cy="381000"/>
+            </a:xfrm>
+            <a:prstGeom prst="rect">
+              <a:avLst/>
+            </a:prstGeom>
+            <a:solidFill>
+              <a:schemeClr val="accent3">
+                <a:lumMod val="60000"/>
+                <a:lumOff val="40000"/>
+              </a:schemeClr>
+            </a:solidFill>
+          </p:spPr>
+          <p:style>
+            <a:lnRef idx="2">
+              <a:schemeClr val="accent1">
+                <a:shade val="50000"/>
+              </a:schemeClr>
+            </a:lnRef>
+            <a:fillRef idx="1">
+              <a:schemeClr val="accent1"/>
+            </a:fillRef>
+            <a:effectRef idx="0">
+              <a:schemeClr val="accent1"/>
+            </a:effectRef>
+            <a:fontRef idx="minor">
+              <a:schemeClr val="lt1"/>
+            </a:fontRef>
+          </p:style>
+          <p:txBody>
+            <a:bodyPr rtlCol="0" anchor="ctr"/>
+            <a:lstStyle/>
+            <a:p>
+              <a:pPr algn="ctr"/>
+              <a:endParaRPr lang="en-US"/>
+            </a:p>
+          </p:txBody>
+        </p:sp>
+        <p:sp>
+          <p:nvSpPr>
+            <p:cNvPr id="90" name="89 Rectángulo"/>
+            <p:cNvSpPr/>
+            <p:nvPr/>
+          </p:nvSpPr>
+          <p:spPr>
+            <a:xfrm flipH="1">
+              <a:off x="2516872" y="1967552"/>
+              <a:ext cx="71438" cy="381000"/>
+            </a:xfrm>
+            <a:prstGeom prst="rect">
+              <a:avLst/>
+            </a:prstGeom>
+            <a:solidFill>
+              <a:schemeClr val="accent3">
+                <a:lumMod val="60000"/>
+                <a:lumOff val="40000"/>
+              </a:schemeClr>
+            </a:solidFill>
+          </p:spPr>
+          <p:style>
+            <a:lnRef idx="2">
+              <a:schemeClr val="accent1">
+                <a:shade val="50000"/>
+              </a:schemeClr>
+            </a:lnRef>
+            <a:fillRef idx="1">
+              <a:schemeClr val="accent1"/>
+            </a:fillRef>
+            <a:effectRef idx="0">
+              <a:schemeClr val="accent1"/>
+            </a:effectRef>
+            <a:fontRef idx="minor">
+              <a:schemeClr val="lt1"/>
+            </a:fontRef>
+          </p:style>
+          <p:txBody>
+            <a:bodyPr rtlCol="0" anchor="ctr"/>
+            <a:lstStyle/>
+            <a:p>
+              <a:pPr algn="ctr"/>
+              <a:endParaRPr lang="en-US"/>
+            </a:p>
+          </p:txBody>
+        </p:sp>
+        <p:sp>
+          <p:nvSpPr>
+            <p:cNvPr id="91" name="90 Rectángulo"/>
+            <p:cNvSpPr/>
+            <p:nvPr/>
+          </p:nvSpPr>
+          <p:spPr>
+            <a:xfrm flipH="1">
+              <a:off x="2620368" y="1967552"/>
+              <a:ext cx="71438" cy="381000"/>
+            </a:xfrm>
+            <a:prstGeom prst="rect">
+              <a:avLst/>
+            </a:prstGeom>
+            <a:solidFill>
+              <a:schemeClr val="accent3">
+                <a:lumMod val="60000"/>
+                <a:lumOff val="40000"/>
+              </a:schemeClr>
+            </a:solidFill>
+          </p:spPr>
+          <p:style>
+            <a:lnRef idx="2">
+              <a:schemeClr val="accent1">
+                <a:shade val="50000"/>
+              </a:schemeClr>
+            </a:lnRef>
+            <a:fillRef idx="1">
+              <a:schemeClr val="accent1"/>
+            </a:fillRef>
+            <a:effectRef idx="0">
+              <a:schemeClr val="accent1"/>
+            </a:effectRef>
+            <a:fontRef idx="minor">
+              <a:schemeClr val="lt1"/>
+            </a:fontRef>
+          </p:style>
+          <p:txBody>
+            <a:bodyPr rtlCol="0" anchor="ctr"/>
+            <a:lstStyle/>
+            <a:p>
+              <a:pPr algn="ctr"/>
+              <a:endParaRPr lang="en-US"/>
+            </a:p>
+          </p:txBody>
+        </p:sp>
+      </p:grpSp>
+      <p:cxnSp>
+        <p:nvCxnSpPr>
+          <p:cNvPr id="92" name="91 Conector recto de flecha"/>
+          <p:cNvCxnSpPr/>
+          <p:nvPr/>
+        </p:nvCxnSpPr>
+        <p:spPr>
+          <a:xfrm flipH="1" flipV="1">
+            <a:off x="3889611" y="2133601"/>
+            <a:ext cx="638411" cy="2149"/>
+          </a:xfrm>
+          <a:prstGeom prst="straightConnector1">
+            <a:avLst/>
+          </a:prstGeom>
+          <a:ln>
+            <a:tailEnd type="arrow"/>
+          </a:ln>
+        </p:spPr>
+        <p:style>
+          <a:lnRef idx="1">
+            <a:schemeClr val="accent1"/>
+          </a:lnRef>
+          <a:fillRef idx="0">
+            <a:schemeClr val="accent1"/>
+          </a:fillRef>
+          <a:effectRef idx="0">
+            <a:schemeClr val="accent1"/>
+          </a:effectRef>
+          <a:fontRef idx="minor">
+            <a:schemeClr val="tx1"/>
+          </a:fontRef>
+        </p:style>
+      </p:cxnSp>
+      <p:cxnSp>
+        <p:nvCxnSpPr>
+          <p:cNvPr id="93" name="92 Conector recto de flecha"/>
+          <p:cNvCxnSpPr/>
+          <p:nvPr/>
+        </p:nvCxnSpPr>
+        <p:spPr>
+          <a:xfrm flipH="1">
+            <a:off x="6096000" y="2133601"/>
+            <a:ext cx="609600" cy="11499"/>
+          </a:xfrm>
+          <a:prstGeom prst="straightConnector1">
+            <a:avLst/>
+          </a:prstGeom>
+          <a:ln>
+            <a:tailEnd type="arrow"/>
+          </a:ln>
+        </p:spPr>
+        <p:style>
+          <a:lnRef idx="1">
+            <a:schemeClr val="accent1"/>
+          </a:lnRef>
+          <a:fillRef idx="0">
+            <a:schemeClr val="accent1"/>
+          </a:fillRef>
+          <a:effectRef idx="0">
+            <a:schemeClr val="accent1"/>
+          </a:effectRef>
+          <a:fontRef idx="minor">
+            <a:schemeClr val="tx1"/>
+          </a:fontRef>
+        </p:style>
+      </p:cxnSp>
+      <p:cxnSp>
+        <p:nvCxnSpPr>
+          <p:cNvPr id="173" name="172 Conector recto de flecha"/>
+          <p:cNvCxnSpPr/>
+          <p:nvPr/>
+        </p:nvCxnSpPr>
+        <p:spPr>
+          <a:xfrm flipH="1" flipV="1">
+            <a:off x="1091219" y="4148479"/>
+            <a:ext cx="638411" cy="2149"/>
+          </a:xfrm>
+          <a:prstGeom prst="straightConnector1">
+            <a:avLst/>
+          </a:prstGeom>
+          <a:ln>
+            <a:tailEnd type="arrow"/>
+          </a:ln>
+        </p:spPr>
+        <p:style>
+          <a:lnRef idx="1">
+            <a:schemeClr val="accent1"/>
+          </a:lnRef>
+          <a:fillRef idx="0">
+            <a:schemeClr val="accent1"/>
+          </a:fillRef>
+          <a:effectRef idx="0">
+            <a:schemeClr val="accent1"/>
+          </a:effectRef>
+          <a:fontRef idx="minor">
+            <a:schemeClr val="tx1"/>
+          </a:fontRef>
+        </p:style>
+      </p:cxnSp>
+      <p:cxnSp>
+        <p:nvCxnSpPr>
+          <p:cNvPr id="174" name="173 Conector recto de flecha"/>
+          <p:cNvCxnSpPr/>
+          <p:nvPr/>
+        </p:nvCxnSpPr>
+        <p:spPr>
+          <a:xfrm flipH="1">
+            <a:off x="3253629" y="4136981"/>
+            <a:ext cx="609600" cy="11499"/>
+          </a:xfrm>
+          <a:prstGeom prst="straightConnector1">
+            <a:avLst/>
+          </a:prstGeom>
+          <a:ln>
+            <a:tailEnd type="arrow"/>
+          </a:ln>
+        </p:spPr>
+        <p:style>
+          <a:lnRef idx="1">
+            <a:schemeClr val="accent1"/>
+          </a:lnRef>
+          <a:fillRef idx="0">
+            <a:schemeClr val="accent1"/>
+          </a:fillRef>
+          <a:effectRef idx="0">
+            <a:schemeClr val="accent1"/>
+          </a:effectRef>
+          <a:fontRef idx="minor">
+            <a:schemeClr val="tx1"/>
+          </a:fontRef>
+        </p:style>
+      </p:cxnSp>
+      <p:cxnSp>
+        <p:nvCxnSpPr>
+          <p:cNvPr id="226" name="225 Conector recto de flecha"/>
+          <p:cNvCxnSpPr/>
+          <p:nvPr/>
+        </p:nvCxnSpPr>
+        <p:spPr>
+          <a:xfrm flipH="1" flipV="1">
+            <a:off x="1047240" y="5029201"/>
+            <a:ext cx="638411" cy="2149"/>
+          </a:xfrm>
+          <a:prstGeom prst="straightConnector1">
+            <a:avLst/>
+          </a:prstGeom>
+          <a:ln>
+            <a:tailEnd type="arrow"/>
+          </a:ln>
+        </p:spPr>
+        <p:style>
+          <a:lnRef idx="1">
+            <a:schemeClr val="accent1"/>
+          </a:lnRef>
+          <a:fillRef idx="0">
+            <a:schemeClr val="accent1"/>
+          </a:fillRef>
+          <a:effectRef idx="0">
+            <a:schemeClr val="accent1"/>
+          </a:effectRef>
+          <a:fontRef idx="minor">
+            <a:schemeClr val="tx1"/>
+          </a:fontRef>
+        </p:style>
+      </p:cxnSp>
+      <p:cxnSp>
+        <p:nvCxnSpPr>
+          <p:cNvPr id="227" name="226 Conector recto de flecha"/>
+          <p:cNvCxnSpPr/>
+          <p:nvPr/>
+        </p:nvCxnSpPr>
+        <p:spPr>
+          <a:xfrm flipH="1">
+            <a:off x="3253629" y="5029201"/>
+            <a:ext cx="609600" cy="11499"/>
+          </a:xfrm>
+          <a:prstGeom prst="straightConnector1">
+            <a:avLst/>
+          </a:prstGeom>
+          <a:ln>
+            <a:tailEnd type="arrow"/>
+          </a:ln>
+        </p:spPr>
+        <p:style>
+          <a:lnRef idx="1">
+            <a:schemeClr val="accent1"/>
+          </a:lnRef>
+          <a:fillRef idx="0">
+            <a:schemeClr val="accent1"/>
+          </a:fillRef>
+          <a:effectRef idx="0">
+            <a:schemeClr val="accent1"/>
+          </a:effectRef>
+          <a:fontRef idx="minor">
+            <a:schemeClr val="tx1"/>
+          </a:fontRef>
+        </p:style>
+      </p:cxnSp>
+      <p:sp>
+        <p:nvSpPr>
+          <p:cNvPr id="229" name="228 Rectángulo"/>
+          <p:cNvSpPr/>
+          <p:nvPr/>
+        </p:nvSpPr>
+        <p:spPr>
+          <a:xfrm flipH="1">
+            <a:off x="6403229" y="4267201"/>
+            <a:ext cx="1524000" cy="501805"/>
+          </a:xfrm>
+          <a:prstGeom prst="rect">
+            <a:avLst/>
+          </a:prstGeom>
+          <a:solidFill>
+            <a:srgbClr val="C3DFDA"/>
+          </a:solidFill>
+          <a:ln>
+            <a:solidFill>
+              <a:schemeClr val="tx2"/>
+            </a:solidFill>
+          </a:ln>
+        </p:spPr>
+        <p:style>
+          <a:lnRef idx="2">
+            <a:schemeClr val="accent6"/>
+          </a:lnRef>
+          <a:fillRef idx="1">
+            <a:schemeClr val="lt1"/>
+          </a:fillRef>
+          <a:effectRef idx="0">
+            <a:schemeClr val="accent6"/>
+          </a:effectRef>
+          <a:fontRef idx="minor">
+            <a:schemeClr val="dk1"/>
+          </a:fontRef>
+        </p:style>
+        <p:txBody>
+          <a:bodyPr rtlCol="0" anchor="ctr"/>
+          <a:lstStyle/>
+          <a:p>
+            <a:pPr algn="ctr"/>
+            <a:endParaRPr lang="en-US"/>
+          </a:p>
+        </p:txBody>
+      </p:sp>
+      <p:sp>
+        <p:nvSpPr>
+          <p:cNvPr id="230" name="229 Rectángulo"/>
+          <p:cNvSpPr/>
+          <p:nvPr/>
+        </p:nvSpPr>
+        <p:spPr>
+          <a:xfrm flipH="1">
+            <a:off x="6403229" y="4405952"/>
+            <a:ext cx="101600" cy="89848"/>
+          </a:xfrm>
+          <a:prstGeom prst="rect">
+            <a:avLst/>
+          </a:prstGeom>
+          <a:solidFill>
+            <a:schemeClr val="accent1">
+              <a:lumMod val="60000"/>
+              <a:lumOff val="40000"/>
+            </a:schemeClr>
+          </a:solidFill>
+        </p:spPr>
+        <p:style>
+          <a:lnRef idx="2">
+            <a:schemeClr val="accent1">
+              <a:shade val="50000"/>
+            </a:schemeClr>
+          </a:lnRef>
+          <a:fillRef idx="1">
+            <a:schemeClr val="accent1"/>
+          </a:fillRef>
+          <a:effectRef idx="0">
+            <a:schemeClr val="accent1"/>
+          </a:effectRef>
+          <a:fontRef idx="minor">
+            <a:schemeClr val="lt1"/>
+          </a:fontRef>
+        </p:style>
+        <p:txBody>
+          <a:bodyPr rtlCol="0" anchor="ctr"/>
+          <a:lstStyle/>
+          <a:p>
+            <a:pPr algn="ctr"/>
+            <a:endParaRPr lang="en-US"/>
+          </a:p>
+        </p:txBody>
+      </p:sp>
+      <p:sp>
+        <p:nvSpPr>
+          <p:cNvPr id="231" name="230 Rectángulo"/>
+          <p:cNvSpPr/>
+          <p:nvPr/>
+        </p:nvSpPr>
+        <p:spPr>
+          <a:xfrm flipH="1">
+            <a:off x="6783848" y="4335440"/>
+            <a:ext cx="127381" cy="174008"/>
+          </a:xfrm>
+          <a:prstGeom prst="rect">
+            <a:avLst/>
+          </a:prstGeom>
+          <a:solidFill>
+            <a:schemeClr val="accent1">
+              <a:lumMod val="60000"/>
+              <a:lumOff val="40000"/>
+            </a:schemeClr>
+          </a:solidFill>
+        </p:spPr>
+        <p:style>
+          <a:lnRef idx="2">
+            <a:schemeClr val="accent1">
+              <a:shade val="50000"/>
+            </a:schemeClr>
+          </a:lnRef>
+          <a:fillRef idx="1">
+            <a:schemeClr val="accent1"/>
+          </a:fillRef>
+          <a:effectRef idx="0">
+            <a:schemeClr val="accent1"/>
+          </a:effectRef>
+          <a:fontRef idx="minor">
+            <a:schemeClr val="lt1"/>
+          </a:fontRef>
+        </p:style>
+        <p:txBody>
+          <a:bodyPr rtlCol="0" anchor="ctr"/>
+          <a:lstStyle/>
+          <a:p>
+            <a:pPr algn="ctr"/>
+            <a:endParaRPr lang="en-US"/>
+          </a:p>
+        </p:txBody>
+      </p:sp>
+      <p:sp>
+        <p:nvSpPr>
+          <p:cNvPr id="232" name="231 Rectángulo"/>
+          <p:cNvSpPr/>
+          <p:nvPr/>
+        </p:nvSpPr>
+        <p:spPr>
+          <a:xfrm flipH="1">
+            <a:off x="6903645" y="4321792"/>
+            <a:ext cx="95251" cy="381000"/>
+          </a:xfrm>
+          <a:prstGeom prst="rect">
+            <a:avLst/>
+          </a:prstGeom>
+          <a:solidFill>
+            <a:schemeClr val="accent1">
+              <a:lumMod val="60000"/>
+              <a:lumOff val="40000"/>
+            </a:schemeClr>
+          </a:solidFill>
+        </p:spPr>
+        <p:style>
+          <a:lnRef idx="2">
+            <a:schemeClr val="accent1">
+              <a:shade val="50000"/>
+            </a:schemeClr>
+          </a:lnRef>
+          <a:fillRef idx="1">
+            <a:schemeClr val="accent1"/>
+          </a:fillRef>
+          <a:effectRef idx="0">
+            <a:schemeClr val="accent1"/>
+          </a:effectRef>
+          <a:fontRef idx="minor">
+            <a:schemeClr val="lt1"/>
+          </a:fontRef>
+        </p:style>
+        <p:txBody>
+          <a:bodyPr rtlCol="0" anchor="ctr"/>
+          <a:lstStyle/>
+          <a:p>
+            <a:pPr algn="ctr"/>
+            <a:endParaRPr lang="en-US"/>
+          </a:p>
+        </p:txBody>
+      </p:sp>
+      <p:sp>
+        <p:nvSpPr>
+          <p:cNvPr id="234" name="233 Rectángulo"/>
+          <p:cNvSpPr/>
+          <p:nvPr/>
+        </p:nvSpPr>
+        <p:spPr>
+          <a:xfrm flipH="1">
+            <a:off x="7153853" y="4329752"/>
+            <a:ext cx="163776" cy="381000"/>
+          </a:xfrm>
+          <a:prstGeom prst="rect">
+            <a:avLst/>
+          </a:prstGeom>
+          <a:solidFill>
+            <a:schemeClr val="accent3">
+              <a:lumMod val="60000"/>
+              <a:lumOff val="40000"/>
+            </a:schemeClr>
+          </a:solidFill>
+        </p:spPr>
+        <p:style>
+          <a:lnRef idx="2">
+            <a:schemeClr val="accent1">
+              <a:shade val="50000"/>
+            </a:schemeClr>
+          </a:lnRef>
+          <a:fillRef idx="1">
+            <a:schemeClr val="accent1"/>
+          </a:fillRef>
+          <a:effectRef idx="0">
+            <a:schemeClr val="accent1"/>
+          </a:effectRef>
+          <a:fontRef idx="minor">
+            <a:schemeClr val="lt1"/>
+          </a:fontRef>
+        </p:style>
+        <p:txBody>
+          <a:bodyPr rtlCol="0" anchor="ctr"/>
+          <a:lstStyle/>
+          <a:p>
+            <a:pPr algn="ctr"/>
+            <a:endParaRPr lang="en-US"/>
+          </a:p>
+        </p:txBody>
+      </p:sp>
+      <p:sp>
+        <p:nvSpPr>
+          <p:cNvPr id="235" name="234 Rectángulo"/>
+          <p:cNvSpPr/>
+          <p:nvPr/>
+        </p:nvSpPr>
+        <p:spPr>
+          <a:xfrm flipH="1">
+            <a:off x="7291848" y="4329752"/>
+            <a:ext cx="95251" cy="381000"/>
+          </a:xfrm>
+          <a:prstGeom prst="rect">
+            <a:avLst/>
+          </a:prstGeom>
+          <a:solidFill>
+            <a:schemeClr val="accent6">
+              <a:lumMod val="60000"/>
+              <a:lumOff val="40000"/>
+            </a:schemeClr>
+          </a:solidFill>
+        </p:spPr>
+        <p:style>
+          <a:lnRef idx="2">
+            <a:schemeClr val="accent1">
+              <a:shade val="50000"/>
+            </a:schemeClr>
+          </a:lnRef>
+          <a:fillRef idx="1">
+            <a:schemeClr val="accent1"/>
+          </a:fillRef>
+          <a:effectRef idx="0">
+            <a:schemeClr val="accent1"/>
+          </a:effectRef>
+          <a:fontRef idx="minor">
+            <a:schemeClr val="lt1"/>
+          </a:fontRef>
+        </p:style>
+        <p:txBody>
+          <a:bodyPr rtlCol="0" anchor="ctr"/>
+          <a:lstStyle/>
+          <a:p>
+            <a:pPr algn="ctr"/>
+            <a:endParaRPr lang="en-US"/>
+          </a:p>
+        </p:txBody>
+      </p:sp>
+      <p:sp>
+        <p:nvSpPr>
+          <p:cNvPr id="237" name="236 Rectángulo"/>
+          <p:cNvSpPr/>
+          <p:nvPr/>
+        </p:nvSpPr>
+        <p:spPr>
+          <a:xfrm flipH="1">
+            <a:off x="7557224" y="4329752"/>
+            <a:ext cx="101600" cy="381000"/>
+          </a:xfrm>
+          <a:prstGeom prst="rect">
+            <a:avLst/>
+          </a:prstGeom>
+          <a:solidFill>
+            <a:schemeClr val="accent6">
+              <a:lumMod val="60000"/>
+              <a:lumOff val="40000"/>
+            </a:schemeClr>
+          </a:solidFill>
+        </p:spPr>
+        <p:style>
+          <a:lnRef idx="2">
+            <a:schemeClr val="accent1">
+              <a:shade val="50000"/>
+            </a:schemeClr>
+          </a:lnRef>
+          <a:fillRef idx="1">
+            <a:schemeClr val="accent1"/>
+          </a:fillRef>
+          <a:effectRef idx="0">
+            <a:schemeClr val="accent1"/>
+          </a:effectRef>
+          <a:fontRef idx="minor">
+            <a:schemeClr val="lt1"/>
+          </a:fontRef>
+        </p:style>
+        <p:txBody>
+          <a:bodyPr rtlCol="0" anchor="ctr"/>
+          <a:lstStyle/>
+          <a:p>
+            <a:pPr algn="ctr"/>
+            <a:endParaRPr lang="en-US"/>
+          </a:p>
+        </p:txBody>
+      </p:sp>
+      <p:sp>
+        <p:nvSpPr>
+          <p:cNvPr id="238" name="237 Rectángulo"/>
+          <p:cNvSpPr/>
+          <p:nvPr/>
+        </p:nvSpPr>
+        <p:spPr>
+          <a:xfrm flipH="1">
+            <a:off x="6403229" y="4572000"/>
+            <a:ext cx="101600" cy="89848"/>
+          </a:xfrm>
+          <a:prstGeom prst="rect">
+            <a:avLst/>
+          </a:prstGeom>
+          <a:solidFill>
+            <a:schemeClr val="accent6">
+              <a:lumMod val="60000"/>
+              <a:lumOff val="40000"/>
+            </a:schemeClr>
+          </a:solidFill>
+        </p:spPr>
+        <p:style>
+          <a:lnRef idx="2">
+            <a:schemeClr val="accent1">
+              <a:shade val="50000"/>
+            </a:schemeClr>
+          </a:lnRef>
+          <a:fillRef idx="1">
+            <a:schemeClr val="accent1"/>
+          </a:fillRef>
+          <a:effectRef idx="0">
+            <a:schemeClr val="accent1"/>
+          </a:effectRef>
+          <a:fontRef idx="minor">
+            <a:schemeClr val="lt1"/>
+          </a:fontRef>
+        </p:style>
+        <p:txBody>
+          <a:bodyPr rtlCol="0" anchor="ctr"/>
+          <a:lstStyle/>
+          <a:p>
+            <a:pPr algn="ctr"/>
+            <a:endParaRPr lang="en-US"/>
+          </a:p>
+        </p:txBody>
+      </p:sp>
+      <p:cxnSp>
+        <p:nvCxnSpPr>
+          <p:cNvPr id="240" name="239 Conector recto de flecha"/>
+          <p:cNvCxnSpPr>
+            <a:stCxn id="230" idx="3"/>
+          </p:cNvCxnSpPr>
+          <p:nvPr/>
+        </p:nvCxnSpPr>
+        <p:spPr>
+          <a:xfrm flipH="1" flipV="1">
+            <a:off x="5387229" y="4137104"/>
+            <a:ext cx="1016000" cy="313773"/>
+          </a:xfrm>
+          <a:prstGeom prst="straightConnector1">
+            <a:avLst/>
+          </a:prstGeom>
+          <a:ln>
+            <a:tailEnd type="arrow"/>
+          </a:ln>
+        </p:spPr>
+        <p:style>
+          <a:lnRef idx="1">
+            <a:schemeClr val="accent1"/>
+          </a:lnRef>
+          <a:fillRef idx="0">
+            <a:schemeClr val="accent1"/>
+          </a:fillRef>
+          <a:effectRef idx="0">
+            <a:schemeClr val="accent1"/>
+          </a:effectRef>
+          <a:fontRef idx="minor">
+            <a:schemeClr val="tx1"/>
+          </a:fontRef>
+        </p:style>
+      </p:cxnSp>
+      <p:cxnSp>
+        <p:nvCxnSpPr>
+          <p:cNvPr id="242" name="241 Conector recto de flecha"/>
+          <p:cNvCxnSpPr>
+            <a:stCxn id="238" idx="3"/>
+          </p:cNvCxnSpPr>
+          <p:nvPr/>
+        </p:nvCxnSpPr>
+        <p:spPr>
+          <a:xfrm flipH="1">
+            <a:off x="5387229" y="4616925"/>
+            <a:ext cx="1016000" cy="434579"/>
+          </a:xfrm>
+          <a:prstGeom prst="straightConnector1">
+            <a:avLst/>
+          </a:prstGeom>
+          <a:ln>
+            <a:tailEnd type="arrow"/>
+          </a:ln>
+        </p:spPr>
+        <p:style>
+          <a:lnRef idx="1">
+            <a:schemeClr val="accent1"/>
+          </a:lnRef>
+          <a:fillRef idx="0">
+            <a:schemeClr val="accent1"/>
+          </a:fillRef>
+          <a:effectRef idx="0">
+            <a:schemeClr val="accent1"/>
+          </a:effectRef>
+          <a:fontRef idx="minor">
+            <a:schemeClr val="tx1"/>
+          </a:fontRef>
+        </p:style>
+      </p:cxnSp>
+      <p:sp>
+        <p:nvSpPr>
+          <p:cNvPr id="243" name="242 Rectángulo"/>
+          <p:cNvSpPr/>
+          <p:nvPr/>
+        </p:nvSpPr>
+        <p:spPr>
+          <a:xfrm flipH="1">
+            <a:off x="6773235" y="4523096"/>
+            <a:ext cx="127381" cy="174008"/>
+          </a:xfrm>
+          <a:prstGeom prst="rect">
+            <a:avLst/>
+          </a:prstGeom>
+          <a:solidFill>
+            <a:schemeClr val="accent6">
+              <a:lumMod val="60000"/>
+              <a:lumOff val="40000"/>
+            </a:schemeClr>
+          </a:solidFill>
+        </p:spPr>
+        <p:style>
+          <a:lnRef idx="2">
+            <a:schemeClr val="accent1">
+              <a:shade val="50000"/>
+            </a:schemeClr>
+          </a:lnRef>
+          <a:fillRef idx="1">
+            <a:schemeClr val="accent1"/>
+          </a:fillRef>
+          <a:effectRef idx="0">
+            <a:schemeClr val="accent1"/>
+          </a:effectRef>
+          <a:fontRef idx="minor">
+            <a:schemeClr val="lt1"/>
+          </a:fontRef>
+        </p:style>
+        <p:txBody>
+          <a:bodyPr rtlCol="0" anchor="ctr"/>
+          <a:lstStyle/>
+          <a:p>
+            <a:pPr algn="ctr"/>
+            <a:endParaRPr lang="en-US"/>
+          </a:p>
+        </p:txBody>
+      </p:sp>
+      <p:sp>
+        <p:nvSpPr>
+          <p:cNvPr id="245" name="244 Rectángulo"/>
+          <p:cNvSpPr/>
+          <p:nvPr/>
+        </p:nvSpPr>
+        <p:spPr>
+          <a:xfrm flipH="1">
+            <a:off x="7020414" y="4531056"/>
+            <a:ext cx="127381" cy="174008"/>
+          </a:xfrm>
+          <a:prstGeom prst="rect">
+            <a:avLst/>
+          </a:prstGeom>
+          <a:solidFill>
+            <a:schemeClr val="accent1">
+              <a:lumMod val="60000"/>
+              <a:lumOff val="40000"/>
+            </a:schemeClr>
+          </a:solidFill>
+        </p:spPr>
+        <p:style>
+          <a:lnRef idx="2">
+            <a:schemeClr val="accent1">
+              <a:shade val="50000"/>
+            </a:schemeClr>
+          </a:lnRef>
+          <a:fillRef idx="1">
+            <a:schemeClr val="accent1"/>
+          </a:fillRef>
+          <a:effectRef idx="0">
+            <a:schemeClr val="accent1"/>
+          </a:effectRef>
+          <a:fontRef idx="minor">
+            <a:schemeClr val="lt1"/>
+          </a:fontRef>
+        </p:style>
+        <p:txBody>
+          <a:bodyPr rtlCol="0" anchor="ctr"/>
+          <a:lstStyle/>
+          <a:p>
+            <a:pPr algn="ctr"/>
+            <a:endParaRPr lang="en-US"/>
+          </a:p>
+        </p:txBody>
+      </p:sp>
+      <p:sp>
+        <p:nvSpPr>
+          <p:cNvPr id="244" name="243 Rectángulo"/>
+          <p:cNvSpPr/>
+          <p:nvPr/>
+        </p:nvSpPr>
+        <p:spPr>
+          <a:xfrm flipH="1">
+            <a:off x="7031027" y="4343400"/>
+            <a:ext cx="127381" cy="174008"/>
+          </a:xfrm>
+          <a:prstGeom prst="rect">
+            <a:avLst/>
+          </a:prstGeom>
+          <a:solidFill>
+            <a:schemeClr val="accent6">
+              <a:lumMod val="60000"/>
+              <a:lumOff val="40000"/>
+            </a:schemeClr>
+          </a:solidFill>
+        </p:spPr>
+        <p:style>
+          <a:lnRef idx="2">
+            <a:schemeClr val="accent1">
+              <a:shade val="50000"/>
+            </a:schemeClr>
+          </a:lnRef>
+          <a:fillRef idx="1">
+            <a:schemeClr val="accent1"/>
+          </a:fillRef>
+          <a:effectRef idx="0">
+            <a:schemeClr val="accent1"/>
+          </a:effectRef>
+          <a:fontRef idx="minor">
+            <a:schemeClr val="lt1"/>
+          </a:fontRef>
+        </p:style>
+        <p:txBody>
+          <a:bodyPr rtlCol="0" anchor="ctr"/>
+          <a:lstStyle/>
+          <a:p>
+            <a:pPr algn="ctr"/>
+            <a:endParaRPr lang="en-US"/>
+          </a:p>
+        </p:txBody>
+      </p:sp>
+      <p:sp>
+        <p:nvSpPr>
+          <p:cNvPr id="246" name="245 Rectángulo"/>
+          <p:cNvSpPr/>
+          <p:nvPr/>
+        </p:nvSpPr>
+        <p:spPr>
+          <a:xfrm flipH="1">
+            <a:off x="7419230" y="4531056"/>
+            <a:ext cx="127381" cy="174008"/>
+          </a:xfrm>
+          <a:prstGeom prst="rect">
+            <a:avLst/>
+          </a:prstGeom>
+          <a:solidFill>
+            <a:schemeClr val="accent1">
+              <a:lumMod val="60000"/>
+              <a:lumOff val="40000"/>
+            </a:schemeClr>
+          </a:solidFill>
+        </p:spPr>
+        <p:style>
+          <a:lnRef idx="2">
+            <a:schemeClr val="accent1">
+              <a:shade val="50000"/>
+            </a:schemeClr>
+          </a:lnRef>
+          <a:fillRef idx="1">
+            <a:schemeClr val="accent1"/>
+          </a:fillRef>
+          <a:effectRef idx="0">
+            <a:schemeClr val="accent1"/>
+          </a:effectRef>
+          <a:fontRef idx="minor">
+            <a:schemeClr val="lt1"/>
+          </a:fontRef>
+        </p:style>
+        <p:txBody>
+          <a:bodyPr rtlCol="0" anchor="ctr"/>
+          <a:lstStyle/>
+          <a:p>
+            <a:pPr algn="ctr"/>
+            <a:endParaRPr lang="en-US"/>
+          </a:p>
+        </p:txBody>
+      </p:sp>
+      <p:sp>
+        <p:nvSpPr>
+          <p:cNvPr id="247" name="246 Rectángulo"/>
+          <p:cNvSpPr/>
+          <p:nvPr/>
+        </p:nvSpPr>
+        <p:spPr>
+          <a:xfrm flipH="1">
+            <a:off x="7429843" y="4343400"/>
+            <a:ext cx="127381" cy="174008"/>
+          </a:xfrm>
+          <a:prstGeom prst="rect">
+            <a:avLst/>
+          </a:prstGeom>
+          <a:solidFill>
+            <a:schemeClr val="accent6">
+              <a:lumMod val="60000"/>
+              <a:lumOff val="40000"/>
+            </a:schemeClr>
+          </a:solidFill>
+        </p:spPr>
+        <p:style>
+          <a:lnRef idx="2">
+            <a:schemeClr val="accent1">
+              <a:shade val="50000"/>
+            </a:schemeClr>
+          </a:lnRef>
+          <a:fillRef idx="1">
+            <a:schemeClr val="accent1"/>
+          </a:fillRef>
+          <a:effectRef idx="0">
+            <a:schemeClr val="accent1"/>
+          </a:effectRef>
+          <a:fontRef idx="minor">
+            <a:schemeClr val="lt1"/>
+          </a:fontRef>
+        </p:style>
+        <p:txBody>
+          <a:bodyPr rtlCol="0" anchor="ctr"/>
+          <a:lstStyle/>
+          <a:p>
+            <a:pPr algn="ctr"/>
+            <a:endParaRPr lang="en-US"/>
+          </a:p>
+        </p:txBody>
+      </p:sp>
+      <p:cxnSp>
+        <p:nvCxnSpPr>
+          <p:cNvPr id="269" name="268 Conector recto de flecha"/>
+          <p:cNvCxnSpPr>
+            <a:endCxn id="229" idx="1"/>
+          </p:cNvCxnSpPr>
+          <p:nvPr/>
+        </p:nvCxnSpPr>
+        <p:spPr>
+          <a:xfrm flipH="1">
+            <a:off x="7927229" y="4139253"/>
+            <a:ext cx="914400" cy="378851"/>
+          </a:xfrm>
+          <a:prstGeom prst="straightConnector1">
+            <a:avLst/>
+          </a:prstGeom>
+          <a:ln>
+            <a:tailEnd type="arrow"/>
+          </a:ln>
+        </p:spPr>
+        <p:style>
+          <a:lnRef idx="1">
+            <a:schemeClr val="accent1"/>
+          </a:lnRef>
+          <a:fillRef idx="0">
+            <a:schemeClr val="accent1"/>
+          </a:fillRef>
+          <a:effectRef idx="0">
+            <a:schemeClr val="accent1"/>
+          </a:effectRef>
+          <a:fontRef idx="minor">
+            <a:schemeClr val="tx1"/>
+          </a:fontRef>
+        </p:style>
+      </p:cxnSp>
+      <p:cxnSp>
+        <p:nvCxnSpPr>
+          <p:cNvPr id="271" name="270 Conector recto de flecha"/>
+          <p:cNvCxnSpPr>
+            <a:endCxn id="229" idx="1"/>
+          </p:cNvCxnSpPr>
+          <p:nvPr/>
+        </p:nvCxnSpPr>
+        <p:spPr>
+          <a:xfrm flipH="1" flipV="1">
+            <a:off x="7927229" y="4518104"/>
+            <a:ext cx="914400" cy="535549"/>
+          </a:xfrm>
+          <a:prstGeom prst="straightConnector1">
+            <a:avLst/>
+          </a:prstGeom>
+          <a:ln>
+            <a:tailEnd type="arrow"/>
+          </a:ln>
+        </p:spPr>
+        <p:style>
+          <a:lnRef idx="1">
+            <a:schemeClr val="accent1"/>
+          </a:lnRef>
+          <a:fillRef idx="0">
+            <a:schemeClr val="accent1"/>
+          </a:fillRef>
+          <a:effectRef idx="0">
+            <a:schemeClr val="accent1"/>
+          </a:effectRef>
+          <a:fontRef idx="minor">
+            <a:schemeClr val="tx1"/>
+          </a:fontRef>
+        </p:style>
+      </p:cxnSp>
+      <p:grpSp>
+        <p:nvGrpSpPr>
+          <p:cNvPr id="196" name="195 Grupo"/>
+          <p:cNvGrpSpPr/>
+          <p:nvPr/>
+        </p:nvGrpSpPr>
+        <p:grpSpPr>
+          <a:xfrm>
+            <a:off x="1731299" y="3881165"/>
+            <a:ext cx="1524000" cy="501805"/>
+            <a:chOff x="551979" y="3897577"/>
+            <a:chExt cx="1524000" cy="501805"/>
+          </a:xfrm>
+        </p:grpSpPr>
+        <p:sp>
+          <p:nvSpPr>
+            <p:cNvPr id="206" name="205 Rectángulo"/>
+            <p:cNvSpPr/>
+            <p:nvPr/>
+          </p:nvSpPr>
+          <p:spPr>
+            <a:xfrm flipH="1">
+              <a:off x="551979" y="3897577"/>
+              <a:ext cx="1524000" cy="501805"/>
+            </a:xfrm>
+            <a:prstGeom prst="rect">
+              <a:avLst/>
+            </a:prstGeom>
+            <a:solidFill>
+              <a:schemeClr val="accent1">
+                <a:lumMod val="40000"/>
+                <a:lumOff val="60000"/>
+              </a:schemeClr>
+            </a:solidFill>
+            <a:ln>
+              <a:solidFill>
+                <a:schemeClr val="tx2"/>
+              </a:solidFill>
+            </a:ln>
+          </p:spPr>
+          <p:style>
+            <a:lnRef idx="2">
+              <a:schemeClr val="accent6"/>
+            </a:lnRef>
+            <a:fillRef idx="1">
+              <a:schemeClr val="lt1"/>
+            </a:fillRef>
+            <a:effectRef idx="0">
+              <a:schemeClr val="accent6"/>
+            </a:effectRef>
+            <a:fontRef idx="minor">
+              <a:schemeClr val="dk1"/>
+            </a:fontRef>
+          </p:style>
+          <p:txBody>
+            <a:bodyPr rtlCol="0" anchor="ctr"/>
+            <a:lstStyle/>
+            <a:p>
+              <a:pPr algn="ctr"/>
+              <a:endParaRPr lang="en-US"/>
+            </a:p>
+          </p:txBody>
+        </p:sp>
+        <p:sp>
+          <p:nvSpPr>
+            <p:cNvPr id="216" name="215 Rectángulo"/>
+            <p:cNvSpPr/>
+            <p:nvPr/>
+          </p:nvSpPr>
+          <p:spPr>
+            <a:xfrm flipH="1">
+              <a:off x="551979" y="4036329"/>
+              <a:ext cx="91440" cy="228600"/>
+            </a:xfrm>
+            <a:prstGeom prst="rect">
+              <a:avLst/>
+            </a:prstGeom>
+            <a:solidFill>
+              <a:schemeClr val="accent1">
+                <a:lumMod val="60000"/>
+                <a:lumOff val="40000"/>
+              </a:schemeClr>
+            </a:solidFill>
+          </p:spPr>
+          <p:style>
+            <a:lnRef idx="2">
+              <a:schemeClr val="accent1">
+                <a:shade val="50000"/>
+              </a:schemeClr>
+            </a:lnRef>
+            <a:fillRef idx="1">
+              <a:schemeClr val="accent1"/>
+            </a:fillRef>
+            <a:effectRef idx="0">
+              <a:schemeClr val="accent1"/>
+            </a:effectRef>
+            <a:fontRef idx="minor">
+              <a:schemeClr val="lt1"/>
+            </a:fontRef>
+          </p:style>
+          <p:txBody>
+            <a:bodyPr rtlCol="0" anchor="ctr"/>
+            <a:lstStyle/>
+            <a:p>
+              <a:pPr algn="ctr"/>
+              <a:endParaRPr lang="en-US"/>
+            </a:p>
+          </p:txBody>
+        </p:sp>
+        <p:sp>
+          <p:nvSpPr>
+            <p:cNvPr id="228" name="227 Rectángulo"/>
+            <p:cNvSpPr/>
+            <p:nvPr/>
+          </p:nvSpPr>
+          <p:spPr>
+            <a:xfrm flipH="1">
+              <a:off x="932598" y="3952169"/>
+              <a:ext cx="95251" cy="381000"/>
+            </a:xfrm>
+            <a:prstGeom prst="rect">
+              <a:avLst/>
+            </a:prstGeom>
+            <a:solidFill>
+              <a:schemeClr val="accent1">
+                <a:lumMod val="60000"/>
+                <a:lumOff val="40000"/>
+              </a:schemeClr>
+            </a:solidFill>
+          </p:spPr>
+          <p:style>
+            <a:lnRef idx="2">
+              <a:schemeClr val="accent1">
+                <a:shade val="50000"/>
+              </a:schemeClr>
+            </a:lnRef>
+            <a:fillRef idx="1">
+              <a:schemeClr val="accent1"/>
+            </a:fillRef>
+            <a:effectRef idx="0">
+              <a:schemeClr val="accent1"/>
+            </a:effectRef>
+            <a:fontRef idx="minor">
+              <a:schemeClr val="lt1"/>
+            </a:fontRef>
+          </p:style>
+          <p:txBody>
+            <a:bodyPr rtlCol="0" anchor="ctr"/>
+            <a:lstStyle/>
+            <a:p>
+              <a:pPr algn="ctr"/>
+              <a:endParaRPr lang="en-US"/>
+            </a:p>
+          </p:txBody>
+        </p:sp>
+        <p:sp>
+          <p:nvSpPr>
+            <p:cNvPr id="233" name="232 Rectángulo"/>
+            <p:cNvSpPr/>
+            <p:nvPr/>
+          </p:nvSpPr>
+          <p:spPr>
+            <a:xfrm flipH="1">
+              <a:off x="1070592" y="3952169"/>
+              <a:ext cx="95251" cy="381000"/>
+            </a:xfrm>
+            <a:prstGeom prst="rect">
+              <a:avLst/>
+            </a:prstGeom>
+            <a:solidFill>
+              <a:schemeClr val="accent1">
+                <a:lumMod val="60000"/>
+                <a:lumOff val="40000"/>
+              </a:schemeClr>
+            </a:solidFill>
+          </p:spPr>
+          <p:style>
+            <a:lnRef idx="2">
+              <a:schemeClr val="accent1">
+                <a:shade val="50000"/>
+              </a:schemeClr>
+            </a:lnRef>
+            <a:fillRef idx="1">
+              <a:schemeClr val="accent1"/>
+            </a:fillRef>
+            <a:effectRef idx="0">
+              <a:schemeClr val="accent1"/>
+            </a:effectRef>
+            <a:fontRef idx="minor">
+              <a:schemeClr val="lt1"/>
+            </a:fontRef>
+          </p:style>
+          <p:txBody>
+            <a:bodyPr rtlCol="0" anchor="ctr"/>
+            <a:lstStyle/>
+            <a:p>
+              <a:pPr algn="ctr"/>
+              <a:endParaRPr lang="en-US"/>
+            </a:p>
+          </p:txBody>
+        </p:sp>
+        <p:sp>
+          <p:nvSpPr>
+            <p:cNvPr id="236" name="235 Rectángulo"/>
+            <p:cNvSpPr/>
+            <p:nvPr/>
+          </p:nvSpPr>
+          <p:spPr>
+            <a:xfrm flipH="1">
+              <a:off x="1201003" y="3946481"/>
+              <a:ext cx="95251" cy="381000"/>
+            </a:xfrm>
+            <a:prstGeom prst="rect">
+              <a:avLst/>
+            </a:prstGeom>
+            <a:solidFill>
+              <a:schemeClr val="accent1">
+                <a:lumMod val="60000"/>
+                <a:lumOff val="40000"/>
+              </a:schemeClr>
+            </a:solidFill>
+          </p:spPr>
+          <p:style>
+            <a:lnRef idx="2">
+              <a:schemeClr val="accent1">
+                <a:shade val="50000"/>
+              </a:schemeClr>
+            </a:lnRef>
+            <a:fillRef idx="1">
+              <a:schemeClr val="accent1"/>
+            </a:fillRef>
+            <a:effectRef idx="0">
+              <a:schemeClr val="accent1"/>
+            </a:effectRef>
+            <a:fontRef idx="minor">
+              <a:schemeClr val="lt1"/>
+            </a:fontRef>
+          </p:style>
+          <p:txBody>
+            <a:bodyPr rtlCol="0" anchor="ctr"/>
+            <a:lstStyle/>
+            <a:p>
+              <a:pPr algn="ctr"/>
+              <a:endParaRPr lang="en-US"/>
+            </a:p>
+          </p:txBody>
+        </p:sp>
+        <p:sp>
+          <p:nvSpPr>
+            <p:cNvPr id="239" name="238 Rectángulo"/>
+            <p:cNvSpPr/>
+            <p:nvPr/>
+          </p:nvSpPr>
+          <p:spPr>
+            <a:xfrm flipH="1">
+              <a:off x="1320800" y="3946481"/>
+              <a:ext cx="95251" cy="381000"/>
+            </a:xfrm>
+            <a:prstGeom prst="rect">
+              <a:avLst/>
+            </a:prstGeom>
+            <a:solidFill>
+              <a:schemeClr val="accent1">
+                <a:lumMod val="60000"/>
+                <a:lumOff val="40000"/>
+              </a:schemeClr>
+            </a:solidFill>
+          </p:spPr>
+          <p:style>
+            <a:lnRef idx="2">
+              <a:schemeClr val="accent1">
+                <a:shade val="50000"/>
+              </a:schemeClr>
+            </a:lnRef>
+            <a:fillRef idx="1">
+              <a:schemeClr val="accent1"/>
+            </a:fillRef>
+            <a:effectRef idx="0">
+              <a:schemeClr val="accent1"/>
+            </a:effectRef>
+            <a:fontRef idx="minor">
+              <a:schemeClr val="lt1"/>
+            </a:fontRef>
+          </p:style>
+          <p:txBody>
+            <a:bodyPr rtlCol="0" anchor="ctr"/>
+            <a:lstStyle/>
+            <a:p>
+              <a:pPr algn="ctr"/>
+              <a:endParaRPr lang="en-US"/>
+            </a:p>
+          </p:txBody>
+        </p:sp>
+        <p:sp>
+          <p:nvSpPr>
+            <p:cNvPr id="241" name="240 Rectángulo"/>
+            <p:cNvSpPr/>
+            <p:nvPr/>
+          </p:nvSpPr>
+          <p:spPr>
+            <a:xfrm flipH="1">
+              <a:off x="1440598" y="3946481"/>
+              <a:ext cx="95251" cy="381000"/>
+            </a:xfrm>
+            <a:prstGeom prst="rect">
+              <a:avLst/>
+            </a:prstGeom>
+            <a:solidFill>
+              <a:schemeClr val="accent1">
+                <a:lumMod val="60000"/>
+                <a:lumOff val="40000"/>
+              </a:schemeClr>
+            </a:solidFill>
+          </p:spPr>
+          <p:style>
+            <a:lnRef idx="2">
+              <a:schemeClr val="accent1">
+                <a:shade val="50000"/>
+              </a:schemeClr>
+            </a:lnRef>
+            <a:fillRef idx="1">
+              <a:schemeClr val="accent1"/>
+            </a:fillRef>
+            <a:effectRef idx="0">
+              <a:schemeClr val="accent1"/>
+            </a:effectRef>
+            <a:fontRef idx="minor">
+              <a:schemeClr val="lt1"/>
+            </a:fontRef>
+          </p:style>
+          <p:txBody>
+            <a:bodyPr rtlCol="0" anchor="ctr"/>
+            <a:lstStyle/>
+            <a:p>
+              <a:pPr algn="ctr"/>
+              <a:endParaRPr lang="en-US"/>
+            </a:p>
+          </p:txBody>
+        </p:sp>
+        <p:sp>
+          <p:nvSpPr>
+            <p:cNvPr id="248" name="247 Rectángulo"/>
+            <p:cNvSpPr/>
+            <p:nvPr/>
+          </p:nvSpPr>
+          <p:spPr>
+            <a:xfrm flipH="1">
+              <a:off x="1571008" y="3946481"/>
+              <a:ext cx="95251" cy="381000"/>
+            </a:xfrm>
+            <a:prstGeom prst="rect">
+              <a:avLst/>
+            </a:prstGeom>
+            <a:solidFill>
+              <a:schemeClr val="accent1">
+                <a:lumMod val="60000"/>
+                <a:lumOff val="40000"/>
+              </a:schemeClr>
+            </a:solidFill>
+          </p:spPr>
+          <p:style>
+            <a:lnRef idx="2">
+              <a:schemeClr val="accent1">
+                <a:shade val="50000"/>
+              </a:schemeClr>
+            </a:lnRef>
+            <a:fillRef idx="1">
+              <a:schemeClr val="accent1"/>
+            </a:fillRef>
+            <a:effectRef idx="0">
+              <a:schemeClr val="accent1"/>
+            </a:effectRef>
+            <a:fontRef idx="minor">
+              <a:schemeClr val="lt1"/>
+            </a:fontRef>
+          </p:style>
+          <p:txBody>
+            <a:bodyPr rtlCol="0" anchor="ctr"/>
+            <a:lstStyle/>
+            <a:p>
+              <a:pPr algn="ctr"/>
+              <a:endParaRPr lang="en-US"/>
+            </a:p>
+          </p:txBody>
+        </p:sp>
+        <p:sp>
+          <p:nvSpPr>
+            <p:cNvPr id="258" name="257 Rectángulo"/>
+            <p:cNvSpPr/>
+            <p:nvPr/>
+          </p:nvSpPr>
+          <p:spPr>
+            <a:xfrm flipH="1">
+              <a:off x="1709003" y="3946481"/>
+              <a:ext cx="95251" cy="381000"/>
+            </a:xfrm>
+            <a:prstGeom prst="rect">
+              <a:avLst/>
+            </a:prstGeom>
+            <a:solidFill>
+              <a:schemeClr val="accent1">
+                <a:lumMod val="60000"/>
+                <a:lumOff val="40000"/>
+              </a:schemeClr>
+            </a:solidFill>
+          </p:spPr>
+          <p:style>
+            <a:lnRef idx="2">
+              <a:schemeClr val="accent1">
+                <a:shade val="50000"/>
+              </a:schemeClr>
+            </a:lnRef>
+            <a:fillRef idx="1">
+              <a:schemeClr val="accent1"/>
+            </a:fillRef>
+            <a:effectRef idx="0">
+              <a:schemeClr val="accent1"/>
+            </a:effectRef>
+            <a:fontRef idx="minor">
+              <a:schemeClr val="lt1"/>
+            </a:fontRef>
+          </p:style>
+          <p:txBody>
+            <a:bodyPr rtlCol="0" anchor="ctr"/>
+            <a:lstStyle/>
+            <a:p>
+              <a:pPr algn="ctr"/>
+              <a:endParaRPr lang="en-US"/>
+            </a:p>
+          </p:txBody>
+        </p:sp>
+      </p:grpSp>
+      <p:grpSp>
+        <p:nvGrpSpPr>
+          <p:cNvPr id="268" name="267 Grupo"/>
+          <p:cNvGrpSpPr/>
+          <p:nvPr/>
+        </p:nvGrpSpPr>
+        <p:grpSpPr>
+          <a:xfrm>
+            <a:off x="3881311" y="3892888"/>
+            <a:ext cx="1524000" cy="501805"/>
+            <a:chOff x="551979" y="3897577"/>
+            <a:chExt cx="1524000" cy="501805"/>
+          </a:xfrm>
+        </p:grpSpPr>
+        <p:sp>
+          <p:nvSpPr>
+            <p:cNvPr id="270" name="269 Rectángulo"/>
+            <p:cNvSpPr/>
+            <p:nvPr/>
+          </p:nvSpPr>
+          <p:spPr>
+            <a:xfrm flipH="1">
+              <a:off x="551979" y="3897577"/>
+              <a:ext cx="1524000" cy="501805"/>
+            </a:xfrm>
+            <a:prstGeom prst="rect">
+              <a:avLst/>
+            </a:prstGeom>
+            <a:solidFill>
+              <a:schemeClr val="accent1">
+                <a:lumMod val="40000"/>
+                <a:lumOff val="60000"/>
+              </a:schemeClr>
+            </a:solidFill>
+            <a:ln>
+              <a:solidFill>
+                <a:schemeClr val="tx2"/>
+              </a:solidFill>
+            </a:ln>
+          </p:spPr>
+          <p:style>
+            <a:lnRef idx="2">
+              <a:schemeClr val="accent6"/>
+            </a:lnRef>
+            <a:fillRef idx="1">
+              <a:schemeClr val="lt1"/>
+            </a:fillRef>
+            <a:effectRef idx="0">
+              <a:schemeClr val="accent6"/>
+            </a:effectRef>
+            <a:fontRef idx="minor">
+              <a:schemeClr val="dk1"/>
+            </a:fontRef>
+          </p:style>
+          <p:txBody>
+            <a:bodyPr rtlCol="0" anchor="ctr"/>
+            <a:lstStyle/>
+            <a:p>
+              <a:pPr algn="ctr"/>
+              <a:endParaRPr lang="en-US"/>
+            </a:p>
+          </p:txBody>
+        </p:sp>
+        <p:sp>
+          <p:nvSpPr>
+            <p:cNvPr id="272" name="271 Rectángulo"/>
+            <p:cNvSpPr/>
+            <p:nvPr/>
+          </p:nvSpPr>
+          <p:spPr>
+            <a:xfrm flipH="1">
+              <a:off x="551979" y="4036329"/>
+              <a:ext cx="91440" cy="228600"/>
+            </a:xfrm>
+            <a:prstGeom prst="rect">
+              <a:avLst/>
+            </a:prstGeom>
+            <a:solidFill>
+              <a:schemeClr val="accent1">
+                <a:lumMod val="60000"/>
+                <a:lumOff val="40000"/>
+              </a:schemeClr>
+            </a:solidFill>
+          </p:spPr>
+          <p:style>
+            <a:lnRef idx="2">
+              <a:schemeClr val="accent1">
+                <a:shade val="50000"/>
+              </a:schemeClr>
+            </a:lnRef>
+            <a:fillRef idx="1">
+              <a:schemeClr val="accent1"/>
+            </a:fillRef>
+            <a:effectRef idx="0">
+              <a:schemeClr val="accent1"/>
+            </a:effectRef>
+            <a:fontRef idx="minor">
+              <a:schemeClr val="lt1"/>
+            </a:fontRef>
+          </p:style>
+          <p:txBody>
+            <a:bodyPr rtlCol="0" anchor="ctr"/>
+            <a:lstStyle/>
+            <a:p>
+              <a:pPr algn="ctr"/>
+              <a:endParaRPr lang="en-US"/>
+            </a:p>
+          </p:txBody>
+        </p:sp>
+        <p:sp>
+          <p:nvSpPr>
+            <p:cNvPr id="273" name="272 Rectángulo"/>
+            <p:cNvSpPr/>
+            <p:nvPr/>
+          </p:nvSpPr>
+          <p:spPr>
+            <a:xfrm flipH="1">
+              <a:off x="932598" y="3952169"/>
+              <a:ext cx="95251" cy="381000"/>
+            </a:xfrm>
+            <a:prstGeom prst="rect">
+              <a:avLst/>
+            </a:prstGeom>
+            <a:solidFill>
+              <a:schemeClr val="accent1">
+                <a:lumMod val="60000"/>
+                <a:lumOff val="40000"/>
+              </a:schemeClr>
+            </a:solidFill>
+          </p:spPr>
+          <p:style>
+            <a:lnRef idx="2">
+              <a:schemeClr val="accent1">
+                <a:shade val="50000"/>
+              </a:schemeClr>
+            </a:lnRef>
+            <a:fillRef idx="1">
+              <a:schemeClr val="accent1"/>
+            </a:fillRef>
+            <a:effectRef idx="0">
+              <a:schemeClr val="accent1"/>
+            </a:effectRef>
+            <a:fontRef idx="minor">
+              <a:schemeClr val="lt1"/>
+            </a:fontRef>
+          </p:style>
+          <p:txBody>
+            <a:bodyPr rtlCol="0" anchor="ctr"/>
+            <a:lstStyle/>
+            <a:p>
+              <a:pPr algn="ctr"/>
+              <a:endParaRPr lang="en-US"/>
+            </a:p>
+          </p:txBody>
+        </p:sp>
+        <p:sp>
+          <p:nvSpPr>
+            <p:cNvPr id="274" name="273 Rectángulo"/>
+            <p:cNvSpPr/>
+            <p:nvPr/>
+          </p:nvSpPr>
+          <p:spPr>
+            <a:xfrm flipH="1">
+              <a:off x="1070592" y="3952169"/>
+              <a:ext cx="95251" cy="381000"/>
+            </a:xfrm>
+            <a:prstGeom prst="rect">
+              <a:avLst/>
+            </a:prstGeom>
+            <a:solidFill>
+              <a:schemeClr val="accent1">
+                <a:lumMod val="60000"/>
+                <a:lumOff val="40000"/>
+              </a:schemeClr>
+            </a:solidFill>
+          </p:spPr>
+          <p:style>
+            <a:lnRef idx="2">
+              <a:schemeClr val="accent1">
+                <a:shade val="50000"/>
+              </a:schemeClr>
+            </a:lnRef>
+            <a:fillRef idx="1">
+              <a:schemeClr val="accent1"/>
+            </a:fillRef>
+            <a:effectRef idx="0">
+              <a:schemeClr val="accent1"/>
+            </a:effectRef>
+            <a:fontRef idx="minor">
+              <a:schemeClr val="lt1"/>
+            </a:fontRef>
+          </p:style>
+          <p:txBody>
+            <a:bodyPr rtlCol="0" anchor="ctr"/>
+            <a:lstStyle/>
+            <a:p>
+              <a:pPr algn="ctr"/>
+              <a:endParaRPr lang="en-US"/>
+            </a:p>
+          </p:txBody>
+        </p:sp>
+        <p:sp>
+          <p:nvSpPr>
+            <p:cNvPr id="275" name="274 Rectángulo"/>
+            <p:cNvSpPr/>
+            <p:nvPr/>
+          </p:nvSpPr>
+          <p:spPr>
+            <a:xfrm flipH="1">
+              <a:off x="1201003" y="3946481"/>
+              <a:ext cx="95251" cy="381000"/>
+            </a:xfrm>
+            <a:prstGeom prst="rect">
+              <a:avLst/>
+            </a:prstGeom>
+            <a:solidFill>
+              <a:schemeClr val="accent1">
+                <a:lumMod val="60000"/>
+                <a:lumOff val="40000"/>
+              </a:schemeClr>
+            </a:solidFill>
+          </p:spPr>
+          <p:style>
+            <a:lnRef idx="2">
+              <a:schemeClr val="accent1">
+                <a:shade val="50000"/>
+              </a:schemeClr>
+            </a:lnRef>
+            <a:fillRef idx="1">
+              <a:schemeClr val="accent1"/>
+            </a:fillRef>
+            <a:effectRef idx="0">
+              <a:schemeClr val="accent1"/>
+            </a:effectRef>
+            <a:fontRef idx="minor">
+              <a:schemeClr val="lt1"/>
+            </a:fontRef>
+          </p:style>
+          <p:txBody>
+            <a:bodyPr rtlCol="0" anchor="ctr"/>
+            <a:lstStyle/>
+            <a:p>
+              <a:pPr algn="ctr"/>
+              <a:endParaRPr lang="en-US"/>
+            </a:p>
+          </p:txBody>
+        </p:sp>
+        <p:sp>
+          <p:nvSpPr>
+            <p:cNvPr id="276" name="275 Rectángulo"/>
+            <p:cNvSpPr/>
+            <p:nvPr/>
+          </p:nvSpPr>
+          <p:spPr>
+            <a:xfrm flipH="1">
+              <a:off x="1320800" y="3946481"/>
+              <a:ext cx="95251" cy="381000"/>
+            </a:xfrm>
+            <a:prstGeom prst="rect">
+              <a:avLst/>
+            </a:prstGeom>
+            <a:solidFill>
+              <a:schemeClr val="accent1">
+                <a:lumMod val="60000"/>
+                <a:lumOff val="40000"/>
+              </a:schemeClr>
+            </a:solidFill>
+          </p:spPr>
+          <p:style>
+            <a:lnRef idx="2">
+              <a:schemeClr val="accent1">
+                <a:shade val="50000"/>
+              </a:schemeClr>
+            </a:lnRef>
+            <a:fillRef idx="1">
+              <a:schemeClr val="accent1"/>
+            </a:fillRef>
+            <a:effectRef idx="0">
+              <a:schemeClr val="accent1"/>
+            </a:effectRef>
+            <a:fontRef idx="minor">
+              <a:schemeClr val="lt1"/>
+            </a:fontRef>
+          </p:style>
+          <p:txBody>
+            <a:bodyPr rtlCol="0" anchor="ctr"/>
+            <a:lstStyle/>
+            <a:p>
+              <a:pPr algn="ctr"/>
+              <a:endParaRPr lang="en-US"/>
+            </a:p>
+          </p:txBody>
+        </p:sp>
+        <p:sp>
+          <p:nvSpPr>
+            <p:cNvPr id="277" name="276 Rectángulo"/>
+            <p:cNvSpPr/>
+            <p:nvPr/>
+          </p:nvSpPr>
+          <p:spPr>
+            <a:xfrm flipH="1">
+              <a:off x="1440598" y="3946481"/>
+              <a:ext cx="95251" cy="381000"/>
+            </a:xfrm>
+            <a:prstGeom prst="rect">
+              <a:avLst/>
+            </a:prstGeom>
+            <a:solidFill>
+              <a:schemeClr val="accent1">
+                <a:lumMod val="60000"/>
+                <a:lumOff val="40000"/>
+              </a:schemeClr>
+            </a:solidFill>
+          </p:spPr>
+          <p:style>
+            <a:lnRef idx="2">
+              <a:schemeClr val="accent1">
+                <a:shade val="50000"/>
+              </a:schemeClr>
+            </a:lnRef>
+            <a:fillRef idx="1">
+              <a:schemeClr val="accent1"/>
+            </a:fillRef>
+            <a:effectRef idx="0">
+              <a:schemeClr val="accent1"/>
+            </a:effectRef>
+            <a:fontRef idx="minor">
+              <a:schemeClr val="lt1"/>
+            </a:fontRef>
+          </p:style>
+          <p:txBody>
+            <a:bodyPr rtlCol="0" anchor="ctr"/>
+            <a:lstStyle/>
+            <a:p>
+              <a:pPr algn="ctr"/>
+              <a:endParaRPr lang="en-US"/>
+            </a:p>
+          </p:txBody>
+        </p:sp>
+        <p:sp>
+          <p:nvSpPr>
+            <p:cNvPr id="278" name="277 Rectángulo"/>
+            <p:cNvSpPr/>
+            <p:nvPr/>
+          </p:nvSpPr>
+          <p:spPr>
+            <a:xfrm flipH="1">
+              <a:off x="1571008" y="3946481"/>
+              <a:ext cx="95251" cy="381000"/>
+            </a:xfrm>
+            <a:prstGeom prst="rect">
+              <a:avLst/>
+            </a:prstGeom>
+            <a:solidFill>
+              <a:schemeClr val="accent1">
+                <a:lumMod val="60000"/>
+                <a:lumOff val="40000"/>
+              </a:schemeClr>
+            </a:solidFill>
+          </p:spPr>
+          <p:style>
+            <a:lnRef idx="2">
+              <a:schemeClr val="accent1">
+                <a:shade val="50000"/>
+              </a:schemeClr>
+            </a:lnRef>
+            <a:fillRef idx="1">
+              <a:schemeClr val="accent1"/>
+            </a:fillRef>
+            <a:effectRef idx="0">
+              <a:schemeClr val="accent1"/>
+            </a:effectRef>
+            <a:fontRef idx="minor">
+              <a:schemeClr val="lt1"/>
+            </a:fontRef>
+          </p:style>
+          <p:txBody>
+            <a:bodyPr rtlCol="0" anchor="ctr"/>
+            <a:lstStyle/>
+            <a:p>
+              <a:pPr algn="ctr"/>
+              <a:endParaRPr lang="en-US"/>
+            </a:p>
+          </p:txBody>
+        </p:sp>
+        <p:sp>
+          <p:nvSpPr>
+            <p:cNvPr id="279" name="278 Rectángulo"/>
+            <p:cNvSpPr/>
+            <p:nvPr/>
+          </p:nvSpPr>
+          <p:spPr>
+            <a:xfrm flipH="1">
+              <a:off x="1709003" y="3946481"/>
+              <a:ext cx="95251" cy="381000"/>
+            </a:xfrm>
+            <a:prstGeom prst="rect">
+              <a:avLst/>
+            </a:prstGeom>
+            <a:solidFill>
+              <a:schemeClr val="accent1">
+                <a:lumMod val="60000"/>
+                <a:lumOff val="40000"/>
+              </a:schemeClr>
+            </a:solidFill>
+          </p:spPr>
+          <p:style>
+            <a:lnRef idx="2">
+              <a:schemeClr val="accent1">
+                <a:shade val="50000"/>
+              </a:schemeClr>
+            </a:lnRef>
+            <a:fillRef idx="1">
+              <a:schemeClr val="accent1"/>
+            </a:fillRef>
+            <a:effectRef idx="0">
+              <a:schemeClr val="accent1"/>
+            </a:effectRef>
+            <a:fontRef idx="minor">
+              <a:schemeClr val="lt1"/>
+            </a:fontRef>
+          </p:style>
+          <p:txBody>
+            <a:bodyPr rtlCol="0" anchor="ctr"/>
+            <a:lstStyle/>
+            <a:p>
+              <a:pPr algn="ctr"/>
+              <a:endParaRPr lang="en-US"/>
+            </a:p>
+          </p:txBody>
+        </p:sp>
+      </p:grpSp>
+      <p:grpSp>
+        <p:nvGrpSpPr>
+          <p:cNvPr id="280" name="279 Grupo"/>
+          <p:cNvGrpSpPr/>
+          <p:nvPr/>
+        </p:nvGrpSpPr>
+        <p:grpSpPr>
+          <a:xfrm>
+            <a:off x="1714780" y="4798256"/>
+            <a:ext cx="1524000" cy="501805"/>
+            <a:chOff x="479189" y="4800601"/>
+            <a:chExt cx="1524000" cy="501805"/>
+          </a:xfrm>
+        </p:grpSpPr>
+        <p:sp>
+          <p:nvSpPr>
+            <p:cNvPr id="281" name="280 Rectángulo"/>
+            <p:cNvSpPr/>
+            <p:nvPr/>
+          </p:nvSpPr>
+          <p:spPr>
+            <a:xfrm flipH="1">
+              <a:off x="479189" y="4800601"/>
+              <a:ext cx="1524000" cy="501805"/>
+            </a:xfrm>
+            <a:prstGeom prst="rect">
+              <a:avLst/>
+            </a:prstGeom>
+            <a:solidFill>
+              <a:schemeClr val="accent6">
+                <a:lumMod val="40000"/>
+                <a:lumOff val="60000"/>
+              </a:schemeClr>
+            </a:solidFill>
+            <a:ln>
+              <a:solidFill>
+                <a:schemeClr val="tx2"/>
+              </a:solidFill>
+            </a:ln>
+          </p:spPr>
+          <p:style>
+            <a:lnRef idx="2">
+              <a:schemeClr val="accent6"/>
+            </a:lnRef>
+            <a:fillRef idx="1">
+              <a:schemeClr val="lt1"/>
+            </a:fillRef>
+            <a:effectRef idx="0">
+              <a:schemeClr val="accent6"/>
+            </a:effectRef>
+            <a:fontRef idx="minor">
+              <a:schemeClr val="dk1"/>
+            </a:fontRef>
+          </p:style>
+          <p:txBody>
+            <a:bodyPr rtlCol="0" anchor="ctr"/>
+            <a:lstStyle/>
+            <a:p>
+              <a:pPr algn="ctr"/>
+              <a:endParaRPr lang="en-US"/>
+            </a:p>
+          </p:txBody>
+        </p:sp>
+        <p:sp>
+          <p:nvSpPr>
+            <p:cNvPr id="282" name="281 Rectángulo"/>
+            <p:cNvSpPr/>
+            <p:nvPr/>
+          </p:nvSpPr>
+          <p:spPr>
+            <a:xfrm flipH="1">
+              <a:off x="479189" y="4939353"/>
+              <a:ext cx="91440" cy="228600"/>
+            </a:xfrm>
+            <a:prstGeom prst="rect">
+              <a:avLst/>
+            </a:prstGeom>
+            <a:solidFill>
+              <a:schemeClr val="accent6">
+                <a:lumMod val="60000"/>
+                <a:lumOff val="40000"/>
+              </a:schemeClr>
+            </a:solidFill>
+          </p:spPr>
+          <p:style>
+            <a:lnRef idx="2">
+              <a:schemeClr val="accent1">
+                <a:shade val="50000"/>
+              </a:schemeClr>
+            </a:lnRef>
+            <a:fillRef idx="1">
+              <a:schemeClr val="accent1"/>
+            </a:fillRef>
+            <a:effectRef idx="0">
+              <a:schemeClr val="accent1"/>
+            </a:effectRef>
+            <a:fontRef idx="minor">
+              <a:schemeClr val="lt1"/>
+            </a:fontRef>
+          </p:style>
+          <p:txBody>
+            <a:bodyPr rtlCol="0" anchor="ctr"/>
+            <a:lstStyle/>
+            <a:p>
+              <a:pPr algn="ctr"/>
+              <a:endParaRPr lang="en-US"/>
+            </a:p>
+          </p:txBody>
+        </p:sp>
+        <p:sp>
+          <p:nvSpPr>
+            <p:cNvPr id="283" name="282 Rectángulo"/>
+            <p:cNvSpPr/>
+            <p:nvPr/>
+          </p:nvSpPr>
+          <p:spPr>
+            <a:xfrm flipH="1">
+              <a:off x="859808" y="4855193"/>
+              <a:ext cx="95251" cy="381000"/>
+            </a:xfrm>
+            <a:prstGeom prst="rect">
+              <a:avLst/>
+            </a:prstGeom>
+            <a:solidFill>
+              <a:schemeClr val="accent6">
+                <a:lumMod val="60000"/>
+                <a:lumOff val="40000"/>
+              </a:schemeClr>
+            </a:solidFill>
+          </p:spPr>
+          <p:style>
+            <a:lnRef idx="2">
+              <a:schemeClr val="accent1">
+                <a:shade val="50000"/>
+              </a:schemeClr>
+            </a:lnRef>
+            <a:fillRef idx="1">
+              <a:schemeClr val="accent1"/>
+            </a:fillRef>
+            <a:effectRef idx="0">
+              <a:schemeClr val="accent1"/>
+            </a:effectRef>
+            <a:fontRef idx="minor">
+              <a:schemeClr val="lt1"/>
+            </a:fontRef>
+          </p:style>
+          <p:txBody>
+            <a:bodyPr rtlCol="0" anchor="ctr"/>
+            <a:lstStyle/>
+            <a:p>
+              <a:pPr algn="ctr"/>
+              <a:endParaRPr lang="en-US"/>
+            </a:p>
+          </p:txBody>
+        </p:sp>
+        <p:sp>
+          <p:nvSpPr>
+            <p:cNvPr id="284" name="283 Rectángulo"/>
+            <p:cNvSpPr/>
+            <p:nvPr/>
+          </p:nvSpPr>
+          <p:spPr>
+            <a:xfrm flipH="1">
+              <a:off x="997802" y="4855193"/>
+              <a:ext cx="95251" cy="381000"/>
+            </a:xfrm>
+            <a:prstGeom prst="rect">
+              <a:avLst/>
+            </a:prstGeom>
+            <a:solidFill>
+              <a:schemeClr val="accent6">
+                <a:lumMod val="60000"/>
+                <a:lumOff val="40000"/>
+              </a:schemeClr>
+            </a:solidFill>
+          </p:spPr>
+          <p:style>
+            <a:lnRef idx="2">
+              <a:schemeClr val="accent1">
+                <a:shade val="50000"/>
+              </a:schemeClr>
+            </a:lnRef>
+            <a:fillRef idx="1">
+              <a:schemeClr val="accent1"/>
+            </a:fillRef>
+            <a:effectRef idx="0">
+              <a:schemeClr val="accent1"/>
+            </a:effectRef>
+            <a:fontRef idx="minor">
+              <a:schemeClr val="lt1"/>
+            </a:fontRef>
+          </p:style>
+          <p:txBody>
+            <a:bodyPr rtlCol="0" anchor="ctr"/>
+            <a:lstStyle/>
+            <a:p>
+              <a:pPr algn="ctr"/>
+              <a:endParaRPr lang="en-US"/>
+            </a:p>
+          </p:txBody>
+        </p:sp>
+        <p:sp>
+          <p:nvSpPr>
+            <p:cNvPr id="285" name="284 Rectángulo"/>
+            <p:cNvSpPr/>
+            <p:nvPr/>
+          </p:nvSpPr>
+          <p:spPr>
+            <a:xfrm flipH="1">
+              <a:off x="1128213" y="4863153"/>
+              <a:ext cx="95251" cy="381000"/>
+            </a:xfrm>
+            <a:prstGeom prst="rect">
+              <a:avLst/>
+            </a:prstGeom>
+            <a:solidFill>
+              <a:schemeClr val="accent6">
+                <a:lumMod val="60000"/>
+                <a:lumOff val="40000"/>
+              </a:schemeClr>
+            </a:solidFill>
+          </p:spPr>
+          <p:style>
+            <a:lnRef idx="2">
+              <a:schemeClr val="accent1">
+                <a:shade val="50000"/>
+              </a:schemeClr>
+            </a:lnRef>
+            <a:fillRef idx="1">
+              <a:schemeClr val="accent1"/>
+            </a:fillRef>
+            <a:effectRef idx="0">
+              <a:schemeClr val="accent1"/>
+            </a:effectRef>
+            <a:fontRef idx="minor">
+              <a:schemeClr val="lt1"/>
+            </a:fontRef>
+          </p:style>
+          <p:txBody>
+            <a:bodyPr rtlCol="0" anchor="ctr"/>
+            <a:lstStyle/>
+            <a:p>
+              <a:pPr algn="ctr"/>
+              <a:endParaRPr lang="en-US"/>
+            </a:p>
+          </p:txBody>
+        </p:sp>
+        <p:sp>
+          <p:nvSpPr>
+            <p:cNvPr id="286" name="285 Rectángulo"/>
+            <p:cNvSpPr/>
+            <p:nvPr/>
+          </p:nvSpPr>
+          <p:spPr>
+            <a:xfrm flipH="1">
+              <a:off x="1248010" y="4863153"/>
+              <a:ext cx="95251" cy="381000"/>
+            </a:xfrm>
+            <a:prstGeom prst="rect">
+              <a:avLst/>
+            </a:prstGeom>
+            <a:solidFill>
+              <a:schemeClr val="accent6">
+                <a:lumMod val="60000"/>
+                <a:lumOff val="40000"/>
+              </a:schemeClr>
+            </a:solidFill>
+          </p:spPr>
+          <p:style>
+            <a:lnRef idx="2">
+              <a:schemeClr val="accent1">
+                <a:shade val="50000"/>
+              </a:schemeClr>
+            </a:lnRef>
+            <a:fillRef idx="1">
+              <a:schemeClr val="accent1"/>
+            </a:fillRef>
+            <a:effectRef idx="0">
+              <a:schemeClr val="accent1"/>
+            </a:effectRef>
+            <a:fontRef idx="minor">
+              <a:schemeClr val="lt1"/>
+            </a:fontRef>
+          </p:style>
+          <p:txBody>
+            <a:bodyPr rtlCol="0" anchor="ctr"/>
+            <a:lstStyle/>
+            <a:p>
+              <a:pPr algn="ctr"/>
+              <a:endParaRPr lang="en-US"/>
+            </a:p>
+          </p:txBody>
+        </p:sp>
+        <p:sp>
+          <p:nvSpPr>
+            <p:cNvPr id="287" name="286 Rectángulo"/>
+            <p:cNvSpPr/>
+            <p:nvPr/>
+          </p:nvSpPr>
+          <p:spPr>
+            <a:xfrm flipH="1">
+              <a:off x="1367808" y="4863153"/>
+              <a:ext cx="95251" cy="381000"/>
+            </a:xfrm>
+            <a:prstGeom prst="rect">
+              <a:avLst/>
+            </a:prstGeom>
+            <a:solidFill>
+              <a:schemeClr val="accent6">
+                <a:lumMod val="60000"/>
+                <a:lumOff val="40000"/>
+              </a:schemeClr>
+            </a:solidFill>
+          </p:spPr>
+          <p:style>
+            <a:lnRef idx="2">
+              <a:schemeClr val="accent1">
+                <a:shade val="50000"/>
+              </a:schemeClr>
+            </a:lnRef>
+            <a:fillRef idx="1">
+              <a:schemeClr val="accent1"/>
+            </a:fillRef>
+            <a:effectRef idx="0">
+              <a:schemeClr val="accent1"/>
+            </a:effectRef>
+            <a:fontRef idx="minor">
+              <a:schemeClr val="lt1"/>
+            </a:fontRef>
+          </p:style>
+          <p:txBody>
+            <a:bodyPr rtlCol="0" anchor="ctr"/>
+            <a:lstStyle/>
+            <a:p>
+              <a:pPr algn="ctr"/>
+              <a:endParaRPr lang="en-US"/>
+            </a:p>
+          </p:txBody>
+        </p:sp>
+        <p:sp>
+          <p:nvSpPr>
+            <p:cNvPr id="288" name="287 Rectángulo"/>
+            <p:cNvSpPr/>
+            <p:nvPr/>
+          </p:nvSpPr>
+          <p:spPr>
+            <a:xfrm flipH="1">
+              <a:off x="1498218" y="4863153"/>
+              <a:ext cx="95251" cy="381000"/>
+            </a:xfrm>
+            <a:prstGeom prst="rect">
+              <a:avLst/>
+            </a:prstGeom>
+            <a:solidFill>
+              <a:schemeClr val="accent6">
+                <a:lumMod val="60000"/>
+                <a:lumOff val="40000"/>
+              </a:schemeClr>
+            </a:solidFill>
+          </p:spPr>
+          <p:style>
+            <a:lnRef idx="2">
+              <a:schemeClr val="accent1">
+                <a:shade val="50000"/>
+              </a:schemeClr>
+            </a:lnRef>
+            <a:fillRef idx="1">
+              <a:schemeClr val="accent1"/>
+            </a:fillRef>
+            <a:effectRef idx="0">
+              <a:schemeClr val="accent1"/>
+            </a:effectRef>
+            <a:fontRef idx="minor">
+              <a:schemeClr val="lt1"/>
+            </a:fontRef>
+          </p:style>
+          <p:txBody>
+            <a:bodyPr rtlCol="0" anchor="ctr"/>
+            <a:lstStyle/>
+            <a:p>
+              <a:pPr algn="ctr"/>
+              <a:endParaRPr lang="en-US"/>
+            </a:p>
+          </p:txBody>
+        </p:sp>
+        <p:sp>
+          <p:nvSpPr>
+            <p:cNvPr id="289" name="288 Rectángulo"/>
+            <p:cNvSpPr/>
+            <p:nvPr/>
+          </p:nvSpPr>
+          <p:spPr>
+            <a:xfrm flipH="1">
+              <a:off x="1636213" y="4863153"/>
+              <a:ext cx="95251" cy="381000"/>
+            </a:xfrm>
+            <a:prstGeom prst="rect">
+              <a:avLst/>
+            </a:prstGeom>
+            <a:solidFill>
+              <a:schemeClr val="accent6">
+                <a:lumMod val="60000"/>
+                <a:lumOff val="40000"/>
+              </a:schemeClr>
+            </a:solidFill>
+          </p:spPr>
+          <p:style>
+            <a:lnRef idx="2">
+              <a:schemeClr val="accent1">
+                <a:shade val="50000"/>
+              </a:schemeClr>
+            </a:lnRef>
+            <a:fillRef idx="1">
+              <a:schemeClr val="accent1"/>
+            </a:fillRef>
+            <a:effectRef idx="0">
+              <a:schemeClr val="accent1"/>
+            </a:effectRef>
+            <a:fontRef idx="minor">
+              <a:schemeClr val="lt1"/>
+            </a:fontRef>
+          </p:style>
+          <p:txBody>
+            <a:bodyPr rtlCol="0" anchor="ctr"/>
+            <a:lstStyle/>
+            <a:p>
+              <a:pPr algn="ctr"/>
+              <a:endParaRPr lang="en-US"/>
+            </a:p>
+          </p:txBody>
+        </p:sp>
+      </p:grpSp>
+      <p:grpSp>
+        <p:nvGrpSpPr>
+          <p:cNvPr id="290" name="289 Grupo"/>
+          <p:cNvGrpSpPr/>
+          <p:nvPr/>
+        </p:nvGrpSpPr>
+        <p:grpSpPr>
+          <a:xfrm>
+            <a:off x="3867137" y="4784188"/>
+            <a:ext cx="1524000" cy="501805"/>
+            <a:chOff x="479189" y="4800601"/>
+            <a:chExt cx="1524000" cy="501805"/>
+          </a:xfrm>
+        </p:grpSpPr>
+        <p:sp>
+          <p:nvSpPr>
+            <p:cNvPr id="291" name="290 Rectángulo"/>
+            <p:cNvSpPr/>
+            <p:nvPr/>
+          </p:nvSpPr>
+          <p:spPr>
+            <a:xfrm flipH="1">
+              <a:off x="479189" y="4800601"/>
+              <a:ext cx="1524000" cy="501805"/>
+            </a:xfrm>
+            <a:prstGeom prst="rect">
+              <a:avLst/>
+            </a:prstGeom>
+            <a:solidFill>
+              <a:schemeClr val="accent6">
+                <a:lumMod val="40000"/>
+                <a:lumOff val="60000"/>
+              </a:schemeClr>
+            </a:solidFill>
+            <a:ln>
+              <a:solidFill>
+                <a:schemeClr val="tx2"/>
+              </a:solidFill>
+            </a:ln>
+          </p:spPr>
+          <p:style>
+            <a:lnRef idx="2">
+              <a:schemeClr val="accent6"/>
+            </a:lnRef>
+            <a:fillRef idx="1">
+              <a:schemeClr val="lt1"/>
+            </a:fillRef>
+            <a:effectRef idx="0">
+              <a:schemeClr val="accent6"/>
+            </a:effectRef>
+            <a:fontRef idx="minor">
+              <a:schemeClr val="dk1"/>
+            </a:fontRef>
+          </p:style>
+          <p:txBody>
+            <a:bodyPr rtlCol="0" anchor="ctr"/>
+            <a:lstStyle/>
+            <a:p>
+              <a:pPr algn="ctr"/>
+              <a:endParaRPr lang="en-US"/>
+            </a:p>
+          </p:txBody>
+        </p:sp>
+        <p:sp>
+          <p:nvSpPr>
+            <p:cNvPr id="292" name="291 Rectángulo"/>
+            <p:cNvSpPr/>
+            <p:nvPr/>
+          </p:nvSpPr>
+          <p:spPr>
+            <a:xfrm flipH="1">
+              <a:off x="479189" y="4939353"/>
+              <a:ext cx="91440" cy="228600"/>
+            </a:xfrm>
+            <a:prstGeom prst="rect">
+              <a:avLst/>
+            </a:prstGeom>
+            <a:solidFill>
+              <a:schemeClr val="accent6">
+                <a:lumMod val="60000"/>
+                <a:lumOff val="40000"/>
+              </a:schemeClr>
+            </a:solidFill>
+          </p:spPr>
+          <p:style>
+            <a:lnRef idx="2">
+              <a:schemeClr val="accent1">
+                <a:shade val="50000"/>
+              </a:schemeClr>
+            </a:lnRef>
+            <a:fillRef idx="1">
+              <a:schemeClr val="accent1"/>
+            </a:fillRef>
+            <a:effectRef idx="0">
+              <a:schemeClr val="accent1"/>
+            </a:effectRef>
+            <a:fontRef idx="minor">
+              <a:schemeClr val="lt1"/>
+            </a:fontRef>
+          </p:style>
+          <p:txBody>
+            <a:bodyPr rtlCol="0" anchor="ctr"/>
+            <a:lstStyle/>
+            <a:p>
+              <a:pPr algn="ctr"/>
+              <a:endParaRPr lang="en-US"/>
+            </a:p>
+          </p:txBody>
+        </p:sp>
+        <p:sp>
+          <p:nvSpPr>
+            <p:cNvPr id="293" name="292 Rectángulo"/>
+            <p:cNvSpPr/>
+            <p:nvPr/>
+          </p:nvSpPr>
+          <p:spPr>
+            <a:xfrm flipH="1">
+              <a:off x="859808" y="4855193"/>
+              <a:ext cx="95251" cy="381000"/>
+            </a:xfrm>
+            <a:prstGeom prst="rect">
+              <a:avLst/>
+            </a:prstGeom>
+            <a:solidFill>
+              <a:schemeClr val="accent6">
+                <a:lumMod val="60000"/>
+                <a:lumOff val="40000"/>
+              </a:schemeClr>
+            </a:solidFill>
+          </p:spPr>
+          <p:style>
+            <a:lnRef idx="2">
+              <a:schemeClr val="accent1">
+                <a:shade val="50000"/>
+              </a:schemeClr>
+            </a:lnRef>
+            <a:fillRef idx="1">
+              <a:schemeClr val="accent1"/>
+            </a:fillRef>
+            <a:effectRef idx="0">
+              <a:schemeClr val="accent1"/>
+            </a:effectRef>
+            <a:fontRef idx="minor">
+              <a:schemeClr val="lt1"/>
+            </a:fontRef>
+          </p:style>
+          <p:txBody>
+            <a:bodyPr rtlCol="0" anchor="ctr"/>
+            <a:lstStyle/>
+            <a:p>
+              <a:pPr algn="ctr"/>
+              <a:endParaRPr lang="en-US"/>
+            </a:p>
+          </p:txBody>
+        </p:sp>
+        <p:sp>
+          <p:nvSpPr>
+            <p:cNvPr id="294" name="293 Rectángulo"/>
+            <p:cNvSpPr/>
+            <p:nvPr/>
+          </p:nvSpPr>
+          <p:spPr>
+            <a:xfrm flipH="1">
+              <a:off x="997802" y="4855193"/>
+              <a:ext cx="95251" cy="381000"/>
+            </a:xfrm>
+            <a:prstGeom prst="rect">
+              <a:avLst/>
+            </a:prstGeom>
+            <a:solidFill>
+              <a:schemeClr val="accent6">
+                <a:lumMod val="60000"/>
+                <a:lumOff val="40000"/>
+              </a:schemeClr>
+            </a:solidFill>
+          </p:spPr>
+          <p:style>
+            <a:lnRef idx="2">
+              <a:schemeClr val="accent1">
+                <a:shade val="50000"/>
+              </a:schemeClr>
+            </a:lnRef>
+            <a:fillRef idx="1">
+              <a:schemeClr val="accent1"/>
+            </a:fillRef>
+            <a:effectRef idx="0">
+              <a:schemeClr val="accent1"/>
+            </a:effectRef>
+            <a:fontRef idx="minor">
+              <a:schemeClr val="lt1"/>
+            </a:fontRef>
+          </p:style>
+          <p:txBody>
+            <a:bodyPr rtlCol="0" anchor="ctr"/>
+            <a:lstStyle/>
+            <a:p>
+              <a:pPr algn="ctr"/>
+              <a:endParaRPr lang="en-US"/>
+            </a:p>
+          </p:txBody>
+        </p:sp>
+        <p:sp>
+          <p:nvSpPr>
+            <p:cNvPr id="295" name="294 Rectángulo"/>
+            <p:cNvSpPr/>
+            <p:nvPr/>
+          </p:nvSpPr>
+          <p:spPr>
+            <a:xfrm flipH="1">
+              <a:off x="1128213" y="4863153"/>
+              <a:ext cx="95251" cy="381000"/>
+            </a:xfrm>
+            <a:prstGeom prst="rect">
+              <a:avLst/>
+            </a:prstGeom>
+            <a:solidFill>
+              <a:schemeClr val="accent6">
+                <a:lumMod val="60000"/>
+                <a:lumOff val="40000"/>
+              </a:schemeClr>
+            </a:solidFill>
+          </p:spPr>
+          <p:style>
+            <a:lnRef idx="2">
+              <a:schemeClr val="accent1">
+                <a:shade val="50000"/>
+              </a:schemeClr>
+            </a:lnRef>
+            <a:fillRef idx="1">
+              <a:schemeClr val="accent1"/>
+            </a:fillRef>
+            <a:effectRef idx="0">
+              <a:schemeClr val="accent1"/>
+            </a:effectRef>
+            <a:fontRef idx="minor">
+              <a:schemeClr val="lt1"/>
+            </a:fontRef>
+          </p:style>
+          <p:txBody>
+            <a:bodyPr rtlCol="0" anchor="ctr"/>
+            <a:lstStyle/>
+            <a:p>
+              <a:pPr algn="ctr"/>
+              <a:endParaRPr lang="en-US"/>
+            </a:p>
+          </p:txBody>
+        </p:sp>
+        <p:sp>
+          <p:nvSpPr>
+            <p:cNvPr id="296" name="295 Rectángulo"/>
+            <p:cNvSpPr/>
+            <p:nvPr/>
+          </p:nvSpPr>
+          <p:spPr>
+            <a:xfrm flipH="1">
+              <a:off x="1248010" y="4863153"/>
+              <a:ext cx="95251" cy="381000"/>
+            </a:xfrm>
+            <a:prstGeom prst="rect">
+              <a:avLst/>
+            </a:prstGeom>
+            <a:solidFill>
+              <a:schemeClr val="accent6">
+                <a:lumMod val="60000"/>
+                <a:lumOff val="40000"/>
+              </a:schemeClr>
+            </a:solidFill>
+          </p:spPr>
+          <p:style>
+            <a:lnRef idx="2">
+              <a:schemeClr val="accent1">
+                <a:shade val="50000"/>
+              </a:schemeClr>
+            </a:lnRef>
+            <a:fillRef idx="1">
+              <a:schemeClr val="accent1"/>
+            </a:fillRef>
+            <a:effectRef idx="0">
+              <a:schemeClr val="accent1"/>
+            </a:effectRef>
+            <a:fontRef idx="minor">
+              <a:schemeClr val="lt1"/>
+            </a:fontRef>
+          </p:style>
+          <p:txBody>
+            <a:bodyPr rtlCol="0" anchor="ctr"/>
+            <a:lstStyle/>
+            <a:p>
+              <a:pPr algn="ctr"/>
+              <a:endParaRPr lang="en-US"/>
+            </a:p>
+          </p:txBody>
+        </p:sp>
+        <p:sp>
+          <p:nvSpPr>
+            <p:cNvPr id="297" name="296 Rectángulo"/>
+            <p:cNvSpPr/>
+            <p:nvPr/>
+          </p:nvSpPr>
+          <p:spPr>
+            <a:xfrm flipH="1">
+              <a:off x="1367808" y="4863153"/>
+              <a:ext cx="95251" cy="381000"/>
+            </a:xfrm>
+            <a:prstGeom prst="rect">
+              <a:avLst/>
+            </a:prstGeom>
+            <a:solidFill>
+              <a:schemeClr val="accent6">
+                <a:lumMod val="60000"/>
+                <a:lumOff val="40000"/>
+              </a:schemeClr>
+            </a:solidFill>
+          </p:spPr>
+          <p:style>
+            <a:lnRef idx="2">
+              <a:schemeClr val="accent1">
+                <a:shade val="50000"/>
+              </a:schemeClr>
+            </a:lnRef>
+            <a:fillRef idx="1">
+              <a:schemeClr val="accent1"/>
+            </a:fillRef>
+            <a:effectRef idx="0">
+              <a:schemeClr val="accent1"/>
+            </a:effectRef>
+            <a:fontRef idx="minor">
+              <a:schemeClr val="lt1"/>
+            </a:fontRef>
+          </p:style>
+          <p:txBody>
+            <a:bodyPr rtlCol="0" anchor="ctr"/>
+            <a:lstStyle/>
+            <a:p>
+              <a:pPr algn="ctr"/>
+              <a:endParaRPr lang="en-US"/>
+            </a:p>
+          </p:txBody>
+        </p:sp>
+        <p:sp>
+          <p:nvSpPr>
+            <p:cNvPr id="298" name="297 Rectángulo"/>
+            <p:cNvSpPr/>
+            <p:nvPr/>
+          </p:nvSpPr>
+          <p:spPr>
+            <a:xfrm flipH="1">
+              <a:off x="1498218" y="4863153"/>
+              <a:ext cx="95251" cy="381000"/>
+            </a:xfrm>
+            <a:prstGeom prst="rect">
+              <a:avLst/>
+            </a:prstGeom>
+            <a:solidFill>
+              <a:schemeClr val="accent6">
+                <a:lumMod val="60000"/>
+                <a:lumOff val="40000"/>
+              </a:schemeClr>
+            </a:solidFill>
+          </p:spPr>
+          <p:style>
+            <a:lnRef idx="2">
+              <a:schemeClr val="accent1">
+                <a:shade val="50000"/>
+              </a:schemeClr>
+            </a:lnRef>
+            <a:fillRef idx="1">
+              <a:schemeClr val="accent1"/>
+            </a:fillRef>
+            <a:effectRef idx="0">
+              <a:schemeClr val="accent1"/>
+            </a:effectRef>
+            <a:fontRef idx="minor">
+              <a:schemeClr val="lt1"/>
+            </a:fontRef>
+          </p:style>
+          <p:txBody>
+            <a:bodyPr rtlCol="0" anchor="ctr"/>
+            <a:lstStyle/>
+            <a:p>
+              <a:pPr algn="ctr"/>
+              <a:endParaRPr lang="en-US"/>
+            </a:p>
+          </p:txBody>
+        </p:sp>
+        <p:sp>
+          <p:nvSpPr>
+            <p:cNvPr id="299" name="298 Rectángulo"/>
+            <p:cNvSpPr/>
+            <p:nvPr/>
+          </p:nvSpPr>
+          <p:spPr>
+            <a:xfrm flipH="1">
+              <a:off x="1636213" y="4863153"/>
+              <a:ext cx="95251" cy="381000"/>
+            </a:xfrm>
+            <a:prstGeom prst="rect">
+              <a:avLst/>
+            </a:prstGeom>
+            <a:solidFill>
+              <a:schemeClr val="accent6">
+                <a:lumMod val="60000"/>
+                <a:lumOff val="40000"/>
+              </a:schemeClr>
+            </a:solidFill>
+          </p:spPr>
+          <p:style>
+            <a:lnRef idx="2">
+              <a:schemeClr val="accent1">
+                <a:shade val="50000"/>
+              </a:schemeClr>
+            </a:lnRef>
+            <a:fillRef idx="1">
+              <a:schemeClr val="accent1"/>
+            </a:fillRef>
+            <a:effectRef idx="0">
+              <a:schemeClr val="accent1"/>
+            </a:effectRef>
+            <a:fontRef idx="minor">
+              <a:schemeClr val="lt1"/>
+            </a:fontRef>
+          </p:style>
+          <p:txBody>
+            <a:bodyPr rtlCol="0" anchor="ctr"/>
+            <a:lstStyle/>
+            <a:p>
+              <a:pPr algn="ctr"/>
+              <a:endParaRPr lang="en-US"/>
+            </a:p>
+          </p:txBody>
+        </p:sp>
+      </p:grpSp>
+      <p:grpSp>
+        <p:nvGrpSpPr>
+          <p:cNvPr id="300" name="299 Grupo"/>
+          <p:cNvGrpSpPr/>
+          <p:nvPr/>
+        </p:nvGrpSpPr>
+        <p:grpSpPr>
+          <a:xfrm>
+            <a:off x="8861168" y="4812324"/>
+            <a:ext cx="1524000" cy="501805"/>
+            <a:chOff x="479189" y="4800601"/>
+            <a:chExt cx="1524000" cy="501805"/>
+          </a:xfrm>
+        </p:grpSpPr>
+        <p:sp>
+          <p:nvSpPr>
+            <p:cNvPr id="301" name="300 Rectángulo"/>
+            <p:cNvSpPr/>
+            <p:nvPr/>
+          </p:nvSpPr>
+          <p:spPr>
+            <a:xfrm flipH="1">
+              <a:off x="479189" y="4800601"/>
+              <a:ext cx="1524000" cy="501805"/>
+            </a:xfrm>
+            <a:prstGeom prst="rect">
+              <a:avLst/>
+            </a:prstGeom>
+            <a:solidFill>
+              <a:schemeClr val="accent6">
+                <a:lumMod val="40000"/>
+                <a:lumOff val="60000"/>
+              </a:schemeClr>
+            </a:solidFill>
+            <a:ln>
+              <a:solidFill>
+                <a:schemeClr val="tx2"/>
+              </a:solidFill>
+            </a:ln>
+          </p:spPr>
+          <p:style>
+            <a:lnRef idx="2">
+              <a:schemeClr val="accent6"/>
+            </a:lnRef>
+            <a:fillRef idx="1">
+              <a:schemeClr val="lt1"/>
+            </a:fillRef>
+            <a:effectRef idx="0">
+              <a:schemeClr val="accent6"/>
+            </a:effectRef>
+            <a:fontRef idx="minor">
+              <a:schemeClr val="dk1"/>
+            </a:fontRef>
+          </p:style>
+          <p:txBody>
+            <a:bodyPr rtlCol="0" anchor="ctr"/>
+            <a:lstStyle/>
+            <a:p>
+              <a:pPr algn="ctr"/>
+              <a:endParaRPr lang="en-US"/>
+            </a:p>
+          </p:txBody>
+        </p:sp>
+        <p:sp>
+          <p:nvSpPr>
+            <p:cNvPr id="302" name="301 Rectángulo"/>
+            <p:cNvSpPr/>
+            <p:nvPr/>
+          </p:nvSpPr>
+          <p:spPr>
+            <a:xfrm flipH="1">
+              <a:off x="479189" y="4939353"/>
+              <a:ext cx="91440" cy="228600"/>
+            </a:xfrm>
+            <a:prstGeom prst="rect">
+              <a:avLst/>
+            </a:prstGeom>
+            <a:solidFill>
+              <a:schemeClr val="accent6">
+                <a:lumMod val="60000"/>
+                <a:lumOff val="40000"/>
+              </a:schemeClr>
+            </a:solidFill>
+          </p:spPr>
+          <p:style>
+            <a:lnRef idx="2">
+              <a:schemeClr val="accent1">
+                <a:shade val="50000"/>
+              </a:schemeClr>
+            </a:lnRef>
+            <a:fillRef idx="1">
+              <a:schemeClr val="accent1"/>
+            </a:fillRef>
+            <a:effectRef idx="0">
+              <a:schemeClr val="accent1"/>
+            </a:effectRef>
+            <a:fontRef idx="minor">
+              <a:schemeClr val="lt1"/>
+            </a:fontRef>
+          </p:style>
+          <p:txBody>
+            <a:bodyPr rtlCol="0" anchor="ctr"/>
+            <a:lstStyle/>
+            <a:p>
+              <a:pPr algn="ctr"/>
+              <a:endParaRPr lang="en-US"/>
+            </a:p>
+          </p:txBody>
+        </p:sp>
+        <p:sp>
+          <p:nvSpPr>
+            <p:cNvPr id="303" name="302 Rectángulo"/>
+            <p:cNvSpPr/>
+            <p:nvPr/>
+          </p:nvSpPr>
+          <p:spPr>
+            <a:xfrm flipH="1">
+              <a:off x="859808" y="4855193"/>
+              <a:ext cx="95251" cy="381000"/>
+            </a:xfrm>
+            <a:prstGeom prst="rect">
+              <a:avLst/>
+            </a:prstGeom>
+            <a:solidFill>
+              <a:schemeClr val="accent6">
+                <a:lumMod val="60000"/>
+                <a:lumOff val="40000"/>
+              </a:schemeClr>
+            </a:solidFill>
+          </p:spPr>
+          <p:style>
+            <a:lnRef idx="2">
+              <a:schemeClr val="accent1">
+                <a:shade val="50000"/>
+              </a:schemeClr>
+            </a:lnRef>
+            <a:fillRef idx="1">
+              <a:schemeClr val="accent1"/>
+            </a:fillRef>
+            <a:effectRef idx="0">
+              <a:schemeClr val="accent1"/>
+            </a:effectRef>
+            <a:fontRef idx="minor">
+              <a:schemeClr val="lt1"/>
+            </a:fontRef>
+          </p:style>
+          <p:txBody>
+            <a:bodyPr rtlCol="0" anchor="ctr"/>
+            <a:lstStyle/>
+            <a:p>
+              <a:pPr algn="ctr"/>
+              <a:endParaRPr lang="en-US"/>
+            </a:p>
+          </p:txBody>
+        </p:sp>
+        <p:sp>
+          <p:nvSpPr>
+            <p:cNvPr id="304" name="303 Rectángulo"/>
+            <p:cNvSpPr/>
+            <p:nvPr/>
+          </p:nvSpPr>
+          <p:spPr>
+            <a:xfrm flipH="1">
+              <a:off x="997802" y="4855193"/>
+              <a:ext cx="95251" cy="381000"/>
+            </a:xfrm>
+            <a:prstGeom prst="rect">
+              <a:avLst/>
+            </a:prstGeom>
+            <a:solidFill>
+              <a:schemeClr val="accent6">
+                <a:lumMod val="60000"/>
+                <a:lumOff val="40000"/>
+              </a:schemeClr>
+            </a:solidFill>
+          </p:spPr>
+          <p:style>
+            <a:lnRef idx="2">
+              <a:schemeClr val="accent1">
+                <a:shade val="50000"/>
+              </a:schemeClr>
+            </a:lnRef>
+            <a:fillRef idx="1">
+              <a:schemeClr val="accent1"/>
+            </a:fillRef>
+            <a:effectRef idx="0">
+              <a:schemeClr val="accent1"/>
+            </a:effectRef>
+            <a:fontRef idx="minor">
+              <a:schemeClr val="lt1"/>
+            </a:fontRef>
+          </p:style>
+          <p:txBody>
+            <a:bodyPr rtlCol="0" anchor="ctr"/>
+            <a:lstStyle/>
+            <a:p>
+              <a:pPr algn="ctr"/>
+              <a:endParaRPr lang="en-US"/>
+            </a:p>
+          </p:txBody>
+        </p:sp>
+        <p:sp>
+          <p:nvSpPr>
+            <p:cNvPr id="305" name="304 Rectángulo"/>
+            <p:cNvSpPr/>
+            <p:nvPr/>
+          </p:nvSpPr>
+          <p:spPr>
+            <a:xfrm flipH="1">
+              <a:off x="1128213" y="4863153"/>
+              <a:ext cx="95251" cy="381000"/>
+            </a:xfrm>
+            <a:prstGeom prst="rect">
+              <a:avLst/>
+            </a:prstGeom>
+            <a:solidFill>
+              <a:schemeClr val="accent6">
+                <a:lumMod val="60000"/>
+                <a:lumOff val="40000"/>
+              </a:schemeClr>
+            </a:solidFill>
+          </p:spPr>
+          <p:style>
+            <a:lnRef idx="2">
+              <a:schemeClr val="accent1">
+                <a:shade val="50000"/>
+              </a:schemeClr>
+            </a:lnRef>
+            <a:fillRef idx="1">
+              <a:schemeClr val="accent1"/>
+            </a:fillRef>
+            <a:effectRef idx="0">
+              <a:schemeClr val="accent1"/>
+            </a:effectRef>
+            <a:fontRef idx="minor">
+              <a:schemeClr val="lt1"/>
+            </a:fontRef>
+          </p:style>
+          <p:txBody>
+            <a:bodyPr rtlCol="0" anchor="ctr"/>
+            <a:lstStyle/>
+            <a:p>
+              <a:pPr algn="ctr"/>
+              <a:endParaRPr lang="en-US"/>
+            </a:p>
+          </p:txBody>
+        </p:sp>
+        <p:sp>
+          <p:nvSpPr>
+            <p:cNvPr id="306" name="305 Rectángulo"/>
+            <p:cNvSpPr/>
+            <p:nvPr/>
+          </p:nvSpPr>
+          <p:spPr>
+            <a:xfrm flipH="1">
+              <a:off x="1248010" y="4863153"/>
+              <a:ext cx="95251" cy="381000"/>
+            </a:xfrm>
+            <a:prstGeom prst="rect">
+              <a:avLst/>
+            </a:prstGeom>
+            <a:solidFill>
+              <a:schemeClr val="accent6">
+                <a:lumMod val="60000"/>
+                <a:lumOff val="40000"/>
+              </a:schemeClr>
+            </a:solidFill>
+          </p:spPr>
+          <p:style>
+            <a:lnRef idx="2">
+              <a:schemeClr val="accent1">
+                <a:shade val="50000"/>
+              </a:schemeClr>
+            </a:lnRef>
+            <a:fillRef idx="1">
+              <a:schemeClr val="accent1"/>
+            </a:fillRef>
+            <a:effectRef idx="0">
+              <a:schemeClr val="accent1"/>
+            </a:effectRef>
+            <a:fontRef idx="minor">
+              <a:schemeClr val="lt1"/>
+            </a:fontRef>
+          </p:style>
+          <p:txBody>
+            <a:bodyPr rtlCol="0" anchor="ctr"/>
+            <a:lstStyle/>
+            <a:p>
+              <a:pPr algn="ctr"/>
+              <a:endParaRPr lang="en-US"/>
+            </a:p>
+          </p:txBody>
+        </p:sp>
+        <p:sp>
+          <p:nvSpPr>
+            <p:cNvPr id="307" name="306 Rectángulo"/>
+            <p:cNvSpPr/>
+            <p:nvPr/>
+          </p:nvSpPr>
+          <p:spPr>
+            <a:xfrm flipH="1">
+              <a:off x="1367808" y="4863153"/>
+              <a:ext cx="95251" cy="381000"/>
+            </a:xfrm>
+            <a:prstGeom prst="rect">
+              <a:avLst/>
+            </a:prstGeom>
+            <a:solidFill>
+              <a:schemeClr val="accent6">
+                <a:lumMod val="60000"/>
+                <a:lumOff val="40000"/>
+              </a:schemeClr>
+            </a:solidFill>
+          </p:spPr>
+          <p:style>
+            <a:lnRef idx="2">
+              <a:schemeClr val="accent1">
+                <a:shade val="50000"/>
+              </a:schemeClr>
+            </a:lnRef>
+            <a:fillRef idx="1">
+              <a:schemeClr val="accent1"/>
+            </a:fillRef>
+            <a:effectRef idx="0">
+              <a:schemeClr val="accent1"/>
+            </a:effectRef>
+            <a:fontRef idx="minor">
+              <a:schemeClr val="lt1"/>
+            </a:fontRef>
+          </p:style>
+          <p:txBody>
+            <a:bodyPr rtlCol="0" anchor="ctr"/>
+            <a:lstStyle/>
+            <a:p>
+              <a:pPr algn="ctr"/>
+              <a:endParaRPr lang="en-US"/>
+            </a:p>
+          </p:txBody>
+        </p:sp>
+        <p:sp>
+          <p:nvSpPr>
+            <p:cNvPr id="308" name="307 Rectángulo"/>
+            <p:cNvSpPr/>
+            <p:nvPr/>
+          </p:nvSpPr>
+          <p:spPr>
+            <a:xfrm flipH="1">
+              <a:off x="1498218" y="4863153"/>
+              <a:ext cx="95251" cy="381000"/>
+            </a:xfrm>
+            <a:prstGeom prst="rect">
+              <a:avLst/>
+            </a:prstGeom>
+            <a:solidFill>
+              <a:schemeClr val="accent6">
+                <a:lumMod val="60000"/>
+                <a:lumOff val="40000"/>
+              </a:schemeClr>
+            </a:solidFill>
+          </p:spPr>
+          <p:style>
+            <a:lnRef idx="2">
+              <a:schemeClr val="accent1">
+                <a:shade val="50000"/>
+              </a:schemeClr>
+            </a:lnRef>
+            <a:fillRef idx="1">
+              <a:schemeClr val="accent1"/>
+            </a:fillRef>
+            <a:effectRef idx="0">
+              <a:schemeClr val="accent1"/>
+            </a:effectRef>
+            <a:fontRef idx="minor">
+              <a:schemeClr val="lt1"/>
+            </a:fontRef>
+          </p:style>
+          <p:txBody>
+            <a:bodyPr rtlCol="0" anchor="ctr"/>
+            <a:lstStyle/>
+            <a:p>
+              <a:pPr algn="ctr"/>
+              <a:endParaRPr lang="en-US"/>
+            </a:p>
+          </p:txBody>
+        </p:sp>
+        <p:sp>
+          <p:nvSpPr>
+            <p:cNvPr id="309" name="308 Rectángulo"/>
+            <p:cNvSpPr/>
+            <p:nvPr/>
+          </p:nvSpPr>
+          <p:spPr>
+            <a:xfrm flipH="1">
+              <a:off x="1636213" y="4863153"/>
+              <a:ext cx="95251" cy="381000"/>
+            </a:xfrm>
+            <a:prstGeom prst="rect">
+              <a:avLst/>
+            </a:prstGeom>
+            <a:solidFill>
+              <a:schemeClr val="accent6">
+                <a:lumMod val="60000"/>
+                <a:lumOff val="40000"/>
+              </a:schemeClr>
+            </a:solidFill>
+          </p:spPr>
+          <p:style>
+            <a:lnRef idx="2">
+              <a:schemeClr val="accent1">
+                <a:shade val="50000"/>
+              </a:schemeClr>
+            </a:lnRef>
+            <a:fillRef idx="1">
+              <a:schemeClr val="accent1"/>
+            </a:fillRef>
+            <a:effectRef idx="0">
+              <a:schemeClr val="accent1"/>
+            </a:effectRef>
+            <a:fontRef idx="minor">
+              <a:schemeClr val="lt1"/>
+            </a:fontRef>
+          </p:style>
+          <p:txBody>
+            <a:bodyPr rtlCol="0" anchor="ctr"/>
+            <a:lstStyle/>
+            <a:p>
+              <a:pPr algn="ctr"/>
+              <a:endParaRPr lang="en-US"/>
+            </a:p>
+          </p:txBody>
+        </p:sp>
+      </p:grpSp>
+      <p:grpSp>
+        <p:nvGrpSpPr>
+          <p:cNvPr id="310" name="309 Grupo"/>
+          <p:cNvGrpSpPr/>
+          <p:nvPr/>
+        </p:nvGrpSpPr>
+        <p:grpSpPr>
+          <a:xfrm>
+            <a:off x="8872997" y="3890544"/>
+            <a:ext cx="1524000" cy="501805"/>
+            <a:chOff x="551979" y="3897577"/>
+            <a:chExt cx="1524000" cy="501805"/>
+          </a:xfrm>
+        </p:grpSpPr>
+        <p:sp>
+          <p:nvSpPr>
+            <p:cNvPr id="311" name="310 Rectángulo"/>
+            <p:cNvSpPr/>
+            <p:nvPr/>
+          </p:nvSpPr>
+          <p:spPr>
+            <a:xfrm flipH="1">
+              <a:off x="551979" y="3897577"/>
+              <a:ext cx="1524000" cy="501805"/>
+            </a:xfrm>
+            <a:prstGeom prst="rect">
+              <a:avLst/>
+            </a:prstGeom>
+            <a:solidFill>
+              <a:schemeClr val="accent1">
+                <a:lumMod val="40000"/>
+                <a:lumOff val="60000"/>
+              </a:schemeClr>
+            </a:solidFill>
+            <a:ln>
+              <a:solidFill>
+                <a:schemeClr val="tx2"/>
+              </a:solidFill>
+            </a:ln>
+          </p:spPr>
+          <p:style>
+            <a:lnRef idx="2">
+              <a:schemeClr val="accent6"/>
+            </a:lnRef>
+            <a:fillRef idx="1">
+              <a:schemeClr val="lt1"/>
+            </a:fillRef>
+            <a:effectRef idx="0">
+              <a:schemeClr val="accent6"/>
+            </a:effectRef>
+            <a:fontRef idx="minor">
+              <a:schemeClr val="dk1"/>
+            </a:fontRef>
+          </p:style>
+          <p:txBody>
+            <a:bodyPr rtlCol="0" anchor="ctr"/>
+            <a:lstStyle/>
+            <a:p>
+              <a:pPr algn="ctr"/>
+              <a:endParaRPr lang="en-US"/>
+            </a:p>
+          </p:txBody>
+        </p:sp>
+        <p:sp>
+          <p:nvSpPr>
+            <p:cNvPr id="312" name="311 Rectángulo"/>
+            <p:cNvSpPr/>
+            <p:nvPr/>
+          </p:nvSpPr>
+          <p:spPr>
+            <a:xfrm flipH="1">
+              <a:off x="551979" y="4036329"/>
+              <a:ext cx="91440" cy="228600"/>
+            </a:xfrm>
+            <a:prstGeom prst="rect">
+              <a:avLst/>
+            </a:prstGeom>
+            <a:solidFill>
+              <a:schemeClr val="accent1">
+                <a:lumMod val="60000"/>
+                <a:lumOff val="40000"/>
+              </a:schemeClr>
+            </a:solidFill>
+          </p:spPr>
+          <p:style>
+            <a:lnRef idx="2">
+              <a:schemeClr val="accent1">
+                <a:shade val="50000"/>
+              </a:schemeClr>
+            </a:lnRef>
+            <a:fillRef idx="1">
+              <a:schemeClr val="accent1"/>
+            </a:fillRef>
+            <a:effectRef idx="0">
+              <a:schemeClr val="accent1"/>
+            </a:effectRef>
+            <a:fontRef idx="minor">
+              <a:schemeClr val="lt1"/>
+            </a:fontRef>
+          </p:style>
+          <p:txBody>
+            <a:bodyPr rtlCol="0" anchor="ctr"/>
+            <a:lstStyle/>
+            <a:p>
+              <a:pPr algn="ctr"/>
+              <a:endParaRPr lang="en-US"/>
+            </a:p>
+          </p:txBody>
+        </p:sp>
+        <p:sp>
+          <p:nvSpPr>
+            <p:cNvPr id="313" name="312 Rectángulo"/>
+            <p:cNvSpPr/>
+            <p:nvPr/>
+          </p:nvSpPr>
+          <p:spPr>
+            <a:xfrm flipH="1">
+              <a:off x="932598" y="3952169"/>
+              <a:ext cx="95251" cy="381000"/>
+            </a:xfrm>
+            <a:prstGeom prst="rect">
+              <a:avLst/>
+            </a:prstGeom>
+            <a:solidFill>
+              <a:schemeClr val="accent1">
+                <a:lumMod val="60000"/>
+                <a:lumOff val="40000"/>
+              </a:schemeClr>
+            </a:solidFill>
+          </p:spPr>
+          <p:style>
+            <a:lnRef idx="2">
+              <a:schemeClr val="accent1">
+                <a:shade val="50000"/>
+              </a:schemeClr>
+            </a:lnRef>
+            <a:fillRef idx="1">
+              <a:schemeClr val="accent1"/>
+            </a:fillRef>
+            <a:effectRef idx="0">
+              <a:schemeClr val="accent1"/>
+            </a:effectRef>
+            <a:fontRef idx="minor">
+              <a:schemeClr val="lt1"/>
+            </a:fontRef>
+          </p:style>
+          <p:txBody>
+            <a:bodyPr rtlCol="0" anchor="ctr"/>
+            <a:lstStyle/>
+            <a:p>
+              <a:pPr algn="ctr"/>
+              <a:endParaRPr lang="en-US"/>
+            </a:p>
+          </p:txBody>
+        </p:sp>
+        <p:sp>
+          <p:nvSpPr>
+            <p:cNvPr id="314" name="313 Rectángulo"/>
+            <p:cNvSpPr/>
+            <p:nvPr/>
+          </p:nvSpPr>
+          <p:spPr>
+            <a:xfrm flipH="1">
+              <a:off x="1070592" y="3952169"/>
+              <a:ext cx="95251" cy="381000"/>
+            </a:xfrm>
+            <a:prstGeom prst="rect">
+              <a:avLst/>
+            </a:prstGeom>
+            <a:solidFill>
+              <a:schemeClr val="accent1">
+                <a:lumMod val="60000"/>
+                <a:lumOff val="40000"/>
+              </a:schemeClr>
+            </a:solidFill>
+          </p:spPr>
+          <p:style>
+            <a:lnRef idx="2">
+              <a:schemeClr val="accent1">
+                <a:shade val="50000"/>
+              </a:schemeClr>
+            </a:lnRef>
+            <a:fillRef idx="1">
+              <a:schemeClr val="accent1"/>
+            </a:fillRef>
+            <a:effectRef idx="0">
+              <a:schemeClr val="accent1"/>
+            </a:effectRef>
+            <a:fontRef idx="minor">
+              <a:schemeClr val="lt1"/>
+            </a:fontRef>
+          </p:style>
+          <p:txBody>
+            <a:bodyPr rtlCol="0" anchor="ctr"/>
+            <a:lstStyle/>
+            <a:p>
+              <a:pPr algn="ctr"/>
+              <a:endParaRPr lang="en-US"/>
+            </a:p>
+          </p:txBody>
+        </p:sp>
+        <p:sp>
+          <p:nvSpPr>
+            <p:cNvPr id="315" name="314 Rectángulo"/>
+            <p:cNvSpPr/>
+            <p:nvPr/>
+          </p:nvSpPr>
+          <p:spPr>
+            <a:xfrm flipH="1">
+              <a:off x="1201003" y="3946481"/>
+              <a:ext cx="95251" cy="381000"/>
+            </a:xfrm>
+            <a:prstGeom prst="rect">
+              <a:avLst/>
+            </a:prstGeom>
+            <a:solidFill>
+              <a:schemeClr val="accent1">
+                <a:lumMod val="60000"/>
+                <a:lumOff val="40000"/>
+              </a:schemeClr>
+            </a:solidFill>
+          </p:spPr>
+          <p:style>
+            <a:lnRef idx="2">
+              <a:schemeClr val="accent1">
+                <a:shade val="50000"/>
+              </a:schemeClr>
+            </a:lnRef>
+            <a:fillRef idx="1">
+              <a:schemeClr val="accent1"/>
+            </a:fillRef>
+            <a:effectRef idx="0">
+              <a:schemeClr val="accent1"/>
+            </a:effectRef>
+            <a:fontRef idx="minor">
+              <a:schemeClr val="lt1"/>
+            </a:fontRef>
+          </p:style>
+          <p:txBody>
+            <a:bodyPr rtlCol="0" anchor="ctr"/>
+            <a:lstStyle/>
+            <a:p>
+              <a:pPr algn="ctr"/>
+              <a:endParaRPr lang="en-US"/>
+            </a:p>
+          </p:txBody>
+        </p:sp>
+        <p:sp>
+          <p:nvSpPr>
+            <p:cNvPr id="316" name="315 Rectángulo"/>
+            <p:cNvSpPr/>
+            <p:nvPr/>
+          </p:nvSpPr>
+          <p:spPr>
+            <a:xfrm flipH="1">
+              <a:off x="1320800" y="3946481"/>
+              <a:ext cx="95251" cy="381000"/>
+            </a:xfrm>
+            <a:prstGeom prst="rect">
+              <a:avLst/>
+            </a:prstGeom>
+            <a:solidFill>
+              <a:schemeClr val="accent1">
+                <a:lumMod val="60000"/>
+                <a:lumOff val="40000"/>
+              </a:schemeClr>
+            </a:solidFill>
+          </p:spPr>
+          <p:style>
+            <a:lnRef idx="2">
+              <a:schemeClr val="accent1">
+                <a:shade val="50000"/>
+              </a:schemeClr>
+            </a:lnRef>
+            <a:fillRef idx="1">
+              <a:schemeClr val="accent1"/>
+            </a:fillRef>
+            <a:effectRef idx="0">
+              <a:schemeClr val="accent1"/>
+            </a:effectRef>
+            <a:fontRef idx="minor">
+              <a:schemeClr val="lt1"/>
+            </a:fontRef>
+          </p:style>
+          <p:txBody>
+            <a:bodyPr rtlCol="0" anchor="ctr"/>
+            <a:lstStyle/>
+            <a:p>
+              <a:pPr algn="ctr"/>
+              <a:endParaRPr lang="en-US"/>
+            </a:p>
+          </p:txBody>
+        </p:sp>
+        <p:sp>
+          <p:nvSpPr>
+            <p:cNvPr id="317" name="316 Rectángulo"/>
+            <p:cNvSpPr/>
+            <p:nvPr/>
+          </p:nvSpPr>
+          <p:spPr>
+            <a:xfrm flipH="1">
+              <a:off x="1440598" y="3946481"/>
+              <a:ext cx="95251" cy="381000"/>
+            </a:xfrm>
+            <a:prstGeom prst="rect">
+              <a:avLst/>
+            </a:prstGeom>
+            <a:solidFill>
+              <a:schemeClr val="accent1">
+                <a:lumMod val="60000"/>
+                <a:lumOff val="40000"/>
+              </a:schemeClr>
+            </a:solidFill>
+          </p:spPr>
+          <p:style>
+            <a:lnRef idx="2">
+              <a:schemeClr val="accent1">
+                <a:shade val="50000"/>
+              </a:schemeClr>
+            </a:lnRef>
+            <a:fillRef idx="1">
+              <a:schemeClr val="accent1"/>
+            </a:fillRef>
+            <a:effectRef idx="0">
+              <a:schemeClr val="accent1"/>
+            </a:effectRef>
+            <a:fontRef idx="minor">
+              <a:schemeClr val="lt1"/>
+            </a:fontRef>
+          </p:style>
+          <p:txBody>
+            <a:bodyPr rtlCol="0" anchor="ctr"/>
+            <a:lstStyle/>
+            <a:p>
+              <a:pPr algn="ctr"/>
+              <a:endParaRPr lang="en-US"/>
+            </a:p>
+          </p:txBody>
+        </p:sp>
+        <p:sp>
+          <p:nvSpPr>
+            <p:cNvPr id="318" name="317 Rectángulo"/>
+            <p:cNvSpPr/>
+            <p:nvPr/>
+          </p:nvSpPr>
+          <p:spPr>
+            <a:xfrm flipH="1">
+              <a:off x="1571008" y="3946481"/>
+              <a:ext cx="95251" cy="381000"/>
+            </a:xfrm>
+            <a:prstGeom prst="rect">
+              <a:avLst/>
+            </a:prstGeom>
+            <a:solidFill>
+              <a:schemeClr val="accent1">
+                <a:lumMod val="60000"/>
+                <a:lumOff val="40000"/>
+              </a:schemeClr>
+            </a:solidFill>
+          </p:spPr>
+          <p:style>
+            <a:lnRef idx="2">
+              <a:schemeClr val="accent1">
+                <a:shade val="50000"/>
+              </a:schemeClr>
+            </a:lnRef>
+            <a:fillRef idx="1">
+              <a:schemeClr val="accent1"/>
+            </a:fillRef>
+            <a:effectRef idx="0">
+              <a:schemeClr val="accent1"/>
+            </a:effectRef>
+            <a:fontRef idx="minor">
+              <a:schemeClr val="lt1"/>
+            </a:fontRef>
+          </p:style>
+          <p:txBody>
+            <a:bodyPr rtlCol="0" anchor="ctr"/>
+            <a:lstStyle/>
+            <a:p>
+              <a:pPr algn="ctr"/>
+              <a:endParaRPr lang="en-US"/>
+            </a:p>
+          </p:txBody>
+        </p:sp>
+        <p:sp>
+          <p:nvSpPr>
+            <p:cNvPr id="319" name="318 Rectángulo"/>
+            <p:cNvSpPr/>
+            <p:nvPr/>
+          </p:nvSpPr>
+          <p:spPr>
+            <a:xfrm flipH="1">
+              <a:off x="1709003" y="3946481"/>
+              <a:ext cx="95251" cy="381000"/>
+            </a:xfrm>
+            <a:prstGeom prst="rect">
+              <a:avLst/>
+            </a:prstGeom>
+            <a:solidFill>
+              <a:schemeClr val="accent1">
+                <a:lumMod val="60000"/>
+                <a:lumOff val="40000"/>
+              </a:schemeClr>
+            </a:solidFill>
+          </p:spPr>
+          <p:style>
+            <a:lnRef idx="2">
+              <a:schemeClr val="accent1">
+                <a:shade val="50000"/>
+              </a:schemeClr>
+            </a:lnRef>
+            <a:fillRef idx="1">
+              <a:schemeClr val="accent1"/>
+            </a:fillRef>
+            <a:effectRef idx="0">
+              <a:schemeClr val="accent1"/>
+            </a:effectRef>
+            <a:fontRef idx="minor">
+              <a:schemeClr val="lt1"/>
+            </a:fontRef>
+          </p:style>
+          <p:txBody>
+            <a:bodyPr rtlCol="0" anchor="ctr"/>
+            <a:lstStyle/>
+            <a:p>
+              <a:pPr algn="ctr"/>
+              <a:endParaRPr lang="en-US"/>
+            </a:p>
+          </p:txBody>
+        </p:sp>
+      </p:grpSp>
+    </p:spTree>
+  </p:cSld>
+  <p:clrMapOvr>
+    <a:masterClrMapping/>
+  </p:clrMapOvr>
+  <p:timing>
+    <p:tnLst>
+      <p:par>
+        <p:cTn id="1" dur="indefinite" restart="never" nodeType="tmRoot"/>
+      </p:par>
+    </p:tnLst>
+  </p:timing>
+</p:sld>
+</file>
+
 <file path=ppt/slides/slide2.xml><?xml version="1.0" encoding="utf-8"?>
 <p:sld xmlns:a="http://schemas.openxmlformats.org/drawingml/2006/main" xmlns:r="http://schemas.openxmlformats.org/officeDocument/2006/relationships" xmlns:p="http://schemas.openxmlformats.org/presentationml/2006/main">
   <p:cSld>
@@ -6275,7 +15536,7 @@
     </p:spTree>
     <p:extLst>
       <p:ext uri="{BB962C8B-B14F-4D97-AF65-F5344CB8AC3E}">
-        <p14:creationId xmlns="" xmlns:p14="http://schemas.microsoft.com/office/powerpoint/2010/main" val="2899344581"/>
+        <p14:creationId xmlns:p14="http://schemas.microsoft.com/office/powerpoint/2010/main" xmlns="" val="2899344581"/>
       </p:ext>
     </p:extLst>
   </p:cSld>
@@ -7084,7 +16345,7 @@
     </p:spTree>
     <p:extLst>
       <p:ext uri="{BB962C8B-B14F-4D97-AF65-F5344CB8AC3E}">
-        <p14:creationId xmlns="" xmlns:p14="http://schemas.microsoft.com/office/powerpoint/2010/main" val="518410028"/>
+        <p14:creationId xmlns:p14="http://schemas.microsoft.com/office/powerpoint/2010/main" xmlns="" val="518410028"/>
       </p:ext>
     </p:extLst>
   </p:cSld>
@@ -7661,7 +16922,7 @@
     </p:spTree>
     <p:extLst>
       <p:ext uri="{BB962C8B-B14F-4D97-AF65-F5344CB8AC3E}">
-        <p14:creationId xmlns="" xmlns:p14="http://schemas.microsoft.com/office/powerpoint/2010/main" val="547407720"/>
+        <p14:creationId xmlns:p14="http://schemas.microsoft.com/office/powerpoint/2010/main" xmlns="" val="547407720"/>
       </p:ext>
     </p:extLst>
   </p:cSld>
@@ -8029,7 +17290,7 @@
     </p:spTree>
     <p:extLst>
       <p:ext uri="{BB962C8B-B14F-4D97-AF65-F5344CB8AC3E}">
-        <p14:creationId xmlns="" xmlns:p14="http://schemas.microsoft.com/office/powerpoint/2010/main" val="3355114092"/>
+        <p14:creationId xmlns:p14="http://schemas.microsoft.com/office/powerpoint/2010/main" xmlns="" val="3355114092"/>
       </p:ext>
     </p:extLst>
   </p:cSld>
@@ -9163,7 +18424,7 @@
     </p:spTree>
     <p:extLst>
       <p:ext uri="{BB962C8B-B14F-4D97-AF65-F5344CB8AC3E}">
-        <p14:creationId xmlns="" xmlns:p14="http://schemas.microsoft.com/office/powerpoint/2010/main" val="1577733768"/>
+        <p14:creationId xmlns:p14="http://schemas.microsoft.com/office/powerpoint/2010/main" xmlns="" val="1577733768"/>
       </p:ext>
     </p:extLst>
   </p:cSld>
@@ -10032,7 +19293,7 @@
     </p:spTree>
     <p:extLst>
       <p:ext uri="{BB962C8B-B14F-4D97-AF65-F5344CB8AC3E}">
-        <p14:creationId xmlns="" xmlns:p14="http://schemas.microsoft.com/office/powerpoint/2010/main" val="3931722828"/>
+        <p14:creationId xmlns:p14="http://schemas.microsoft.com/office/powerpoint/2010/main" xmlns="" val="3931722828"/>
       </p:ext>
     </p:extLst>
   </p:cSld>
@@ -15116,7 +24377,7 @@
   <a:extraClrSchemeLst/>
   <a:extLst>
     <a:ext uri="{05A4C25C-085E-4340-85A3-A5531E510DB2}">
-      <thm15:themeFamily xmlns="" xmlns:thm15="http://schemas.microsoft.com/office/thememl/2012/main" name="Office Theme" id="{62F939B6-93AF-4DB8-9C6B-D6C7DFDC589F}" vid="{4A3C46E8-61CC-4603-A589-7422A47A8E4A}"/>
+      <thm15:themeFamily xmlns:thm15="http://schemas.microsoft.com/office/thememl/2012/main" xmlns="" name="Office Theme" id="{62F939B6-93AF-4DB8-9C6B-D6C7DFDC589F}" vid="{4A3C46E8-61CC-4603-A589-7422A47A8E4A}"/>
     </a:ext>
   </a:extLst>
 </a:theme>
